--- a/Presentation/AzureDeployAndDebug/AzureDeployAndDebug.pptx
+++ b/Presentation/AzureDeployAndDebug/AzureDeployAndDebug.pptx
@@ -11,10 +11,10 @@
     <p:sldMasterId id="2147483726" r:id="rId10"/>
   </p:sldMasterIdLst>
   <p:notesMasterIdLst>
-    <p:notesMasterId r:id="rId31"/>
+    <p:notesMasterId r:id="rId23"/>
   </p:notesMasterIdLst>
   <p:handoutMasterIdLst>
-    <p:handoutMasterId r:id="rId32"/>
+    <p:handoutMasterId r:id="rId24"/>
   </p:handoutMasterIdLst>
   <p:sldIdLst>
     <p:sldId id="285" r:id="rId11"/>
@@ -22,21 +22,13 @@
     <p:sldId id="286" r:id="rId13"/>
     <p:sldId id="283" r:id="rId14"/>
     <p:sldId id="284" r:id="rId15"/>
-    <p:sldId id="287" r:id="rId16"/>
-    <p:sldId id="282" r:id="rId17"/>
-    <p:sldId id="288" r:id="rId18"/>
-    <p:sldId id="280" r:id="rId19"/>
-    <p:sldId id="289" r:id="rId20"/>
-    <p:sldId id="290" r:id="rId21"/>
-    <p:sldId id="291" r:id="rId22"/>
-    <p:sldId id="292" r:id="rId23"/>
-    <p:sldId id="293" r:id="rId24"/>
-    <p:sldId id="294" r:id="rId25"/>
-    <p:sldId id="266" r:id="rId26"/>
-    <p:sldId id="267" r:id="rId27"/>
-    <p:sldId id="268" r:id="rId28"/>
-    <p:sldId id="269" r:id="rId29"/>
-    <p:sldId id="263" r:id="rId30"/>
+    <p:sldId id="288" r:id="rId16"/>
+    <p:sldId id="280" r:id="rId17"/>
+    <p:sldId id="289" r:id="rId18"/>
+    <p:sldId id="290" r:id="rId19"/>
+    <p:sldId id="291" r:id="rId20"/>
+    <p:sldId id="292" r:id="rId21"/>
+    <p:sldId id="263" r:id="rId22"/>
   </p:sldIdLst>
   <p:sldSz cx="12192000" cy="6858000"/>
   <p:notesSz cx="6858000" cy="9144000"/>
@@ -228,7 +220,7 @@
           <a:p>
             <a:fld id="{312E7B4A-039C-48A2-9B2C-AF16AA3873D8}" type="datetimeFigureOut">
               <a:rPr lang="en-US" smtClean="0"/>
-              <a:t>07/07/2015</a:t>
+              <a:t>22/07/2015</a:t>
             </a:fld>
             <a:endParaRPr lang="en-US"/>
           </a:p>
@@ -393,7 +385,7 @@
           <a:p>
             <a:fld id="{DA005A0C-54D9-45AA-87D4-C551D08DFCE1}" type="datetimeFigureOut">
               <a:rPr lang="en-US" smtClean="0"/>
-              <a:t>07/07/2015</a:t>
+              <a:t>22/07/2015</a:t>
             </a:fld>
             <a:endParaRPr lang="en-US"/>
           </a:p>
@@ -17315,20 +17307,30 @@
           <a:p>
             <a:r>
               <a:rPr lang="en-US" dirty="0"/>
-              <a:t>Deploying to Azure with </a:t>
-            </a:r>
-            <a:r>
-              <a:rPr lang="en-US" dirty="0" err="1"/>
-              <a:t>Github</a:t>
-            </a:r>
-            <a:endParaRPr lang="en-US" dirty="0"/>
+              <a:t>Remote </a:t>
+            </a:r>
+            <a:r>
+              <a:rPr lang="en-US" dirty="0" smtClean="0"/>
+              <a:t>debugging</a:t>
+            </a:r>
+            <a:br>
+              <a:rPr lang="en-US" dirty="0" smtClean="0"/>
+            </a:br>
+            <a:r>
+              <a:rPr lang="en-US" dirty="0" smtClean="0"/>
+              <a:t>with </a:t>
+            </a:r>
+            <a:r>
+              <a:rPr lang="en-US" dirty="0"/>
+              <a:t>Visual Studio</a:t>
+            </a:r>
           </a:p>
         </p:txBody>
       </p:sp>
     </p:spTree>
     <p:extLst>
       <p:ext uri="{BB962C8B-B14F-4D97-AF65-F5344CB8AC3E}">
-        <p14:creationId xmlns:p14="http://schemas.microsoft.com/office/powerpoint/2010/main" val="3233233575"/>
+        <p14:creationId xmlns:p14="http://schemas.microsoft.com/office/powerpoint/2010/main" val="2101241467"/>
       </p:ext>
     </p:extLst>
   </p:cSld>
@@ -17390,12 +17392,8 @@
           <a:lstStyle/>
           <a:p>
             <a:r>
-              <a:rPr lang="en-US" dirty="0"/>
-              <a:t>Deploying to Azure with </a:t>
-            </a:r>
-            <a:r>
-              <a:rPr lang="en-US" dirty="0" err="1"/>
-              <a:t>Github</a:t>
+              <a:rPr lang="en-US" dirty="0" smtClean="0"/>
+              <a:t>Remote Debugging a node application with Visual Studio and Azure</a:t>
             </a:r>
             <a:endParaRPr lang="en-US" dirty="0"/>
           </a:p>
@@ -17404,7 +17402,7 @@
     </p:spTree>
     <p:extLst>
       <p:ext uri="{BB962C8B-B14F-4D97-AF65-F5344CB8AC3E}">
-        <p14:creationId xmlns:p14="http://schemas.microsoft.com/office/powerpoint/2010/main" val="2374196098"/>
+        <p14:creationId xmlns:p14="http://schemas.microsoft.com/office/powerpoint/2010/main" val="1931064476"/>
       </p:ext>
     </p:extLst>
   </p:cSld>
@@ -17450,794 +17448,10 @@
           <a:chExt cx="0" cy="0"/>
         </a:xfrm>
       </p:grpSpPr>
-      <p:sp>
-        <p:nvSpPr>
-          <p:cNvPr id="4" name="Title 3"/>
-          <p:cNvSpPr>
-            <a:spLocks noGrp="1"/>
-          </p:cNvSpPr>
-          <p:nvPr>
-            <p:ph type="ctrTitle"/>
-          </p:nvPr>
-        </p:nvSpPr>
-        <p:spPr/>
-        <p:txBody>
-          <a:bodyPr>
-            <a:normAutofit/>
-          </a:bodyPr>
-          <a:lstStyle/>
-          <a:p>
-            <a:r>
-              <a:rPr lang="en-US" dirty="0"/>
-              <a:t>Remote </a:t>
-            </a:r>
-            <a:r>
-              <a:rPr lang="en-US" dirty="0" smtClean="0"/>
-              <a:t>debugging</a:t>
-            </a:r>
-            <a:br>
-              <a:rPr lang="en-US" dirty="0" smtClean="0"/>
-            </a:br>
-            <a:r>
-              <a:rPr lang="en-US" dirty="0" smtClean="0"/>
-              <a:t>with </a:t>
-            </a:r>
-            <a:r>
-              <a:rPr lang="en-US" dirty="0"/>
-              <a:t>Visual Studio</a:t>
-            </a:r>
-          </a:p>
-        </p:txBody>
-      </p:sp>
     </p:spTree>
     <p:extLst>
       <p:ext uri="{BB962C8B-B14F-4D97-AF65-F5344CB8AC3E}">
-        <p14:creationId xmlns:p14="http://schemas.microsoft.com/office/powerpoint/2010/main" val="2101241467"/>
-      </p:ext>
-    </p:extLst>
-  </p:cSld>
-  <p:clrMapOvr>
-    <a:masterClrMapping/>
-  </p:clrMapOvr>
-  <mc:AlternateContent xmlns:mc="http://schemas.openxmlformats.org/markup-compatibility/2006" xmlns:p14="http://schemas.microsoft.com/office/powerpoint/2010/main">
-    <mc:Choice Requires="p14">
-      <p:transition spd="med" p14:dur="700">
-        <p:fade/>
-      </p:transition>
-    </mc:Choice>
-    <mc:Fallback xmlns="">
-      <p:transition spd="med">
-        <p:fade/>
-      </p:transition>
-    </mc:Fallback>
-  </mc:AlternateContent>
-  <p:timing>
-    <p:tnLst>
-      <p:par>
-        <p:cTn id="1" dur="indefinite" restart="never" nodeType="tmRoot"/>
-      </p:par>
-    </p:tnLst>
-  </p:timing>
-</p:sld>
-</file>
-
-<file path=ppt/slides/slide13.xml><?xml version="1.0" encoding="utf-8"?>
-<p:sld xmlns:a="http://schemas.openxmlformats.org/drawingml/2006/main" xmlns:r="http://schemas.openxmlformats.org/officeDocument/2006/relationships" xmlns:p="http://schemas.openxmlformats.org/presentationml/2006/main">
-  <p:cSld>
-    <p:spTree>
-      <p:nvGrpSpPr>
-        <p:cNvPr id="1" name=""/>
-        <p:cNvGrpSpPr/>
-        <p:nvPr/>
-      </p:nvGrpSpPr>
-      <p:grpSpPr>
-        <a:xfrm>
-          <a:off x="0" y="0"/>
-          <a:ext cx="0" cy="0"/>
-          <a:chOff x="0" y="0"/>
-          <a:chExt cx="0" cy="0"/>
-        </a:xfrm>
-      </p:grpSpPr>
-      <p:sp>
-        <p:nvSpPr>
-          <p:cNvPr id="3" name="Subtitle 2"/>
-          <p:cNvSpPr>
-            <a:spLocks noGrp="1"/>
-          </p:cNvSpPr>
-          <p:nvPr>
-            <p:ph type="subTitle" idx="1"/>
-          </p:nvPr>
-        </p:nvSpPr>
-        <p:spPr/>
-        <p:txBody>
-          <a:bodyPr/>
-          <a:lstStyle/>
-          <a:p>
-            <a:r>
-              <a:rPr lang="en-US" dirty="0" smtClean="0"/>
-              <a:t>Remote Debugging a node application with Visual Studio and Azure</a:t>
-            </a:r>
-            <a:endParaRPr lang="en-US" dirty="0"/>
-          </a:p>
-        </p:txBody>
-      </p:sp>
-    </p:spTree>
-    <p:extLst>
-      <p:ext uri="{BB962C8B-B14F-4D97-AF65-F5344CB8AC3E}">
-        <p14:creationId xmlns:p14="http://schemas.microsoft.com/office/powerpoint/2010/main" val="1931064476"/>
-      </p:ext>
-    </p:extLst>
-  </p:cSld>
-  <p:clrMapOvr>
-    <a:masterClrMapping/>
-  </p:clrMapOvr>
-  <mc:AlternateContent xmlns:mc="http://schemas.openxmlformats.org/markup-compatibility/2006" xmlns:p14="http://schemas.microsoft.com/office/powerpoint/2010/main">
-    <mc:Choice Requires="p14">
-      <p:transition spd="med" p14:dur="700">
-        <p:fade/>
-      </p:transition>
-    </mc:Choice>
-    <mc:Fallback xmlns="">
-      <p:transition spd="med">
-        <p:fade/>
-      </p:transition>
-    </mc:Fallback>
-  </mc:AlternateContent>
-  <p:timing>
-    <p:tnLst>
-      <p:par>
-        <p:cTn id="1" dur="indefinite" restart="never" nodeType="tmRoot"/>
-      </p:par>
-    </p:tnLst>
-  </p:timing>
-</p:sld>
-</file>
-
-<file path=ppt/slides/slide14.xml><?xml version="1.0" encoding="utf-8"?>
-<p:sld xmlns:a="http://schemas.openxmlformats.org/drawingml/2006/main" xmlns:r="http://schemas.openxmlformats.org/officeDocument/2006/relationships" xmlns:p="http://schemas.openxmlformats.org/presentationml/2006/main">
-  <p:cSld>
-    <p:spTree>
-      <p:nvGrpSpPr>
-        <p:cNvPr id="1" name=""/>
-        <p:cNvGrpSpPr/>
-        <p:nvPr/>
-      </p:nvGrpSpPr>
-      <p:grpSpPr>
-        <a:xfrm>
-          <a:off x="0" y="0"/>
-          <a:ext cx="0" cy="0"/>
-          <a:chOff x="0" y="0"/>
-          <a:chExt cx="0" cy="0"/>
-        </a:xfrm>
-      </p:grpSpPr>
-      <p:sp>
-        <p:nvSpPr>
-          <p:cNvPr id="4" name="Title 3"/>
-          <p:cNvSpPr>
-            <a:spLocks noGrp="1"/>
-          </p:cNvSpPr>
-          <p:nvPr>
-            <p:ph type="ctrTitle"/>
-          </p:nvPr>
-        </p:nvSpPr>
-        <p:spPr/>
-        <p:txBody>
-          <a:bodyPr>
-            <a:normAutofit/>
-          </a:bodyPr>
-          <a:lstStyle/>
-          <a:p>
-            <a:r>
-              <a:rPr lang="en-US" dirty="0"/>
-              <a:t>Configuration </a:t>
-            </a:r>
-            <a:r>
-              <a:rPr lang="en-US" dirty="0" smtClean="0"/>
-              <a:t>Overview</a:t>
-            </a:r>
-            <a:endParaRPr lang="en-US" dirty="0"/>
-          </a:p>
-        </p:txBody>
-      </p:sp>
-    </p:spTree>
-    <p:extLst>
-      <p:ext uri="{BB962C8B-B14F-4D97-AF65-F5344CB8AC3E}">
-        <p14:creationId xmlns:p14="http://schemas.microsoft.com/office/powerpoint/2010/main" val="2006094778"/>
-      </p:ext>
-    </p:extLst>
-  </p:cSld>
-  <p:clrMapOvr>
-    <a:masterClrMapping/>
-  </p:clrMapOvr>
-  <mc:AlternateContent xmlns:mc="http://schemas.openxmlformats.org/markup-compatibility/2006" xmlns:p14="http://schemas.microsoft.com/office/powerpoint/2010/main">
-    <mc:Choice Requires="p14">
-      <p:transition spd="med" p14:dur="700">
-        <p:fade/>
-      </p:transition>
-    </mc:Choice>
-    <mc:Fallback xmlns="">
-      <p:transition spd="med">
-        <p:fade/>
-      </p:transition>
-    </mc:Fallback>
-  </mc:AlternateContent>
-  <p:timing>
-    <p:tnLst>
-      <p:par>
-        <p:cTn id="1" dur="indefinite" restart="never" nodeType="tmRoot"/>
-      </p:par>
-    </p:tnLst>
-  </p:timing>
-</p:sld>
-</file>
-
-<file path=ppt/slides/slide15.xml><?xml version="1.0" encoding="utf-8"?>
-<p:sld xmlns:a="http://schemas.openxmlformats.org/drawingml/2006/main" xmlns:r="http://schemas.openxmlformats.org/officeDocument/2006/relationships" xmlns:p="http://schemas.openxmlformats.org/presentationml/2006/main">
-  <p:cSld>
-    <p:spTree>
-      <p:nvGrpSpPr>
-        <p:cNvPr id="1" name=""/>
-        <p:cNvGrpSpPr/>
-        <p:nvPr/>
-      </p:nvGrpSpPr>
-      <p:grpSpPr>
-        <a:xfrm>
-          <a:off x="0" y="0"/>
-          <a:ext cx="0" cy="0"/>
-          <a:chOff x="0" y="0"/>
-          <a:chExt cx="0" cy="0"/>
-        </a:xfrm>
-      </p:grpSpPr>
-      <p:sp>
-        <p:nvSpPr>
-          <p:cNvPr id="3" name="Subtitle 2"/>
-          <p:cNvSpPr>
-            <a:spLocks noGrp="1"/>
-          </p:cNvSpPr>
-          <p:nvPr>
-            <p:ph type="subTitle" idx="1"/>
-          </p:nvPr>
-        </p:nvSpPr>
-        <p:spPr/>
-        <p:txBody>
-          <a:bodyPr/>
-          <a:lstStyle/>
-          <a:p>
-            <a:r>
-              <a:rPr lang="en-US" dirty="0"/>
-              <a:t>Setting environment variables and connection strings</a:t>
-            </a:r>
-          </a:p>
-        </p:txBody>
-      </p:sp>
-    </p:spTree>
-    <p:extLst>
-      <p:ext uri="{BB962C8B-B14F-4D97-AF65-F5344CB8AC3E}">
-        <p14:creationId xmlns:p14="http://schemas.microsoft.com/office/powerpoint/2010/main" val="3786985499"/>
-      </p:ext>
-    </p:extLst>
-  </p:cSld>
-  <p:clrMapOvr>
-    <a:masterClrMapping/>
-  </p:clrMapOvr>
-  <mc:AlternateContent xmlns:mc="http://schemas.openxmlformats.org/markup-compatibility/2006" xmlns:p14="http://schemas.microsoft.com/office/powerpoint/2010/main">
-    <mc:Choice Requires="p14">
-      <p:transition spd="med" p14:dur="700">
-        <p:fade/>
-      </p:transition>
-    </mc:Choice>
-    <mc:Fallback xmlns="">
-      <p:transition spd="med">
-        <p:fade/>
-      </p:transition>
-    </mc:Fallback>
-  </mc:AlternateContent>
-  <p:timing>
-    <p:tnLst>
-      <p:par>
-        <p:cTn id="1" dur="indefinite" restart="never" nodeType="tmRoot"/>
-      </p:par>
-    </p:tnLst>
-  </p:timing>
-</p:sld>
-</file>
-
-<file path=ppt/slides/slide16.xml><?xml version="1.0" encoding="utf-8"?>
-<p:sld xmlns:a="http://schemas.openxmlformats.org/drawingml/2006/main" xmlns:r="http://schemas.openxmlformats.org/officeDocument/2006/relationships" xmlns:p="http://schemas.openxmlformats.org/presentationml/2006/main" show="0">
-  <p:cSld>
-    <p:spTree>
-      <p:nvGrpSpPr>
-        <p:cNvPr id="1" name=""/>
-        <p:cNvGrpSpPr/>
-        <p:nvPr/>
-      </p:nvGrpSpPr>
-      <p:grpSpPr>
-        <a:xfrm>
-          <a:off x="0" y="0"/>
-          <a:ext cx="0" cy="0"/>
-          <a:chOff x="0" y="0"/>
-          <a:chExt cx="0" cy="0"/>
-        </a:xfrm>
-      </p:grpSpPr>
-      <p:sp>
-        <p:nvSpPr>
-          <p:cNvPr id="2" name="Title 1"/>
-          <p:cNvSpPr>
-            <a:spLocks noGrp="1"/>
-          </p:cNvSpPr>
-          <p:nvPr>
-            <p:ph type="title" idx="4294967295"/>
-          </p:nvPr>
-        </p:nvSpPr>
-        <p:spPr>
-          <a:xfrm>
-            <a:off x="666750" y="182563"/>
-            <a:ext cx="11525250" cy="1063625"/>
-          </a:xfrm>
-        </p:spPr>
-        <p:txBody>
-          <a:bodyPr/>
-          <a:lstStyle/>
-          <a:p>
-            <a:r>
-              <a:rPr lang="en-US" dirty="0" smtClean="0"/>
-              <a:t>Azure Publishing</a:t>
-            </a:r>
-            <a:endParaRPr lang="en-US" dirty="0"/>
-          </a:p>
-        </p:txBody>
-      </p:sp>
-      <p:pic>
-        <p:nvPicPr>
-          <p:cNvPr id="11266" name="Picture 2" descr="BLOG POST - Part 2 - Screenshot 10"/>
-          <p:cNvPicPr>
-            <a:picLocks noChangeAspect="1" noChangeArrowheads="1"/>
-          </p:cNvPicPr>
-          <p:nvPr/>
-        </p:nvPicPr>
-        <p:blipFill>
-          <a:blip r:embed="rId2">
-            <a:extLst>
-              <a:ext uri="{28A0092B-C50C-407E-A947-70E740481C1C}">
-                <a14:useLocalDpi xmlns:a14="http://schemas.microsoft.com/office/drawing/2010/main" val="0"/>
-              </a:ext>
-            </a:extLst>
-          </a:blip>
-          <a:srcRect/>
-          <a:stretch>
-            <a:fillRect/>
-          </a:stretch>
-        </p:blipFill>
-        <p:spPr bwMode="auto">
-          <a:xfrm>
-            <a:off x="525267" y="1034669"/>
-            <a:ext cx="5144013" cy="5539706"/>
-          </a:xfrm>
-          <a:prstGeom prst="rect">
-            <a:avLst/>
-          </a:prstGeom>
-          <a:noFill/>
-          <a:ln>
-            <a:noFill/>
-          </a:ln>
-          <a:extLst>
-            <a:ext uri="{909E8E84-426E-40DD-AFC4-6F175D3DCCD1}">
-              <a14:hiddenFill xmlns:a14="http://schemas.microsoft.com/office/drawing/2010/main">
-                <a:solidFill>
-                  <a:srgbClr val="FFFFFF"/>
-                </a:solidFill>
-              </a14:hiddenFill>
-            </a:ext>
-            <a:ext uri="{91240B29-F687-4F45-9708-019B960494DF}">
-              <a14:hiddenLine xmlns:a14="http://schemas.microsoft.com/office/drawing/2010/main" w="9525">
-                <a:solidFill>
-                  <a:srgbClr val="000000"/>
-                </a:solidFill>
-                <a:miter lim="800000"/>
-                <a:headEnd/>
-                <a:tailEnd/>
-              </a14:hiddenLine>
-            </a:ext>
-          </a:extLst>
-        </p:spPr>
-      </p:pic>
-    </p:spTree>
-    <p:extLst>
-      <p:ext uri="{BB962C8B-B14F-4D97-AF65-F5344CB8AC3E}">
-        <p14:creationId xmlns:p14="http://schemas.microsoft.com/office/powerpoint/2010/main" val="1866314365"/>
-      </p:ext>
-    </p:extLst>
-  </p:cSld>
-  <p:clrMapOvr>
-    <a:masterClrMapping/>
-  </p:clrMapOvr>
-  <mc:AlternateContent xmlns:mc="http://schemas.openxmlformats.org/markup-compatibility/2006" xmlns:p14="http://schemas.microsoft.com/office/powerpoint/2010/main">
-    <mc:Choice Requires="p14">
-      <p:transition spd="med" p14:dur="700">
-        <p:fade/>
-      </p:transition>
-    </mc:Choice>
-    <mc:Fallback xmlns="">
-      <p:transition spd="med">
-        <p:fade/>
-      </p:transition>
-    </mc:Fallback>
-  </mc:AlternateContent>
-  <p:timing>
-    <p:tnLst>
-      <p:par>
-        <p:cTn id="1" dur="indefinite" restart="never" nodeType="tmRoot"/>
-      </p:par>
-    </p:tnLst>
-  </p:timing>
-</p:sld>
-</file>
-
-<file path=ppt/slides/slide17.xml><?xml version="1.0" encoding="utf-8"?>
-<p:sld xmlns:a="http://schemas.openxmlformats.org/drawingml/2006/main" xmlns:r="http://schemas.openxmlformats.org/officeDocument/2006/relationships" xmlns:p="http://schemas.openxmlformats.org/presentationml/2006/main" show="0">
-  <p:cSld>
-    <p:spTree>
-      <p:nvGrpSpPr>
-        <p:cNvPr id="1" name=""/>
-        <p:cNvGrpSpPr/>
-        <p:nvPr/>
-      </p:nvGrpSpPr>
-      <p:grpSpPr>
-        <a:xfrm>
-          <a:off x="0" y="0"/>
-          <a:ext cx="0" cy="0"/>
-          <a:chOff x="0" y="0"/>
-          <a:chExt cx="0" cy="0"/>
-        </a:xfrm>
-      </p:grpSpPr>
-      <p:sp>
-        <p:nvSpPr>
-          <p:cNvPr id="2" name="Title 1"/>
-          <p:cNvSpPr>
-            <a:spLocks noGrp="1"/>
-          </p:cNvSpPr>
-          <p:nvPr>
-            <p:ph type="title" idx="4294967295"/>
-          </p:nvPr>
-        </p:nvSpPr>
-        <p:spPr>
-          <a:xfrm>
-            <a:off x="666750" y="182563"/>
-            <a:ext cx="11525250" cy="1063625"/>
-          </a:xfrm>
-        </p:spPr>
-        <p:txBody>
-          <a:bodyPr/>
-          <a:lstStyle/>
-          <a:p>
-            <a:r>
-              <a:rPr lang="en-US" dirty="0" smtClean="0"/>
-              <a:t>Why use Express? </a:t>
-            </a:r>
-            <a:endParaRPr lang="en-US" dirty="0"/>
-          </a:p>
-        </p:txBody>
-      </p:sp>
-      <p:pic>
-        <p:nvPicPr>
-          <p:cNvPr id="13314" name="Picture 2" descr="BLOG POST - Part 2 - Screenshot 13"/>
-          <p:cNvPicPr>
-            <a:picLocks noChangeAspect="1" noChangeArrowheads="1"/>
-          </p:cNvPicPr>
-          <p:nvPr/>
-        </p:nvPicPr>
-        <p:blipFill>
-          <a:blip r:embed="rId2">
-            <a:extLst>
-              <a:ext uri="{28A0092B-C50C-407E-A947-70E740481C1C}">
-                <a14:useLocalDpi xmlns:a14="http://schemas.microsoft.com/office/drawing/2010/main" val="0"/>
-              </a:ext>
-            </a:extLst>
-          </a:blip>
-          <a:srcRect/>
-          <a:stretch>
-            <a:fillRect/>
-          </a:stretch>
-        </p:blipFill>
-        <p:spPr bwMode="auto">
-          <a:xfrm>
-            <a:off x="525268" y="1087975"/>
-            <a:ext cx="5943600" cy="4667250"/>
-          </a:xfrm>
-          <a:prstGeom prst="rect">
-            <a:avLst/>
-          </a:prstGeom>
-          <a:noFill/>
-          <a:ln>
-            <a:noFill/>
-          </a:ln>
-          <a:extLst>
-            <a:ext uri="{909E8E84-426E-40DD-AFC4-6F175D3DCCD1}">
-              <a14:hiddenFill xmlns:a14="http://schemas.microsoft.com/office/drawing/2010/main">
-                <a:solidFill>
-                  <a:srgbClr val="FFFFFF"/>
-                </a:solidFill>
-              </a14:hiddenFill>
-            </a:ext>
-            <a:ext uri="{91240B29-F687-4F45-9708-019B960494DF}">
-              <a14:hiddenLine xmlns:a14="http://schemas.microsoft.com/office/drawing/2010/main" w="9525">
-                <a:solidFill>
-                  <a:srgbClr val="000000"/>
-                </a:solidFill>
-                <a:miter lim="800000"/>
-                <a:headEnd/>
-                <a:tailEnd/>
-              </a14:hiddenLine>
-            </a:ext>
-          </a:extLst>
-        </p:spPr>
-      </p:pic>
-    </p:spTree>
-    <p:extLst>
-      <p:ext uri="{BB962C8B-B14F-4D97-AF65-F5344CB8AC3E}">
-        <p14:creationId xmlns:p14="http://schemas.microsoft.com/office/powerpoint/2010/main" val="2269553068"/>
-      </p:ext>
-    </p:extLst>
-  </p:cSld>
-  <p:clrMapOvr>
-    <a:masterClrMapping/>
-  </p:clrMapOvr>
-  <mc:AlternateContent xmlns:mc="http://schemas.openxmlformats.org/markup-compatibility/2006" xmlns:p14="http://schemas.microsoft.com/office/powerpoint/2010/main">
-    <mc:Choice Requires="p14">
-      <p:transition spd="med" p14:dur="700">
-        <p:fade/>
-      </p:transition>
-    </mc:Choice>
-    <mc:Fallback xmlns="">
-      <p:transition spd="med">
-        <p:fade/>
-      </p:transition>
-    </mc:Fallback>
-  </mc:AlternateContent>
-  <p:timing>
-    <p:tnLst>
-      <p:par>
-        <p:cTn id="1" dur="indefinite" restart="never" nodeType="tmRoot"/>
-      </p:par>
-    </p:tnLst>
-  </p:timing>
-</p:sld>
-</file>
-
-<file path=ppt/slides/slide18.xml><?xml version="1.0" encoding="utf-8"?>
-<p:sld xmlns:a="http://schemas.openxmlformats.org/drawingml/2006/main" xmlns:r="http://schemas.openxmlformats.org/officeDocument/2006/relationships" xmlns:p="http://schemas.openxmlformats.org/presentationml/2006/main" show="0">
-  <p:cSld>
-    <p:spTree>
-      <p:nvGrpSpPr>
-        <p:cNvPr id="1" name=""/>
-        <p:cNvGrpSpPr/>
-        <p:nvPr/>
-      </p:nvGrpSpPr>
-      <p:grpSpPr>
-        <a:xfrm>
-          <a:off x="0" y="0"/>
-          <a:ext cx="0" cy="0"/>
-          <a:chOff x="0" y="0"/>
-          <a:chExt cx="0" cy="0"/>
-        </a:xfrm>
-      </p:grpSpPr>
-      <p:sp>
-        <p:nvSpPr>
-          <p:cNvPr id="2" name="Title 1"/>
-          <p:cNvSpPr>
-            <a:spLocks noGrp="1"/>
-          </p:cNvSpPr>
-          <p:nvPr>
-            <p:ph type="title" idx="4294967295"/>
-          </p:nvPr>
-        </p:nvSpPr>
-        <p:spPr>
-          <a:xfrm>
-            <a:off x="666750" y="182563"/>
-            <a:ext cx="11525250" cy="1063625"/>
-          </a:xfrm>
-        </p:spPr>
-        <p:txBody>
-          <a:bodyPr/>
-          <a:lstStyle/>
-          <a:p>
-            <a:r>
-              <a:rPr lang="en-US" dirty="0" smtClean="0"/>
-              <a:t>Why use Express? </a:t>
-            </a:r>
-            <a:endParaRPr lang="en-US" dirty="0"/>
-          </a:p>
-        </p:txBody>
-      </p:sp>
-      <p:pic>
-        <p:nvPicPr>
-          <p:cNvPr id="14338" name="Picture 2" descr="BLOG POST - Part 2 - Screenshot 14"/>
-          <p:cNvPicPr>
-            <a:picLocks noChangeAspect="1" noChangeArrowheads="1"/>
-          </p:cNvPicPr>
-          <p:nvPr/>
-        </p:nvPicPr>
-        <p:blipFill>
-          <a:blip r:embed="rId2">
-            <a:extLst>
-              <a:ext uri="{28A0092B-C50C-407E-A947-70E740481C1C}">
-                <a14:useLocalDpi xmlns:a14="http://schemas.microsoft.com/office/drawing/2010/main" val="0"/>
-              </a:ext>
-            </a:extLst>
-          </a:blip>
-          <a:srcRect/>
-          <a:stretch>
-            <a:fillRect/>
-          </a:stretch>
-        </p:blipFill>
-        <p:spPr bwMode="auto">
-          <a:xfrm>
-            <a:off x="379514" y="1245702"/>
-            <a:ext cx="5943600" cy="4667250"/>
-          </a:xfrm>
-          <a:prstGeom prst="rect">
-            <a:avLst/>
-          </a:prstGeom>
-          <a:noFill/>
-          <a:ln>
-            <a:noFill/>
-          </a:ln>
-          <a:extLst>
-            <a:ext uri="{909E8E84-426E-40DD-AFC4-6F175D3DCCD1}">
-              <a14:hiddenFill xmlns:a14="http://schemas.microsoft.com/office/drawing/2010/main">
-                <a:solidFill>
-                  <a:srgbClr val="FFFFFF"/>
-                </a:solidFill>
-              </a14:hiddenFill>
-            </a:ext>
-            <a:ext uri="{91240B29-F687-4F45-9708-019B960494DF}">
-              <a14:hiddenLine xmlns:a14="http://schemas.microsoft.com/office/drawing/2010/main" w="9525">
-                <a:solidFill>
-                  <a:srgbClr val="000000"/>
-                </a:solidFill>
-                <a:miter lim="800000"/>
-                <a:headEnd/>
-                <a:tailEnd/>
-              </a14:hiddenLine>
-            </a:ext>
-          </a:extLst>
-        </p:spPr>
-      </p:pic>
-    </p:spTree>
-    <p:extLst>
-      <p:ext uri="{BB962C8B-B14F-4D97-AF65-F5344CB8AC3E}">
-        <p14:creationId xmlns:p14="http://schemas.microsoft.com/office/powerpoint/2010/main" val="3581180621"/>
-      </p:ext>
-    </p:extLst>
-  </p:cSld>
-  <p:clrMapOvr>
-    <a:masterClrMapping/>
-  </p:clrMapOvr>
-  <mc:AlternateContent xmlns:mc="http://schemas.openxmlformats.org/markup-compatibility/2006" xmlns:p14="http://schemas.microsoft.com/office/powerpoint/2010/main">
-    <mc:Choice Requires="p14">
-      <p:transition spd="med" p14:dur="700">
-        <p:fade/>
-      </p:transition>
-    </mc:Choice>
-    <mc:Fallback xmlns="">
-      <p:transition spd="med">
-        <p:fade/>
-      </p:transition>
-    </mc:Fallback>
-  </mc:AlternateContent>
-  <p:timing>
-    <p:tnLst>
-      <p:par>
-        <p:cTn id="1" dur="indefinite" restart="never" nodeType="tmRoot"/>
-      </p:par>
-    </p:tnLst>
-  </p:timing>
-</p:sld>
-</file>
-
-<file path=ppt/slides/slide19.xml><?xml version="1.0" encoding="utf-8"?>
-<p:sld xmlns:a="http://schemas.openxmlformats.org/drawingml/2006/main" xmlns:r="http://schemas.openxmlformats.org/officeDocument/2006/relationships" xmlns:p="http://schemas.openxmlformats.org/presentationml/2006/main" show="0">
-  <p:cSld>
-    <p:spTree>
-      <p:nvGrpSpPr>
-        <p:cNvPr id="1" name=""/>
-        <p:cNvGrpSpPr/>
-        <p:nvPr/>
-      </p:nvGrpSpPr>
-      <p:grpSpPr>
-        <a:xfrm>
-          <a:off x="0" y="0"/>
-          <a:ext cx="0" cy="0"/>
-          <a:chOff x="0" y="0"/>
-          <a:chExt cx="0" cy="0"/>
-        </a:xfrm>
-      </p:grpSpPr>
-      <p:sp>
-        <p:nvSpPr>
-          <p:cNvPr id="2" name="Title 1"/>
-          <p:cNvSpPr>
-            <a:spLocks noGrp="1"/>
-          </p:cNvSpPr>
-          <p:nvPr>
-            <p:ph type="title" idx="4294967295"/>
-          </p:nvPr>
-        </p:nvSpPr>
-        <p:spPr>
-          <a:xfrm>
-            <a:off x="666750" y="182563"/>
-            <a:ext cx="11525250" cy="1063625"/>
-          </a:xfrm>
-        </p:spPr>
-        <p:txBody>
-          <a:bodyPr/>
-          <a:lstStyle/>
-          <a:p>
-            <a:r>
-              <a:rPr lang="en-US" dirty="0" smtClean="0"/>
-              <a:t>Why use Express? </a:t>
-            </a:r>
-            <a:endParaRPr lang="en-US" dirty="0"/>
-          </a:p>
-        </p:txBody>
-      </p:sp>
-      <p:pic>
-        <p:nvPicPr>
-          <p:cNvPr id="15362" name="Picture 2" descr="BLOG POST - Part 2 - Screenshot 15"/>
-          <p:cNvPicPr>
-            <a:picLocks noChangeAspect="1" noChangeArrowheads="1"/>
-          </p:cNvPicPr>
-          <p:nvPr/>
-        </p:nvPicPr>
-        <p:blipFill>
-          <a:blip r:embed="rId2">
-            <a:extLst>
-              <a:ext uri="{28A0092B-C50C-407E-A947-70E740481C1C}">
-                <a14:useLocalDpi xmlns:a14="http://schemas.microsoft.com/office/drawing/2010/main" val="0"/>
-              </a:ext>
-            </a:extLst>
-          </a:blip>
-          <a:srcRect/>
-          <a:stretch>
-            <a:fillRect/>
-          </a:stretch>
-        </p:blipFill>
-        <p:spPr bwMode="auto">
-          <a:xfrm>
-            <a:off x="379514" y="713958"/>
-            <a:ext cx="5943600" cy="6677025"/>
-          </a:xfrm>
-          <a:prstGeom prst="rect">
-            <a:avLst/>
-          </a:prstGeom>
-          <a:noFill/>
-          <a:ln>
-            <a:noFill/>
-          </a:ln>
-          <a:extLst>
-            <a:ext uri="{909E8E84-426E-40DD-AFC4-6F175D3DCCD1}">
-              <a14:hiddenFill xmlns:a14="http://schemas.microsoft.com/office/drawing/2010/main">
-                <a:solidFill>
-                  <a:srgbClr val="FFFFFF"/>
-                </a:solidFill>
-              </a14:hiddenFill>
-            </a:ext>
-            <a:ext uri="{91240B29-F687-4F45-9708-019B960494DF}">
-              <a14:hiddenLine xmlns:a14="http://schemas.microsoft.com/office/drawing/2010/main" w="9525">
-                <a:solidFill>
-                  <a:srgbClr val="000000"/>
-                </a:solidFill>
-                <a:miter lim="800000"/>
-                <a:headEnd/>
-                <a:tailEnd/>
-              </a14:hiddenLine>
-            </a:ext>
-          </a:extLst>
-        </p:spPr>
-      </p:pic>
-    </p:spTree>
-    <p:extLst>
-      <p:ext uri="{BB962C8B-B14F-4D97-AF65-F5344CB8AC3E}">
-        <p14:creationId xmlns:p14="http://schemas.microsoft.com/office/powerpoint/2010/main" val="460672247"/>
+        <p14:creationId xmlns:p14="http://schemas.microsoft.com/office/powerpoint/2010/main" val="3149604782"/>
       </p:ext>
     </p:extLst>
   </p:cSld>
@@ -18329,7 +17543,7 @@
             </a:pPr>
             <a:r>
               <a:rPr lang="en-GB" dirty="0" smtClean="0"/>
-              <a:t>Azure Websites Overview</a:t>
+              <a:t>Azure Web Apps Overview</a:t>
             </a:r>
           </a:p>
           <a:p>
@@ -18359,13 +17573,8 @@
             </a:pPr>
             <a:r>
               <a:rPr lang="en-GB" dirty="0" smtClean="0"/>
-              <a:t>Deploying to Azure with </a:t>
-            </a:r>
-            <a:r>
-              <a:rPr lang="en-GB" dirty="0" err="1" smtClean="0"/>
-              <a:t>Github</a:t>
-            </a:r>
-            <a:endParaRPr lang="en-GB" dirty="0" smtClean="0"/>
+              <a:t>Deploying to Azure with GitHub</a:t>
+            </a:r>
           </a:p>
           <a:p>
             <a:pPr marL="742950" indent="-742950">
@@ -18383,55 +17592,6 @@
     <p:extLst>
       <p:ext uri="{BB962C8B-B14F-4D97-AF65-F5344CB8AC3E}">
         <p14:creationId xmlns:p14="http://schemas.microsoft.com/office/powerpoint/2010/main" val="3139541906"/>
-      </p:ext>
-    </p:extLst>
-  </p:cSld>
-  <p:clrMapOvr>
-    <a:masterClrMapping/>
-  </p:clrMapOvr>
-  <mc:AlternateContent xmlns:mc="http://schemas.openxmlformats.org/markup-compatibility/2006" xmlns:p14="http://schemas.microsoft.com/office/powerpoint/2010/main">
-    <mc:Choice Requires="p14">
-      <p:transition spd="med" p14:dur="700">
-        <p:fade/>
-      </p:transition>
-    </mc:Choice>
-    <mc:Fallback xmlns="">
-      <p:transition spd="med">
-        <p:fade/>
-      </p:transition>
-    </mc:Fallback>
-  </mc:AlternateContent>
-  <p:timing>
-    <p:tnLst>
-      <p:par>
-        <p:cTn id="1" dur="indefinite" restart="never" nodeType="tmRoot"/>
-      </p:par>
-    </p:tnLst>
-  </p:timing>
-</p:sld>
-</file>
-
-<file path=ppt/slides/slide20.xml><?xml version="1.0" encoding="utf-8"?>
-<p:sld xmlns:a="http://schemas.openxmlformats.org/drawingml/2006/main" xmlns:r="http://schemas.openxmlformats.org/officeDocument/2006/relationships" xmlns:p="http://schemas.openxmlformats.org/presentationml/2006/main">
-  <p:cSld>
-    <p:spTree>
-      <p:nvGrpSpPr>
-        <p:cNvPr id="1" name=""/>
-        <p:cNvGrpSpPr/>
-        <p:nvPr/>
-      </p:nvGrpSpPr>
-      <p:grpSpPr>
-        <a:xfrm>
-          <a:off x="0" y="0"/>
-          <a:ext cx="0" cy="0"/>
-          <a:chOff x="0" y="0"/>
-          <a:chExt cx="0" cy="0"/>
-        </a:xfrm>
-      </p:grpSpPr>
-    </p:spTree>
-    <p:extLst>
-      <p:ext uri="{BB962C8B-B14F-4D97-AF65-F5344CB8AC3E}">
-        <p14:creationId xmlns:p14="http://schemas.microsoft.com/office/powerpoint/2010/main" val="3149604782"/>
       </p:ext>
     </p:extLst>
   </p:cSld>
@@ -18497,16 +17657,8 @@
               <a:t>Azure </a:t>
             </a:r>
             <a:r>
-              <a:rPr lang="en-US" dirty="0" err="1"/>
-              <a:t>WebSites</a:t>
-            </a:r>
-            <a:r>
-              <a:rPr lang="en-US" dirty="0"/>
-              <a:t> </a:t>
-            </a:r>
-            <a:r>
               <a:rPr lang="en-US" dirty="0" smtClean="0"/>
-              <a:t>Overview</a:t>
+              <a:t>Web Apps Overview</a:t>
             </a:r>
             <a:endParaRPr lang="en-US" dirty="0"/>
           </a:p>
@@ -18578,7 +17730,7 @@
           <a:p>
             <a:r>
               <a:rPr lang="en-US" dirty="0" smtClean="0"/>
-              <a:t>Azure Websites</a:t>
+              <a:t>Azure Apps</a:t>
             </a:r>
             <a:endParaRPr lang="en-US" dirty="0"/>
           </a:p>
@@ -18695,7 +17847,7 @@
           <a:p>
             <a:r>
               <a:rPr lang="en-US" dirty="0" smtClean="0"/>
-              <a:t>Azure Websites</a:t>
+              <a:t>Azure Apps</a:t>
             </a:r>
             <a:endParaRPr lang="en-US" dirty="0"/>
           </a:p>
@@ -18812,20 +17964,30 @@
           <a:p>
             <a:r>
               <a:rPr lang="en-US" dirty="0"/>
-              <a:t>Introduction to the Azure </a:t>
+              <a:t>Deploying to </a:t>
             </a:r>
             <a:r>
               <a:rPr lang="en-US" dirty="0" smtClean="0"/>
-              <a:t>Dashboard</a:t>
-            </a:r>
-            <a:endParaRPr lang="en-US" dirty="0"/>
+              <a:t>Azure</a:t>
+            </a:r>
+            <a:br>
+              <a:rPr lang="en-US" dirty="0" smtClean="0"/>
+            </a:br>
+            <a:r>
+              <a:rPr lang="en-US" dirty="0" smtClean="0"/>
+              <a:t>with Visual </a:t>
+            </a:r>
+            <a:r>
+              <a:rPr lang="en-US" dirty="0"/>
+              <a:t>Studio</a:t>
+            </a:r>
           </a:p>
         </p:txBody>
       </p:sp>
     </p:spTree>
     <p:extLst>
       <p:ext uri="{BB962C8B-B14F-4D97-AF65-F5344CB8AC3E}">
-        <p14:creationId xmlns:p14="http://schemas.microsoft.com/office/powerpoint/2010/main" val="3541771182"/>
+        <p14:creationId xmlns:p14="http://schemas.microsoft.com/office/powerpoint/2010/main" val="3589905042"/>
       </p:ext>
     </p:extLst>
   </p:cSld>
@@ -18888,7 +18050,7 @@
           <a:p>
             <a:r>
               <a:rPr lang="en-US" dirty="0"/>
-              <a:t>Introduction to the Azure Dashboard</a:t>
+              <a:t>Deploying to Azure with Visual Studio</a:t>
             </a:r>
           </a:p>
         </p:txBody>
@@ -18896,7 +18058,7 @@
     </p:spTree>
     <p:extLst>
       <p:ext uri="{BB962C8B-B14F-4D97-AF65-F5344CB8AC3E}">
-        <p14:creationId xmlns:p14="http://schemas.microsoft.com/office/powerpoint/2010/main" val="1857666439"/>
+        <p14:creationId xmlns:p14="http://schemas.microsoft.com/office/powerpoint/2010/main" val="2548092044"/>
       </p:ext>
     </p:extLst>
   </p:cSld>
@@ -18961,30 +18123,20 @@
           <a:p>
             <a:r>
               <a:rPr lang="en-US" dirty="0"/>
-              <a:t>Deploying to </a:t>
-            </a:r>
-            <a:r>
-              <a:rPr lang="en-US" dirty="0" smtClean="0"/>
-              <a:t>Azure</a:t>
-            </a:r>
-            <a:br>
-              <a:rPr lang="en-US" dirty="0" smtClean="0"/>
-            </a:br>
-            <a:r>
-              <a:rPr lang="en-US" dirty="0" smtClean="0"/>
-              <a:t>with Visual </a:t>
-            </a:r>
-            <a:r>
-              <a:rPr lang="en-US" dirty="0"/>
-              <a:t>Studio</a:t>
-            </a:r>
+              <a:t>Deploying to Azure with </a:t>
+            </a:r>
+            <a:r>
+              <a:rPr lang="en-US" dirty="0" err="1"/>
+              <a:t>Github</a:t>
+            </a:r>
+            <a:endParaRPr lang="en-US" dirty="0"/>
           </a:p>
         </p:txBody>
       </p:sp>
     </p:spTree>
     <p:extLst>
       <p:ext uri="{BB962C8B-B14F-4D97-AF65-F5344CB8AC3E}">
-        <p14:creationId xmlns:p14="http://schemas.microsoft.com/office/powerpoint/2010/main" val="3589905042"/>
+        <p14:creationId xmlns:p14="http://schemas.microsoft.com/office/powerpoint/2010/main" val="3233233575"/>
       </p:ext>
     </p:extLst>
   </p:cSld>
@@ -19047,15 +18199,20 @@
           <a:p>
             <a:r>
               <a:rPr lang="en-US" dirty="0"/>
-              <a:t>Deploying to Azure with Visual Studio</a:t>
-            </a:r>
+              <a:t>Deploying to Azure with </a:t>
+            </a:r>
+            <a:r>
+              <a:rPr lang="en-US" dirty="0" err="1"/>
+              <a:t>Github</a:t>
+            </a:r>
+            <a:endParaRPr lang="en-US" dirty="0"/>
           </a:p>
         </p:txBody>
       </p:sp>
     </p:spTree>
     <p:extLst>
       <p:ext uri="{BB962C8B-B14F-4D97-AF65-F5344CB8AC3E}">
-        <p14:creationId xmlns:p14="http://schemas.microsoft.com/office/powerpoint/2010/main" val="2548092044"/>
+        <p14:creationId xmlns:p14="http://schemas.microsoft.com/office/powerpoint/2010/main" val="2374196098"/>
       </p:ext>
     </p:extLst>
   </p:cSld>

--- a/Presentation/AzureDeployAndDebug/AzureDeployAndDebug.pptx
+++ b/Presentation/AzureDeployAndDebug/AzureDeployAndDebug.pptx
@@ -220,7 +220,7 @@
           <a:p>
             <a:fld id="{312E7B4A-039C-48A2-9B2C-AF16AA3873D8}" type="datetimeFigureOut">
               <a:rPr lang="en-US" smtClean="0"/>
-              <a:t>22/07/2015</a:t>
+              <a:t>7/23/2015</a:t>
             </a:fld>
             <a:endParaRPr lang="en-US"/>
           </a:p>
@@ -385,7 +385,7 @@
           <a:p>
             <a:fld id="{DA005A0C-54D9-45AA-87D4-C551D08DFCE1}" type="datetimeFigureOut">
               <a:rPr lang="en-US" smtClean="0"/>
-              <a:t>22/07/2015</a:t>
+              <a:t>7/23/2015</a:t>
             </a:fld>
             <a:endParaRPr lang="en-US"/>
           </a:p>
@@ -17393,7 +17393,15 @@
           <a:p>
             <a:r>
               <a:rPr lang="en-US" dirty="0" smtClean="0"/>
-              <a:t>Remote Debugging a node application with Visual Studio and Azure</a:t>
+              <a:t>Remote Debugging a </a:t>
+            </a:r>
+            <a:r>
+              <a:rPr lang="en-US" dirty="0" smtClean="0"/>
+              <a:t>Node.js </a:t>
+            </a:r>
+            <a:r>
+              <a:rPr lang="en-US" dirty="0" smtClean="0"/>
+              <a:t>application with Visual Studio and Azure</a:t>
             </a:r>
             <a:endParaRPr lang="en-US" dirty="0"/>
           </a:p>
@@ -17761,7 +17769,15 @@
             </a:r>
             <a:r>
               <a:rPr lang="en-US" dirty="0" smtClean="0"/>
-              <a:t>, asp.net etc..</a:t>
+              <a:t>, </a:t>
+            </a:r>
+            <a:r>
+              <a:rPr lang="en-US" dirty="0" smtClean="0"/>
+              <a:t>asp.net, </a:t>
+            </a:r>
+            <a:r>
+              <a:rPr lang="en-US" dirty="0" smtClean="0"/>
+              <a:t>etc..</a:t>
             </a:r>
           </a:p>
           <a:p>
@@ -20264,12 +20280,6 @@
 </file>
 
 <file path=customXml/item1.xml><?xml version="1.0" encoding="utf-8"?>
-<p:properties xmlns:p="http://schemas.microsoft.com/office/2006/metadata/properties" xmlns:xsi="http://www.w3.org/2001/XMLSchema-instance" xmlns:pc="http://schemas.microsoft.com/office/infopath/2007/PartnerControls">
-  <documentManagement/>
-</p:properties>
-</file>
-
-<file path=customXml/item2.xml><?xml version="1.0" encoding="utf-8"?>
 <ct:contentTypeSchema xmlns:ct="http://schemas.microsoft.com/office/2006/metadata/contentType" xmlns:ma="http://schemas.microsoft.com/office/2006/metadata/properties/metaAttributes" ct:_="" ma:_="" ma:contentTypeName="Document" ma:contentTypeID="0x010100391E57C78B9F604FB8BAD296D1460E2A" ma:contentTypeVersion="1" ma:contentTypeDescription="Create a new document." ma:contentTypeScope="" ma:versionID="fb382fe2362acd2155f454904f478e4d">
   <xsd:schema xmlns:xsd="http://www.w3.org/2001/XMLSchema" xmlns:xs="http://www.w3.org/2001/XMLSchema" xmlns:p="http://schemas.microsoft.com/office/2006/metadata/properties" xmlns:ns3="636b0322-90fb-440c-9cbc-22749e7231e9" targetNamespace="http://schemas.microsoft.com/office/2006/metadata/properties" ma:root="true" ma:fieldsID="b9887c63ce4710c1aeb75a5f03aecb69" ns3:_="">
     <xsd:import namespace="636b0322-90fb-440c-9cbc-22749e7231e9"/>
@@ -20409,6 +20419,12 @@
 </ct:contentTypeSchema>
 </file>
 
+<file path=customXml/item2.xml><?xml version="1.0" encoding="utf-8"?>
+<p:properties xmlns:p="http://schemas.microsoft.com/office/2006/metadata/properties" xmlns:xsi="http://www.w3.org/2001/XMLSchema-instance" xmlns:pc="http://schemas.microsoft.com/office/infopath/2007/PartnerControls">
+  <documentManagement/>
+</p:properties>
+</file>
+
 <file path=customXml/item3.xml><?xml version="1.0" encoding="utf-8"?>
 <?mso-contentType ?>
 <FormTemplates xmlns="http://schemas.microsoft.com/sharepoint/v3/contenttype/forms">
@@ -20419,22 +20435,6 @@
 </file>
 
 <file path=customXml/itemProps1.xml><?xml version="1.0" encoding="utf-8"?>
-<ds:datastoreItem xmlns:ds="http://schemas.openxmlformats.org/officeDocument/2006/customXml" ds:itemID="{7025FDD9-4C58-4084-9F89-0E6ADD6FFF55}">
-  <ds:schemaRefs>
-    <ds:schemaRef ds:uri="http://purl.org/dc/elements/1.1/"/>
-    <ds:schemaRef ds:uri="http://schemas.microsoft.com/office/2006/metadata/properties"/>
-    <ds:schemaRef ds:uri="636b0322-90fb-440c-9cbc-22749e7231e9"/>
-    <ds:schemaRef ds:uri="http://purl.org/dc/terms/"/>
-    <ds:schemaRef ds:uri="http://schemas.openxmlformats.org/package/2006/metadata/core-properties"/>
-    <ds:schemaRef ds:uri="http://schemas.microsoft.com/office/2006/documentManagement/types"/>
-    <ds:schemaRef ds:uri="http://schemas.microsoft.com/office/infopath/2007/PartnerControls"/>
-    <ds:schemaRef ds:uri="http://www.w3.org/XML/1998/namespace"/>
-    <ds:schemaRef ds:uri="http://purl.org/dc/dcmitype/"/>
-  </ds:schemaRefs>
-</ds:datastoreItem>
-</file>
-
-<file path=customXml/itemProps2.xml><?xml version="1.0" encoding="utf-8"?>
 <ds:datastoreItem xmlns:ds="http://schemas.openxmlformats.org/officeDocument/2006/customXml" ds:itemID="{7B70CE0C-0988-423A-BF66-B40F6A1061FF}">
   <ds:schemaRefs>
     <ds:schemaRef ds:uri="http://schemas.microsoft.com/office/2006/metadata/contentType"/>
@@ -20452,6 +20452,22 @@
 </ds:datastoreItem>
 </file>
 
+<file path=customXml/itemProps2.xml><?xml version="1.0" encoding="utf-8"?>
+<ds:datastoreItem xmlns:ds="http://schemas.openxmlformats.org/officeDocument/2006/customXml" ds:itemID="{7025FDD9-4C58-4084-9F89-0E6ADD6FFF55}">
+  <ds:schemaRefs>
+    <ds:schemaRef ds:uri="http://purl.org/dc/elements/1.1/"/>
+    <ds:schemaRef ds:uri="http://schemas.microsoft.com/office/2006/metadata/properties"/>
+    <ds:schemaRef ds:uri="636b0322-90fb-440c-9cbc-22749e7231e9"/>
+    <ds:schemaRef ds:uri="http://purl.org/dc/terms/"/>
+    <ds:schemaRef ds:uri="http://schemas.openxmlformats.org/package/2006/metadata/core-properties"/>
+    <ds:schemaRef ds:uri="http://schemas.microsoft.com/office/2006/documentManagement/types"/>
+    <ds:schemaRef ds:uri="http://schemas.microsoft.com/office/infopath/2007/PartnerControls"/>
+    <ds:schemaRef ds:uri="http://www.w3.org/XML/1998/namespace"/>
+    <ds:schemaRef ds:uri="http://purl.org/dc/dcmitype/"/>
+  </ds:schemaRefs>
+</ds:datastoreItem>
+</file>
+
 <file path=customXml/itemProps3.xml><?xml version="1.0" encoding="utf-8"?>
 <ds:datastoreItem xmlns:ds="http://schemas.openxmlformats.org/officeDocument/2006/customXml" ds:itemID="{B0CA13EC-1D3C-4D6F-8D1C-E8A452CFC79A}">
   <ds:schemaRefs>

--- a/Presentation/AzureDeployAndDebug/AzureDeployAndDebug.pptx
+++ b/Presentation/AzureDeployAndDebug/AzureDeployAndDebug.pptx
@@ -11,24 +11,30 @@
     <p:sldMasterId id="2147483726" r:id="rId10"/>
   </p:sldMasterIdLst>
   <p:notesMasterIdLst>
-    <p:notesMasterId r:id="rId23"/>
+    <p:notesMasterId r:id="rId29"/>
   </p:notesMasterIdLst>
   <p:handoutMasterIdLst>
-    <p:handoutMasterId r:id="rId24"/>
+    <p:handoutMasterId r:id="rId30"/>
   </p:handoutMasterIdLst>
   <p:sldIdLst>
     <p:sldId id="285" r:id="rId11"/>
     <p:sldId id="257" r:id="rId12"/>
     <p:sldId id="286" r:id="rId13"/>
-    <p:sldId id="283" r:id="rId14"/>
-    <p:sldId id="284" r:id="rId15"/>
-    <p:sldId id="288" r:id="rId16"/>
-    <p:sldId id="280" r:id="rId17"/>
-    <p:sldId id="289" r:id="rId18"/>
-    <p:sldId id="290" r:id="rId19"/>
-    <p:sldId id="291" r:id="rId20"/>
-    <p:sldId id="292" r:id="rId21"/>
-    <p:sldId id="263" r:id="rId22"/>
+    <p:sldId id="294" r:id="rId14"/>
+    <p:sldId id="283" r:id="rId15"/>
+    <p:sldId id="284" r:id="rId16"/>
+    <p:sldId id="288" r:id="rId17"/>
+    <p:sldId id="298" r:id="rId18"/>
+    <p:sldId id="280" r:id="rId19"/>
+    <p:sldId id="289" r:id="rId20"/>
+    <p:sldId id="296" r:id="rId21"/>
+    <p:sldId id="295" r:id="rId22"/>
+    <p:sldId id="297" r:id="rId23"/>
+    <p:sldId id="290" r:id="rId24"/>
+    <p:sldId id="291" r:id="rId25"/>
+    <p:sldId id="292" r:id="rId26"/>
+    <p:sldId id="293" r:id="rId27"/>
+    <p:sldId id="263" r:id="rId28"/>
   </p:sldIdLst>
   <p:sldSz cx="12192000" cy="6858000"/>
   <p:notesSz cx="6858000" cy="9144000"/>
@@ -220,7 +226,7 @@
           <a:p>
             <a:fld id="{312E7B4A-039C-48A2-9B2C-AF16AA3873D8}" type="datetimeFigureOut">
               <a:rPr lang="en-US" smtClean="0"/>
-              <a:t>7/23/2015</a:t>
+              <a:t>23/07/2015</a:t>
             </a:fld>
             <a:endParaRPr lang="en-US"/>
           </a:p>
@@ -385,7 +391,7 @@
           <a:p>
             <a:fld id="{DA005A0C-54D9-45AA-87D4-C551D08DFCE1}" type="datetimeFigureOut">
               <a:rPr lang="en-US" smtClean="0"/>
-              <a:t>7/23/2015</a:t>
+              <a:t>23/07/2015</a:t>
             </a:fld>
             <a:endParaRPr lang="en-US"/>
           </a:p>
@@ -736,6 +742,642 @@
     <p:extLst>
       <p:ext uri="{BB962C8B-B14F-4D97-AF65-F5344CB8AC3E}">
         <p14:creationId xmlns:p14="http://schemas.microsoft.com/office/powerpoint/2010/main" val="2811000434"/>
+      </p:ext>
+    </p:extLst>
+  </p:cSld>
+  <p:clrMapOvr>
+    <a:masterClrMapping/>
+  </p:clrMapOvr>
+</p:notes>
+</file>
+
+<file path=ppt/notesSlides/notesSlide2.xml><?xml version="1.0" encoding="utf-8"?>
+<p:notes xmlns:a="http://schemas.openxmlformats.org/drawingml/2006/main" xmlns:r="http://schemas.openxmlformats.org/officeDocument/2006/relationships" xmlns:p="http://schemas.openxmlformats.org/presentationml/2006/main">
+  <p:cSld>
+    <p:spTree>
+      <p:nvGrpSpPr>
+        <p:cNvPr id="1" name=""/>
+        <p:cNvGrpSpPr/>
+        <p:nvPr/>
+      </p:nvGrpSpPr>
+      <p:grpSpPr>
+        <a:xfrm>
+          <a:off x="0" y="0"/>
+          <a:ext cx="0" cy="0"/>
+          <a:chOff x="0" y="0"/>
+          <a:chExt cx="0" cy="0"/>
+        </a:xfrm>
+      </p:grpSpPr>
+      <p:sp>
+        <p:nvSpPr>
+          <p:cNvPr id="2" name="Slide Image Placeholder 1"/>
+          <p:cNvSpPr>
+            <a:spLocks noGrp="1" noRot="1" noChangeAspect="1"/>
+          </p:cNvSpPr>
+          <p:nvPr>
+            <p:ph type="sldImg"/>
+          </p:nvPr>
+        </p:nvSpPr>
+        <p:spPr/>
+      </p:sp>
+      <p:sp>
+        <p:nvSpPr>
+          <p:cNvPr id="3" name="Notes Placeholder 2"/>
+          <p:cNvSpPr>
+            <a:spLocks noGrp="1"/>
+          </p:cNvSpPr>
+          <p:nvPr>
+            <p:ph type="body" idx="1"/>
+          </p:nvPr>
+        </p:nvSpPr>
+        <p:spPr/>
+        <p:txBody>
+          <a:bodyPr/>
+          <a:lstStyle/>
+          <a:p>
+            <a:endParaRPr lang="en-US" dirty="0"/>
+          </a:p>
+        </p:txBody>
+      </p:sp>
+      <p:sp>
+        <p:nvSpPr>
+          <p:cNvPr id="4" name="Slide Number Placeholder 3"/>
+          <p:cNvSpPr>
+            <a:spLocks noGrp="1"/>
+          </p:cNvSpPr>
+          <p:nvPr>
+            <p:ph type="sldNum" sz="quarter" idx="10"/>
+          </p:nvPr>
+        </p:nvSpPr>
+        <p:spPr/>
+        <p:txBody>
+          <a:bodyPr/>
+          <a:lstStyle/>
+          <a:p>
+            <a:fld id="{2C52CFDC-D2D5-4B9F-BA75-89F771E01AEB}" type="slidenum">
+              <a:rPr lang="en-US" smtClean="0"/>
+              <a:t>11</a:t>
+            </a:fld>
+            <a:endParaRPr lang="en-US"/>
+          </a:p>
+        </p:txBody>
+      </p:sp>
+    </p:spTree>
+    <p:extLst>
+      <p:ext uri="{BB962C8B-B14F-4D97-AF65-F5344CB8AC3E}">
+        <p14:creationId xmlns:p14="http://schemas.microsoft.com/office/powerpoint/2010/main" val="2055080365"/>
+      </p:ext>
+    </p:extLst>
+  </p:cSld>
+  <p:clrMapOvr>
+    <a:masterClrMapping/>
+  </p:clrMapOvr>
+</p:notes>
+</file>
+
+<file path=ppt/notesSlides/notesSlide3.xml><?xml version="1.0" encoding="utf-8"?>
+<p:notes xmlns:a="http://schemas.openxmlformats.org/drawingml/2006/main" xmlns:r="http://schemas.openxmlformats.org/officeDocument/2006/relationships" xmlns:p="http://schemas.openxmlformats.org/presentationml/2006/main">
+  <p:cSld>
+    <p:spTree>
+      <p:nvGrpSpPr>
+        <p:cNvPr id="1" name=""/>
+        <p:cNvGrpSpPr/>
+        <p:nvPr/>
+      </p:nvGrpSpPr>
+      <p:grpSpPr>
+        <a:xfrm>
+          <a:off x="0" y="0"/>
+          <a:ext cx="0" cy="0"/>
+          <a:chOff x="0" y="0"/>
+          <a:chExt cx="0" cy="0"/>
+        </a:xfrm>
+      </p:grpSpPr>
+      <p:sp>
+        <p:nvSpPr>
+          <p:cNvPr id="2" name="Slide Image Placeholder 1"/>
+          <p:cNvSpPr>
+            <a:spLocks noGrp="1" noRot="1" noChangeAspect="1"/>
+          </p:cNvSpPr>
+          <p:nvPr>
+            <p:ph type="sldImg"/>
+          </p:nvPr>
+        </p:nvSpPr>
+        <p:spPr/>
+      </p:sp>
+      <p:sp>
+        <p:nvSpPr>
+          <p:cNvPr id="3" name="Notes Placeholder 2"/>
+          <p:cNvSpPr>
+            <a:spLocks noGrp="1"/>
+          </p:cNvSpPr>
+          <p:nvPr>
+            <p:ph type="body" idx="1"/>
+          </p:nvPr>
+        </p:nvSpPr>
+        <p:spPr/>
+        <p:txBody>
+          <a:bodyPr/>
+          <a:lstStyle/>
+          <a:p>
+            <a:r>
+              <a:rPr lang="en-US" sz="1200" b="1" kern="1200" dirty="0" smtClean="0">
+                <a:solidFill>
+                  <a:schemeClr val="tx1"/>
+                </a:solidFill>
+                <a:effectLst/>
+                <a:latin typeface="Segoe UI" pitchFamily="34" charset="0"/>
+                <a:ea typeface="+mn-ea"/>
+                <a:cs typeface="+mn-cs"/>
+              </a:rPr>
+              <a:t>Slide Objectives:</a:t>
+            </a:r>
+            <a:endParaRPr lang="en-US" sz="1200" kern="1200" dirty="0" smtClean="0">
+              <a:solidFill>
+                <a:schemeClr val="tx1"/>
+              </a:solidFill>
+              <a:effectLst/>
+              <a:latin typeface="Segoe UI" pitchFamily="34" charset="0"/>
+              <a:ea typeface="+mn-ea"/>
+              <a:cs typeface="+mn-cs"/>
+            </a:endParaRPr>
+          </a:p>
+          <a:p>
+            <a:pPr marL="171450" lvl="0" indent="-171450">
+              <a:buFont typeface="Arial" pitchFamily="34" charset="0"/>
+              <a:buChar char="•"/>
+            </a:pPr>
+            <a:r>
+              <a:rPr lang="en-US" sz="1200" kern="1200" dirty="0" smtClean="0">
+                <a:solidFill>
+                  <a:schemeClr val="tx1"/>
+                </a:solidFill>
+                <a:effectLst/>
+                <a:latin typeface="Segoe UI" pitchFamily="34" charset="0"/>
+                <a:ea typeface="+mn-ea"/>
+                <a:cs typeface="+mn-cs"/>
+              </a:rPr>
+              <a:t>Objective #1</a:t>
+            </a:r>
+          </a:p>
+          <a:p>
+            <a:pPr marL="171450" lvl="0" indent="-171450">
+              <a:buFont typeface="Arial" pitchFamily="34" charset="0"/>
+              <a:buChar char="•"/>
+            </a:pPr>
+            <a:endParaRPr lang="en-US" sz="1200" kern="1200" dirty="0" smtClean="0">
+              <a:solidFill>
+                <a:schemeClr val="tx1"/>
+              </a:solidFill>
+              <a:effectLst/>
+              <a:latin typeface="Segoe UI" pitchFamily="34" charset="0"/>
+              <a:ea typeface="+mn-ea"/>
+              <a:cs typeface="+mn-cs"/>
+            </a:endParaRPr>
+          </a:p>
+          <a:p>
+            <a:r>
+              <a:rPr lang="en-US" sz="1200" b="1" kern="1200" dirty="0" smtClean="0">
+                <a:solidFill>
+                  <a:schemeClr val="tx1"/>
+                </a:solidFill>
+                <a:effectLst/>
+                <a:latin typeface="Segoe UI" pitchFamily="34" charset="0"/>
+                <a:ea typeface="+mn-ea"/>
+                <a:cs typeface="+mn-cs"/>
+              </a:rPr>
+              <a:t>Transition:</a:t>
+            </a:r>
+            <a:endParaRPr lang="en-US" sz="1200" kern="1200" dirty="0" smtClean="0">
+              <a:solidFill>
+                <a:schemeClr val="tx1"/>
+              </a:solidFill>
+              <a:effectLst/>
+              <a:latin typeface="Segoe UI" pitchFamily="34" charset="0"/>
+              <a:ea typeface="+mn-ea"/>
+              <a:cs typeface="+mn-cs"/>
+            </a:endParaRPr>
+          </a:p>
+          <a:p>
+            <a:pPr marL="171450" lvl="0" indent="-171450">
+              <a:buFont typeface="Arial" pitchFamily="34" charset="0"/>
+              <a:buChar char="•"/>
+            </a:pPr>
+            <a:r>
+              <a:rPr lang="en-US" sz="1200" kern="1200" dirty="0" smtClean="0">
+                <a:solidFill>
+                  <a:schemeClr val="tx1"/>
+                </a:solidFill>
+                <a:effectLst/>
+                <a:latin typeface="Segoe UI" pitchFamily="34" charset="0"/>
+                <a:ea typeface="+mn-ea"/>
+                <a:cs typeface="+mn-cs"/>
+              </a:rPr>
+              <a:t>Transition statement(s) to setup the slide</a:t>
+            </a:r>
+          </a:p>
+          <a:p>
+            <a:pPr marL="171450" lvl="0" indent="-171450">
+              <a:buFont typeface="Arial" pitchFamily="34" charset="0"/>
+              <a:buChar char="•"/>
+            </a:pPr>
+            <a:endParaRPr lang="en-US" sz="1200" kern="1200" dirty="0" smtClean="0">
+              <a:solidFill>
+                <a:schemeClr val="tx1"/>
+              </a:solidFill>
+              <a:effectLst/>
+              <a:latin typeface="Segoe UI" pitchFamily="34" charset="0"/>
+              <a:ea typeface="+mn-ea"/>
+              <a:cs typeface="+mn-cs"/>
+            </a:endParaRPr>
+          </a:p>
+          <a:p>
+            <a:r>
+              <a:rPr lang="en-US" sz="1200" b="1" kern="1200" dirty="0" smtClean="0">
+                <a:solidFill>
+                  <a:schemeClr val="tx1"/>
+                </a:solidFill>
+                <a:effectLst/>
+                <a:latin typeface="Segoe UI" pitchFamily="34" charset="0"/>
+                <a:ea typeface="+mn-ea"/>
+                <a:cs typeface="+mn-cs"/>
+              </a:rPr>
+              <a:t>Speaking Points:</a:t>
+            </a:r>
+            <a:endParaRPr lang="en-US" sz="1200" kern="1200" dirty="0" smtClean="0">
+              <a:solidFill>
+                <a:schemeClr val="tx1"/>
+              </a:solidFill>
+              <a:effectLst/>
+              <a:latin typeface="Segoe UI" pitchFamily="34" charset="0"/>
+              <a:ea typeface="+mn-ea"/>
+              <a:cs typeface="+mn-cs"/>
+            </a:endParaRPr>
+          </a:p>
+          <a:p>
+            <a:pPr marL="171450" lvl="0" indent="-171450">
+              <a:buFont typeface="Arial" pitchFamily="34" charset="0"/>
+              <a:buChar char="•"/>
+            </a:pPr>
+            <a:r>
+              <a:rPr lang="en-US" sz="1200" kern="1200" dirty="0" smtClean="0">
+                <a:solidFill>
+                  <a:schemeClr val="tx1"/>
+                </a:solidFill>
+                <a:effectLst/>
+                <a:latin typeface="Segoe UI" pitchFamily="34" charset="0"/>
+                <a:ea typeface="+mn-ea"/>
+                <a:cs typeface="+mn-cs"/>
+              </a:rPr>
+              <a:t>Speaking Point  #1</a:t>
+            </a:r>
+          </a:p>
+          <a:p>
+            <a:pPr marL="171450" lvl="0" indent="-171450">
+              <a:buFont typeface="Arial" pitchFamily="34" charset="0"/>
+              <a:buChar char="•"/>
+            </a:pPr>
+            <a:r>
+              <a:rPr lang="en-US" sz="1200" kern="1200" dirty="0" smtClean="0">
+                <a:solidFill>
+                  <a:schemeClr val="tx1"/>
+                </a:solidFill>
+                <a:effectLst/>
+                <a:latin typeface="Segoe UI" pitchFamily="34" charset="0"/>
+                <a:ea typeface="+mn-ea"/>
+                <a:cs typeface="+mn-cs"/>
+              </a:rPr>
+              <a:t>Speaking Point  #2</a:t>
+            </a:r>
+          </a:p>
+          <a:p>
+            <a:pPr marL="171450" lvl="0" indent="-171450">
+              <a:buFont typeface="Arial" pitchFamily="34" charset="0"/>
+              <a:buChar char="•"/>
+            </a:pPr>
+            <a:endParaRPr lang="en-US" sz="1200" kern="1200" dirty="0" smtClean="0">
+              <a:solidFill>
+                <a:schemeClr val="tx1"/>
+              </a:solidFill>
+              <a:effectLst/>
+              <a:latin typeface="Segoe UI" pitchFamily="34" charset="0"/>
+              <a:ea typeface="+mn-ea"/>
+              <a:cs typeface="+mn-cs"/>
+            </a:endParaRPr>
+          </a:p>
+          <a:p>
+            <a:r>
+              <a:rPr lang="en-US" sz="1200" b="1" kern="1200" dirty="0" smtClean="0">
+                <a:solidFill>
+                  <a:schemeClr val="tx1"/>
+                </a:solidFill>
+                <a:effectLst/>
+                <a:latin typeface="Segoe UI" pitchFamily="34" charset="0"/>
+                <a:ea typeface="+mn-ea"/>
+                <a:cs typeface="+mn-cs"/>
+              </a:rPr>
+              <a:t>Notes:</a:t>
+            </a:r>
+            <a:endParaRPr lang="en-US" sz="1200" kern="1200" dirty="0" smtClean="0">
+              <a:solidFill>
+                <a:schemeClr val="tx1"/>
+              </a:solidFill>
+              <a:effectLst/>
+              <a:latin typeface="Segoe UI" pitchFamily="34" charset="0"/>
+              <a:ea typeface="+mn-ea"/>
+              <a:cs typeface="+mn-cs"/>
+            </a:endParaRPr>
+          </a:p>
+          <a:p>
+            <a:pPr marL="171450" lvl="0" indent="-171450">
+              <a:buFont typeface="Arial" pitchFamily="34" charset="0"/>
+              <a:buChar char="•"/>
+            </a:pPr>
+            <a:r>
+              <a:rPr lang="en-US" sz="1200" kern="1200" dirty="0" smtClean="0">
+                <a:solidFill>
+                  <a:schemeClr val="tx1"/>
+                </a:solidFill>
+                <a:effectLst/>
+                <a:latin typeface="Segoe UI" pitchFamily="34" charset="0"/>
+                <a:ea typeface="+mn-ea"/>
+                <a:cs typeface="+mn-cs"/>
+              </a:rPr>
+              <a:t>Any notes go here</a:t>
+            </a:r>
+          </a:p>
+          <a:p>
+            <a:endParaRPr lang="en-US" dirty="0"/>
+          </a:p>
+        </p:txBody>
+      </p:sp>
+      <p:sp>
+        <p:nvSpPr>
+          <p:cNvPr id="4" name="Slide Number Placeholder 3"/>
+          <p:cNvSpPr>
+            <a:spLocks noGrp="1"/>
+          </p:cNvSpPr>
+          <p:nvPr>
+            <p:ph type="sldNum" sz="quarter" idx="10"/>
+          </p:nvPr>
+        </p:nvSpPr>
+        <p:spPr/>
+        <p:txBody>
+          <a:bodyPr/>
+          <a:lstStyle/>
+          <a:p>
+            <a:fld id="{6E8C67A6-C0E7-47DF-97C2-CA9B11275397}" type="slidenum">
+              <a:rPr lang="en-US" smtClean="0">
+                <a:solidFill>
+                  <a:prstClr val="black"/>
+                </a:solidFill>
+              </a:rPr>
+              <a:pPr/>
+              <a:t>12</a:t>
+            </a:fld>
+            <a:endParaRPr lang="en-US">
+              <a:solidFill>
+                <a:prstClr val="black"/>
+              </a:solidFill>
+            </a:endParaRPr>
+          </a:p>
+        </p:txBody>
+      </p:sp>
+    </p:spTree>
+    <p:extLst>
+      <p:ext uri="{BB962C8B-B14F-4D97-AF65-F5344CB8AC3E}">
+        <p14:creationId xmlns:p14="http://schemas.microsoft.com/office/powerpoint/2010/main" val="583205444"/>
+      </p:ext>
+    </p:extLst>
+  </p:cSld>
+  <p:clrMapOvr>
+    <a:masterClrMapping/>
+  </p:clrMapOvr>
+</p:notes>
+</file>
+
+<file path=ppt/notesSlides/notesSlide4.xml><?xml version="1.0" encoding="utf-8"?>
+<p:notes xmlns:a="http://schemas.openxmlformats.org/drawingml/2006/main" xmlns:r="http://schemas.openxmlformats.org/officeDocument/2006/relationships" xmlns:p="http://schemas.openxmlformats.org/presentationml/2006/main">
+  <p:cSld>
+    <p:spTree>
+      <p:nvGrpSpPr>
+        <p:cNvPr id="1" name=""/>
+        <p:cNvGrpSpPr/>
+        <p:nvPr/>
+      </p:nvGrpSpPr>
+      <p:grpSpPr>
+        <a:xfrm>
+          <a:off x="0" y="0"/>
+          <a:ext cx="0" cy="0"/>
+          <a:chOff x="0" y="0"/>
+          <a:chExt cx="0" cy="0"/>
+        </a:xfrm>
+      </p:grpSpPr>
+      <p:sp>
+        <p:nvSpPr>
+          <p:cNvPr id="2" name="Slide Image Placeholder 1"/>
+          <p:cNvSpPr>
+            <a:spLocks noGrp="1" noRot="1" noChangeAspect="1"/>
+          </p:cNvSpPr>
+          <p:nvPr>
+            <p:ph type="sldImg"/>
+          </p:nvPr>
+        </p:nvSpPr>
+        <p:spPr/>
+      </p:sp>
+      <p:sp>
+        <p:nvSpPr>
+          <p:cNvPr id="3" name="Notes Placeholder 2"/>
+          <p:cNvSpPr>
+            <a:spLocks noGrp="1"/>
+          </p:cNvSpPr>
+          <p:nvPr>
+            <p:ph type="body" idx="1"/>
+          </p:nvPr>
+        </p:nvSpPr>
+        <p:spPr/>
+        <p:txBody>
+          <a:bodyPr/>
+          <a:lstStyle/>
+          <a:p>
+            <a:endParaRPr lang="en-US" dirty="0"/>
+          </a:p>
+        </p:txBody>
+      </p:sp>
+      <p:sp>
+        <p:nvSpPr>
+          <p:cNvPr id="4" name="Header Placeholder 3"/>
+          <p:cNvSpPr>
+            <a:spLocks noGrp="1"/>
+          </p:cNvSpPr>
+          <p:nvPr>
+            <p:ph type="hdr" sz="quarter" idx="10"/>
+          </p:nvPr>
+        </p:nvSpPr>
+        <p:spPr/>
+        <p:txBody>
+          <a:bodyPr/>
+          <a:lstStyle/>
+          <a:p>
+            <a:r>
+              <a:rPr lang="en-US" smtClean="0">
+                <a:solidFill>
+                  <a:prstClr val="black"/>
+                </a:solidFill>
+              </a:rPr>
+              <a:t>Build 2012</a:t>
+            </a:r>
+            <a:endParaRPr lang="en-US" dirty="0">
+              <a:solidFill>
+                <a:prstClr val="black"/>
+              </a:solidFill>
+            </a:endParaRPr>
+          </a:p>
+        </p:txBody>
+      </p:sp>
+      <p:sp>
+        <p:nvSpPr>
+          <p:cNvPr id="5" name="Footer Placeholder 4"/>
+          <p:cNvSpPr>
+            <a:spLocks noGrp="1"/>
+          </p:cNvSpPr>
+          <p:nvPr>
+            <p:ph type="ftr" sz="quarter" idx="11"/>
+          </p:nvPr>
+        </p:nvSpPr>
+        <p:spPr/>
+        <p:txBody>
+          <a:bodyPr/>
+          <a:lstStyle/>
+          <a:p>
+            <a:pPr defTabSz="932929" eaLnBrk="0" hangingPunct="0"/>
+            <a:r>
+              <a:rPr lang="en-US" sz="400">
+                <a:gradFill>
+                  <a:gsLst>
+                    <a:gs pos="0">
+                      <a:prstClr val="black"/>
+                    </a:gs>
+                    <a:gs pos="100000">
+                      <a:prstClr val="black"/>
+                    </a:gs>
+                  </a:gsLst>
+                  <a:lin ang="5400000" scaled="0"/>
+                </a:gradFill>
+                <a:latin typeface="Segoe UI" pitchFamily="34" charset="0"/>
+                <a:ea typeface="Segoe UI" pitchFamily="34" charset="0"/>
+                <a:cs typeface="Segoe UI" pitchFamily="34" charset="0"/>
+              </a:rPr>
+              <a:t>© 2012 Microsoft Corporation. All rights reserved. Microsoft, Windows, and other product names are or may be registered trademarks and/or trademarks in the U.S. and/or other countries.</a:t>
+            </a:r>
+          </a:p>
+          <a:p>
+            <a:pPr defTabSz="932929" eaLnBrk="0" hangingPunct="0"/>
+            <a:r>
+              <a:rPr lang="en-US" sz="400">
+                <a:gradFill>
+                  <a:gsLst>
+                    <a:gs pos="0">
+                      <a:prstClr val="black"/>
+                    </a:gs>
+                    <a:gs pos="100000">
+                      <a:prstClr val="black"/>
+                    </a:gs>
+                  </a:gsLst>
+                  <a:lin ang="5400000" scaled="0"/>
+                </a:gradFill>
+                <a:latin typeface="Segoe UI" pitchFamily="34" charset="0"/>
+                <a:ea typeface="Segoe UI" pitchFamily="34" charset="0"/>
+                <a:cs typeface="Segoe UI" pitchFamily="34" charset="0"/>
+              </a:rPr>
+              <a:t>The information herein is for informational purposes only and represents the current view of Microsoft Corporation as of the date of this presentation.  Because Microsoft must respond to changing market conditions, it should not be interpreted to be a commitment on the part of Microsoft, and Microsoft cannot guarantee the accuracy of any information provided after the date of this presentation.  MICROSOFT MAKES NO WARRANTIES, EXPRESS, IMPLIED OR STATUTORY, AS TO THE INFORMATION IN THIS PRESENTATION.</a:t>
+            </a:r>
+            <a:endParaRPr lang="en-US" sz="400" dirty="0">
+              <a:gradFill>
+                <a:gsLst>
+                  <a:gs pos="0">
+                    <a:prstClr val="black"/>
+                  </a:gs>
+                  <a:gs pos="100000">
+                    <a:prstClr val="black"/>
+                  </a:gs>
+                </a:gsLst>
+                <a:lin ang="5400000" scaled="0"/>
+              </a:gradFill>
+              <a:latin typeface="Segoe UI" pitchFamily="34" charset="0"/>
+              <a:ea typeface="Segoe UI" pitchFamily="34" charset="0"/>
+              <a:cs typeface="Segoe UI" pitchFamily="34" charset="0"/>
+            </a:endParaRPr>
+          </a:p>
+        </p:txBody>
+      </p:sp>
+      <p:sp>
+        <p:nvSpPr>
+          <p:cNvPr id="6" name="Date Placeholder 5"/>
+          <p:cNvSpPr>
+            <a:spLocks noGrp="1"/>
+          </p:cNvSpPr>
+          <p:nvPr>
+            <p:ph type="dt" idx="12"/>
+          </p:nvPr>
+        </p:nvSpPr>
+        <p:spPr/>
+        <p:txBody>
+          <a:bodyPr/>
+          <a:lstStyle/>
+          <a:p>
+            <a:fld id="{A30E22BB-1869-4D9D-B8D2-1612EB3883AA}" type="datetime1">
+              <a:rPr lang="en-US" smtClean="0">
+                <a:solidFill>
+                  <a:prstClr val="black"/>
+                </a:solidFill>
+              </a:rPr>
+              <a:pPr/>
+              <a:t>23/07/2015</a:t>
+            </a:fld>
+            <a:endParaRPr lang="en-US" dirty="0">
+              <a:solidFill>
+                <a:prstClr val="black"/>
+              </a:solidFill>
+            </a:endParaRPr>
+          </a:p>
+        </p:txBody>
+      </p:sp>
+      <p:sp>
+        <p:nvSpPr>
+          <p:cNvPr id="7" name="Slide Number Placeholder 6"/>
+          <p:cNvSpPr>
+            <a:spLocks noGrp="1"/>
+          </p:cNvSpPr>
+          <p:nvPr>
+            <p:ph type="sldNum" sz="quarter" idx="13"/>
+          </p:nvPr>
+        </p:nvSpPr>
+        <p:spPr/>
+        <p:txBody>
+          <a:bodyPr/>
+          <a:lstStyle/>
+          <a:p>
+            <a:fld id="{B4008EB6-D09E-4580-8CD6-DDB14511944F}" type="slidenum">
+              <a:rPr lang="en-US" smtClean="0">
+                <a:solidFill>
+                  <a:prstClr val="black"/>
+                </a:solidFill>
+              </a:rPr>
+              <a:pPr/>
+              <a:t>17</a:t>
+            </a:fld>
+            <a:endParaRPr lang="en-US" dirty="0">
+              <a:solidFill>
+                <a:prstClr val="black"/>
+              </a:solidFill>
+            </a:endParaRPr>
+          </a:p>
+        </p:txBody>
+      </p:sp>
+    </p:spTree>
+    <p:extLst>
+      <p:ext uri="{BB962C8B-B14F-4D97-AF65-F5344CB8AC3E}">
+        <p14:creationId xmlns:p14="http://schemas.microsoft.com/office/powerpoint/2010/main" val="3936390257"/>
       </p:ext>
     </p:extLst>
   </p:cSld>
@@ -17249,13 +17891,13 @@
   <p:clrMapOvr>
     <a:masterClrMapping/>
   </p:clrMapOvr>
-  <mc:AlternateContent xmlns:mc="http://schemas.openxmlformats.org/markup-compatibility/2006" xmlns:p14="http://schemas.microsoft.com/office/powerpoint/2010/main">
-    <mc:Choice Requires="p14">
+  <mc:AlternateContent xmlns:mc="http://schemas.openxmlformats.org/markup-compatibility/2006">
+    <mc:Choice xmlns:p14="http://schemas.microsoft.com/office/powerpoint/2010/main" Requires="p14">
       <p:transition spd="med" p14:dur="700">
         <p:fade/>
       </p:transition>
     </mc:Choice>
-    <mc:Fallback xmlns="">
+    <mc:Fallback>
       <p:transition spd="med">
         <p:fade/>
       </p:transition>
@@ -17307,43 +17949,33 @@
           <a:p>
             <a:r>
               <a:rPr lang="en-US" dirty="0"/>
-              <a:t>Remote </a:t>
-            </a:r>
-            <a:r>
-              <a:rPr lang="en-US" dirty="0" smtClean="0"/>
-              <a:t>debugging</a:t>
-            </a:r>
-            <a:br>
-              <a:rPr lang="en-US" dirty="0" smtClean="0"/>
-            </a:br>
-            <a:r>
-              <a:rPr lang="en-US" dirty="0" smtClean="0"/>
-              <a:t>with </a:t>
-            </a:r>
-            <a:r>
-              <a:rPr lang="en-US" dirty="0"/>
-              <a:t>Visual Studio</a:t>
-            </a:r>
+              <a:t>Deploying to Azure with </a:t>
+            </a:r>
+            <a:r>
+              <a:rPr lang="en-US" dirty="0" err="1"/>
+              <a:t>Github</a:t>
+            </a:r>
+            <a:endParaRPr lang="en-US" dirty="0"/>
           </a:p>
         </p:txBody>
       </p:sp>
     </p:spTree>
     <p:extLst>
       <p:ext uri="{BB962C8B-B14F-4D97-AF65-F5344CB8AC3E}">
-        <p14:creationId xmlns:p14="http://schemas.microsoft.com/office/powerpoint/2010/main" val="2101241467"/>
+        <p14:creationId xmlns:p14="http://schemas.microsoft.com/office/powerpoint/2010/main" val="3233233575"/>
       </p:ext>
     </p:extLst>
   </p:cSld>
   <p:clrMapOvr>
     <a:masterClrMapping/>
   </p:clrMapOvr>
-  <mc:AlternateContent xmlns:mc="http://schemas.openxmlformats.org/markup-compatibility/2006" xmlns:p14="http://schemas.microsoft.com/office/powerpoint/2010/main">
-    <mc:Choice Requires="p14">
+  <mc:AlternateContent xmlns:mc="http://schemas.openxmlformats.org/markup-compatibility/2006">
+    <mc:Choice xmlns:p14="http://schemas.microsoft.com/office/powerpoint/2010/main" Requires="p14">
       <p:transition spd="med" p14:dur="700">
         <p:fade/>
       </p:transition>
     </mc:Choice>
-    <mc:Fallback xmlns="">
+    <mc:Fallback>
       <p:transition spd="med">
         <p:fade/>
       </p:transition>
@@ -17378,12 +18010,12 @@
       </p:grpSpPr>
       <p:sp>
         <p:nvSpPr>
-          <p:cNvPr id="3" name="Subtitle 2"/>
+          <p:cNvPr id="2" name="Title 1"/>
           <p:cNvSpPr>
             <a:spLocks noGrp="1"/>
           </p:cNvSpPr>
           <p:nvPr>
-            <p:ph type="subTitle" idx="1"/>
+            <p:ph type="title"/>
           </p:nvPr>
         </p:nvSpPr>
         <p:spPr/>
@@ -17393,37 +18025,692 @@
           <a:p>
             <a:r>
               <a:rPr lang="en-US" dirty="0" smtClean="0"/>
-              <a:t>Remote Debugging a </a:t>
-            </a:r>
-            <a:r>
-              <a:rPr lang="en-US" dirty="0" smtClean="0"/>
-              <a:t>Node.js </a:t>
-            </a:r>
-            <a:r>
-              <a:rPr lang="en-US" dirty="0" smtClean="0"/>
-              <a:t>application with Visual Studio and Azure</a:t>
+              <a:t>Continuous Deployment</a:t>
             </a:r>
             <a:endParaRPr lang="en-US" dirty="0"/>
+          </a:p>
+        </p:txBody>
+      </p:sp>
+      <p:pic>
+        <p:nvPicPr>
+          <p:cNvPr id="26" name="Picture 25"/>
+          <p:cNvPicPr>
+            <a:picLocks noChangeAspect="1"/>
+          </p:cNvPicPr>
+          <p:nvPr/>
+        </p:nvPicPr>
+        <p:blipFill>
+          <a:blip r:embed="rId3">
+            <a:biLevel thresh="25000"/>
+          </a:blip>
+          <a:stretch>
+            <a:fillRect/>
+          </a:stretch>
+        </p:blipFill>
+        <p:spPr>
+          <a:xfrm>
+            <a:off x="1330655" y="2370032"/>
+            <a:ext cx="877161" cy="871427"/>
+          </a:xfrm>
+          <a:prstGeom prst="rect">
+            <a:avLst/>
+          </a:prstGeom>
+        </p:spPr>
+      </p:pic>
+      <p:pic>
+        <p:nvPicPr>
+          <p:cNvPr id="28" name="Picture 27"/>
+          <p:cNvPicPr>
+            <a:picLocks noChangeAspect="1"/>
+          </p:cNvPicPr>
+          <p:nvPr/>
+        </p:nvPicPr>
+        <p:blipFill>
+          <a:blip r:embed="rId3">
+            <a:biLevel thresh="25000"/>
+          </a:blip>
+          <a:stretch>
+            <a:fillRect/>
+          </a:stretch>
+        </p:blipFill>
+        <p:spPr>
+          <a:xfrm>
+            <a:off x="1368786" y="4719581"/>
+            <a:ext cx="877161" cy="871427"/>
+          </a:xfrm>
+          <a:prstGeom prst="rect">
+            <a:avLst/>
+          </a:prstGeom>
+        </p:spPr>
+      </p:pic>
+      <p:sp>
+        <p:nvSpPr>
+          <p:cNvPr id="29" name="TextBox 28"/>
+          <p:cNvSpPr txBox="1"/>
+          <p:nvPr/>
+        </p:nvSpPr>
+        <p:spPr>
+          <a:xfrm>
+            <a:off x="1160387" y="2000700"/>
+            <a:ext cx="1861806" cy="369332"/>
+          </a:xfrm>
+          <a:prstGeom prst="rect">
+            <a:avLst/>
+          </a:prstGeom>
+          <a:noFill/>
+        </p:spPr>
+        <p:txBody>
+          <a:bodyPr wrap="square" rtlCol="0">
+            <a:spAutoFit/>
+          </a:bodyPr>
+          <a:lstStyle/>
+          <a:p>
+            <a:pPr algn="ctr" defTabSz="896386">
+              <a:defRPr/>
+            </a:pPr>
+            <a:r>
+              <a:rPr lang="en-US" kern="0" dirty="0" smtClean="0">
+                <a:solidFill>
+                  <a:schemeClr val="bg1"/>
+                </a:solidFill>
+              </a:rPr>
+              <a:t>Production Slot</a:t>
+            </a:r>
+            <a:endParaRPr lang="en-US" kern="0" dirty="0">
+              <a:solidFill>
+                <a:schemeClr val="bg1"/>
+              </a:solidFill>
+            </a:endParaRPr>
+          </a:p>
+        </p:txBody>
+      </p:sp>
+      <p:sp>
+        <p:nvSpPr>
+          <p:cNvPr id="30" name="TextBox 29"/>
+          <p:cNvSpPr txBox="1"/>
+          <p:nvPr/>
+        </p:nvSpPr>
+        <p:spPr>
+          <a:xfrm>
+            <a:off x="4110181" y="5534888"/>
+            <a:ext cx="3639127" cy="369332"/>
+          </a:xfrm>
+          <a:prstGeom prst="rect">
+            <a:avLst/>
+          </a:prstGeom>
+          <a:noFill/>
+        </p:spPr>
+        <p:txBody>
+          <a:bodyPr wrap="square" rtlCol="0">
+            <a:spAutoFit/>
+          </a:bodyPr>
+          <a:lstStyle/>
+          <a:p>
+            <a:pPr algn="ctr" defTabSz="896386">
+              <a:defRPr/>
+            </a:pPr>
+            <a:r>
+              <a:rPr lang="en-US" kern="0" dirty="0" smtClean="0">
+                <a:solidFill>
+                  <a:schemeClr val="bg1"/>
+                </a:solidFill>
+              </a:rPr>
+              <a:t>Source Control / Code Repo  </a:t>
+            </a:r>
+            <a:endParaRPr lang="en-US" kern="0" dirty="0">
+              <a:solidFill>
+                <a:schemeClr val="bg1"/>
+              </a:solidFill>
+            </a:endParaRPr>
+          </a:p>
+        </p:txBody>
+      </p:sp>
+      <p:cxnSp>
+        <p:nvCxnSpPr>
+          <p:cNvPr id="31" name="Straight Connector 30"/>
+          <p:cNvCxnSpPr/>
+          <p:nvPr/>
+        </p:nvCxnSpPr>
+        <p:spPr>
+          <a:xfrm>
+            <a:off x="1769235" y="3398983"/>
+            <a:ext cx="1" cy="1030724"/>
+          </a:xfrm>
+          <a:prstGeom prst="line">
+            <a:avLst/>
+          </a:prstGeom>
+          <a:noFill/>
+          <a:ln w="28575" cap="flat" cmpd="sng" algn="ctr">
+            <a:solidFill>
+              <a:srgbClr val="FFFFFF"/>
+            </a:solidFill>
+            <a:prstDash val="solid"/>
+            <a:miter lim="800000"/>
+            <a:headEnd type="triangle"/>
+            <a:tailEnd type="triangle"/>
+          </a:ln>
+          <a:effectLst/>
+        </p:spPr>
+      </p:cxnSp>
+      <p:sp>
+        <p:nvSpPr>
+          <p:cNvPr id="35" name="TextBox 34"/>
+          <p:cNvSpPr txBox="1"/>
+          <p:nvPr/>
+        </p:nvSpPr>
+        <p:spPr>
+          <a:xfrm>
+            <a:off x="1095732" y="5534888"/>
+            <a:ext cx="1861806" cy="369332"/>
+          </a:xfrm>
+          <a:prstGeom prst="rect">
+            <a:avLst/>
+          </a:prstGeom>
+          <a:noFill/>
+        </p:spPr>
+        <p:txBody>
+          <a:bodyPr wrap="square" rtlCol="0">
+            <a:spAutoFit/>
+          </a:bodyPr>
+          <a:lstStyle/>
+          <a:p>
+            <a:pPr algn="ctr" defTabSz="896386">
+              <a:defRPr/>
+            </a:pPr>
+            <a:r>
+              <a:rPr lang="en-US" kern="0" dirty="0" smtClean="0">
+                <a:solidFill>
+                  <a:schemeClr val="bg1"/>
+                </a:solidFill>
+              </a:rPr>
+              <a:t>Staging Slot</a:t>
+            </a:r>
+            <a:endParaRPr lang="en-US" kern="0" dirty="0">
+              <a:solidFill>
+                <a:schemeClr val="bg1"/>
+              </a:solidFill>
+            </a:endParaRPr>
+          </a:p>
+        </p:txBody>
+      </p:sp>
+      <p:pic>
+        <p:nvPicPr>
+          <p:cNvPr id="39" name="Picture 38"/>
+          <p:cNvPicPr>
+            <a:picLocks noChangeAspect="1"/>
+          </p:cNvPicPr>
+          <p:nvPr/>
+        </p:nvPicPr>
+        <p:blipFill>
+          <a:blip r:embed="rId4">
+            <a:biLevel thresh="25000"/>
+          </a:blip>
+          <a:stretch>
+            <a:fillRect/>
+          </a:stretch>
+        </p:blipFill>
+        <p:spPr>
+          <a:xfrm>
+            <a:off x="5376665" y="4724646"/>
+            <a:ext cx="831219" cy="825785"/>
+          </a:xfrm>
+          <a:prstGeom prst="rect">
+            <a:avLst/>
+          </a:prstGeom>
+        </p:spPr>
+      </p:pic>
+      <p:sp>
+        <p:nvSpPr>
+          <p:cNvPr id="40" name="TextBox 39"/>
+          <p:cNvSpPr txBox="1"/>
+          <p:nvPr/>
+        </p:nvSpPr>
+        <p:spPr>
+          <a:xfrm>
+            <a:off x="7759526" y="4698729"/>
+            <a:ext cx="1861806" cy="369332"/>
+          </a:xfrm>
+          <a:prstGeom prst="rect">
+            <a:avLst/>
+          </a:prstGeom>
+          <a:noFill/>
+        </p:spPr>
+        <p:txBody>
+          <a:bodyPr wrap="square" rtlCol="0">
+            <a:spAutoFit/>
+          </a:bodyPr>
+          <a:lstStyle/>
+          <a:p>
+            <a:pPr algn="ctr" defTabSz="896386">
+              <a:defRPr/>
+            </a:pPr>
+            <a:r>
+              <a:rPr lang="en-US" kern="0" dirty="0" smtClean="0">
+                <a:solidFill>
+                  <a:schemeClr val="bg1"/>
+                </a:solidFill>
+              </a:rPr>
+              <a:t>Commits </a:t>
+            </a:r>
+            <a:endParaRPr lang="en-US" kern="0" dirty="0">
+              <a:solidFill>
+                <a:schemeClr val="bg1"/>
+              </a:solidFill>
+            </a:endParaRPr>
+          </a:p>
+        </p:txBody>
+      </p:sp>
+      <p:pic>
+        <p:nvPicPr>
+          <p:cNvPr id="11" name="Picture 10"/>
+          <p:cNvPicPr>
+            <a:picLocks noChangeAspect="1"/>
+          </p:cNvPicPr>
+          <p:nvPr/>
+        </p:nvPicPr>
+        <p:blipFill>
+          <a:blip r:embed="rId5"/>
+          <a:stretch>
+            <a:fillRect/>
+          </a:stretch>
+        </p:blipFill>
+        <p:spPr>
+          <a:xfrm>
+            <a:off x="9926553" y="4646272"/>
+            <a:ext cx="990651" cy="901746"/>
+          </a:xfrm>
+          <a:prstGeom prst="rect">
+            <a:avLst/>
+          </a:prstGeom>
+        </p:spPr>
+      </p:pic>
+      <p:cxnSp>
+        <p:nvCxnSpPr>
+          <p:cNvPr id="43" name="Straight Connector 42"/>
+          <p:cNvCxnSpPr/>
+          <p:nvPr/>
+        </p:nvCxnSpPr>
+        <p:spPr>
+          <a:xfrm>
+            <a:off x="6313854" y="5153557"/>
+            <a:ext cx="3468881" cy="22141"/>
+          </a:xfrm>
+          <a:prstGeom prst="line">
+            <a:avLst/>
+          </a:prstGeom>
+          <a:noFill/>
+          <a:ln w="28575" cap="flat" cmpd="sng" algn="ctr">
+            <a:solidFill>
+              <a:srgbClr val="FFFFFF"/>
+            </a:solidFill>
+            <a:prstDash val="solid"/>
+            <a:miter lim="800000"/>
+            <a:headEnd type="triangle"/>
+          </a:ln>
+          <a:effectLst/>
+        </p:spPr>
+      </p:cxnSp>
+      <p:sp>
+        <p:nvSpPr>
+          <p:cNvPr id="17" name="Rectangle 16"/>
+          <p:cNvSpPr/>
+          <p:nvPr/>
+        </p:nvSpPr>
+        <p:spPr>
+          <a:xfrm>
+            <a:off x="5306144" y="1908367"/>
+            <a:ext cx="5621219" cy="461665"/>
+          </a:xfrm>
+          <a:prstGeom prst="rect">
+            <a:avLst/>
+          </a:prstGeom>
+        </p:spPr>
+        <p:txBody>
+          <a:bodyPr wrap="none">
+            <a:spAutoFit/>
+          </a:bodyPr>
+          <a:lstStyle/>
+          <a:p>
+            <a:pPr algn="r"/>
+            <a:r>
+              <a:rPr lang="en-US" sz="2400" dirty="0">
+                <a:solidFill>
+                  <a:schemeClr val="bg1"/>
+                </a:solidFill>
+              </a:rPr>
+              <a:t>Agility through Continuous Deployment</a:t>
+            </a:r>
+          </a:p>
+        </p:txBody>
+      </p:sp>
+      <p:sp>
+        <p:nvSpPr>
+          <p:cNvPr id="50" name="TextBox 49"/>
+          <p:cNvSpPr txBox="1"/>
+          <p:nvPr/>
+        </p:nvSpPr>
+        <p:spPr>
+          <a:xfrm>
+            <a:off x="1487385" y="3707138"/>
+            <a:ext cx="1861806" cy="369332"/>
+          </a:xfrm>
+          <a:prstGeom prst="rect">
+            <a:avLst/>
+          </a:prstGeom>
+          <a:noFill/>
+        </p:spPr>
+        <p:txBody>
+          <a:bodyPr wrap="square" rtlCol="0">
+            <a:spAutoFit/>
+          </a:bodyPr>
+          <a:lstStyle/>
+          <a:p>
+            <a:pPr algn="ctr" defTabSz="896386">
+              <a:defRPr/>
+            </a:pPr>
+            <a:r>
+              <a:rPr lang="en-US" kern="0" dirty="0" smtClean="0">
+                <a:solidFill>
+                  <a:schemeClr val="bg1"/>
+                </a:solidFill>
+              </a:rPr>
+              <a:t>Auto-Swap </a:t>
+            </a:r>
+            <a:endParaRPr lang="en-US" kern="0" dirty="0">
+              <a:solidFill>
+                <a:schemeClr val="bg1"/>
+              </a:solidFill>
+            </a:endParaRPr>
+          </a:p>
+        </p:txBody>
+      </p:sp>
+      <p:sp>
+        <p:nvSpPr>
+          <p:cNvPr id="51" name="TextBox 50"/>
+          <p:cNvSpPr txBox="1"/>
+          <p:nvPr/>
+        </p:nvSpPr>
+        <p:spPr>
+          <a:xfrm>
+            <a:off x="8385129" y="5149720"/>
+            <a:ext cx="1861806" cy="369332"/>
+          </a:xfrm>
+          <a:prstGeom prst="rect">
+            <a:avLst/>
+          </a:prstGeom>
+          <a:noFill/>
+        </p:spPr>
+        <p:txBody>
+          <a:bodyPr wrap="square" rtlCol="0">
+            <a:spAutoFit/>
+          </a:bodyPr>
+          <a:lstStyle/>
+          <a:p>
+            <a:pPr algn="ctr" defTabSz="896386">
+              <a:defRPr/>
+            </a:pPr>
+            <a:r>
+              <a:rPr lang="en-US" kern="0" dirty="0" smtClean="0">
+                <a:solidFill>
+                  <a:schemeClr val="bg1"/>
+                </a:solidFill>
+              </a:rPr>
+              <a:t>Changes </a:t>
+            </a:r>
+            <a:endParaRPr lang="en-US" kern="0" dirty="0">
+              <a:solidFill>
+                <a:schemeClr val="bg1"/>
+              </a:solidFill>
+            </a:endParaRPr>
+          </a:p>
+        </p:txBody>
+      </p:sp>
+      <p:cxnSp>
+        <p:nvCxnSpPr>
+          <p:cNvPr id="52" name="Straight Connector 51"/>
+          <p:cNvCxnSpPr/>
+          <p:nvPr/>
+        </p:nvCxnSpPr>
+        <p:spPr>
+          <a:xfrm flipH="1" flipV="1">
+            <a:off x="2418288" y="5149720"/>
+            <a:ext cx="2860405" cy="4334"/>
+          </a:xfrm>
+          <a:prstGeom prst="line">
+            <a:avLst/>
+          </a:prstGeom>
+          <a:noFill/>
+          <a:ln w="28575" cap="flat" cmpd="sng" algn="ctr">
+            <a:solidFill>
+              <a:srgbClr val="FFFFFF"/>
+            </a:solidFill>
+            <a:prstDash val="solid"/>
+            <a:miter lim="800000"/>
+            <a:headEnd type="triangle"/>
+          </a:ln>
+          <a:effectLst/>
+        </p:spPr>
+      </p:cxnSp>
+      <p:sp>
+        <p:nvSpPr>
+          <p:cNvPr id="58" name="TextBox 57"/>
+          <p:cNvSpPr txBox="1"/>
+          <p:nvPr/>
+        </p:nvSpPr>
+        <p:spPr>
+          <a:xfrm>
+            <a:off x="3416887" y="3995903"/>
+            <a:ext cx="1861806" cy="369332"/>
+          </a:xfrm>
+          <a:prstGeom prst="rect">
+            <a:avLst/>
+          </a:prstGeom>
+          <a:noFill/>
+        </p:spPr>
+        <p:txBody>
+          <a:bodyPr wrap="square" rtlCol="0">
+            <a:spAutoFit/>
+          </a:bodyPr>
+          <a:lstStyle/>
+          <a:p>
+            <a:pPr algn="ctr" defTabSz="896386">
+              <a:defRPr/>
+            </a:pPr>
+            <a:r>
+              <a:rPr lang="en-US" kern="0" dirty="0" smtClean="0">
+                <a:solidFill>
+                  <a:schemeClr val="bg1"/>
+                </a:solidFill>
+              </a:rPr>
+              <a:t>Hooks</a:t>
+            </a:r>
+            <a:endParaRPr lang="en-US" kern="0" dirty="0">
+              <a:solidFill>
+                <a:schemeClr val="bg1"/>
+              </a:solidFill>
+            </a:endParaRPr>
+          </a:p>
+        </p:txBody>
+      </p:sp>
+      <p:sp>
+        <p:nvSpPr>
+          <p:cNvPr id="60" name="Curved Up Arrow 59"/>
+          <p:cNvSpPr/>
+          <p:nvPr/>
+        </p:nvSpPr>
+        <p:spPr bwMode="auto">
+          <a:xfrm rot="10561713">
+            <a:off x="2356696" y="4372865"/>
+            <a:ext cx="3146376" cy="478054"/>
+          </a:xfrm>
+          <a:prstGeom prst="curvedUpArrow">
+            <a:avLst/>
+          </a:prstGeom>
+          <a:solidFill>
+            <a:schemeClr val="bg1"/>
+          </a:solidFill>
+          <a:ln>
+            <a:solidFill>
+              <a:schemeClr val="bg1"/>
+            </a:solidFill>
+            <a:headEnd type="none" w="med" len="med"/>
+            <a:tailEnd type="none" w="med" len="med"/>
+          </a:ln>
+          <a:effectLst/>
+        </p:spPr>
+        <p:style>
+          <a:lnRef idx="1">
+            <a:schemeClr val="accent2"/>
+          </a:lnRef>
+          <a:fillRef idx="3">
+            <a:schemeClr val="accent2"/>
+          </a:fillRef>
+          <a:effectRef idx="2">
+            <a:schemeClr val="accent2"/>
+          </a:effectRef>
+          <a:fontRef idx="minor">
+            <a:schemeClr val="lt1"/>
+          </a:fontRef>
+        </p:style>
+        <p:txBody>
+          <a:bodyPr vert="horz" wrap="square" lIns="91436" tIns="45718" rIns="91436" bIns="45718" numCol="1" rtlCol="0" anchor="ctr" anchorCtr="0" compatLnSpc="1">
+            <a:prstTxWarp prst="textNoShape">
+              <a:avLst/>
+            </a:prstTxWarp>
+          </a:bodyPr>
+          <a:lstStyle/>
+          <a:p>
+            <a:pPr algn="ctr" defTabSz="914099" fontAlgn="base">
+              <a:spcBef>
+                <a:spcPct val="0"/>
+              </a:spcBef>
+              <a:spcAft>
+                <a:spcPct val="0"/>
+              </a:spcAft>
+            </a:pPr>
+            <a:endParaRPr lang="de-DE" sz="2200" dirty="0" smtClean="0">
+              <a:gradFill>
+                <a:gsLst>
+                  <a:gs pos="0">
+                    <a:srgbClr val="FFFFFF"/>
+                  </a:gs>
+                  <a:gs pos="100000">
+                    <a:srgbClr val="FFFFFF"/>
+                  </a:gs>
+                </a:gsLst>
+                <a:lin ang="5400000" scaled="0"/>
+              </a:gradFill>
+            </a:endParaRPr>
+          </a:p>
+        </p:txBody>
+      </p:sp>
+      <p:sp>
+        <p:nvSpPr>
+          <p:cNvPr id="61" name="TextBox 60"/>
+          <p:cNvSpPr txBox="1"/>
+          <p:nvPr/>
+        </p:nvSpPr>
+        <p:spPr>
+          <a:xfrm>
+            <a:off x="3141146" y="4801693"/>
+            <a:ext cx="1861806" cy="369332"/>
+          </a:xfrm>
+          <a:prstGeom prst="rect">
+            <a:avLst/>
+          </a:prstGeom>
+          <a:noFill/>
+        </p:spPr>
+        <p:txBody>
+          <a:bodyPr wrap="square" rtlCol="0">
+            <a:spAutoFit/>
+          </a:bodyPr>
+          <a:lstStyle/>
+          <a:p>
+            <a:pPr algn="ctr" defTabSz="896386">
+              <a:defRPr/>
+            </a:pPr>
+            <a:r>
+              <a:rPr lang="en-US" kern="0" dirty="0" err="1" smtClean="0">
+                <a:solidFill>
+                  <a:schemeClr val="bg1"/>
+                </a:solidFill>
+              </a:rPr>
+              <a:t>Git</a:t>
+            </a:r>
+            <a:r>
+              <a:rPr lang="en-US" kern="0" dirty="0" smtClean="0">
+                <a:solidFill>
+                  <a:schemeClr val="bg1"/>
+                </a:solidFill>
+              </a:rPr>
+              <a:t> pull</a:t>
+            </a:r>
+            <a:endParaRPr lang="en-US" kern="0" dirty="0">
+              <a:solidFill>
+                <a:schemeClr val="bg1"/>
+              </a:solidFill>
+            </a:endParaRPr>
+          </a:p>
+        </p:txBody>
+      </p:sp>
+      <p:sp>
+        <p:nvSpPr>
+          <p:cNvPr id="62" name="TextBox 61"/>
+          <p:cNvSpPr txBox="1"/>
+          <p:nvPr/>
+        </p:nvSpPr>
+        <p:spPr>
+          <a:xfrm>
+            <a:off x="9316111" y="5540503"/>
+            <a:ext cx="2211534" cy="365852"/>
+          </a:xfrm>
+          <a:prstGeom prst="rect">
+            <a:avLst/>
+          </a:prstGeom>
+          <a:noFill/>
+        </p:spPr>
+        <p:txBody>
+          <a:bodyPr wrap="square" rtlCol="0">
+            <a:spAutoFit/>
+          </a:bodyPr>
+          <a:lstStyle/>
+          <a:p>
+            <a:pPr algn="ctr" defTabSz="896386">
+              <a:defRPr/>
+            </a:pPr>
+            <a:r>
+              <a:rPr lang="en-US" kern="0" dirty="0" smtClean="0">
+                <a:solidFill>
+                  <a:schemeClr val="bg1"/>
+                </a:solidFill>
+              </a:rPr>
+              <a:t>Developer</a:t>
+            </a:r>
+            <a:endParaRPr lang="en-US" kern="0" dirty="0">
+              <a:solidFill>
+                <a:schemeClr val="bg1"/>
+              </a:solidFill>
+            </a:endParaRPr>
           </a:p>
         </p:txBody>
       </p:sp>
     </p:spTree>
     <p:extLst>
       <p:ext uri="{BB962C8B-B14F-4D97-AF65-F5344CB8AC3E}">
-        <p14:creationId xmlns:p14="http://schemas.microsoft.com/office/powerpoint/2010/main" val="1931064476"/>
+        <p14:creationId xmlns:p14="http://schemas.microsoft.com/office/powerpoint/2010/main" val="3132916692"/>
       </p:ext>
     </p:extLst>
   </p:cSld>
   <p:clrMapOvr>
     <a:masterClrMapping/>
   </p:clrMapOvr>
-  <mc:AlternateContent xmlns:mc="http://schemas.openxmlformats.org/markup-compatibility/2006" xmlns:p14="http://schemas.microsoft.com/office/powerpoint/2010/main">
-    <mc:Choice Requires="p14">
+  <mc:AlternateContent xmlns:mc="http://schemas.openxmlformats.org/markup-compatibility/2006">
+    <mc:Choice xmlns:p14="http://schemas.microsoft.com/office/powerpoint/2010/main" Requires="p14">
       <p:transition spd="med" p14:dur="700">
         <p:fade/>
       </p:transition>
     </mc:Choice>
-    <mc:Fallback xmlns="">
+    <mc:Fallback>
       <p:transition spd="med">
         <p:fade/>
       </p:transition>
@@ -17440,6 +18727,1744 @@
 </file>
 
 <file path=ppt/slides/slide12.xml><?xml version="1.0" encoding="utf-8"?>
+<p:sld xmlns:a="http://schemas.openxmlformats.org/drawingml/2006/main" xmlns:r="http://schemas.openxmlformats.org/officeDocument/2006/relationships" xmlns:p="http://schemas.openxmlformats.org/presentationml/2006/main">
+  <p:cSld>
+    <p:bg>
+      <p:bgPr>
+        <a:solidFill>
+          <a:srgbClr val="1D4380"/>
+        </a:solidFill>
+        <a:effectLst/>
+      </p:bgPr>
+    </p:bg>
+    <p:spTree>
+      <p:nvGrpSpPr>
+        <p:cNvPr id="1" name=""/>
+        <p:cNvGrpSpPr/>
+        <p:nvPr/>
+      </p:nvGrpSpPr>
+      <p:grpSpPr>
+        <a:xfrm>
+          <a:off x="0" y="0"/>
+          <a:ext cx="0" cy="0"/>
+          <a:chOff x="0" y="0"/>
+          <a:chExt cx="0" cy="0"/>
+        </a:xfrm>
+      </p:grpSpPr>
+      <p:grpSp>
+        <p:nvGrpSpPr>
+          <p:cNvPr id="4" name="Group 3"/>
+          <p:cNvGrpSpPr/>
+          <p:nvPr/>
+        </p:nvGrpSpPr>
+        <p:grpSpPr>
+          <a:xfrm>
+            <a:off x="1085889" y="2804607"/>
+            <a:ext cx="10020223" cy="1248787"/>
+            <a:chOff x="1285670" y="4669704"/>
+            <a:chExt cx="10020223" cy="1248787"/>
+          </a:xfrm>
+        </p:grpSpPr>
+        <p:pic>
+          <p:nvPicPr>
+            <p:cNvPr id="7" name="Picture 6"/>
+            <p:cNvPicPr>
+              <a:picLocks noChangeAspect="1"/>
+            </p:cNvPicPr>
+            <p:nvPr/>
+          </p:nvPicPr>
+          <p:blipFill>
+            <a:blip r:embed="rId3">
+              <a:biLevel thresh="25000"/>
+            </a:blip>
+            <a:stretch>
+              <a:fillRect/>
+            </a:stretch>
+          </p:blipFill>
+          <p:spPr>
+            <a:xfrm>
+              <a:off x="6060767" y="4669704"/>
+              <a:ext cx="576373" cy="572607"/>
+            </a:xfrm>
+            <a:prstGeom prst="rect">
+              <a:avLst/>
+            </a:prstGeom>
+          </p:spPr>
+        </p:pic>
+        <p:sp>
+          <p:nvSpPr>
+            <p:cNvPr id="12" name="TextBox 11"/>
+            <p:cNvSpPr txBox="1"/>
+            <p:nvPr/>
+          </p:nvSpPr>
+          <p:spPr>
+            <a:xfrm>
+              <a:off x="5891176" y="5272160"/>
+              <a:ext cx="907621" cy="369332"/>
+            </a:xfrm>
+            <a:prstGeom prst="rect">
+              <a:avLst/>
+            </a:prstGeom>
+            <a:noFill/>
+          </p:spPr>
+          <p:txBody>
+            <a:bodyPr wrap="none" rtlCol="0">
+              <a:spAutoFit/>
+            </a:bodyPr>
+            <a:lstStyle/>
+            <a:p>
+              <a:r>
+                <a:rPr lang="en-US" dirty="0" err="1">
+                  <a:solidFill>
+                    <a:prstClr val="white"/>
+                  </a:solidFill>
+                </a:rPr>
+                <a:t>GitHub</a:t>
+              </a:r>
+              <a:endParaRPr lang="en-US" dirty="0">
+                <a:solidFill>
+                  <a:prstClr val="white"/>
+                </a:solidFill>
+              </a:endParaRPr>
+            </a:p>
+          </p:txBody>
+        </p:sp>
+        <p:pic>
+          <p:nvPicPr>
+            <p:cNvPr id="5" name="Picture 4"/>
+            <p:cNvPicPr>
+              <a:picLocks noChangeAspect="1"/>
+            </p:cNvPicPr>
+            <p:nvPr/>
+          </p:nvPicPr>
+          <p:blipFill>
+            <a:blip r:embed="rId4">
+              <a:biLevel thresh="25000"/>
+            </a:blip>
+            <a:stretch>
+              <a:fillRect/>
+            </a:stretch>
+          </p:blipFill>
+          <p:spPr>
+            <a:xfrm>
+              <a:off x="2919543" y="4711603"/>
+              <a:ext cx="520141" cy="516741"/>
+            </a:xfrm>
+            <a:prstGeom prst="rect">
+              <a:avLst/>
+            </a:prstGeom>
+          </p:spPr>
+        </p:pic>
+        <p:sp>
+          <p:nvSpPr>
+            <p:cNvPr id="2" name="TextBox 1"/>
+            <p:cNvSpPr txBox="1"/>
+            <p:nvPr/>
+          </p:nvSpPr>
+          <p:spPr>
+            <a:xfrm>
+              <a:off x="2430562" y="5272160"/>
+              <a:ext cx="1498102" cy="646331"/>
+            </a:xfrm>
+            <a:prstGeom prst="rect">
+              <a:avLst/>
+            </a:prstGeom>
+            <a:noFill/>
+          </p:spPr>
+          <p:txBody>
+            <a:bodyPr wrap="none" rtlCol="0">
+              <a:spAutoFit/>
+            </a:bodyPr>
+            <a:lstStyle/>
+            <a:p>
+              <a:r>
+                <a:rPr lang="en-US" dirty="0">
+                  <a:solidFill>
+                    <a:prstClr val="white"/>
+                  </a:solidFill>
+                </a:rPr>
+                <a:t>Visual Studio</a:t>
+              </a:r>
+            </a:p>
+            <a:p>
+              <a:pPr algn="ctr"/>
+              <a:r>
+                <a:rPr lang="en-US" dirty="0">
+                  <a:solidFill>
+                    <a:prstClr val="white"/>
+                  </a:solidFill>
+                </a:rPr>
+                <a:t>Online</a:t>
+              </a:r>
+            </a:p>
+          </p:txBody>
+        </p:sp>
+        <p:pic>
+          <p:nvPicPr>
+            <p:cNvPr id="6" name="Picture 5"/>
+            <p:cNvPicPr>
+              <a:picLocks noChangeAspect="1"/>
+            </p:cNvPicPr>
+            <p:nvPr/>
+          </p:nvPicPr>
+          <p:blipFill>
+            <a:blip r:embed="rId5">
+              <a:biLevel thresh="25000"/>
+            </a:blip>
+            <a:stretch>
+              <a:fillRect/>
+            </a:stretch>
+          </p:blipFill>
+          <p:spPr>
+            <a:xfrm>
+              <a:off x="1285670" y="4683670"/>
+              <a:ext cx="604489" cy="600537"/>
+            </a:xfrm>
+            <a:prstGeom prst="rect">
+              <a:avLst/>
+            </a:prstGeom>
+          </p:spPr>
+        </p:pic>
+        <p:sp>
+          <p:nvSpPr>
+            <p:cNvPr id="3" name="TextBox 2"/>
+            <p:cNvSpPr txBox="1"/>
+            <p:nvPr/>
+          </p:nvSpPr>
+          <p:spPr>
+            <a:xfrm>
+              <a:off x="1348906" y="5272160"/>
+              <a:ext cx="478016" cy="369332"/>
+            </a:xfrm>
+            <a:prstGeom prst="rect">
+              <a:avLst/>
+            </a:prstGeom>
+            <a:noFill/>
+          </p:spPr>
+          <p:txBody>
+            <a:bodyPr wrap="none" rtlCol="0">
+              <a:spAutoFit/>
+            </a:bodyPr>
+            <a:lstStyle/>
+            <a:p>
+              <a:r>
+                <a:rPr lang="en-US" dirty="0" err="1">
+                  <a:solidFill>
+                    <a:prstClr val="white"/>
+                  </a:solidFill>
+                </a:rPr>
+                <a:t>Git</a:t>
+              </a:r>
+              <a:endParaRPr lang="en-US" dirty="0">
+                <a:solidFill>
+                  <a:prstClr val="white"/>
+                </a:solidFill>
+              </a:endParaRPr>
+            </a:p>
+          </p:txBody>
+        </p:sp>
+        <p:pic>
+          <p:nvPicPr>
+            <p:cNvPr id="9" name="Picture 8"/>
+            <p:cNvPicPr>
+              <a:picLocks noChangeAspect="1"/>
+            </p:cNvPicPr>
+            <p:nvPr/>
+          </p:nvPicPr>
+          <p:blipFill>
+            <a:blip r:embed="rId6">
+              <a:biLevel thresh="25000"/>
+            </a:blip>
+            <a:stretch>
+              <a:fillRect/>
+            </a:stretch>
+          </p:blipFill>
+          <p:spPr>
+            <a:xfrm>
+              <a:off x="7666524" y="4683670"/>
+              <a:ext cx="477968" cy="544674"/>
+            </a:xfrm>
+            <a:prstGeom prst="rect">
+              <a:avLst/>
+            </a:prstGeom>
+          </p:spPr>
+        </p:pic>
+        <p:sp>
+          <p:nvSpPr>
+            <p:cNvPr id="13" name="TextBox 12"/>
+            <p:cNvSpPr txBox="1"/>
+            <p:nvPr/>
+          </p:nvSpPr>
+          <p:spPr>
+            <a:xfrm>
+              <a:off x="7339391" y="5272160"/>
+              <a:ext cx="1132233" cy="369332"/>
+            </a:xfrm>
+            <a:prstGeom prst="rect">
+              <a:avLst/>
+            </a:prstGeom>
+            <a:noFill/>
+          </p:spPr>
+          <p:txBody>
+            <a:bodyPr wrap="none" rtlCol="0">
+              <a:spAutoFit/>
+            </a:bodyPr>
+            <a:lstStyle/>
+            <a:p>
+              <a:r>
+                <a:rPr lang="en-US" dirty="0" err="1">
+                  <a:solidFill>
+                    <a:prstClr val="white"/>
+                  </a:solidFill>
+                </a:rPr>
+                <a:t>BitBucket</a:t>
+              </a:r>
+              <a:endParaRPr lang="en-US" dirty="0">
+                <a:solidFill>
+                  <a:prstClr val="white"/>
+                </a:solidFill>
+              </a:endParaRPr>
+            </a:p>
+          </p:txBody>
+        </p:sp>
+        <p:pic>
+          <p:nvPicPr>
+            <p:cNvPr id="10" name="Picture 9"/>
+            <p:cNvPicPr>
+              <a:picLocks noChangeAspect="1"/>
+            </p:cNvPicPr>
+            <p:nvPr/>
+          </p:nvPicPr>
+          <p:blipFill>
+            <a:blip r:embed="rId7">
+              <a:biLevel thresh="25000"/>
+            </a:blip>
+            <a:stretch>
+              <a:fillRect/>
+            </a:stretch>
+          </p:blipFill>
+          <p:spPr>
+            <a:xfrm>
+              <a:off x="4469068" y="4753501"/>
+              <a:ext cx="562315" cy="432945"/>
+            </a:xfrm>
+            <a:prstGeom prst="rect">
+              <a:avLst/>
+            </a:prstGeom>
+          </p:spPr>
+        </p:pic>
+        <p:sp>
+          <p:nvSpPr>
+            <p:cNvPr id="14" name="TextBox 13"/>
+            <p:cNvSpPr txBox="1"/>
+            <p:nvPr/>
+          </p:nvSpPr>
+          <p:spPr>
+            <a:xfrm>
+              <a:off x="4185006" y="5272160"/>
+              <a:ext cx="1130438" cy="369332"/>
+            </a:xfrm>
+            <a:prstGeom prst="rect">
+              <a:avLst/>
+            </a:prstGeom>
+            <a:noFill/>
+          </p:spPr>
+          <p:txBody>
+            <a:bodyPr wrap="none" rtlCol="0">
+              <a:spAutoFit/>
+            </a:bodyPr>
+            <a:lstStyle/>
+            <a:p>
+              <a:r>
+                <a:rPr lang="en-US" dirty="0" err="1">
+                  <a:solidFill>
+                    <a:prstClr val="white"/>
+                  </a:solidFill>
+                </a:rPr>
+                <a:t>CodePlex</a:t>
+              </a:r>
+              <a:endParaRPr lang="en-US" dirty="0">
+                <a:solidFill>
+                  <a:prstClr val="white"/>
+                </a:solidFill>
+              </a:endParaRPr>
+            </a:p>
+          </p:txBody>
+        </p:sp>
+        <p:pic>
+          <p:nvPicPr>
+            <p:cNvPr id="8" name="Picture 7"/>
+            <p:cNvPicPr>
+              <a:picLocks noChangeAspect="1"/>
+            </p:cNvPicPr>
+            <p:nvPr/>
+          </p:nvPicPr>
+          <p:blipFill>
+            <a:blip r:embed="rId8">
+              <a:biLevel thresh="25000"/>
+            </a:blip>
+            <a:stretch>
+              <a:fillRect/>
+            </a:stretch>
+          </p:blipFill>
+          <p:spPr>
+            <a:xfrm>
+              <a:off x="9173876" y="4676688"/>
+              <a:ext cx="604489" cy="558639"/>
+            </a:xfrm>
+            <a:prstGeom prst="rect">
+              <a:avLst/>
+            </a:prstGeom>
+          </p:spPr>
+        </p:pic>
+        <p:sp>
+          <p:nvSpPr>
+            <p:cNvPr id="16" name="Rectangle 15"/>
+            <p:cNvSpPr/>
+            <p:nvPr/>
+          </p:nvSpPr>
+          <p:spPr>
+            <a:xfrm>
+              <a:off x="8943474" y="5272160"/>
+              <a:ext cx="1065292" cy="369332"/>
+            </a:xfrm>
+            <a:prstGeom prst="rect">
+              <a:avLst/>
+            </a:prstGeom>
+          </p:spPr>
+          <p:txBody>
+            <a:bodyPr wrap="none">
+              <a:spAutoFit/>
+            </a:bodyPr>
+            <a:lstStyle/>
+            <a:p>
+              <a:r>
+                <a:rPr lang="en-US" dirty="0" err="1">
+                  <a:solidFill>
+                    <a:prstClr val="white"/>
+                  </a:solidFill>
+                </a:rPr>
+                <a:t>DropBox</a:t>
+              </a:r>
+              <a:endParaRPr lang="en-US" dirty="0">
+                <a:solidFill>
+                  <a:prstClr val="white"/>
+                </a:solidFill>
+              </a:endParaRPr>
+            </a:p>
+          </p:txBody>
+        </p:sp>
+        <p:pic>
+          <p:nvPicPr>
+            <p:cNvPr id="26" name="Picture 25"/>
+            <p:cNvPicPr>
+              <a:picLocks noChangeAspect="1"/>
+            </p:cNvPicPr>
+            <p:nvPr/>
+          </p:nvPicPr>
+          <p:blipFill>
+            <a:blip r:embed="rId9">
+              <a:biLevel thresh="25000"/>
+              <a:extLst>
+                <a:ext uri="{28A0092B-C50C-407E-A947-70E740481C1C}">
+                  <a14:useLocalDpi xmlns:a14="http://schemas.microsoft.com/office/drawing/2010/main" val="0"/>
+                </a:ext>
+              </a:extLst>
+            </a:blip>
+            <a:stretch>
+              <a:fillRect/>
+            </a:stretch>
+          </p:blipFill>
+          <p:spPr>
+            <a:xfrm>
+              <a:off x="10807751" y="4674981"/>
+              <a:ext cx="447737" cy="562053"/>
+            </a:xfrm>
+            <a:prstGeom prst="rect">
+              <a:avLst/>
+            </a:prstGeom>
+          </p:spPr>
+        </p:pic>
+        <p:sp>
+          <p:nvSpPr>
+            <p:cNvPr id="27" name="TextBox 26"/>
+            <p:cNvSpPr txBox="1"/>
+            <p:nvPr/>
+          </p:nvSpPr>
+          <p:spPr>
+            <a:xfrm>
+              <a:off x="10757345" y="5272160"/>
+              <a:ext cx="548548" cy="369332"/>
+            </a:xfrm>
+            <a:prstGeom prst="rect">
+              <a:avLst/>
+            </a:prstGeom>
+            <a:noFill/>
+          </p:spPr>
+          <p:txBody>
+            <a:bodyPr wrap="none" rtlCol="0">
+              <a:spAutoFit/>
+            </a:bodyPr>
+            <a:lstStyle/>
+            <a:p>
+              <a:r>
+                <a:rPr lang="en-US" dirty="0">
+                  <a:solidFill>
+                    <a:prstClr val="white"/>
+                  </a:solidFill>
+                </a:rPr>
+                <a:t>FTP</a:t>
+              </a:r>
+            </a:p>
+          </p:txBody>
+        </p:sp>
+      </p:grpSp>
+      <p:sp>
+        <p:nvSpPr>
+          <p:cNvPr id="37" name="TextBox 36"/>
+          <p:cNvSpPr txBox="1"/>
+          <p:nvPr/>
+        </p:nvSpPr>
+        <p:spPr>
+          <a:xfrm>
+            <a:off x="62565" y="4280414"/>
+            <a:ext cx="12066871" cy="1107996"/>
+          </a:xfrm>
+          <a:prstGeom prst="rect">
+            <a:avLst/>
+          </a:prstGeom>
+          <a:noFill/>
+        </p:spPr>
+        <p:txBody>
+          <a:bodyPr wrap="square" rtlCol="0">
+            <a:spAutoFit/>
+          </a:bodyPr>
+          <a:lstStyle/>
+          <a:p>
+            <a:pPr algn="ctr"/>
+            <a:r>
+              <a:rPr lang="en-US" sz="6600" dirty="0">
+                <a:solidFill>
+                  <a:prstClr val="white"/>
+                </a:solidFill>
+                <a:latin typeface="+mj-lt"/>
+              </a:rPr>
+              <a:t>C</a:t>
+            </a:r>
+            <a:r>
+              <a:rPr lang="en-US" sz="6600" dirty="0" smtClean="0">
+                <a:solidFill>
+                  <a:prstClr val="white"/>
+                </a:solidFill>
+                <a:latin typeface="+mj-lt"/>
+              </a:rPr>
+              <a:t>hoose </a:t>
+            </a:r>
+            <a:r>
+              <a:rPr lang="en-US" sz="6600" dirty="0">
+                <a:solidFill>
+                  <a:prstClr val="white"/>
+                </a:solidFill>
+                <a:latin typeface="+mj-lt"/>
+              </a:rPr>
+              <a:t>your own </a:t>
+            </a:r>
+            <a:r>
+              <a:rPr lang="en-US" sz="6600" dirty="0" smtClean="0">
+                <a:solidFill>
+                  <a:prstClr val="white"/>
+                </a:solidFill>
+                <a:latin typeface="+mj-lt"/>
+              </a:rPr>
+              <a:t>adventure</a:t>
+            </a:r>
+            <a:r>
+              <a:rPr lang="en-US" sz="6600" dirty="0">
+                <a:solidFill>
+                  <a:prstClr val="white"/>
+                </a:solidFill>
+                <a:latin typeface="+mj-lt"/>
+              </a:rPr>
+              <a:t>!</a:t>
+            </a:r>
+          </a:p>
+        </p:txBody>
+      </p:sp>
+      <p:sp>
+        <p:nvSpPr>
+          <p:cNvPr id="11" name="Title 10"/>
+          <p:cNvSpPr>
+            <a:spLocks noGrp="1"/>
+          </p:cNvSpPr>
+          <p:nvPr>
+            <p:ph type="title"/>
+          </p:nvPr>
+        </p:nvSpPr>
+        <p:spPr/>
+        <p:txBody>
+          <a:bodyPr>
+            <a:normAutofit/>
+          </a:bodyPr>
+          <a:lstStyle/>
+          <a:p>
+            <a:r>
+              <a:rPr lang="en-US" dirty="0">
+                <a:solidFill>
+                  <a:prstClr val="white"/>
+                </a:solidFill>
+              </a:rPr>
+              <a:t>Source </a:t>
+            </a:r>
+            <a:r>
+              <a:rPr lang="en-US" dirty="0" smtClean="0">
+                <a:solidFill>
+                  <a:prstClr val="white"/>
+                </a:solidFill>
+              </a:rPr>
+              <a:t>Control</a:t>
+            </a:r>
+            <a:endParaRPr lang="en-US" dirty="0"/>
+          </a:p>
+        </p:txBody>
+      </p:sp>
+    </p:spTree>
+    <p:extLst>
+      <p:ext uri="{BB962C8B-B14F-4D97-AF65-F5344CB8AC3E}">
+        <p14:creationId xmlns:p14="http://schemas.microsoft.com/office/powerpoint/2010/main" val="656471600"/>
+      </p:ext>
+    </p:extLst>
+  </p:cSld>
+  <p:clrMapOvr>
+    <a:masterClrMapping/>
+  </p:clrMapOvr>
+  <mc:AlternateContent xmlns:mc="http://schemas.openxmlformats.org/markup-compatibility/2006">
+    <mc:Choice xmlns:p14="http://schemas.microsoft.com/office/powerpoint/2010/main" Requires="p14">
+      <p:transition spd="med" p14:dur="700">
+        <p:fade/>
+      </p:transition>
+    </mc:Choice>
+    <mc:Fallback>
+      <p:transition spd="med">
+        <p:fade/>
+      </p:transition>
+    </mc:Fallback>
+  </mc:AlternateContent>
+  <p:timing>
+    <p:tnLst>
+      <p:par>
+        <p:cTn id="1" dur="indefinite" restart="never" nodeType="tmRoot"/>
+      </p:par>
+    </p:tnLst>
+  </p:timing>
+</p:sld>
+</file>
+
+<file path=ppt/slides/slide13.xml><?xml version="1.0" encoding="utf-8"?>
+<p:sld xmlns:a="http://schemas.openxmlformats.org/drawingml/2006/main" xmlns:r="http://schemas.openxmlformats.org/officeDocument/2006/relationships" xmlns:p="http://schemas.openxmlformats.org/presentationml/2006/main">
+  <p:cSld>
+    <p:spTree>
+      <p:nvGrpSpPr>
+        <p:cNvPr id="1" name=""/>
+        <p:cNvGrpSpPr/>
+        <p:nvPr/>
+      </p:nvGrpSpPr>
+      <p:grpSpPr>
+        <a:xfrm>
+          <a:off x="0" y="0"/>
+          <a:ext cx="0" cy="0"/>
+          <a:chOff x="0" y="0"/>
+          <a:chExt cx="0" cy="0"/>
+        </a:xfrm>
+      </p:grpSpPr>
+      <p:sp>
+        <p:nvSpPr>
+          <p:cNvPr id="4" name="Title 3"/>
+          <p:cNvSpPr>
+            <a:spLocks noGrp="1"/>
+          </p:cNvSpPr>
+          <p:nvPr>
+            <p:ph type="title"/>
+          </p:nvPr>
+        </p:nvSpPr>
+        <p:spPr/>
+        <p:txBody>
+          <a:bodyPr/>
+          <a:lstStyle/>
+          <a:p>
+            <a:r>
+              <a:rPr lang="en-US" dirty="0" smtClean="0"/>
+              <a:t>Deployments</a:t>
+            </a:r>
+            <a:endParaRPr lang="en-US" dirty="0"/>
+          </a:p>
+        </p:txBody>
+      </p:sp>
+      <p:pic>
+        <p:nvPicPr>
+          <p:cNvPr id="3" name="Picture 2"/>
+          <p:cNvPicPr>
+            <a:picLocks noChangeAspect="1"/>
+          </p:cNvPicPr>
+          <p:nvPr/>
+        </p:nvPicPr>
+        <p:blipFill>
+          <a:blip r:embed="rId2"/>
+          <a:stretch>
+            <a:fillRect/>
+          </a:stretch>
+        </p:blipFill>
+        <p:spPr>
+          <a:xfrm>
+            <a:off x="1071509" y="1742059"/>
+            <a:ext cx="10058400" cy="5084014"/>
+          </a:xfrm>
+          <a:prstGeom prst="rect">
+            <a:avLst/>
+          </a:prstGeom>
+        </p:spPr>
+      </p:pic>
+    </p:spTree>
+    <p:extLst>
+      <p:ext uri="{BB962C8B-B14F-4D97-AF65-F5344CB8AC3E}">
+        <p14:creationId xmlns:p14="http://schemas.microsoft.com/office/powerpoint/2010/main" val="3964790276"/>
+      </p:ext>
+    </p:extLst>
+  </p:cSld>
+  <p:clrMapOvr>
+    <a:masterClrMapping/>
+  </p:clrMapOvr>
+  <mc:AlternateContent xmlns:mc="http://schemas.openxmlformats.org/markup-compatibility/2006">
+    <mc:Choice xmlns:p14="http://schemas.microsoft.com/office/powerpoint/2010/main" Requires="p14">
+      <p:transition spd="med" p14:dur="700">
+        <p:fade/>
+      </p:transition>
+    </mc:Choice>
+    <mc:Fallback>
+      <p:transition spd="med">
+        <p:fade/>
+      </p:transition>
+    </mc:Fallback>
+  </mc:AlternateContent>
+  <p:timing>
+    <p:tnLst>
+      <p:par>
+        <p:cTn id="1" dur="indefinite" restart="never" nodeType="tmRoot"/>
+      </p:par>
+    </p:tnLst>
+  </p:timing>
+</p:sld>
+</file>
+
+<file path=ppt/slides/slide14.xml><?xml version="1.0" encoding="utf-8"?>
+<p:sld xmlns:a="http://schemas.openxmlformats.org/drawingml/2006/main" xmlns:r="http://schemas.openxmlformats.org/officeDocument/2006/relationships" xmlns:p="http://schemas.openxmlformats.org/presentationml/2006/main">
+  <p:cSld>
+    <p:spTree>
+      <p:nvGrpSpPr>
+        <p:cNvPr id="1" name=""/>
+        <p:cNvGrpSpPr/>
+        <p:nvPr/>
+      </p:nvGrpSpPr>
+      <p:grpSpPr>
+        <a:xfrm>
+          <a:off x="0" y="0"/>
+          <a:ext cx="0" cy="0"/>
+          <a:chOff x="0" y="0"/>
+          <a:chExt cx="0" cy="0"/>
+        </a:xfrm>
+      </p:grpSpPr>
+      <p:sp>
+        <p:nvSpPr>
+          <p:cNvPr id="3" name="Subtitle 2"/>
+          <p:cNvSpPr>
+            <a:spLocks noGrp="1"/>
+          </p:cNvSpPr>
+          <p:nvPr>
+            <p:ph type="subTitle" idx="1"/>
+          </p:nvPr>
+        </p:nvSpPr>
+        <p:spPr/>
+        <p:txBody>
+          <a:bodyPr/>
+          <a:lstStyle/>
+          <a:p>
+            <a:r>
+              <a:rPr lang="en-US" dirty="0"/>
+              <a:t>Deploying to Azure with </a:t>
+            </a:r>
+            <a:r>
+              <a:rPr lang="en-US" dirty="0" err="1"/>
+              <a:t>Github</a:t>
+            </a:r>
+            <a:endParaRPr lang="en-US" dirty="0"/>
+          </a:p>
+        </p:txBody>
+      </p:sp>
+    </p:spTree>
+    <p:extLst>
+      <p:ext uri="{BB962C8B-B14F-4D97-AF65-F5344CB8AC3E}">
+        <p14:creationId xmlns:p14="http://schemas.microsoft.com/office/powerpoint/2010/main" val="2374196098"/>
+      </p:ext>
+    </p:extLst>
+  </p:cSld>
+  <p:clrMapOvr>
+    <a:masterClrMapping/>
+  </p:clrMapOvr>
+  <mc:AlternateContent xmlns:mc="http://schemas.openxmlformats.org/markup-compatibility/2006">
+    <mc:Choice xmlns:p14="http://schemas.microsoft.com/office/powerpoint/2010/main" Requires="p14">
+      <p:transition spd="med" p14:dur="700">
+        <p:fade/>
+      </p:transition>
+    </mc:Choice>
+    <mc:Fallback>
+      <p:transition spd="med">
+        <p:fade/>
+      </p:transition>
+    </mc:Fallback>
+  </mc:AlternateContent>
+  <p:timing>
+    <p:tnLst>
+      <p:par>
+        <p:cTn id="1" dur="indefinite" restart="never" nodeType="tmRoot"/>
+      </p:par>
+    </p:tnLst>
+  </p:timing>
+</p:sld>
+</file>
+
+<file path=ppt/slides/slide15.xml><?xml version="1.0" encoding="utf-8"?>
+<p:sld xmlns:a="http://schemas.openxmlformats.org/drawingml/2006/main" xmlns:r="http://schemas.openxmlformats.org/officeDocument/2006/relationships" xmlns:p="http://schemas.openxmlformats.org/presentationml/2006/main">
+  <p:cSld>
+    <p:spTree>
+      <p:nvGrpSpPr>
+        <p:cNvPr id="1" name=""/>
+        <p:cNvGrpSpPr/>
+        <p:nvPr/>
+      </p:nvGrpSpPr>
+      <p:grpSpPr>
+        <a:xfrm>
+          <a:off x="0" y="0"/>
+          <a:ext cx="0" cy="0"/>
+          <a:chOff x="0" y="0"/>
+          <a:chExt cx="0" cy="0"/>
+        </a:xfrm>
+      </p:grpSpPr>
+      <p:sp>
+        <p:nvSpPr>
+          <p:cNvPr id="4" name="Title 3"/>
+          <p:cNvSpPr>
+            <a:spLocks noGrp="1"/>
+          </p:cNvSpPr>
+          <p:nvPr>
+            <p:ph type="ctrTitle"/>
+          </p:nvPr>
+        </p:nvSpPr>
+        <p:spPr/>
+        <p:txBody>
+          <a:bodyPr>
+            <a:normAutofit/>
+          </a:bodyPr>
+          <a:lstStyle/>
+          <a:p>
+            <a:r>
+              <a:rPr lang="en-US" dirty="0"/>
+              <a:t>Remote </a:t>
+            </a:r>
+            <a:r>
+              <a:rPr lang="en-US" dirty="0" smtClean="0"/>
+              <a:t>debugging</a:t>
+            </a:r>
+            <a:br>
+              <a:rPr lang="en-US" dirty="0" smtClean="0"/>
+            </a:br>
+            <a:r>
+              <a:rPr lang="en-US" dirty="0" smtClean="0"/>
+              <a:t>with </a:t>
+            </a:r>
+            <a:r>
+              <a:rPr lang="en-US" dirty="0"/>
+              <a:t>Visual Studio</a:t>
+            </a:r>
+          </a:p>
+        </p:txBody>
+      </p:sp>
+    </p:spTree>
+    <p:extLst>
+      <p:ext uri="{BB962C8B-B14F-4D97-AF65-F5344CB8AC3E}">
+        <p14:creationId xmlns:p14="http://schemas.microsoft.com/office/powerpoint/2010/main" val="2101241467"/>
+      </p:ext>
+    </p:extLst>
+  </p:cSld>
+  <p:clrMapOvr>
+    <a:masterClrMapping/>
+  </p:clrMapOvr>
+  <mc:AlternateContent xmlns:mc="http://schemas.openxmlformats.org/markup-compatibility/2006">
+    <mc:Choice xmlns:p14="http://schemas.microsoft.com/office/powerpoint/2010/main" Requires="p14">
+      <p:transition spd="med" p14:dur="700">
+        <p:fade/>
+      </p:transition>
+    </mc:Choice>
+    <mc:Fallback>
+      <p:transition spd="med">
+        <p:fade/>
+      </p:transition>
+    </mc:Fallback>
+  </mc:AlternateContent>
+  <p:timing>
+    <p:tnLst>
+      <p:par>
+        <p:cTn id="1" dur="indefinite" restart="never" nodeType="tmRoot"/>
+      </p:par>
+    </p:tnLst>
+  </p:timing>
+</p:sld>
+</file>
+
+<file path=ppt/slides/slide16.xml><?xml version="1.0" encoding="utf-8"?>
+<p:sld xmlns:a="http://schemas.openxmlformats.org/drawingml/2006/main" xmlns:r="http://schemas.openxmlformats.org/officeDocument/2006/relationships" xmlns:p="http://schemas.openxmlformats.org/presentationml/2006/main">
+  <p:cSld>
+    <p:spTree>
+      <p:nvGrpSpPr>
+        <p:cNvPr id="1" name=""/>
+        <p:cNvGrpSpPr/>
+        <p:nvPr/>
+      </p:nvGrpSpPr>
+      <p:grpSpPr>
+        <a:xfrm>
+          <a:off x="0" y="0"/>
+          <a:ext cx="0" cy="0"/>
+          <a:chOff x="0" y="0"/>
+          <a:chExt cx="0" cy="0"/>
+        </a:xfrm>
+      </p:grpSpPr>
+      <p:sp>
+        <p:nvSpPr>
+          <p:cNvPr id="3" name="Subtitle 2"/>
+          <p:cNvSpPr>
+            <a:spLocks noGrp="1"/>
+          </p:cNvSpPr>
+          <p:nvPr>
+            <p:ph type="subTitle" idx="1"/>
+          </p:nvPr>
+        </p:nvSpPr>
+        <p:spPr/>
+        <p:txBody>
+          <a:bodyPr/>
+          <a:lstStyle/>
+          <a:p>
+            <a:r>
+              <a:rPr lang="en-US" dirty="0" smtClean="0"/>
+              <a:t>Remote Debugging a Node.js application with Visual Studio and Azure</a:t>
+            </a:r>
+            <a:endParaRPr lang="en-US" dirty="0"/>
+          </a:p>
+        </p:txBody>
+      </p:sp>
+    </p:spTree>
+    <p:extLst>
+      <p:ext uri="{BB962C8B-B14F-4D97-AF65-F5344CB8AC3E}">
+        <p14:creationId xmlns:p14="http://schemas.microsoft.com/office/powerpoint/2010/main" val="1931064476"/>
+      </p:ext>
+    </p:extLst>
+  </p:cSld>
+  <p:clrMapOvr>
+    <a:masterClrMapping/>
+  </p:clrMapOvr>
+  <mc:AlternateContent xmlns:mc="http://schemas.openxmlformats.org/markup-compatibility/2006">
+    <mc:Choice xmlns:p14="http://schemas.microsoft.com/office/powerpoint/2010/main" Requires="p14">
+      <p:transition spd="med" p14:dur="700">
+        <p:fade/>
+      </p:transition>
+    </mc:Choice>
+    <mc:Fallback>
+      <p:transition spd="med">
+        <p:fade/>
+      </p:transition>
+    </mc:Fallback>
+  </mc:AlternateContent>
+  <p:timing>
+    <p:tnLst>
+      <p:par>
+        <p:cTn id="1" dur="indefinite" restart="never" nodeType="tmRoot"/>
+      </p:par>
+    </p:tnLst>
+  </p:timing>
+</p:sld>
+</file>
+
+<file path=ppt/slides/slide17.xml><?xml version="1.0" encoding="utf-8"?>
+<p:sld xmlns:a="http://schemas.openxmlformats.org/drawingml/2006/main" xmlns:r="http://schemas.openxmlformats.org/officeDocument/2006/relationships" xmlns:p="http://schemas.openxmlformats.org/presentationml/2006/main">
+  <p:cSld>
+    <p:spTree>
+      <p:nvGrpSpPr>
+        <p:cNvPr id="1" name=""/>
+        <p:cNvGrpSpPr/>
+        <p:nvPr/>
+      </p:nvGrpSpPr>
+      <p:grpSpPr>
+        <a:xfrm>
+          <a:off x="0" y="0"/>
+          <a:ext cx="0" cy="0"/>
+          <a:chOff x="0" y="0"/>
+          <a:chExt cx="0" cy="0"/>
+        </a:xfrm>
+      </p:grpSpPr>
+      <p:grpSp>
+        <p:nvGrpSpPr>
+          <p:cNvPr id="17" name="Group 16"/>
+          <p:cNvGrpSpPr/>
+          <p:nvPr/>
+        </p:nvGrpSpPr>
+        <p:grpSpPr>
+          <a:xfrm>
+            <a:off x="1125475" y="1429492"/>
+            <a:ext cx="4279281" cy="2701638"/>
+            <a:chOff x="-2" y="0"/>
+            <a:chExt cx="10862785" cy="6858000"/>
+          </a:xfrm>
+        </p:grpSpPr>
+        <p:pic>
+          <p:nvPicPr>
+            <p:cNvPr id="18" name="Picture 17"/>
+            <p:cNvPicPr>
+              <a:picLocks noChangeAspect="1"/>
+            </p:cNvPicPr>
+            <p:nvPr/>
+          </p:nvPicPr>
+          <p:blipFill rotWithShape="1">
+            <a:blip r:embed="rId3" cstate="print">
+              <a:extLst>
+                <a:ext uri="{28A0092B-C50C-407E-A947-70E740481C1C}">
+                  <a14:useLocalDpi xmlns:a14="http://schemas.microsoft.com/office/drawing/2010/main" val="0"/>
+                </a:ext>
+              </a:extLst>
+            </a:blip>
+            <a:srcRect r="10902" b="9999"/>
+            <a:stretch/>
+          </p:blipFill>
+          <p:spPr>
+            <a:xfrm>
+              <a:off x="-2" y="0"/>
+              <a:ext cx="10862785" cy="6858000"/>
+            </a:xfrm>
+            <a:prstGeom prst="rect">
+              <a:avLst/>
+            </a:prstGeom>
+          </p:spPr>
+        </p:pic>
+        <p:pic>
+          <p:nvPicPr>
+            <p:cNvPr id="19" name="Picture 18"/>
+            <p:cNvPicPr>
+              <a:picLocks noChangeAspect="1"/>
+            </p:cNvPicPr>
+            <p:nvPr/>
+          </p:nvPicPr>
+          <p:blipFill rotWithShape="1">
+            <a:blip r:embed="rId3" cstate="print">
+              <a:extLst>
+                <a:ext uri="{28A0092B-C50C-407E-A947-70E740481C1C}">
+                  <a14:useLocalDpi xmlns:a14="http://schemas.microsoft.com/office/drawing/2010/main" val="0"/>
+                </a:ext>
+              </a:extLst>
+            </a:blip>
+            <a:srcRect t="90500" r="92969"/>
+            <a:stretch/>
+          </p:blipFill>
+          <p:spPr>
+            <a:xfrm>
+              <a:off x="1" y="6134100"/>
+              <a:ext cx="857249" cy="723900"/>
+            </a:xfrm>
+            <a:prstGeom prst="rect">
+              <a:avLst/>
+            </a:prstGeom>
+          </p:spPr>
+        </p:pic>
+      </p:grpSp>
+      <p:pic>
+        <p:nvPicPr>
+          <p:cNvPr id="5" name="Picture 4"/>
+          <p:cNvPicPr>
+            <a:picLocks noChangeAspect="1"/>
+          </p:cNvPicPr>
+          <p:nvPr/>
+        </p:nvPicPr>
+        <p:blipFill rotWithShape="1">
+          <a:blip r:embed="rId4" cstate="print">
+            <a:extLst>
+              <a:ext uri="{28A0092B-C50C-407E-A947-70E740481C1C}">
+                <a14:useLocalDpi xmlns:a14="http://schemas.microsoft.com/office/drawing/2010/main" val="0"/>
+              </a:ext>
+            </a:extLst>
+          </a:blip>
+          <a:srcRect b="14927"/>
+          <a:stretch/>
+        </p:blipFill>
+        <p:spPr>
+          <a:xfrm>
+            <a:off x="916654" y="1127733"/>
+            <a:ext cx="4678900" cy="5719580"/>
+          </a:xfrm>
+          <a:prstGeom prst="rect">
+            <a:avLst/>
+          </a:prstGeom>
+        </p:spPr>
+      </p:pic>
+      <p:grpSp>
+        <p:nvGrpSpPr>
+          <p:cNvPr id="16" name="Group 15"/>
+          <p:cNvGrpSpPr/>
+          <p:nvPr/>
+        </p:nvGrpSpPr>
+        <p:grpSpPr>
+          <a:xfrm>
+            <a:off x="5811880" y="2906978"/>
+            <a:ext cx="6146714" cy="2448303"/>
+            <a:chOff x="5811880" y="1728413"/>
+            <a:chExt cx="6146714" cy="2448303"/>
+          </a:xfrm>
+        </p:grpSpPr>
+        <p:sp>
+          <p:nvSpPr>
+            <p:cNvPr id="20" name="Text Placeholder 25"/>
+            <p:cNvSpPr txBox="1">
+              <a:spLocks/>
+            </p:cNvSpPr>
+            <p:nvPr/>
+          </p:nvSpPr>
+          <p:spPr bwMode="ltGray">
+            <a:xfrm>
+              <a:off x="5811880" y="1728413"/>
+              <a:ext cx="5860167" cy="1628567"/>
+            </a:xfrm>
+            <a:prstGeom prst="rect">
+              <a:avLst/>
+            </a:prstGeom>
+          </p:spPr>
+          <p:txBody>
+            <a:bodyPr vert="horz" wrap="square" lIns="179285" tIns="143428" rIns="179285" bIns="143428" rtlCol="0" anchor="t">
+              <a:noAutofit/>
+            </a:bodyPr>
+            <a:lstStyle>
+              <a:lvl1pPr marL="0" indent="0" algn="l" defTabSz="914166" rtl="0" eaLnBrk="1" latinLnBrk="0" hangingPunct="1">
+                <a:spcBef>
+                  <a:spcPct val="20000"/>
+                </a:spcBef>
+                <a:buFont typeface="Arial" pitchFamily="34" charset="0"/>
+                <a:buNone/>
+                <a:defRPr sz="6700" kern="1200" spc="-153">
+                  <a:gradFill>
+                    <a:gsLst>
+                      <a:gs pos="0">
+                        <a:schemeClr val="tx1"/>
+                      </a:gs>
+                      <a:gs pos="100000">
+                        <a:schemeClr val="tx1"/>
+                      </a:gs>
+                    </a:gsLst>
+                    <a:lin ang="5400000" scaled="0"/>
+                  </a:gradFill>
+                  <a:latin typeface="+mj-lt"/>
+                  <a:ea typeface="+mn-ea"/>
+                  <a:cs typeface="+mn-cs"/>
+                </a:defRPr>
+              </a:lvl1pPr>
+              <a:lvl2pPr marL="0" indent="0" algn="l" defTabSz="914166" rtl="0" eaLnBrk="1" latinLnBrk="0" hangingPunct="1">
+                <a:spcBef>
+                  <a:spcPct val="20000"/>
+                </a:spcBef>
+                <a:buFont typeface="Arial" pitchFamily="34" charset="0"/>
+                <a:buNone/>
+                <a:defRPr sz="2800" kern="1200">
+                  <a:gradFill>
+                    <a:gsLst>
+                      <a:gs pos="0">
+                        <a:schemeClr val="tx1"/>
+                      </a:gs>
+                      <a:gs pos="100000">
+                        <a:schemeClr val="tx1"/>
+                      </a:gs>
+                    </a:gsLst>
+                    <a:lin ang="5400000" scaled="0"/>
+                  </a:gradFill>
+                  <a:latin typeface="+mn-lt"/>
+                  <a:ea typeface="+mn-ea"/>
+                  <a:cs typeface="+mn-cs"/>
+                </a:defRPr>
+              </a:lvl2pPr>
+              <a:lvl3pPr marL="457082" indent="-228541" algn="l" defTabSz="914166" rtl="0" eaLnBrk="1" latinLnBrk="0" hangingPunct="1">
+                <a:spcBef>
+                  <a:spcPct val="20000"/>
+                </a:spcBef>
+                <a:buFont typeface="Arial" pitchFamily="34" charset="0"/>
+                <a:buChar char="•"/>
+                <a:defRPr sz="2400" kern="1200">
+                  <a:gradFill>
+                    <a:gsLst>
+                      <a:gs pos="0">
+                        <a:schemeClr val="tx1"/>
+                      </a:gs>
+                      <a:gs pos="100000">
+                        <a:schemeClr val="tx1"/>
+                      </a:gs>
+                    </a:gsLst>
+                    <a:lin ang="5400000" scaled="0"/>
+                  </a:gradFill>
+                  <a:latin typeface="+mn-lt"/>
+                  <a:ea typeface="+mn-ea"/>
+                  <a:cs typeface="+mn-cs"/>
+                </a:defRPr>
+              </a:lvl3pPr>
+              <a:lvl4pPr marL="739586" indent="-282503" algn="l" defTabSz="914166" rtl="0" eaLnBrk="1" latinLnBrk="0" hangingPunct="1">
+                <a:spcBef>
+                  <a:spcPct val="20000"/>
+                </a:spcBef>
+                <a:buFont typeface="Arial" pitchFamily="34" charset="0"/>
+                <a:buChar char="–"/>
+                <a:defRPr sz="2000" kern="1200">
+                  <a:gradFill>
+                    <a:gsLst>
+                      <a:gs pos="0">
+                        <a:schemeClr val="tx1"/>
+                      </a:gs>
+                      <a:gs pos="100000">
+                        <a:schemeClr val="tx1"/>
+                      </a:gs>
+                    </a:gsLst>
+                    <a:lin ang="5400000" scaled="0"/>
+                  </a:gradFill>
+                  <a:latin typeface="+mn-lt"/>
+                  <a:ea typeface="+mn-ea"/>
+                  <a:cs typeface="+mn-cs"/>
+                </a:defRPr>
+              </a:lvl4pPr>
+              <a:lvl5pPr marL="1033199" indent="-293612" algn="l" defTabSz="914166" rtl="0" eaLnBrk="1" latinLnBrk="0" hangingPunct="1">
+                <a:spcBef>
+                  <a:spcPct val="20000"/>
+                </a:spcBef>
+                <a:buFont typeface="Arial" pitchFamily="34" charset="0"/>
+                <a:buChar char="»"/>
+                <a:defRPr sz="1800" kern="1200">
+                  <a:gradFill>
+                    <a:gsLst>
+                      <a:gs pos="0">
+                        <a:schemeClr val="tx1"/>
+                      </a:gs>
+                      <a:gs pos="100000">
+                        <a:schemeClr val="tx1"/>
+                      </a:gs>
+                    </a:gsLst>
+                    <a:lin ang="5400000" scaled="0"/>
+                  </a:gradFill>
+                  <a:latin typeface="+mn-lt"/>
+                  <a:ea typeface="+mn-ea"/>
+                  <a:cs typeface="+mn-cs"/>
+                </a:defRPr>
+              </a:lvl5pPr>
+              <a:lvl6pPr marL="2513956" indent="-228541" algn="l" defTabSz="914166" rtl="0" eaLnBrk="1" latinLnBrk="0" hangingPunct="1">
+                <a:spcBef>
+                  <a:spcPct val="20000"/>
+                </a:spcBef>
+                <a:buFont typeface="Arial" pitchFamily="34" charset="0"/>
+                <a:buChar char="•"/>
+                <a:defRPr sz="2000" kern="1200">
+                  <a:solidFill>
+                    <a:schemeClr val="tx1"/>
+                  </a:solidFill>
+                  <a:latin typeface="+mn-lt"/>
+                  <a:ea typeface="+mn-ea"/>
+                  <a:cs typeface="+mn-cs"/>
+                </a:defRPr>
+              </a:lvl6pPr>
+              <a:lvl7pPr marL="2971038" indent="-228541" algn="l" defTabSz="914166" rtl="0" eaLnBrk="1" latinLnBrk="0" hangingPunct="1">
+                <a:spcBef>
+                  <a:spcPct val="20000"/>
+                </a:spcBef>
+                <a:buFont typeface="Arial" pitchFamily="34" charset="0"/>
+                <a:buChar char="•"/>
+                <a:defRPr sz="2000" kern="1200">
+                  <a:solidFill>
+                    <a:schemeClr val="tx1"/>
+                  </a:solidFill>
+                  <a:latin typeface="+mn-lt"/>
+                  <a:ea typeface="+mn-ea"/>
+                  <a:cs typeface="+mn-cs"/>
+                </a:defRPr>
+              </a:lvl7pPr>
+              <a:lvl8pPr marL="3428122" indent="-228541" algn="l" defTabSz="914166" rtl="0" eaLnBrk="1" latinLnBrk="0" hangingPunct="1">
+                <a:spcBef>
+                  <a:spcPct val="20000"/>
+                </a:spcBef>
+                <a:buFont typeface="Arial" pitchFamily="34" charset="0"/>
+                <a:buChar char="•"/>
+                <a:defRPr sz="2000" kern="1200">
+                  <a:solidFill>
+                    <a:schemeClr val="tx1"/>
+                  </a:solidFill>
+                  <a:latin typeface="+mn-lt"/>
+                  <a:ea typeface="+mn-ea"/>
+                  <a:cs typeface="+mn-cs"/>
+                </a:defRPr>
+              </a:lvl8pPr>
+              <a:lvl9pPr marL="3885204" indent="-228541" algn="l" defTabSz="914166" rtl="0" eaLnBrk="1" latinLnBrk="0" hangingPunct="1">
+                <a:spcBef>
+                  <a:spcPct val="20000"/>
+                </a:spcBef>
+                <a:buFont typeface="Arial" pitchFamily="34" charset="0"/>
+                <a:buChar char="•"/>
+                <a:defRPr sz="2000" kern="1200">
+                  <a:solidFill>
+                    <a:schemeClr val="tx1"/>
+                  </a:solidFill>
+                  <a:latin typeface="+mn-lt"/>
+                  <a:ea typeface="+mn-ea"/>
+                  <a:cs typeface="+mn-cs"/>
+                </a:defRPr>
+              </a:lvl9pPr>
+            </a:lstStyle>
+            <a:p>
+              <a:pPr marL="676959" indent="-676959" defTabSz="896157">
+                <a:lnSpc>
+                  <a:spcPts val="6666"/>
+                </a:lnSpc>
+                <a:defRPr/>
+              </a:pPr>
+              <a:r>
+                <a:rPr lang="en-US" sz="5980" spc="-150" dirty="0">
+                  <a:solidFill>
+                    <a:srgbClr val="FFFFFF"/>
+                  </a:solidFill>
+                  <a:latin typeface="Segoe UI Light"/>
+                </a:rPr>
+                <a:t>Get </a:t>
+              </a:r>
+              <a:r>
+                <a:rPr lang="en-US" sz="5980" spc="-150" dirty="0" smtClean="0">
+                  <a:solidFill>
+                    <a:srgbClr val="FFFFFF"/>
+                  </a:solidFill>
+                  <a:latin typeface="Segoe UI Light"/>
+                </a:rPr>
+                <a:t>started</a:t>
+              </a:r>
+              <a:endParaRPr lang="en-US" sz="5980" spc="-150" dirty="0">
+                <a:solidFill>
+                  <a:srgbClr val="FFFFFF"/>
+                </a:solidFill>
+                <a:latin typeface="Segoe UI Light"/>
+              </a:endParaRPr>
+            </a:p>
+          </p:txBody>
+        </p:sp>
+        <p:sp>
+          <p:nvSpPr>
+            <p:cNvPr id="21" name="Text Placeholder 4"/>
+            <p:cNvSpPr txBox="1">
+              <a:spLocks/>
+            </p:cNvSpPr>
+            <p:nvPr/>
+          </p:nvSpPr>
+          <p:spPr>
+            <a:xfrm>
+              <a:off x="5968926" y="2763841"/>
+              <a:ext cx="5989668" cy="1412875"/>
+            </a:xfrm>
+            <a:prstGeom prst="rect">
+              <a:avLst/>
+            </a:prstGeom>
+          </p:spPr>
+          <p:txBody>
+            <a:bodyPr vert="horz" lIns="91440" tIns="45720" rIns="91440" bIns="45720" rtlCol="0">
+              <a:normAutofit/>
+            </a:bodyPr>
+            <a:lstStyle>
+              <a:lvl1pPr marL="228600" indent="-228600" algn="l" defTabSz="914400" rtl="0" eaLnBrk="1" latinLnBrk="0" hangingPunct="1">
+                <a:lnSpc>
+                  <a:spcPct val="90000"/>
+                </a:lnSpc>
+                <a:spcBef>
+                  <a:spcPts val="1000"/>
+                </a:spcBef>
+                <a:buFont typeface="Arial" panose="020B0604020202020204" pitchFamily="34" charset="0"/>
+                <a:buChar char="•"/>
+                <a:defRPr sz="3600" kern="1200">
+                  <a:solidFill>
+                    <a:schemeClr val="bg1"/>
+                  </a:solidFill>
+                  <a:latin typeface="+mn-lt"/>
+                  <a:ea typeface="+mn-ea"/>
+                  <a:cs typeface="+mn-cs"/>
+                </a:defRPr>
+              </a:lvl1pPr>
+              <a:lvl2pPr marL="685800" indent="-228600" algn="l" defTabSz="914400" rtl="0" eaLnBrk="1" latinLnBrk="0" hangingPunct="1">
+                <a:lnSpc>
+                  <a:spcPct val="90000"/>
+                </a:lnSpc>
+                <a:spcBef>
+                  <a:spcPts val="500"/>
+                </a:spcBef>
+                <a:buFont typeface="Arial" panose="020B0604020202020204" pitchFamily="34" charset="0"/>
+                <a:buChar char="•"/>
+                <a:defRPr sz="3200" kern="1200">
+                  <a:solidFill>
+                    <a:schemeClr val="bg1"/>
+                  </a:solidFill>
+                  <a:latin typeface="+mn-lt"/>
+                  <a:ea typeface="+mn-ea"/>
+                  <a:cs typeface="+mn-cs"/>
+                </a:defRPr>
+              </a:lvl2pPr>
+              <a:lvl3pPr marL="1143000" indent="-228600" algn="l" defTabSz="914400" rtl="0" eaLnBrk="1" latinLnBrk="0" hangingPunct="1">
+                <a:lnSpc>
+                  <a:spcPct val="90000"/>
+                </a:lnSpc>
+                <a:spcBef>
+                  <a:spcPts val="500"/>
+                </a:spcBef>
+                <a:buFont typeface="Arial" panose="020B0604020202020204" pitchFamily="34" charset="0"/>
+                <a:buChar char="•"/>
+                <a:defRPr sz="2800" kern="1200">
+                  <a:solidFill>
+                    <a:schemeClr val="bg1"/>
+                  </a:solidFill>
+                  <a:latin typeface="+mn-lt"/>
+                  <a:ea typeface="+mn-ea"/>
+                  <a:cs typeface="+mn-cs"/>
+                </a:defRPr>
+              </a:lvl3pPr>
+              <a:lvl4pPr marL="1600200" indent="-228600" algn="l" defTabSz="914400" rtl="0" eaLnBrk="1" latinLnBrk="0" hangingPunct="1">
+                <a:lnSpc>
+                  <a:spcPct val="90000"/>
+                </a:lnSpc>
+                <a:spcBef>
+                  <a:spcPts val="500"/>
+                </a:spcBef>
+                <a:buFont typeface="Arial" panose="020B0604020202020204" pitchFamily="34" charset="0"/>
+                <a:buChar char="•"/>
+                <a:defRPr sz="2400" kern="1200">
+                  <a:solidFill>
+                    <a:schemeClr val="bg1"/>
+                  </a:solidFill>
+                  <a:latin typeface="+mn-lt"/>
+                  <a:ea typeface="+mn-ea"/>
+                  <a:cs typeface="+mn-cs"/>
+                </a:defRPr>
+              </a:lvl4pPr>
+              <a:lvl5pPr marL="2057400" indent="-228600" algn="l" defTabSz="914400" rtl="0" eaLnBrk="1" latinLnBrk="0" hangingPunct="1">
+                <a:lnSpc>
+                  <a:spcPct val="90000"/>
+                </a:lnSpc>
+                <a:spcBef>
+                  <a:spcPts val="500"/>
+                </a:spcBef>
+                <a:buFont typeface="Arial" panose="020B0604020202020204" pitchFamily="34" charset="0"/>
+                <a:buChar char="•"/>
+                <a:defRPr sz="2400" kern="1200">
+                  <a:solidFill>
+                    <a:schemeClr val="bg1"/>
+                  </a:solidFill>
+                  <a:latin typeface="+mn-lt"/>
+                  <a:ea typeface="+mn-ea"/>
+                  <a:cs typeface="+mn-cs"/>
+                </a:defRPr>
+              </a:lvl5pPr>
+              <a:lvl6pPr marL="2514600" indent="-228600" algn="l" defTabSz="914400" rtl="0" eaLnBrk="1" latinLnBrk="0" hangingPunct="1">
+                <a:lnSpc>
+                  <a:spcPct val="90000"/>
+                </a:lnSpc>
+                <a:spcBef>
+                  <a:spcPts val="500"/>
+                </a:spcBef>
+                <a:buFont typeface="Arial" panose="020B0604020202020204" pitchFamily="34" charset="0"/>
+                <a:buChar char="•"/>
+                <a:defRPr sz="1800" kern="1200">
+                  <a:solidFill>
+                    <a:schemeClr val="tx1"/>
+                  </a:solidFill>
+                  <a:latin typeface="+mn-lt"/>
+                  <a:ea typeface="+mn-ea"/>
+                  <a:cs typeface="+mn-cs"/>
+                </a:defRPr>
+              </a:lvl6pPr>
+              <a:lvl7pPr marL="2971800" indent="-228600" algn="l" defTabSz="914400" rtl="0" eaLnBrk="1" latinLnBrk="0" hangingPunct="1">
+                <a:lnSpc>
+                  <a:spcPct val="90000"/>
+                </a:lnSpc>
+                <a:spcBef>
+                  <a:spcPts val="500"/>
+                </a:spcBef>
+                <a:buFont typeface="Arial" panose="020B0604020202020204" pitchFamily="34" charset="0"/>
+                <a:buChar char="•"/>
+                <a:defRPr sz="1800" kern="1200">
+                  <a:solidFill>
+                    <a:schemeClr val="tx1"/>
+                  </a:solidFill>
+                  <a:latin typeface="+mn-lt"/>
+                  <a:ea typeface="+mn-ea"/>
+                  <a:cs typeface="+mn-cs"/>
+                </a:defRPr>
+              </a:lvl7pPr>
+              <a:lvl8pPr marL="3429000" indent="-228600" algn="l" defTabSz="914400" rtl="0" eaLnBrk="1" latinLnBrk="0" hangingPunct="1">
+                <a:lnSpc>
+                  <a:spcPct val="90000"/>
+                </a:lnSpc>
+                <a:spcBef>
+                  <a:spcPts val="500"/>
+                </a:spcBef>
+                <a:buFont typeface="Arial" panose="020B0604020202020204" pitchFamily="34" charset="0"/>
+                <a:buChar char="•"/>
+                <a:defRPr sz="1800" kern="1200">
+                  <a:solidFill>
+                    <a:schemeClr val="tx1"/>
+                  </a:solidFill>
+                  <a:latin typeface="+mn-lt"/>
+                  <a:ea typeface="+mn-ea"/>
+                  <a:cs typeface="+mn-cs"/>
+                </a:defRPr>
+              </a:lvl8pPr>
+              <a:lvl9pPr marL="3886200" indent="-228600" algn="l" defTabSz="914400" rtl="0" eaLnBrk="1" latinLnBrk="0" hangingPunct="1">
+                <a:lnSpc>
+                  <a:spcPct val="90000"/>
+                </a:lnSpc>
+                <a:spcBef>
+                  <a:spcPts val="500"/>
+                </a:spcBef>
+                <a:buFont typeface="Arial" panose="020B0604020202020204" pitchFamily="34" charset="0"/>
+                <a:buChar char="•"/>
+                <a:defRPr sz="1800" kern="1200">
+                  <a:solidFill>
+                    <a:schemeClr val="tx1"/>
+                  </a:solidFill>
+                  <a:latin typeface="+mn-lt"/>
+                  <a:ea typeface="+mn-ea"/>
+                  <a:cs typeface="+mn-cs"/>
+                </a:defRPr>
+              </a:lvl9pPr>
+            </a:lstStyle>
+            <a:p>
+              <a:pPr marL="0" indent="0">
+                <a:buFont typeface="Arial" panose="020B0604020202020204" pitchFamily="34" charset="0"/>
+                <a:buNone/>
+              </a:pPr>
+              <a:r>
+                <a:rPr lang="en-US" sz="4000" smtClean="0">
+                  <a:solidFill>
+                    <a:srgbClr val="11C1FF"/>
+                  </a:solidFill>
+                  <a:latin typeface="+mj-lt"/>
+                </a:rPr>
+                <a:t>Visit azure.microsoft.com</a:t>
+              </a:r>
+              <a:endParaRPr lang="en-US" sz="4000" dirty="0">
+                <a:solidFill>
+                  <a:srgbClr val="11C1FF"/>
+                </a:solidFill>
+                <a:latin typeface="+mj-lt"/>
+              </a:endParaRPr>
+            </a:p>
+          </p:txBody>
+        </p:sp>
+      </p:grpSp>
+    </p:spTree>
+    <p:extLst>
+      <p:ext uri="{BB962C8B-B14F-4D97-AF65-F5344CB8AC3E}">
+        <p14:creationId xmlns:p14="http://schemas.microsoft.com/office/powerpoint/2010/main" val="971015176"/>
+      </p:ext>
+    </p:extLst>
+  </p:cSld>
+  <p:clrMapOvr>
+    <a:masterClrMapping/>
+  </p:clrMapOvr>
+  <mc:AlternateContent xmlns:mc="http://schemas.openxmlformats.org/markup-compatibility/2006">
+    <mc:Choice xmlns:p14="http://schemas.microsoft.com/office/powerpoint/2010/main" Requires="p14">
+      <p:transition spd="med" p14:dur="700">
+        <p:fade/>
+      </p:transition>
+    </mc:Choice>
+    <mc:Fallback>
+      <p:transition spd="med">
+        <p:fade/>
+      </p:transition>
+    </mc:Fallback>
+  </mc:AlternateContent>
+  <p:timing>
+    <p:tnLst>
+      <p:par>
+        <p:cTn id="1" dur="indefinite" restart="never" nodeType="tmRoot">
+          <p:childTnLst>
+            <p:seq concurrent="1" nextAc="seek">
+              <p:cTn id="2" dur="indefinite" nodeType="mainSeq">
+                <p:childTnLst>
+                  <p:par>
+                    <p:cTn id="3" fill="hold">
+                      <p:stCondLst>
+                        <p:cond delay="indefinite"/>
+                        <p:cond evt="onBegin" delay="0">
+                          <p:tn val="2"/>
+                        </p:cond>
+                      </p:stCondLst>
+                      <p:childTnLst>
+                        <p:par>
+                          <p:cTn id="4" fill="hold">
+                            <p:stCondLst>
+                              <p:cond delay="0"/>
+                            </p:stCondLst>
+                            <p:childTnLst>
+                              <p:par>
+                                <p:cTn id="5" presetID="22" presetClass="entr" presetSubtype="1" fill="hold" nodeType="afterEffect">
+                                  <p:stCondLst>
+                                    <p:cond delay="0"/>
+                                  </p:stCondLst>
+                                  <p:childTnLst>
+                                    <p:set>
+                                      <p:cBhvr>
+                                        <p:cTn id="6" dur="1" fill="hold">
+                                          <p:stCondLst>
+                                            <p:cond delay="0"/>
+                                          </p:stCondLst>
+                                        </p:cTn>
+                                        <p:tgtEl>
+                                          <p:spTgt spid="5"/>
+                                        </p:tgtEl>
+                                        <p:attrNameLst>
+                                          <p:attrName>style.visibility</p:attrName>
+                                        </p:attrNameLst>
+                                      </p:cBhvr>
+                                      <p:to>
+                                        <p:strVal val="visible"/>
+                                      </p:to>
+                                    </p:set>
+                                    <p:animEffect transition="in" filter="wipe(up)">
+                                      <p:cBhvr>
+                                        <p:cTn id="7" dur="500"/>
+                                        <p:tgtEl>
+                                          <p:spTgt spid="5"/>
+                                        </p:tgtEl>
+                                      </p:cBhvr>
+                                    </p:animEffect>
+                                  </p:childTnLst>
+                                </p:cTn>
+                              </p:par>
+                            </p:childTnLst>
+                          </p:cTn>
+                        </p:par>
+                        <p:par>
+                          <p:cTn id="8" fill="hold">
+                            <p:stCondLst>
+                              <p:cond delay="500"/>
+                            </p:stCondLst>
+                            <p:childTnLst>
+                              <p:par>
+                                <p:cTn id="9" presetID="10" presetClass="entr" presetSubtype="0" fill="hold" nodeType="afterEffect">
+                                  <p:stCondLst>
+                                    <p:cond delay="0"/>
+                                  </p:stCondLst>
+                                  <p:childTnLst>
+                                    <p:set>
+                                      <p:cBhvr>
+                                        <p:cTn id="10" dur="1" fill="hold">
+                                          <p:stCondLst>
+                                            <p:cond delay="0"/>
+                                          </p:stCondLst>
+                                        </p:cTn>
+                                        <p:tgtEl>
+                                          <p:spTgt spid="17"/>
+                                        </p:tgtEl>
+                                        <p:attrNameLst>
+                                          <p:attrName>style.visibility</p:attrName>
+                                        </p:attrNameLst>
+                                      </p:cBhvr>
+                                      <p:to>
+                                        <p:strVal val="visible"/>
+                                      </p:to>
+                                    </p:set>
+                                    <p:animEffect transition="in" filter="fade">
+                                      <p:cBhvr>
+                                        <p:cTn id="11" dur="500"/>
+                                        <p:tgtEl>
+                                          <p:spTgt spid="17"/>
+                                        </p:tgtEl>
+                                      </p:cBhvr>
+                                    </p:animEffect>
+                                  </p:childTnLst>
+                                </p:cTn>
+                              </p:par>
+                            </p:childTnLst>
+                          </p:cTn>
+                        </p:par>
+                        <p:par>
+                          <p:cTn id="12" fill="hold">
+                            <p:stCondLst>
+                              <p:cond delay="1000"/>
+                            </p:stCondLst>
+                            <p:childTnLst>
+                              <p:par>
+                                <p:cTn id="13" presetID="10" presetClass="entr" presetSubtype="0" fill="hold" nodeType="afterEffect">
+                                  <p:stCondLst>
+                                    <p:cond delay="0"/>
+                                  </p:stCondLst>
+                                  <p:childTnLst>
+                                    <p:set>
+                                      <p:cBhvr>
+                                        <p:cTn id="14" dur="1" fill="hold">
+                                          <p:stCondLst>
+                                            <p:cond delay="0"/>
+                                          </p:stCondLst>
+                                        </p:cTn>
+                                        <p:tgtEl>
+                                          <p:spTgt spid="16"/>
+                                        </p:tgtEl>
+                                        <p:attrNameLst>
+                                          <p:attrName>style.visibility</p:attrName>
+                                        </p:attrNameLst>
+                                      </p:cBhvr>
+                                      <p:to>
+                                        <p:strVal val="visible"/>
+                                      </p:to>
+                                    </p:set>
+                                    <p:animEffect transition="in" filter="fade">
+                                      <p:cBhvr>
+                                        <p:cTn id="15" dur="500"/>
+                                        <p:tgtEl>
+                                          <p:spTgt spid="16"/>
+                                        </p:tgtEl>
+                                      </p:cBhvr>
+                                    </p:animEffect>
+                                  </p:childTnLst>
+                                </p:cTn>
+                              </p:par>
+                            </p:childTnLst>
+                          </p:cTn>
+                        </p:par>
+                      </p:childTnLst>
+                    </p:cTn>
+                  </p:par>
+                </p:childTnLst>
+              </p:cTn>
+              <p:prevCondLst>
+                <p:cond evt="onPrev" delay="0">
+                  <p:tgtEl>
+                    <p:sldTgt/>
+                  </p:tgtEl>
+                </p:cond>
+              </p:prevCondLst>
+              <p:nextCondLst>
+                <p:cond evt="onNext" delay="0">
+                  <p:tgtEl>
+                    <p:sldTgt/>
+                  </p:tgtEl>
+                </p:cond>
+              </p:nextCondLst>
+            </p:seq>
+          </p:childTnLst>
+        </p:cTn>
+      </p:par>
+    </p:tnLst>
+  </p:timing>
+</p:sld>
+</file>
+
+<file path=ppt/slides/slide18.xml><?xml version="1.0" encoding="utf-8"?>
 <p:sld xmlns:a="http://schemas.openxmlformats.org/drawingml/2006/main" xmlns:r="http://schemas.openxmlformats.org/officeDocument/2006/relationships" xmlns:p="http://schemas.openxmlformats.org/presentationml/2006/main">
   <p:cSld>
     <p:spTree>
@@ -17466,13 +20491,13 @@
   <p:clrMapOvr>
     <a:masterClrMapping/>
   </p:clrMapOvr>
-  <mc:AlternateContent xmlns:mc="http://schemas.openxmlformats.org/markup-compatibility/2006" xmlns:p14="http://schemas.microsoft.com/office/powerpoint/2010/main">
-    <mc:Choice Requires="p14">
+  <mc:AlternateContent xmlns:mc="http://schemas.openxmlformats.org/markup-compatibility/2006">
+    <mc:Choice xmlns:p14="http://schemas.microsoft.com/office/powerpoint/2010/main" Requires="p14">
       <p:transition spd="med" p14:dur="700">
         <p:fade/>
       </p:transition>
     </mc:Choice>
-    <mc:Fallback xmlns="">
+    <mc:Fallback>
       <p:transition spd="med">
         <p:fade/>
       </p:transition>
@@ -17606,13 +20631,13 @@
   <p:clrMapOvr>
     <a:masterClrMapping/>
   </p:clrMapOvr>
-  <mc:AlternateContent xmlns:mc="http://schemas.openxmlformats.org/markup-compatibility/2006" xmlns:p14="http://schemas.microsoft.com/office/powerpoint/2010/main">
-    <mc:Choice Requires="p14">
+  <mc:AlternateContent xmlns:mc="http://schemas.openxmlformats.org/markup-compatibility/2006">
+    <mc:Choice xmlns:p14="http://schemas.microsoft.com/office/powerpoint/2010/main" Requires="p14">
       <p:transition spd="med" p14:dur="700">
         <p:fade/>
       </p:transition>
     </mc:Choice>
-    <mc:Fallback xmlns="">
+    <mc:Fallback>
       <p:transition spd="med">
         <p:fade/>
       </p:transition>
@@ -17682,13 +20707,13 @@
   <p:clrMapOvr>
     <a:masterClrMapping/>
   </p:clrMapOvr>
-  <mc:AlternateContent xmlns:mc="http://schemas.openxmlformats.org/markup-compatibility/2006" xmlns:p14="http://schemas.microsoft.com/office/powerpoint/2010/main">
-    <mc:Choice Requires="p14">
+  <mc:AlternateContent xmlns:mc="http://schemas.openxmlformats.org/markup-compatibility/2006">
+    <mc:Choice xmlns:p14="http://schemas.microsoft.com/office/powerpoint/2010/main" Requires="p14">
       <p:transition spd="med" p14:dur="700">
         <p:fade/>
       </p:transition>
     </mc:Choice>
-    <mc:Fallback xmlns="">
+    <mc:Fallback>
       <p:transition spd="med">
         <p:fade/>
       </p:transition>
@@ -17721,99 +20746,851 @@
           <a:chExt cx="0" cy="0"/>
         </a:xfrm>
       </p:grpSpPr>
-      <p:sp>
-        <p:nvSpPr>
-          <p:cNvPr id="2" name="Title 1"/>
-          <p:cNvSpPr>
-            <a:spLocks noGrp="1"/>
-          </p:cNvSpPr>
-          <p:nvPr>
-            <p:ph type="title"/>
-          </p:nvPr>
-        </p:nvSpPr>
-        <p:spPr/>
-        <p:txBody>
-          <a:bodyPr/>
-          <a:lstStyle/>
-          <a:p>
-            <a:r>
-              <a:rPr lang="en-US" dirty="0" smtClean="0"/>
-              <a:t>Azure Apps</a:t>
-            </a:r>
-            <a:endParaRPr lang="en-US" dirty="0"/>
-          </a:p>
-        </p:txBody>
-      </p:sp>
-      <p:sp>
-        <p:nvSpPr>
-          <p:cNvPr id="3" name="Content Placeholder 2"/>
-          <p:cNvSpPr>
-            <a:spLocks noGrp="1"/>
-          </p:cNvSpPr>
-          <p:nvPr>
-            <p:ph idx="1"/>
-          </p:nvPr>
-        </p:nvSpPr>
-        <p:spPr/>
-        <p:txBody>
-          <a:bodyPr/>
-          <a:lstStyle/>
-          <a:p>
-            <a:r>
-              <a:rPr lang="en-US" dirty="0" smtClean="0"/>
-              <a:t>Easy to deploy a variety of different web sites : node, python, </a:t>
-            </a:r>
-            <a:r>
-              <a:rPr lang="en-US" dirty="0" err="1" smtClean="0"/>
-              <a:t>php</a:t>
-            </a:r>
-            <a:r>
-              <a:rPr lang="en-US" dirty="0" smtClean="0"/>
-              <a:t>, </a:t>
-            </a:r>
-            <a:r>
-              <a:rPr lang="en-US" dirty="0" smtClean="0"/>
-              <a:t>asp.net, </a:t>
-            </a:r>
-            <a:r>
-              <a:rPr lang="en-US" dirty="0" smtClean="0"/>
-              <a:t>etc..</a:t>
-            </a:r>
-          </a:p>
-          <a:p>
-            <a:r>
-              <a:rPr lang="en-US" dirty="0" smtClean="0"/>
-              <a:t>Can install some software from the gallery like WordPress or preconfigured stacks ( MEAN stack ) </a:t>
-            </a:r>
-          </a:p>
-          <a:p>
-            <a:r>
-              <a:rPr lang="en-US" dirty="0" smtClean="0"/>
-              <a:t>Has a few limitations such as cannot configure ports, compile native modules for Node </a:t>
-            </a:r>
-          </a:p>
-          <a:p>
-            <a:endParaRPr lang="en-US" dirty="0"/>
-          </a:p>
-        </p:txBody>
-      </p:sp>
+      <p:pic>
+        <p:nvPicPr>
+          <p:cNvPr id="30" name="Picture 29"/>
+          <p:cNvPicPr>
+            <a:picLocks noChangeAspect="1"/>
+          </p:cNvPicPr>
+          <p:nvPr/>
+        </p:nvPicPr>
+        <p:blipFill>
+          <a:blip r:embed="rId2"/>
+          <a:stretch>
+            <a:fillRect/>
+          </a:stretch>
+        </p:blipFill>
+        <p:spPr>
+          <a:xfrm>
+            <a:off x="6609503" y="0"/>
+            <a:ext cx="5582498" cy="3614057"/>
+          </a:xfrm>
+          <a:prstGeom prst="rect">
+            <a:avLst/>
+          </a:prstGeom>
+        </p:spPr>
+      </p:pic>
+      <p:pic>
+        <p:nvPicPr>
+          <p:cNvPr id="37" name="Picture 36"/>
+          <p:cNvPicPr>
+            <a:picLocks noChangeAspect="1"/>
+          </p:cNvPicPr>
+          <p:nvPr/>
+        </p:nvPicPr>
+        <p:blipFill>
+          <a:blip r:embed="rId3"/>
+          <a:stretch>
+            <a:fillRect/>
+          </a:stretch>
+        </p:blipFill>
+        <p:spPr>
+          <a:xfrm>
+            <a:off x="5276712" y="-373535"/>
+            <a:ext cx="7264070" cy="4706299"/>
+          </a:xfrm>
+          <a:prstGeom prst="rect">
+            <a:avLst/>
+          </a:prstGeom>
+        </p:spPr>
+      </p:pic>
+      <p:pic>
+        <p:nvPicPr>
+          <p:cNvPr id="38" name="Picture 37"/>
+          <p:cNvPicPr>
+            <a:picLocks noChangeAspect="1"/>
+          </p:cNvPicPr>
+          <p:nvPr/>
+        </p:nvPicPr>
+        <p:blipFill>
+          <a:blip r:embed="rId4"/>
+          <a:stretch>
+            <a:fillRect/>
+          </a:stretch>
+        </p:blipFill>
+        <p:spPr>
+          <a:xfrm>
+            <a:off x="8306794" y="298546"/>
+            <a:ext cx="3327550" cy="2147980"/>
+          </a:xfrm>
+          <a:prstGeom prst="rect">
+            <a:avLst/>
+          </a:prstGeom>
+        </p:spPr>
+      </p:pic>
+      <p:pic>
+        <p:nvPicPr>
+          <p:cNvPr id="18" name="Picture 17"/>
+          <p:cNvPicPr>
+            <a:picLocks noChangeAspect="1"/>
+          </p:cNvPicPr>
+          <p:nvPr/>
+        </p:nvPicPr>
+        <p:blipFill>
+          <a:blip r:embed="rId5"/>
+          <a:stretch>
+            <a:fillRect/>
+          </a:stretch>
+        </p:blipFill>
+        <p:spPr>
+          <a:xfrm>
+            <a:off x="3412002" y="1562735"/>
+            <a:ext cx="6671087" cy="4310549"/>
+          </a:xfrm>
+          <a:prstGeom prst="rect">
+            <a:avLst/>
+          </a:prstGeom>
+        </p:spPr>
+      </p:pic>
+      <p:grpSp>
+        <p:nvGrpSpPr>
+          <p:cNvPr id="41" name="Group 40"/>
+          <p:cNvGrpSpPr/>
+          <p:nvPr/>
+        </p:nvGrpSpPr>
+        <p:grpSpPr>
+          <a:xfrm>
+            <a:off x="439838" y="493782"/>
+            <a:ext cx="4664598" cy="2178331"/>
+            <a:chOff x="439838" y="493782"/>
+            <a:chExt cx="4664598" cy="2178331"/>
+          </a:xfrm>
+        </p:grpSpPr>
+        <p:sp>
+          <p:nvSpPr>
+            <p:cNvPr id="10" name="TextBox 9"/>
+            <p:cNvSpPr txBox="1"/>
+            <p:nvPr/>
+          </p:nvSpPr>
+          <p:spPr>
+            <a:xfrm>
+              <a:off x="439838" y="1287118"/>
+              <a:ext cx="3600450" cy="1384995"/>
+            </a:xfrm>
+            <a:prstGeom prst="rect">
+              <a:avLst/>
+            </a:prstGeom>
+            <a:noFill/>
+          </p:spPr>
+          <p:txBody>
+            <a:bodyPr wrap="square" rtlCol="0">
+              <a:spAutoFit/>
+            </a:bodyPr>
+            <a:lstStyle/>
+            <a:p>
+              <a:r>
+                <a:rPr lang="en-US" sz="2800" dirty="0" smtClean="0">
+                  <a:solidFill>
+                    <a:schemeClr val="bg1"/>
+                  </a:solidFill>
+                  <a:latin typeface="Segoe UI" panose="020B0502040204020203" pitchFamily="34" charset="0"/>
+                  <a:cs typeface="Segoe UI" panose="020B0502040204020203" pitchFamily="34" charset="0"/>
+                </a:rPr>
+                <a:t>.NET</a:t>
+              </a:r>
+            </a:p>
+            <a:p>
+              <a:r>
+                <a:rPr lang="en-US" sz="2800" dirty="0" smtClean="0">
+                  <a:solidFill>
+                    <a:schemeClr val="bg1"/>
+                  </a:solidFill>
+                  <a:latin typeface="Segoe UI" panose="020B0502040204020203" pitchFamily="34" charset="0"/>
+                  <a:cs typeface="Segoe UI" panose="020B0502040204020203" pitchFamily="34" charset="0"/>
+                </a:rPr>
+                <a:t>Python</a:t>
+              </a:r>
+            </a:p>
+            <a:p>
+              <a:endParaRPr lang="en-US" sz="2800" dirty="0" smtClean="0">
+                <a:solidFill>
+                  <a:schemeClr val="bg1"/>
+                </a:solidFill>
+                <a:latin typeface="Segoe UI" panose="020B0502040204020203" pitchFamily="34" charset="0"/>
+                <a:cs typeface="Segoe UI" panose="020B0502040204020203" pitchFamily="34" charset="0"/>
+              </a:endParaRPr>
+            </a:p>
+          </p:txBody>
+        </p:sp>
+        <p:sp>
+          <p:nvSpPr>
+            <p:cNvPr id="11" name="TextBox 10"/>
+            <p:cNvSpPr txBox="1"/>
+            <p:nvPr/>
+          </p:nvSpPr>
+          <p:spPr>
+            <a:xfrm>
+              <a:off x="439838" y="493782"/>
+              <a:ext cx="4664598" cy="707886"/>
+            </a:xfrm>
+            <a:prstGeom prst="rect">
+              <a:avLst/>
+            </a:prstGeom>
+            <a:noFill/>
+          </p:spPr>
+          <p:txBody>
+            <a:bodyPr wrap="square" rtlCol="0">
+              <a:spAutoFit/>
+            </a:bodyPr>
+            <a:lstStyle/>
+            <a:p>
+              <a:r>
+                <a:rPr lang="en-US" sz="4000" dirty="0" smtClean="0">
+                  <a:solidFill>
+                    <a:srgbClr val="92D050"/>
+                  </a:solidFill>
+                  <a:latin typeface="Segoe UI Light" panose="020B0502040204020203" pitchFamily="34" charset="0"/>
+                  <a:cs typeface="Segoe UI Light" panose="020B0502040204020203" pitchFamily="34" charset="0"/>
+                </a:rPr>
+                <a:t>Develop apps with…</a:t>
+              </a:r>
+              <a:endParaRPr lang="en-US" sz="4000" dirty="0">
+                <a:solidFill>
+                  <a:srgbClr val="92D050"/>
+                </a:solidFill>
+                <a:latin typeface="Segoe UI Light" panose="020B0502040204020203" pitchFamily="34" charset="0"/>
+                <a:cs typeface="Segoe UI Light" panose="020B0502040204020203" pitchFamily="34" charset="0"/>
+              </a:endParaRPr>
+            </a:p>
+          </p:txBody>
+        </p:sp>
+        <p:sp>
+          <p:nvSpPr>
+            <p:cNvPr id="12" name="TextBox 11"/>
+            <p:cNvSpPr txBox="1"/>
+            <p:nvPr/>
+          </p:nvSpPr>
+          <p:spPr>
+            <a:xfrm>
+              <a:off x="1791664" y="1287118"/>
+              <a:ext cx="1389756" cy="1384995"/>
+            </a:xfrm>
+            <a:prstGeom prst="rect">
+              <a:avLst/>
+            </a:prstGeom>
+            <a:noFill/>
+          </p:spPr>
+          <p:txBody>
+            <a:bodyPr wrap="square" rtlCol="0">
+              <a:spAutoFit/>
+            </a:bodyPr>
+            <a:lstStyle/>
+            <a:p>
+              <a:r>
+                <a:rPr lang="en-US" sz="2800" dirty="0" smtClean="0">
+                  <a:solidFill>
+                    <a:schemeClr val="bg1"/>
+                  </a:solidFill>
+                  <a:latin typeface="Segoe UI" panose="020B0502040204020203" pitchFamily="34" charset="0"/>
+                  <a:cs typeface="Segoe UI" panose="020B0502040204020203" pitchFamily="34" charset="0"/>
+                </a:rPr>
+                <a:t>Node.js</a:t>
+              </a:r>
+            </a:p>
+            <a:p>
+              <a:r>
+                <a:rPr lang="en-US" sz="2800" dirty="0" smtClean="0">
+                  <a:solidFill>
+                    <a:schemeClr val="bg1"/>
+                  </a:solidFill>
+                  <a:latin typeface="Segoe UI" panose="020B0502040204020203" pitchFamily="34" charset="0"/>
+                  <a:cs typeface="Segoe UI" panose="020B0502040204020203" pitchFamily="34" charset="0"/>
+                </a:rPr>
+                <a:t>Java</a:t>
+              </a:r>
+              <a:endParaRPr lang="en-US" sz="2800" dirty="0">
+                <a:solidFill>
+                  <a:schemeClr val="bg1"/>
+                </a:solidFill>
+                <a:latin typeface="Segoe UI" panose="020B0502040204020203" pitchFamily="34" charset="0"/>
+                <a:cs typeface="Segoe UI" panose="020B0502040204020203" pitchFamily="34" charset="0"/>
+              </a:endParaRPr>
+            </a:p>
+            <a:p>
+              <a:endParaRPr lang="en-US" sz="2800" dirty="0" smtClean="0">
+                <a:solidFill>
+                  <a:schemeClr val="bg1"/>
+                </a:solidFill>
+                <a:latin typeface="Segoe UI" panose="020B0502040204020203" pitchFamily="34" charset="0"/>
+                <a:cs typeface="Segoe UI" panose="020B0502040204020203" pitchFamily="34" charset="0"/>
+              </a:endParaRPr>
+            </a:p>
+          </p:txBody>
+        </p:sp>
+        <p:sp>
+          <p:nvSpPr>
+            <p:cNvPr id="13" name="TextBox 12"/>
+            <p:cNvSpPr txBox="1"/>
+            <p:nvPr/>
+          </p:nvSpPr>
+          <p:spPr>
+            <a:xfrm>
+              <a:off x="3502022" y="1287118"/>
+              <a:ext cx="956732" cy="954107"/>
+            </a:xfrm>
+            <a:prstGeom prst="rect">
+              <a:avLst/>
+            </a:prstGeom>
+            <a:noFill/>
+          </p:spPr>
+          <p:txBody>
+            <a:bodyPr wrap="square" rtlCol="0">
+              <a:spAutoFit/>
+            </a:bodyPr>
+            <a:lstStyle/>
+            <a:p>
+              <a:r>
+                <a:rPr lang="en-US" sz="2800" dirty="0" smtClean="0">
+                  <a:solidFill>
+                    <a:schemeClr val="bg1"/>
+                  </a:solidFill>
+                  <a:latin typeface="Segoe UI" panose="020B0502040204020203" pitchFamily="34" charset="0"/>
+                  <a:cs typeface="Segoe UI" panose="020B0502040204020203" pitchFamily="34" charset="0"/>
+                </a:rPr>
+                <a:t>PHP</a:t>
+              </a:r>
+              <a:endParaRPr lang="en-US" sz="2800" dirty="0">
+                <a:solidFill>
+                  <a:schemeClr val="bg1"/>
+                </a:solidFill>
+                <a:latin typeface="Segoe UI" panose="020B0502040204020203" pitchFamily="34" charset="0"/>
+                <a:cs typeface="Segoe UI" panose="020B0502040204020203" pitchFamily="34" charset="0"/>
+              </a:endParaRPr>
+            </a:p>
+            <a:p>
+              <a:endParaRPr lang="en-US" sz="2800" dirty="0" smtClean="0">
+                <a:solidFill>
+                  <a:schemeClr val="bg1"/>
+                </a:solidFill>
+                <a:latin typeface="Segoe UI" panose="020B0502040204020203" pitchFamily="34" charset="0"/>
+                <a:cs typeface="Segoe UI" panose="020B0502040204020203" pitchFamily="34" charset="0"/>
+              </a:endParaRPr>
+            </a:p>
+          </p:txBody>
+        </p:sp>
+      </p:grpSp>
+      <p:pic>
+        <p:nvPicPr>
+          <p:cNvPr id="16" name="Picture 15"/>
+          <p:cNvPicPr>
+            <a:picLocks noChangeAspect="1"/>
+          </p:cNvPicPr>
+          <p:nvPr/>
+        </p:nvPicPr>
+        <p:blipFill>
+          <a:blip r:embed="rId6"/>
+          <a:stretch>
+            <a:fillRect/>
+          </a:stretch>
+        </p:blipFill>
+        <p:spPr>
+          <a:xfrm>
+            <a:off x="10156137" y="2523955"/>
+            <a:ext cx="1468487" cy="948588"/>
+          </a:xfrm>
+          <a:prstGeom prst="rect">
+            <a:avLst/>
+          </a:prstGeom>
+        </p:spPr>
+      </p:pic>
+      <p:grpSp>
+        <p:nvGrpSpPr>
+          <p:cNvPr id="36" name="Group 35"/>
+          <p:cNvGrpSpPr/>
+          <p:nvPr/>
+        </p:nvGrpSpPr>
+        <p:grpSpPr>
+          <a:xfrm>
+            <a:off x="10509568" y="388212"/>
+            <a:ext cx="934789" cy="1104751"/>
+            <a:chOff x="7012021" y="-1253215"/>
+            <a:chExt cx="1237500" cy="1462500"/>
+          </a:xfrm>
+        </p:grpSpPr>
+        <p:pic>
+          <p:nvPicPr>
+            <p:cNvPr id="33" name="Picture 32"/>
+            <p:cNvPicPr>
+              <a:picLocks noChangeAspect="1"/>
+            </p:cNvPicPr>
+            <p:nvPr/>
+          </p:nvPicPr>
+          <p:blipFill>
+            <a:blip r:embed="rId7"/>
+            <a:stretch>
+              <a:fillRect/>
+            </a:stretch>
+          </p:blipFill>
+          <p:spPr>
+            <a:xfrm>
+              <a:off x="7012021" y="-1253215"/>
+              <a:ext cx="1237500" cy="1462500"/>
+            </a:xfrm>
+            <a:prstGeom prst="rect">
+              <a:avLst/>
+            </a:prstGeom>
+          </p:spPr>
+        </p:pic>
+        <p:pic>
+          <p:nvPicPr>
+            <p:cNvPr id="35" name="Picture 34"/>
+            <p:cNvPicPr>
+              <a:picLocks noChangeAspect="1"/>
+            </p:cNvPicPr>
+            <p:nvPr/>
+          </p:nvPicPr>
+          <p:blipFill>
+            <a:blip r:embed="rId8" cstate="print">
+              <a:extLst>
+                <a:ext uri="{28A0092B-C50C-407E-A947-70E740481C1C}">
+                  <a14:useLocalDpi xmlns:a14="http://schemas.microsoft.com/office/drawing/2010/main" val="0"/>
+                </a:ext>
+              </a:extLst>
+            </a:blip>
+            <a:stretch>
+              <a:fillRect/>
+            </a:stretch>
+          </p:blipFill>
+          <p:spPr>
+            <a:xfrm>
+              <a:off x="7703687" y="-912406"/>
+              <a:ext cx="314973" cy="435664"/>
+            </a:xfrm>
+            <a:prstGeom prst="rect">
+              <a:avLst/>
+            </a:prstGeom>
+          </p:spPr>
+        </p:pic>
+      </p:grpSp>
+      <p:grpSp>
+        <p:nvGrpSpPr>
+          <p:cNvPr id="4" name="Group 3"/>
+          <p:cNvGrpSpPr/>
+          <p:nvPr/>
+        </p:nvGrpSpPr>
+        <p:grpSpPr>
+          <a:xfrm>
+            <a:off x="1" y="3302216"/>
+            <a:ext cx="4822369" cy="3565454"/>
+            <a:chOff x="1" y="3302216"/>
+            <a:chExt cx="4822369" cy="3565454"/>
+          </a:xfrm>
+        </p:grpSpPr>
+        <p:pic>
+          <p:nvPicPr>
+            <p:cNvPr id="21" name="Picture 20"/>
+            <p:cNvPicPr>
+              <a:picLocks noChangeAspect="1"/>
+            </p:cNvPicPr>
+            <p:nvPr/>
+          </p:nvPicPr>
+          <p:blipFill>
+            <a:blip r:embed="rId9"/>
+            <a:stretch>
+              <a:fillRect/>
+            </a:stretch>
+          </p:blipFill>
+          <p:spPr>
+            <a:xfrm>
+              <a:off x="1" y="3743009"/>
+              <a:ext cx="4822369" cy="3124661"/>
+            </a:xfrm>
+            <a:prstGeom prst="rect">
+              <a:avLst/>
+            </a:prstGeom>
+          </p:spPr>
+        </p:pic>
+        <p:pic>
+          <p:nvPicPr>
+            <p:cNvPr id="23" name="Picture 22"/>
+            <p:cNvPicPr>
+              <a:picLocks noChangeAspect="1"/>
+            </p:cNvPicPr>
+            <p:nvPr/>
+          </p:nvPicPr>
+          <p:blipFill>
+            <a:blip r:embed="rId10"/>
+            <a:stretch>
+              <a:fillRect/>
+            </a:stretch>
+          </p:blipFill>
+          <p:spPr>
+            <a:xfrm>
+              <a:off x="215340" y="3302216"/>
+              <a:ext cx="2092500" cy="2340000"/>
+            </a:xfrm>
+            <a:prstGeom prst="rect">
+              <a:avLst/>
+            </a:prstGeom>
+          </p:spPr>
+        </p:pic>
+        <p:pic>
+          <p:nvPicPr>
+            <p:cNvPr id="24" name="Picture 23"/>
+            <p:cNvPicPr>
+              <a:picLocks noChangeAspect="1"/>
+            </p:cNvPicPr>
+            <p:nvPr/>
+          </p:nvPicPr>
+          <p:blipFill>
+            <a:blip r:embed="rId7"/>
+            <a:stretch>
+              <a:fillRect/>
+            </a:stretch>
+          </p:blipFill>
+          <p:spPr>
+            <a:xfrm>
+              <a:off x="1447611" y="5043761"/>
+              <a:ext cx="1237500" cy="1462500"/>
+            </a:xfrm>
+            <a:prstGeom prst="rect">
+              <a:avLst/>
+            </a:prstGeom>
+          </p:spPr>
+        </p:pic>
+        <p:pic>
+          <p:nvPicPr>
+            <p:cNvPr id="25" name="Picture 24"/>
+            <p:cNvPicPr>
+              <a:picLocks noChangeAspect="1"/>
+            </p:cNvPicPr>
+            <p:nvPr/>
+          </p:nvPicPr>
+          <p:blipFill>
+            <a:blip r:embed="rId11"/>
+            <a:stretch>
+              <a:fillRect/>
+            </a:stretch>
+          </p:blipFill>
+          <p:spPr>
+            <a:xfrm>
+              <a:off x="2788810" y="4960912"/>
+              <a:ext cx="447874" cy="1224190"/>
+            </a:xfrm>
+            <a:prstGeom prst="rect">
+              <a:avLst/>
+            </a:prstGeom>
+          </p:spPr>
+        </p:pic>
+        <p:pic>
+          <p:nvPicPr>
+            <p:cNvPr id="40" name="Picture 39"/>
+            <p:cNvPicPr>
+              <a:picLocks noChangeAspect="1"/>
+            </p:cNvPicPr>
+            <p:nvPr/>
+          </p:nvPicPr>
+          <p:blipFill>
+            <a:blip r:embed="rId12"/>
+            <a:stretch>
+              <a:fillRect/>
+            </a:stretch>
+          </p:blipFill>
+          <p:spPr>
+            <a:xfrm>
+              <a:off x="257977" y="5707769"/>
+              <a:ext cx="1481228" cy="956627"/>
+            </a:xfrm>
+            <a:prstGeom prst="rect">
+              <a:avLst/>
+            </a:prstGeom>
+          </p:spPr>
+        </p:pic>
+      </p:grpSp>
+      <p:grpSp>
+        <p:nvGrpSpPr>
+          <p:cNvPr id="2" name="Group 1"/>
+          <p:cNvGrpSpPr/>
+          <p:nvPr/>
+        </p:nvGrpSpPr>
+        <p:grpSpPr>
+          <a:xfrm>
+            <a:off x="1764141" y="1287118"/>
+            <a:ext cx="1686910" cy="966143"/>
+            <a:chOff x="1447611" y="1287118"/>
+            <a:chExt cx="1686910" cy="966143"/>
+          </a:xfrm>
+        </p:grpSpPr>
+        <p:cxnSp>
+          <p:nvCxnSpPr>
+            <p:cNvPr id="6" name="Straight Connector 5"/>
+            <p:cNvCxnSpPr/>
+            <p:nvPr/>
+          </p:nvCxnSpPr>
+          <p:spPr>
+            <a:xfrm>
+              <a:off x="1447611" y="1287118"/>
+              <a:ext cx="0" cy="966143"/>
+            </a:xfrm>
+            <a:prstGeom prst="line">
+              <a:avLst/>
+            </a:prstGeom>
+            <a:ln>
+              <a:solidFill>
+                <a:srgbClr val="92D050"/>
+              </a:solidFill>
+            </a:ln>
+          </p:spPr>
+          <p:style>
+            <a:lnRef idx="1">
+              <a:schemeClr val="accent1"/>
+            </a:lnRef>
+            <a:fillRef idx="0">
+              <a:schemeClr val="accent1"/>
+            </a:fillRef>
+            <a:effectRef idx="0">
+              <a:schemeClr val="accent1"/>
+            </a:effectRef>
+            <a:fontRef idx="minor">
+              <a:schemeClr val="tx1"/>
+            </a:fontRef>
+          </p:style>
+        </p:cxnSp>
+        <p:cxnSp>
+          <p:nvCxnSpPr>
+            <p:cNvPr id="31" name="Straight Connector 30"/>
+            <p:cNvCxnSpPr/>
+            <p:nvPr/>
+          </p:nvCxnSpPr>
+          <p:spPr>
+            <a:xfrm>
+              <a:off x="3134521" y="1287118"/>
+              <a:ext cx="0" cy="966143"/>
+            </a:xfrm>
+            <a:prstGeom prst="line">
+              <a:avLst/>
+            </a:prstGeom>
+            <a:ln>
+              <a:solidFill>
+                <a:srgbClr val="92D050"/>
+              </a:solidFill>
+            </a:ln>
+          </p:spPr>
+          <p:style>
+            <a:lnRef idx="1">
+              <a:schemeClr val="accent1"/>
+            </a:lnRef>
+            <a:fillRef idx="0">
+              <a:schemeClr val="accent1"/>
+            </a:fillRef>
+            <a:effectRef idx="0">
+              <a:schemeClr val="accent1"/>
+            </a:effectRef>
+            <a:fontRef idx="minor">
+              <a:schemeClr val="tx1"/>
+            </a:fontRef>
+          </p:style>
+        </p:cxnSp>
+      </p:grpSp>
+      <p:grpSp>
+        <p:nvGrpSpPr>
+          <p:cNvPr id="3" name="Group 2"/>
+          <p:cNvGrpSpPr/>
+          <p:nvPr/>
+        </p:nvGrpSpPr>
+        <p:grpSpPr>
+          <a:xfrm>
+            <a:off x="9787568" y="-79793"/>
+            <a:ext cx="934789" cy="1104751"/>
+            <a:chOff x="9787568" y="-79793"/>
+            <a:chExt cx="934789" cy="1104751"/>
+          </a:xfrm>
+        </p:grpSpPr>
+        <p:pic>
+          <p:nvPicPr>
+            <p:cNvPr id="45" name="Picture 44"/>
+            <p:cNvPicPr>
+              <a:picLocks noChangeAspect="1"/>
+            </p:cNvPicPr>
+            <p:nvPr/>
+          </p:nvPicPr>
+          <p:blipFill>
+            <a:blip r:embed="rId7"/>
+            <a:stretch>
+              <a:fillRect/>
+            </a:stretch>
+          </p:blipFill>
+          <p:spPr>
+            <a:xfrm>
+              <a:off x="9787568" y="-79793"/>
+              <a:ext cx="934789" cy="1104751"/>
+            </a:xfrm>
+            <a:prstGeom prst="rect">
+              <a:avLst/>
+            </a:prstGeom>
+          </p:spPr>
+        </p:pic>
+        <p:pic>
+          <p:nvPicPr>
+            <p:cNvPr id="34" name="Picture 33"/>
+            <p:cNvPicPr>
+              <a:picLocks noChangeAspect="1"/>
+            </p:cNvPicPr>
+            <p:nvPr/>
+          </p:nvPicPr>
+          <p:blipFill>
+            <a:blip r:embed="rId13"/>
+            <a:stretch>
+              <a:fillRect/>
+            </a:stretch>
+          </p:blipFill>
+          <p:spPr>
+            <a:xfrm>
+              <a:off x="10328954" y="214760"/>
+              <a:ext cx="147937" cy="295874"/>
+            </a:xfrm>
+            <a:prstGeom prst="rect">
+              <a:avLst/>
+            </a:prstGeom>
+          </p:spPr>
+        </p:pic>
+      </p:grpSp>
+      <p:grpSp>
+        <p:nvGrpSpPr>
+          <p:cNvPr id="5" name="Group 4"/>
+          <p:cNvGrpSpPr/>
+          <p:nvPr/>
+        </p:nvGrpSpPr>
+        <p:grpSpPr>
+          <a:xfrm>
+            <a:off x="4953778" y="713362"/>
+            <a:ext cx="2966958" cy="4346616"/>
+            <a:chOff x="4953778" y="713362"/>
+            <a:chExt cx="2966958" cy="4346616"/>
+          </a:xfrm>
+        </p:grpSpPr>
+        <p:grpSp>
+          <p:nvGrpSpPr>
+            <p:cNvPr id="39" name="Group 38"/>
+            <p:cNvGrpSpPr/>
+            <p:nvPr/>
+          </p:nvGrpSpPr>
+          <p:grpSpPr>
+            <a:xfrm>
+              <a:off x="5208428" y="713362"/>
+              <a:ext cx="2712308" cy="4040125"/>
+              <a:chOff x="768089" y="-1605208"/>
+              <a:chExt cx="3768750" cy="5613751"/>
+            </a:xfrm>
+          </p:grpSpPr>
+          <p:pic>
+            <p:nvPicPr>
+              <p:cNvPr id="8" name="Picture 7"/>
+              <p:cNvPicPr>
+                <a:picLocks noChangeAspect="1"/>
+              </p:cNvPicPr>
+              <p:nvPr/>
+            </p:nvPicPr>
+            <p:blipFill>
+              <a:blip r:embed="rId14"/>
+              <a:stretch>
+                <a:fillRect/>
+              </a:stretch>
+            </p:blipFill>
+            <p:spPr>
+              <a:xfrm>
+                <a:off x="768089" y="-1605208"/>
+                <a:ext cx="3768750" cy="5613751"/>
+              </a:xfrm>
+              <a:prstGeom prst="rect">
+                <a:avLst/>
+              </a:prstGeom>
+            </p:spPr>
+          </p:pic>
+          <p:pic>
+            <p:nvPicPr>
+              <p:cNvPr id="14" name="Picture 13"/>
+              <p:cNvPicPr>
+                <a:picLocks noChangeAspect="1"/>
+              </p:cNvPicPr>
+              <p:nvPr/>
+            </p:nvPicPr>
+            <p:blipFill>
+              <a:blip r:embed="rId15"/>
+              <a:stretch>
+                <a:fillRect/>
+              </a:stretch>
+            </p:blipFill>
+            <p:spPr>
+              <a:xfrm>
+                <a:off x="1755198" y="534480"/>
+                <a:ext cx="1361250" cy="1800000"/>
+              </a:xfrm>
+              <a:prstGeom prst="rect">
+                <a:avLst/>
+              </a:prstGeom>
+            </p:spPr>
+          </p:pic>
+        </p:grpSp>
+        <p:sp>
+          <p:nvSpPr>
+            <p:cNvPr id="32" name="TextBox 31"/>
+            <p:cNvSpPr txBox="1"/>
+            <p:nvPr/>
+          </p:nvSpPr>
+          <p:spPr>
+            <a:xfrm rot="2035382">
+              <a:off x="4953778" y="4105871"/>
+              <a:ext cx="2386532" cy="954107"/>
+            </a:xfrm>
+            <a:prstGeom prst="rect">
+              <a:avLst/>
+            </a:prstGeom>
+            <a:noFill/>
+          </p:spPr>
+          <p:txBody>
+            <a:bodyPr wrap="square" rtlCol="0">
+              <a:spAutoFit/>
+            </a:bodyPr>
+            <a:lstStyle/>
+            <a:p>
+              <a:r>
+                <a:rPr lang="en-US" sz="2800" dirty="0" smtClean="0">
+                  <a:solidFill>
+                    <a:schemeClr val="bg1"/>
+                  </a:solidFill>
+                  <a:latin typeface="Segoe UI" panose="020B0502040204020203" pitchFamily="34" charset="0"/>
+                  <a:cs typeface="Segoe UI" panose="020B0502040204020203" pitchFamily="34" charset="0"/>
+                </a:rPr>
+                <a:t>Web App</a:t>
+              </a:r>
+              <a:endParaRPr lang="en-US" sz="2800" dirty="0">
+                <a:solidFill>
+                  <a:schemeClr val="bg1"/>
+                </a:solidFill>
+                <a:latin typeface="Segoe UI" panose="020B0502040204020203" pitchFamily="34" charset="0"/>
+                <a:cs typeface="Segoe UI" panose="020B0502040204020203" pitchFamily="34" charset="0"/>
+              </a:endParaRPr>
+            </a:p>
+            <a:p>
+              <a:endParaRPr lang="en-US" sz="2800" dirty="0" smtClean="0">
+                <a:solidFill>
+                  <a:schemeClr val="bg1"/>
+                </a:solidFill>
+                <a:latin typeface="Segoe UI" panose="020B0502040204020203" pitchFamily="34" charset="0"/>
+                <a:cs typeface="Segoe UI" panose="020B0502040204020203" pitchFamily="34" charset="0"/>
+              </a:endParaRPr>
+            </a:p>
+          </p:txBody>
+        </p:sp>
+      </p:grpSp>
     </p:spTree>
     <p:extLst>
       <p:ext uri="{BB962C8B-B14F-4D97-AF65-F5344CB8AC3E}">
-        <p14:creationId xmlns:p14="http://schemas.microsoft.com/office/powerpoint/2010/main" val="2150999679"/>
+        <p14:creationId xmlns:p14="http://schemas.microsoft.com/office/powerpoint/2010/main" val="3714125469"/>
       </p:ext>
     </p:extLst>
   </p:cSld>
   <p:clrMapOvr>
     <a:masterClrMapping/>
   </p:clrMapOvr>
-  <mc:AlternateContent xmlns:mc="http://schemas.openxmlformats.org/markup-compatibility/2006" xmlns:p14="http://schemas.microsoft.com/office/powerpoint/2010/main">
-    <mc:Choice Requires="p14">
+  <mc:AlternateContent xmlns:mc="http://schemas.openxmlformats.org/markup-compatibility/2006">
+    <mc:Choice xmlns:p14="http://schemas.microsoft.com/office/powerpoint/2010/main" Requires="p14">
       <p:transition spd="med" p14:dur="700">
         <p:fade/>
       </p:transition>
     </mc:Choice>
-    <mc:Fallback xmlns="">
+    <mc:Fallback>
       <p:transition spd="med">
         <p:fade/>
       </p:transition>
@@ -17822,7 +21599,508 @@
   <p:timing>
     <p:tnLst>
       <p:par>
-        <p:cTn id="1" dur="indefinite" restart="never" nodeType="tmRoot"/>
+        <p:cTn id="1" dur="indefinite" restart="never" nodeType="tmRoot">
+          <p:childTnLst>
+            <p:seq concurrent="1" nextAc="seek">
+              <p:cTn id="2" dur="indefinite" nodeType="mainSeq">
+                <p:childTnLst>
+                  <p:par>
+                    <p:cTn id="3" fill="hold">
+                      <p:stCondLst>
+                        <p:cond delay="indefinite"/>
+                        <p:cond evt="onBegin" delay="0">
+                          <p:tn val="2"/>
+                        </p:cond>
+                      </p:stCondLst>
+                      <p:childTnLst>
+                        <p:par>
+                          <p:cTn id="4" fill="hold">
+                            <p:stCondLst>
+                              <p:cond delay="0"/>
+                            </p:stCondLst>
+                            <p:childTnLst>
+                              <p:par>
+                                <p:cTn id="5" presetID="10" presetClass="entr" presetSubtype="0" fill="hold" nodeType="afterEffect">
+                                  <p:stCondLst>
+                                    <p:cond delay="0"/>
+                                  </p:stCondLst>
+                                  <p:childTnLst>
+                                    <p:set>
+                                      <p:cBhvr>
+                                        <p:cTn id="6" dur="1" fill="hold">
+                                          <p:stCondLst>
+                                            <p:cond delay="0"/>
+                                          </p:stCondLst>
+                                        </p:cTn>
+                                        <p:tgtEl>
+                                          <p:spTgt spid="30"/>
+                                        </p:tgtEl>
+                                        <p:attrNameLst>
+                                          <p:attrName>style.visibility</p:attrName>
+                                        </p:attrNameLst>
+                                      </p:cBhvr>
+                                      <p:to>
+                                        <p:strVal val="visible"/>
+                                      </p:to>
+                                    </p:set>
+                                    <p:animEffect transition="in" filter="fade">
+                                      <p:cBhvr>
+                                        <p:cTn id="7" dur="250"/>
+                                        <p:tgtEl>
+                                          <p:spTgt spid="30"/>
+                                        </p:tgtEl>
+                                      </p:cBhvr>
+                                    </p:animEffect>
+                                  </p:childTnLst>
+                                </p:cTn>
+                              </p:par>
+                            </p:childTnLst>
+                          </p:cTn>
+                        </p:par>
+                        <p:par>
+                          <p:cTn id="8" fill="hold">
+                            <p:stCondLst>
+                              <p:cond delay="250"/>
+                            </p:stCondLst>
+                            <p:childTnLst>
+                              <p:par>
+                                <p:cTn id="9" presetID="22" presetClass="entr" presetSubtype="8" fill="hold" nodeType="afterEffect">
+                                  <p:stCondLst>
+                                    <p:cond delay="0"/>
+                                  </p:stCondLst>
+                                  <p:childTnLst>
+                                    <p:set>
+                                      <p:cBhvr>
+                                        <p:cTn id="10" dur="1" fill="hold">
+                                          <p:stCondLst>
+                                            <p:cond delay="0"/>
+                                          </p:stCondLst>
+                                        </p:cTn>
+                                        <p:tgtEl>
+                                          <p:spTgt spid="37"/>
+                                        </p:tgtEl>
+                                        <p:attrNameLst>
+                                          <p:attrName>style.visibility</p:attrName>
+                                        </p:attrNameLst>
+                                      </p:cBhvr>
+                                      <p:to>
+                                        <p:strVal val="visible"/>
+                                      </p:to>
+                                    </p:set>
+                                    <p:animEffect transition="in" filter="wipe(left)">
+                                      <p:cBhvr>
+                                        <p:cTn id="11" dur="250"/>
+                                        <p:tgtEl>
+                                          <p:spTgt spid="37"/>
+                                        </p:tgtEl>
+                                      </p:cBhvr>
+                                    </p:animEffect>
+                                  </p:childTnLst>
+                                </p:cTn>
+                              </p:par>
+                            </p:childTnLst>
+                          </p:cTn>
+                        </p:par>
+                        <p:par>
+                          <p:cTn id="12" fill="hold">
+                            <p:stCondLst>
+                              <p:cond delay="500"/>
+                            </p:stCondLst>
+                            <p:childTnLst>
+                              <p:par>
+                                <p:cTn id="13" presetID="10" presetClass="entr" presetSubtype="0" fill="hold" nodeType="afterEffect">
+                                  <p:stCondLst>
+                                    <p:cond delay="0"/>
+                                  </p:stCondLst>
+                                  <p:childTnLst>
+                                    <p:set>
+                                      <p:cBhvr>
+                                        <p:cTn id="14" dur="1" fill="hold">
+                                          <p:stCondLst>
+                                            <p:cond delay="0"/>
+                                          </p:stCondLst>
+                                        </p:cTn>
+                                        <p:tgtEl>
+                                          <p:spTgt spid="3"/>
+                                        </p:tgtEl>
+                                        <p:attrNameLst>
+                                          <p:attrName>style.visibility</p:attrName>
+                                        </p:attrNameLst>
+                                      </p:cBhvr>
+                                      <p:to>
+                                        <p:strVal val="visible"/>
+                                      </p:to>
+                                    </p:set>
+                                    <p:animEffect transition="in" filter="fade">
+                                      <p:cBhvr>
+                                        <p:cTn id="15" dur="250"/>
+                                        <p:tgtEl>
+                                          <p:spTgt spid="3"/>
+                                        </p:tgtEl>
+                                      </p:cBhvr>
+                                    </p:animEffect>
+                                  </p:childTnLst>
+                                </p:cTn>
+                              </p:par>
+                            </p:childTnLst>
+                          </p:cTn>
+                        </p:par>
+                        <p:par>
+                          <p:cTn id="16" fill="hold">
+                            <p:stCondLst>
+                              <p:cond delay="750"/>
+                            </p:stCondLst>
+                            <p:childTnLst>
+                              <p:par>
+                                <p:cTn id="17" presetID="10" presetClass="entr" presetSubtype="0" fill="hold" nodeType="afterEffect">
+                                  <p:stCondLst>
+                                    <p:cond delay="0"/>
+                                  </p:stCondLst>
+                                  <p:childTnLst>
+                                    <p:set>
+                                      <p:cBhvr>
+                                        <p:cTn id="18" dur="1" fill="hold">
+                                          <p:stCondLst>
+                                            <p:cond delay="0"/>
+                                          </p:stCondLst>
+                                        </p:cTn>
+                                        <p:tgtEl>
+                                          <p:spTgt spid="36"/>
+                                        </p:tgtEl>
+                                        <p:attrNameLst>
+                                          <p:attrName>style.visibility</p:attrName>
+                                        </p:attrNameLst>
+                                      </p:cBhvr>
+                                      <p:to>
+                                        <p:strVal val="visible"/>
+                                      </p:to>
+                                    </p:set>
+                                    <p:animEffect transition="in" filter="fade">
+                                      <p:cBhvr>
+                                        <p:cTn id="19" dur="250"/>
+                                        <p:tgtEl>
+                                          <p:spTgt spid="36"/>
+                                        </p:tgtEl>
+                                      </p:cBhvr>
+                                    </p:animEffect>
+                                  </p:childTnLst>
+                                </p:cTn>
+                              </p:par>
+                              <p:par>
+                                <p:cTn id="20" presetID="10" presetClass="entr" presetSubtype="0" fill="hold" nodeType="withEffect">
+                                  <p:stCondLst>
+                                    <p:cond delay="0"/>
+                                  </p:stCondLst>
+                                  <p:childTnLst>
+                                    <p:set>
+                                      <p:cBhvr>
+                                        <p:cTn id="21" dur="1" fill="hold">
+                                          <p:stCondLst>
+                                            <p:cond delay="0"/>
+                                          </p:stCondLst>
+                                        </p:cTn>
+                                        <p:tgtEl>
+                                          <p:spTgt spid="4"/>
+                                        </p:tgtEl>
+                                        <p:attrNameLst>
+                                          <p:attrName>style.visibility</p:attrName>
+                                        </p:attrNameLst>
+                                      </p:cBhvr>
+                                      <p:to>
+                                        <p:strVal val="visible"/>
+                                      </p:to>
+                                    </p:set>
+                                    <p:animEffect transition="in" filter="fade">
+                                      <p:cBhvr>
+                                        <p:cTn id="22" dur="500"/>
+                                        <p:tgtEl>
+                                          <p:spTgt spid="4"/>
+                                        </p:tgtEl>
+                                      </p:cBhvr>
+                                    </p:animEffect>
+                                  </p:childTnLst>
+                                </p:cTn>
+                              </p:par>
+                            </p:childTnLst>
+                          </p:cTn>
+                        </p:par>
+                        <p:par>
+                          <p:cTn id="23" fill="hold">
+                            <p:stCondLst>
+                              <p:cond delay="1250"/>
+                            </p:stCondLst>
+                            <p:childTnLst>
+                              <p:par>
+                                <p:cTn id="24" presetID="10" presetClass="entr" presetSubtype="0" fill="hold" nodeType="afterEffect">
+                                  <p:stCondLst>
+                                    <p:cond delay="0"/>
+                                  </p:stCondLst>
+                                  <p:childTnLst>
+                                    <p:set>
+                                      <p:cBhvr>
+                                        <p:cTn id="25" dur="1" fill="hold">
+                                          <p:stCondLst>
+                                            <p:cond delay="0"/>
+                                          </p:stCondLst>
+                                        </p:cTn>
+                                        <p:tgtEl>
+                                          <p:spTgt spid="38"/>
+                                        </p:tgtEl>
+                                        <p:attrNameLst>
+                                          <p:attrName>style.visibility</p:attrName>
+                                        </p:attrNameLst>
+                                      </p:cBhvr>
+                                      <p:to>
+                                        <p:strVal val="visible"/>
+                                      </p:to>
+                                    </p:set>
+                                    <p:animEffect transition="in" filter="fade">
+                                      <p:cBhvr>
+                                        <p:cTn id="26" dur="500"/>
+                                        <p:tgtEl>
+                                          <p:spTgt spid="38"/>
+                                        </p:tgtEl>
+                                      </p:cBhvr>
+                                    </p:animEffect>
+                                  </p:childTnLst>
+                                </p:cTn>
+                              </p:par>
+                            </p:childTnLst>
+                          </p:cTn>
+                        </p:par>
+                        <p:par>
+                          <p:cTn id="27" fill="hold">
+                            <p:stCondLst>
+                              <p:cond delay="1750"/>
+                            </p:stCondLst>
+                            <p:childTnLst>
+                              <p:par>
+                                <p:cTn id="28" presetID="10" presetClass="entr" presetSubtype="0" fill="hold" nodeType="afterEffect">
+                                  <p:stCondLst>
+                                    <p:cond delay="0"/>
+                                  </p:stCondLst>
+                                  <p:childTnLst>
+                                    <p:set>
+                                      <p:cBhvr>
+                                        <p:cTn id="29" dur="1" fill="hold">
+                                          <p:stCondLst>
+                                            <p:cond delay="0"/>
+                                          </p:stCondLst>
+                                        </p:cTn>
+                                        <p:tgtEl>
+                                          <p:spTgt spid="16"/>
+                                        </p:tgtEl>
+                                        <p:attrNameLst>
+                                          <p:attrName>style.visibility</p:attrName>
+                                        </p:attrNameLst>
+                                      </p:cBhvr>
+                                      <p:to>
+                                        <p:strVal val="visible"/>
+                                      </p:to>
+                                    </p:set>
+                                    <p:animEffect transition="in" filter="fade">
+                                      <p:cBhvr>
+                                        <p:cTn id="30" dur="500"/>
+                                        <p:tgtEl>
+                                          <p:spTgt spid="16"/>
+                                        </p:tgtEl>
+                                      </p:cBhvr>
+                                    </p:animEffect>
+                                  </p:childTnLst>
+                                </p:cTn>
+                              </p:par>
+                            </p:childTnLst>
+                          </p:cTn>
+                        </p:par>
+                        <p:par>
+                          <p:cTn id="31" fill="hold">
+                            <p:stCondLst>
+                              <p:cond delay="2250"/>
+                            </p:stCondLst>
+                            <p:childTnLst>
+                              <p:par>
+                                <p:cTn id="32" presetID="10" presetClass="entr" presetSubtype="0" fill="hold" nodeType="afterEffect">
+                                  <p:stCondLst>
+                                    <p:cond delay="0"/>
+                                  </p:stCondLst>
+                                  <p:childTnLst>
+                                    <p:set>
+                                      <p:cBhvr>
+                                        <p:cTn id="33" dur="1" fill="hold">
+                                          <p:stCondLst>
+                                            <p:cond delay="0"/>
+                                          </p:stCondLst>
+                                        </p:cTn>
+                                        <p:tgtEl>
+                                          <p:spTgt spid="18"/>
+                                        </p:tgtEl>
+                                        <p:attrNameLst>
+                                          <p:attrName>style.visibility</p:attrName>
+                                        </p:attrNameLst>
+                                      </p:cBhvr>
+                                      <p:to>
+                                        <p:strVal val="visible"/>
+                                      </p:to>
+                                    </p:set>
+                                    <p:animEffect transition="in" filter="fade">
+                                      <p:cBhvr>
+                                        <p:cTn id="34" dur="500"/>
+                                        <p:tgtEl>
+                                          <p:spTgt spid="18"/>
+                                        </p:tgtEl>
+                                      </p:cBhvr>
+                                    </p:animEffect>
+                                  </p:childTnLst>
+                                </p:cTn>
+                              </p:par>
+                            </p:childTnLst>
+                          </p:cTn>
+                        </p:par>
+                        <p:par>
+                          <p:cTn id="35" fill="hold">
+                            <p:stCondLst>
+                              <p:cond delay="2750"/>
+                            </p:stCondLst>
+                            <p:childTnLst>
+                              <p:par>
+                                <p:cTn id="36" presetID="10" presetClass="entr" presetSubtype="0" fill="hold" nodeType="afterEffect">
+                                  <p:stCondLst>
+                                    <p:cond delay="0"/>
+                                  </p:stCondLst>
+                                  <p:childTnLst>
+                                    <p:set>
+                                      <p:cBhvr>
+                                        <p:cTn id="37" dur="1" fill="hold">
+                                          <p:stCondLst>
+                                            <p:cond delay="0"/>
+                                          </p:stCondLst>
+                                        </p:cTn>
+                                        <p:tgtEl>
+                                          <p:spTgt spid="5"/>
+                                        </p:tgtEl>
+                                        <p:attrNameLst>
+                                          <p:attrName>style.visibility</p:attrName>
+                                        </p:attrNameLst>
+                                      </p:cBhvr>
+                                      <p:to>
+                                        <p:strVal val="visible"/>
+                                      </p:to>
+                                    </p:set>
+                                    <p:animEffect transition="in" filter="fade">
+                                      <p:cBhvr>
+                                        <p:cTn id="38" dur="500"/>
+                                        <p:tgtEl>
+                                          <p:spTgt spid="5"/>
+                                        </p:tgtEl>
+                                      </p:cBhvr>
+                                    </p:animEffect>
+                                  </p:childTnLst>
+                                </p:cTn>
+                              </p:par>
+                            </p:childTnLst>
+                          </p:cTn>
+                        </p:par>
+                        <p:par>
+                          <p:cTn id="39" fill="hold">
+                            <p:stCondLst>
+                              <p:cond delay="3250"/>
+                            </p:stCondLst>
+                            <p:childTnLst>
+                              <p:par>
+                                <p:cTn id="40" presetID="10" presetClass="entr" presetSubtype="0" fill="hold" nodeType="afterEffect">
+                                  <p:stCondLst>
+                                    <p:cond delay="0"/>
+                                  </p:stCondLst>
+                                  <p:childTnLst>
+                                    <p:set>
+                                      <p:cBhvr>
+                                        <p:cTn id="41" dur="1" fill="hold">
+                                          <p:stCondLst>
+                                            <p:cond delay="0"/>
+                                          </p:stCondLst>
+                                        </p:cTn>
+                                        <p:tgtEl>
+                                          <p:spTgt spid="41"/>
+                                        </p:tgtEl>
+                                        <p:attrNameLst>
+                                          <p:attrName>style.visibility</p:attrName>
+                                        </p:attrNameLst>
+                                      </p:cBhvr>
+                                      <p:to>
+                                        <p:strVal val="visible"/>
+                                      </p:to>
+                                    </p:set>
+                                    <p:animEffect transition="in" filter="fade">
+                                      <p:cBhvr>
+                                        <p:cTn id="42" dur="500"/>
+                                        <p:tgtEl>
+                                          <p:spTgt spid="41"/>
+                                        </p:tgtEl>
+                                      </p:cBhvr>
+                                    </p:animEffect>
+                                  </p:childTnLst>
+                                </p:cTn>
+                              </p:par>
+                              <p:par>
+                                <p:cTn id="43" presetID="10" presetClass="entr" presetSubtype="0" fill="hold" nodeType="withEffect">
+                                  <p:stCondLst>
+                                    <p:cond delay="0"/>
+                                  </p:stCondLst>
+                                  <p:childTnLst>
+                                    <p:set>
+                                      <p:cBhvr>
+                                        <p:cTn id="44" dur="1" fill="hold">
+                                          <p:stCondLst>
+                                            <p:cond delay="0"/>
+                                          </p:stCondLst>
+                                        </p:cTn>
+                                        <p:tgtEl>
+                                          <p:spTgt spid="2"/>
+                                        </p:tgtEl>
+                                        <p:attrNameLst>
+                                          <p:attrName>style.visibility</p:attrName>
+                                        </p:attrNameLst>
+                                      </p:cBhvr>
+                                      <p:to>
+                                        <p:strVal val="visible"/>
+                                      </p:to>
+                                    </p:set>
+                                    <p:animEffect transition="in" filter="fade">
+                                      <p:cBhvr>
+                                        <p:cTn id="45" dur="500"/>
+                                        <p:tgtEl>
+                                          <p:spTgt spid="2"/>
+                                        </p:tgtEl>
+                                      </p:cBhvr>
+                                    </p:animEffect>
+                                  </p:childTnLst>
+                                </p:cTn>
+                              </p:par>
+                            </p:childTnLst>
+                          </p:cTn>
+                        </p:par>
+                      </p:childTnLst>
+                    </p:cTn>
+                  </p:par>
+                </p:childTnLst>
+              </p:cTn>
+              <p:prevCondLst>
+                <p:cond evt="onPrev" delay="0">
+                  <p:tgtEl>
+                    <p:sldTgt/>
+                  </p:tgtEl>
+                </p:cond>
+              </p:prevCondLst>
+              <p:nextCondLst>
+                <p:cond evt="onNext" delay="0">
+                  <p:tgtEl>
+                    <p:sldTgt/>
+                  </p:tgtEl>
+                </p:cond>
+              </p:nextCondLst>
+            </p:seq>
+          </p:childTnLst>
+        </p:cTn>
       </p:par>
     </p:tnLst>
   </p:timing>
@@ -17886,25 +22164,32 @@
           <a:p>
             <a:r>
               <a:rPr lang="en-US" dirty="0" smtClean="0"/>
-              <a:t>Can configure custom domains</a:t>
-            </a:r>
-          </a:p>
-          <a:p>
+              <a:t>Easy to deploy a variety of different web sites : node, python, </a:t>
+            </a:r>
+            <a:r>
+              <a:rPr lang="en-US" dirty="0" err="1" smtClean="0"/>
+              <a:t>php</a:t>
+            </a:r>
             <a:r>
               <a:rPr lang="en-US" dirty="0" smtClean="0"/>
-              <a:t>Can add FTP users</a:t>
-            </a:r>
-          </a:p>
-          <a:p>
+              <a:t>, asp.net, etc</a:t>
+            </a:r>
             <a:r>
               <a:rPr lang="en-US" dirty="0" smtClean="0"/>
-              <a:t>Can run multiple web sites</a:t>
-            </a:r>
+              <a:t>.</a:t>
+            </a:r>
+            <a:endParaRPr lang="en-US" dirty="0" smtClean="0"/>
           </a:p>
           <a:p>
             <a:r>
               <a:rPr lang="en-US" dirty="0" smtClean="0"/>
-              <a:t>Ideal for a production / staging environment </a:t>
+              <a:t>Can install some software from the gallery like WordPress or preconfigured stacks ( MEAN stack ) </a:t>
+            </a:r>
+          </a:p>
+          <a:p>
+            <a:r>
+              <a:rPr lang="en-US" dirty="0" smtClean="0"/>
+              <a:t>Has a few limitations such as cannot configure ports, compile native modules for Node </a:t>
             </a:r>
           </a:p>
           <a:p>
@@ -17915,20 +22200,20 @@
     </p:spTree>
     <p:extLst>
       <p:ext uri="{BB962C8B-B14F-4D97-AF65-F5344CB8AC3E}">
-        <p14:creationId xmlns:p14="http://schemas.microsoft.com/office/powerpoint/2010/main" val="1179049318"/>
+        <p14:creationId xmlns:p14="http://schemas.microsoft.com/office/powerpoint/2010/main" val="2150999679"/>
       </p:ext>
     </p:extLst>
   </p:cSld>
   <p:clrMapOvr>
     <a:masterClrMapping/>
   </p:clrMapOvr>
-  <mc:AlternateContent xmlns:mc="http://schemas.openxmlformats.org/markup-compatibility/2006" xmlns:p14="http://schemas.microsoft.com/office/powerpoint/2010/main">
-    <mc:Choice Requires="p14">
+  <mc:AlternateContent xmlns:mc="http://schemas.openxmlformats.org/markup-compatibility/2006">
+    <mc:Choice xmlns:p14="http://schemas.microsoft.com/office/powerpoint/2010/main" Requires="p14">
       <p:transition spd="med" p14:dur="700">
         <p:fade/>
       </p:transition>
     </mc:Choice>
-    <mc:Fallback xmlns="">
+    <mc:Fallback>
       <p:transition spd="med">
         <p:fade/>
       </p:transition>
@@ -17963,60 +22248,87 @@
       </p:grpSpPr>
       <p:sp>
         <p:nvSpPr>
-          <p:cNvPr id="4" name="Title 3"/>
+          <p:cNvPr id="2" name="Title 1"/>
           <p:cNvSpPr>
             <a:spLocks noGrp="1"/>
           </p:cNvSpPr>
           <p:nvPr>
-            <p:ph type="ctrTitle"/>
+            <p:ph type="title"/>
           </p:nvPr>
         </p:nvSpPr>
         <p:spPr/>
         <p:txBody>
-          <a:bodyPr>
-            <a:normAutofit/>
-          </a:bodyPr>
+          <a:bodyPr/>
           <a:lstStyle/>
           <a:p>
             <a:r>
-              <a:rPr lang="en-US" dirty="0"/>
-              <a:t>Deploying to </a:t>
-            </a:r>
-            <a:r>
               <a:rPr lang="en-US" dirty="0" smtClean="0"/>
-              <a:t>Azure</a:t>
-            </a:r>
-            <a:br>
+              <a:t>Azure Apps</a:t>
+            </a:r>
+            <a:endParaRPr lang="en-US" dirty="0"/>
+          </a:p>
+        </p:txBody>
+      </p:sp>
+      <p:sp>
+        <p:nvSpPr>
+          <p:cNvPr id="3" name="Content Placeholder 2"/>
+          <p:cNvSpPr>
+            <a:spLocks noGrp="1"/>
+          </p:cNvSpPr>
+          <p:nvPr>
+            <p:ph idx="1"/>
+          </p:nvPr>
+        </p:nvSpPr>
+        <p:spPr/>
+        <p:txBody>
+          <a:bodyPr/>
+          <a:lstStyle/>
+          <a:p>
+            <a:r>
               <a:rPr lang="en-US" dirty="0" smtClean="0"/>
-            </a:br>
+              <a:t>Can configure custom domains</a:t>
+            </a:r>
+          </a:p>
+          <a:p>
             <a:r>
               <a:rPr lang="en-US" dirty="0" smtClean="0"/>
-              <a:t>with Visual </a:t>
-            </a:r>
-            <a:r>
-              <a:rPr lang="en-US" dirty="0"/>
-              <a:t>Studio</a:t>
-            </a:r>
+              <a:t>Can add FTP users</a:t>
+            </a:r>
+          </a:p>
+          <a:p>
+            <a:r>
+              <a:rPr lang="en-US" dirty="0" smtClean="0"/>
+              <a:t>Can run multiple web sites</a:t>
+            </a:r>
+          </a:p>
+          <a:p>
+            <a:r>
+              <a:rPr lang="en-US" dirty="0" smtClean="0"/>
+              <a:t>Ideal for a production / staging environment </a:t>
+            </a:r>
+          </a:p>
+          <a:p>
+            <a:endParaRPr lang="en-US" dirty="0"/>
           </a:p>
         </p:txBody>
       </p:sp>
     </p:spTree>
     <p:extLst>
       <p:ext uri="{BB962C8B-B14F-4D97-AF65-F5344CB8AC3E}">
-        <p14:creationId xmlns:p14="http://schemas.microsoft.com/office/powerpoint/2010/main" val="3589905042"/>
+        <p14:creationId xmlns:p14="http://schemas.microsoft.com/office/powerpoint/2010/main" val="1179049318"/>
       </p:ext>
     </p:extLst>
   </p:cSld>
   <p:clrMapOvr>
     <a:masterClrMapping/>
   </p:clrMapOvr>
-  <mc:AlternateContent xmlns:mc="http://schemas.openxmlformats.org/markup-compatibility/2006" xmlns:p14="http://schemas.microsoft.com/office/powerpoint/2010/main">
-    <mc:Choice Requires="p14">
+  <mc:AlternateContent xmlns:mc="http://schemas.openxmlformats.org/markup-compatibility/2006">
+    <mc:Choice xmlns:p14="http://schemas.microsoft.com/office/powerpoint/2010/main" Requires="p14">
       <p:transition spd="med" p14:dur="700">
         <p:fade/>
       </p:transition>
     </mc:Choice>
-    <mc:Fallback xmlns="">
+    <mc:Fallback>
       <p:transition spd="med">
         <p:fade/>
       </p:transition>
@@ -18051,22 +22363,39 @@
       </p:grpSpPr>
       <p:sp>
         <p:nvSpPr>
-          <p:cNvPr id="3" name="Subtitle 2"/>
+          <p:cNvPr id="4" name="Title 3"/>
           <p:cNvSpPr>
             <a:spLocks noGrp="1"/>
           </p:cNvSpPr>
           <p:nvPr>
-            <p:ph type="subTitle" idx="1"/>
+            <p:ph type="ctrTitle"/>
           </p:nvPr>
         </p:nvSpPr>
         <p:spPr/>
         <p:txBody>
-          <a:bodyPr/>
+          <a:bodyPr>
+            <a:normAutofit/>
+          </a:bodyPr>
           <a:lstStyle/>
           <a:p>
             <a:r>
               <a:rPr lang="en-US" dirty="0"/>
-              <a:t>Deploying to Azure with Visual Studio</a:t>
+              <a:t>Deploying to </a:t>
+            </a:r>
+            <a:r>
+              <a:rPr lang="en-US" dirty="0" smtClean="0"/>
+              <a:t>Azure</a:t>
+            </a:r>
+            <a:br>
+              <a:rPr lang="en-US" dirty="0" smtClean="0"/>
+            </a:br>
+            <a:r>
+              <a:rPr lang="en-US" dirty="0" smtClean="0"/>
+              <a:t>with Visual </a:t>
+            </a:r>
+            <a:r>
+              <a:rPr lang="en-US" dirty="0"/>
+              <a:t>Studio</a:t>
             </a:r>
           </a:p>
         </p:txBody>
@@ -18074,20 +22403,20 @@
     </p:spTree>
     <p:extLst>
       <p:ext uri="{BB962C8B-B14F-4D97-AF65-F5344CB8AC3E}">
-        <p14:creationId xmlns:p14="http://schemas.microsoft.com/office/powerpoint/2010/main" val="2548092044"/>
+        <p14:creationId xmlns:p14="http://schemas.microsoft.com/office/powerpoint/2010/main" val="3589905042"/>
       </p:ext>
     </p:extLst>
   </p:cSld>
   <p:clrMapOvr>
     <a:masterClrMapping/>
   </p:clrMapOvr>
-  <mc:AlternateContent xmlns:mc="http://schemas.openxmlformats.org/markup-compatibility/2006" xmlns:p14="http://schemas.microsoft.com/office/powerpoint/2010/main">
-    <mc:Choice Requires="p14">
+  <mc:AlternateContent xmlns:mc="http://schemas.openxmlformats.org/markup-compatibility/2006">
+    <mc:Choice xmlns:p14="http://schemas.microsoft.com/office/powerpoint/2010/main" Requires="p14">
       <p:transition spd="med" p14:dur="700">
         <p:fade/>
       </p:transition>
     </mc:Choice>
-    <mc:Fallback xmlns="">
+    <mc:Fallback>
       <p:transition spd="med">
         <p:fade/>
       </p:transition>
@@ -18122,50 +22451,348 @@
       </p:grpSpPr>
       <p:sp>
         <p:nvSpPr>
-          <p:cNvPr id="4" name="Title 3"/>
+          <p:cNvPr id="3" name="Title 2"/>
           <p:cNvSpPr>
             <a:spLocks noGrp="1"/>
           </p:cNvSpPr>
           <p:nvPr>
-            <p:ph type="ctrTitle"/>
+            <p:ph type="title"/>
           </p:nvPr>
         </p:nvSpPr>
         <p:spPr/>
         <p:txBody>
-          <a:bodyPr>
-            <a:normAutofit/>
+          <a:bodyPr anchor="ctr">
+            <a:normAutofit fontScale="90000"/>
           </a:bodyPr>
           <a:lstStyle/>
           <a:p>
+            <a:pPr marL="252000">
+              <a:spcBef>
+                <a:spcPts val="0"/>
+              </a:spcBef>
+            </a:pPr>
             <a:r>
               <a:rPr lang="en-US" dirty="0"/>
-              <a:t>Deploying to Azure with </a:t>
-            </a:r>
-            <a:r>
-              <a:rPr lang="en-US" dirty="0" err="1"/>
-              <a:t>Github</a:t>
-            </a:r>
-            <a:endParaRPr lang="en-US" dirty="0"/>
+              <a:t>Visual Studio + App Service Web Apps</a:t>
+            </a:r>
           </a:p>
         </p:txBody>
       </p:sp>
+      <p:sp>
+        <p:nvSpPr>
+          <p:cNvPr id="4" name="Content Placeholder 3"/>
+          <p:cNvSpPr>
+            <a:spLocks noGrp="1"/>
+          </p:cNvSpPr>
+          <p:nvPr>
+            <p:ph idx="1"/>
+          </p:nvPr>
+        </p:nvSpPr>
+        <p:spPr/>
+        <p:txBody>
+          <a:bodyPr/>
+          <a:lstStyle/>
+          <a:p>
+            <a:pPr marL="0" indent="0">
+              <a:buNone/>
+            </a:pPr>
+            <a:r>
+              <a:rPr lang="en-US" sz="3200" dirty="0">
+                <a:solidFill>
+                  <a:schemeClr val="tx1"/>
+                </a:solidFill>
+              </a:rPr>
+              <a:t>Create Azure Resources during File / New</a:t>
+            </a:r>
+          </a:p>
+          <a:p>
+            <a:pPr marL="0" indent="0">
+              <a:buNone/>
+            </a:pPr>
+            <a:r>
+              <a:rPr lang="en-US" sz="3200" dirty="0">
+                <a:solidFill>
+                  <a:schemeClr val="tx1"/>
+                </a:solidFill>
+              </a:rPr>
+              <a:t>Create Web App during deploy</a:t>
+            </a:r>
+          </a:p>
+          <a:p>
+            <a:pPr marL="0" indent="0">
+              <a:buNone/>
+            </a:pPr>
+            <a:r>
+              <a:rPr lang="en-US" sz="3200" dirty="0">
+                <a:solidFill>
+                  <a:schemeClr val="tx1"/>
+                </a:solidFill>
+              </a:rPr>
+              <a:t>Manage with Server Explorer</a:t>
+            </a:r>
+          </a:p>
+          <a:p>
+            <a:pPr marL="0" indent="0">
+              <a:buNone/>
+            </a:pPr>
+            <a:endParaRPr lang="en-US" sz="3200" dirty="0">
+              <a:solidFill>
+                <a:schemeClr val="tx1"/>
+              </a:solidFill>
+            </a:endParaRPr>
+          </a:p>
+        </p:txBody>
+      </p:sp>
+      <p:sp>
+        <p:nvSpPr>
+          <p:cNvPr id="6" name="Content Placeholder 2"/>
+          <p:cNvSpPr txBox="1">
+            <a:spLocks/>
+          </p:cNvSpPr>
+          <p:nvPr/>
+        </p:nvSpPr>
+        <p:spPr>
+          <a:xfrm>
+            <a:off x="274712" y="441435"/>
+            <a:ext cx="12192000" cy="5266267"/>
+          </a:xfrm>
+          <a:prstGeom prst="rect">
+            <a:avLst/>
+          </a:prstGeom>
+        </p:spPr>
+        <p:txBody>
+          <a:bodyPr vert="horz" lIns="91440" tIns="45720" rIns="91440" bIns="45720" rtlCol="0" anchor="ctr">
+            <a:noAutofit/>
+          </a:bodyPr>
+          <a:lstStyle>
+            <a:lvl1pPr marL="228600" indent="-228600" algn="l" defTabSz="914400" rtl="0" eaLnBrk="1" latinLnBrk="0" hangingPunct="1">
+              <a:lnSpc>
+                <a:spcPct val="90000"/>
+              </a:lnSpc>
+              <a:spcBef>
+                <a:spcPts val="1000"/>
+              </a:spcBef>
+              <a:buFont typeface="Arial" panose="020B0604020202020204" pitchFamily="34" charset="0"/>
+              <a:buChar char="•"/>
+              <a:defRPr sz="3600" kern="1200">
+                <a:solidFill>
+                  <a:schemeClr val="bg1"/>
+                </a:solidFill>
+                <a:latin typeface="+mn-lt"/>
+                <a:ea typeface="+mn-ea"/>
+                <a:cs typeface="+mn-cs"/>
+              </a:defRPr>
+            </a:lvl1pPr>
+            <a:lvl2pPr marL="685800" indent="-228600" algn="l" defTabSz="914400" rtl="0" eaLnBrk="1" latinLnBrk="0" hangingPunct="1">
+              <a:lnSpc>
+                <a:spcPct val="90000"/>
+              </a:lnSpc>
+              <a:spcBef>
+                <a:spcPts val="500"/>
+              </a:spcBef>
+              <a:buFont typeface="Arial" panose="020B0604020202020204" pitchFamily="34" charset="0"/>
+              <a:buChar char="•"/>
+              <a:defRPr sz="3200" kern="1200">
+                <a:solidFill>
+                  <a:schemeClr val="bg1"/>
+                </a:solidFill>
+                <a:latin typeface="+mn-lt"/>
+                <a:ea typeface="+mn-ea"/>
+                <a:cs typeface="+mn-cs"/>
+              </a:defRPr>
+            </a:lvl2pPr>
+            <a:lvl3pPr marL="1143000" indent="-228600" algn="l" defTabSz="914400" rtl="0" eaLnBrk="1" latinLnBrk="0" hangingPunct="1">
+              <a:lnSpc>
+                <a:spcPct val="90000"/>
+              </a:lnSpc>
+              <a:spcBef>
+                <a:spcPts val="500"/>
+              </a:spcBef>
+              <a:buFont typeface="Arial" panose="020B0604020202020204" pitchFamily="34" charset="0"/>
+              <a:buChar char="•"/>
+              <a:defRPr sz="2800" kern="1200">
+                <a:solidFill>
+                  <a:schemeClr val="bg1"/>
+                </a:solidFill>
+                <a:latin typeface="+mn-lt"/>
+                <a:ea typeface="+mn-ea"/>
+                <a:cs typeface="+mn-cs"/>
+              </a:defRPr>
+            </a:lvl3pPr>
+            <a:lvl4pPr marL="1600200" indent="-228600" algn="l" defTabSz="914400" rtl="0" eaLnBrk="1" latinLnBrk="0" hangingPunct="1">
+              <a:lnSpc>
+                <a:spcPct val="90000"/>
+              </a:lnSpc>
+              <a:spcBef>
+                <a:spcPts val="500"/>
+              </a:spcBef>
+              <a:buFont typeface="Arial" panose="020B0604020202020204" pitchFamily="34" charset="0"/>
+              <a:buChar char="•"/>
+              <a:defRPr sz="2400" kern="1200">
+                <a:solidFill>
+                  <a:schemeClr val="bg1"/>
+                </a:solidFill>
+                <a:latin typeface="+mn-lt"/>
+                <a:ea typeface="+mn-ea"/>
+                <a:cs typeface="+mn-cs"/>
+              </a:defRPr>
+            </a:lvl4pPr>
+            <a:lvl5pPr marL="2057400" indent="-228600" algn="l" defTabSz="914400" rtl="0" eaLnBrk="1" latinLnBrk="0" hangingPunct="1">
+              <a:lnSpc>
+                <a:spcPct val="90000"/>
+              </a:lnSpc>
+              <a:spcBef>
+                <a:spcPts val="500"/>
+              </a:spcBef>
+              <a:buFont typeface="Arial" panose="020B0604020202020204" pitchFamily="34" charset="0"/>
+              <a:buChar char="•"/>
+              <a:defRPr sz="2400" kern="1200">
+                <a:solidFill>
+                  <a:schemeClr val="bg1"/>
+                </a:solidFill>
+                <a:latin typeface="+mn-lt"/>
+                <a:ea typeface="+mn-ea"/>
+                <a:cs typeface="+mn-cs"/>
+              </a:defRPr>
+            </a:lvl5pPr>
+            <a:lvl6pPr marL="2514600" indent="-228600" algn="l" defTabSz="914400" rtl="0" eaLnBrk="1" latinLnBrk="0" hangingPunct="1">
+              <a:lnSpc>
+                <a:spcPct val="90000"/>
+              </a:lnSpc>
+              <a:spcBef>
+                <a:spcPts val="500"/>
+              </a:spcBef>
+              <a:buFont typeface="Arial" panose="020B0604020202020204" pitchFamily="34" charset="0"/>
+              <a:buChar char="•"/>
+              <a:defRPr sz="1800" kern="1200">
+                <a:solidFill>
+                  <a:schemeClr val="tx1"/>
+                </a:solidFill>
+                <a:latin typeface="+mn-lt"/>
+                <a:ea typeface="+mn-ea"/>
+                <a:cs typeface="+mn-cs"/>
+              </a:defRPr>
+            </a:lvl6pPr>
+            <a:lvl7pPr marL="2971800" indent="-228600" algn="l" defTabSz="914400" rtl="0" eaLnBrk="1" latinLnBrk="0" hangingPunct="1">
+              <a:lnSpc>
+                <a:spcPct val="90000"/>
+              </a:lnSpc>
+              <a:spcBef>
+                <a:spcPts val="500"/>
+              </a:spcBef>
+              <a:buFont typeface="Arial" panose="020B0604020202020204" pitchFamily="34" charset="0"/>
+              <a:buChar char="•"/>
+              <a:defRPr sz="1800" kern="1200">
+                <a:solidFill>
+                  <a:schemeClr val="tx1"/>
+                </a:solidFill>
+                <a:latin typeface="+mn-lt"/>
+                <a:ea typeface="+mn-ea"/>
+                <a:cs typeface="+mn-cs"/>
+              </a:defRPr>
+            </a:lvl7pPr>
+            <a:lvl8pPr marL="3429000" indent="-228600" algn="l" defTabSz="914400" rtl="0" eaLnBrk="1" latinLnBrk="0" hangingPunct="1">
+              <a:lnSpc>
+                <a:spcPct val="90000"/>
+              </a:lnSpc>
+              <a:spcBef>
+                <a:spcPts val="500"/>
+              </a:spcBef>
+              <a:buFont typeface="Arial" panose="020B0604020202020204" pitchFamily="34" charset="0"/>
+              <a:buChar char="•"/>
+              <a:defRPr sz="1800" kern="1200">
+                <a:solidFill>
+                  <a:schemeClr val="tx1"/>
+                </a:solidFill>
+                <a:latin typeface="+mn-lt"/>
+                <a:ea typeface="+mn-ea"/>
+                <a:cs typeface="+mn-cs"/>
+              </a:defRPr>
+            </a:lvl8pPr>
+            <a:lvl9pPr marL="3886200" indent="-228600" algn="l" defTabSz="914400" rtl="0" eaLnBrk="1" latinLnBrk="0" hangingPunct="1">
+              <a:lnSpc>
+                <a:spcPct val="90000"/>
+              </a:lnSpc>
+              <a:spcBef>
+                <a:spcPts val="500"/>
+              </a:spcBef>
+              <a:buFont typeface="Arial" panose="020B0604020202020204" pitchFamily="34" charset="0"/>
+              <a:buChar char="•"/>
+              <a:defRPr sz="1800" kern="1200">
+                <a:solidFill>
+                  <a:schemeClr val="tx1"/>
+                </a:solidFill>
+                <a:latin typeface="+mn-lt"/>
+                <a:ea typeface="+mn-ea"/>
+                <a:cs typeface="+mn-cs"/>
+              </a:defRPr>
+            </a:lvl9pPr>
+          </a:lstStyle>
+          <a:p>
+            <a:pPr marL="252000" indent="0">
+              <a:spcBef>
+                <a:spcPts val="0"/>
+              </a:spcBef>
+              <a:spcAft>
+                <a:spcPts val="1800"/>
+              </a:spcAft>
+              <a:buNone/>
+            </a:pPr>
+            <a:endParaRPr lang="en-US" dirty="0">
+              <a:solidFill>
+                <a:schemeClr val="tx1"/>
+              </a:solidFill>
+            </a:endParaRPr>
+          </a:p>
+        </p:txBody>
+      </p:sp>
+      <p:pic>
+        <p:nvPicPr>
+          <p:cNvPr id="7" name="Content Placeholder 4"/>
+          <p:cNvPicPr>
+            <a:picLocks noChangeAspect="1"/>
+          </p:cNvPicPr>
+          <p:nvPr/>
+        </p:nvPicPr>
+        <p:blipFill>
+          <a:blip r:embed="rId2" cstate="email">
+            <a:extLst>
+              <a:ext uri="{28A0092B-C50C-407E-A947-70E740481C1C}">
+                <a14:useLocalDpi xmlns:a14="http://schemas.microsoft.com/office/drawing/2010/main" val="0"/>
+              </a:ext>
+            </a:extLst>
+          </a:blip>
+          <a:stretch>
+            <a:fillRect/>
+          </a:stretch>
+        </p:blipFill>
+        <p:spPr>
+          <a:xfrm>
+            <a:off x="7530127" y="3373187"/>
+            <a:ext cx="4110493" cy="2719388"/>
+          </a:xfrm>
+          <a:prstGeom prst="rect">
+            <a:avLst/>
+          </a:prstGeom>
+        </p:spPr>
+      </p:pic>
     </p:spTree>
     <p:extLst>
       <p:ext uri="{BB962C8B-B14F-4D97-AF65-F5344CB8AC3E}">
-        <p14:creationId xmlns:p14="http://schemas.microsoft.com/office/powerpoint/2010/main" val="3233233575"/>
+        <p14:creationId xmlns:p14="http://schemas.microsoft.com/office/powerpoint/2010/main" val="1239248924"/>
       </p:ext>
     </p:extLst>
   </p:cSld>
   <p:clrMapOvr>
     <a:masterClrMapping/>
   </p:clrMapOvr>
-  <mc:AlternateContent xmlns:mc="http://schemas.openxmlformats.org/markup-compatibility/2006" xmlns:p14="http://schemas.microsoft.com/office/powerpoint/2010/main">
-    <mc:Choice Requires="p14">
+  <mc:AlternateContent xmlns:mc="http://schemas.openxmlformats.org/markup-compatibility/2006">
+    <mc:Choice xmlns:p14="http://schemas.microsoft.com/office/powerpoint/2010/main" Requires="p14">
       <p:transition spd="med" p14:dur="700">
         <p:fade/>
       </p:transition>
     </mc:Choice>
-    <mc:Fallback xmlns="">
+    <mc:Fallback>
       <p:transition spd="med">
         <p:fade/>
       </p:transition>
@@ -18215,33 +22842,28 @@
           <a:p>
             <a:r>
               <a:rPr lang="en-US" dirty="0"/>
-              <a:t>Deploying to Azure with </a:t>
-            </a:r>
-            <a:r>
-              <a:rPr lang="en-US" dirty="0" err="1"/>
-              <a:t>Github</a:t>
-            </a:r>
-            <a:endParaRPr lang="en-US" dirty="0"/>
+              <a:t>Deploying to Azure with Visual Studio</a:t>
+            </a:r>
           </a:p>
         </p:txBody>
       </p:sp>
     </p:spTree>
     <p:extLst>
       <p:ext uri="{BB962C8B-B14F-4D97-AF65-F5344CB8AC3E}">
-        <p14:creationId xmlns:p14="http://schemas.microsoft.com/office/powerpoint/2010/main" val="2374196098"/>
+        <p14:creationId xmlns:p14="http://schemas.microsoft.com/office/powerpoint/2010/main" val="2548092044"/>
       </p:ext>
     </p:extLst>
   </p:cSld>
   <p:clrMapOvr>
     <a:masterClrMapping/>
   </p:clrMapOvr>
-  <mc:AlternateContent xmlns:mc="http://schemas.openxmlformats.org/markup-compatibility/2006" xmlns:p14="http://schemas.microsoft.com/office/powerpoint/2010/main">
-    <mc:Choice Requires="p14">
+  <mc:AlternateContent xmlns:mc="http://schemas.openxmlformats.org/markup-compatibility/2006">
+    <mc:Choice xmlns:p14="http://schemas.microsoft.com/office/powerpoint/2010/main" Requires="p14">
       <p:transition spd="med" p14:dur="700">
         <p:fade/>
       </p:transition>
     </mc:Choice>
-    <mc:Fallback xmlns="">
+    <mc:Fallback>
       <p:transition spd="med">
         <p:fade/>
       </p:transition>
@@ -20280,6 +24902,21 @@
 </file>
 
 <file path=customXml/item1.xml><?xml version="1.0" encoding="utf-8"?>
+<?mso-contentType ?>
+<FormTemplates xmlns="http://schemas.microsoft.com/sharepoint/v3/contenttype/forms">
+  <Display>DocumentLibraryForm</Display>
+  <Edit>DocumentLibraryForm</Edit>
+  <New>DocumentLibraryForm</New>
+</FormTemplates>
+</file>
+
+<file path=customXml/item2.xml><?xml version="1.0" encoding="utf-8"?>
+<p:properties xmlns:p="http://schemas.microsoft.com/office/2006/metadata/properties" xmlns:xsi="http://www.w3.org/2001/XMLSchema-instance" xmlns:pc="http://schemas.microsoft.com/office/infopath/2007/PartnerControls">
+  <documentManagement/>
+</p:properties>
+</file>
+
+<file path=customXml/item3.xml><?xml version="1.0" encoding="utf-8"?>
 <ct:contentTypeSchema xmlns:ct="http://schemas.microsoft.com/office/2006/metadata/contentType" xmlns:ma="http://schemas.microsoft.com/office/2006/metadata/properties/metaAttributes" ct:_="" ma:_="" ma:contentTypeName="Document" ma:contentTypeID="0x010100391E57C78B9F604FB8BAD296D1460E2A" ma:contentTypeVersion="1" ma:contentTypeDescription="Create a new document." ma:contentTypeScope="" ma:versionID="fb382fe2362acd2155f454904f478e4d">
   <xsd:schema xmlns:xsd="http://www.w3.org/2001/XMLSchema" xmlns:xs="http://www.w3.org/2001/XMLSchema" xmlns:p="http://schemas.microsoft.com/office/2006/metadata/properties" xmlns:ns3="636b0322-90fb-440c-9cbc-22749e7231e9" targetNamespace="http://schemas.microsoft.com/office/2006/metadata/properties" ma:root="true" ma:fieldsID="b9887c63ce4710c1aeb75a5f03aecb69" ns3:_="">
     <xsd:import namespace="636b0322-90fb-440c-9cbc-22749e7231e9"/>
@@ -20419,35 +25056,10 @@
 </ct:contentTypeSchema>
 </file>
 
-<file path=customXml/item2.xml><?xml version="1.0" encoding="utf-8"?>
-<p:properties xmlns:p="http://schemas.microsoft.com/office/2006/metadata/properties" xmlns:xsi="http://www.w3.org/2001/XMLSchema-instance" xmlns:pc="http://schemas.microsoft.com/office/infopath/2007/PartnerControls">
-  <documentManagement/>
-</p:properties>
-</file>
-
-<file path=customXml/item3.xml><?xml version="1.0" encoding="utf-8"?>
-<?mso-contentType ?>
-<FormTemplates xmlns="http://schemas.microsoft.com/sharepoint/v3/contenttype/forms">
-  <Display>DocumentLibraryForm</Display>
-  <Edit>DocumentLibraryForm</Edit>
-  <New>DocumentLibraryForm</New>
-</FormTemplates>
-</file>
-
 <file path=customXml/itemProps1.xml><?xml version="1.0" encoding="utf-8"?>
-<ds:datastoreItem xmlns:ds="http://schemas.openxmlformats.org/officeDocument/2006/customXml" ds:itemID="{7B70CE0C-0988-423A-BF66-B40F6A1061FF}">
+<ds:datastoreItem xmlns:ds="http://schemas.openxmlformats.org/officeDocument/2006/customXml" ds:itemID="{B0CA13EC-1D3C-4D6F-8D1C-E8A452CFC79A}">
   <ds:schemaRefs>
-    <ds:schemaRef ds:uri="http://schemas.microsoft.com/office/2006/metadata/contentType"/>
-    <ds:schemaRef ds:uri="http://schemas.microsoft.com/office/2006/metadata/properties/metaAttributes"/>
-    <ds:schemaRef ds:uri="http://www.w3.org/2001/XMLSchema"/>
-    <ds:schemaRef ds:uri="http://schemas.microsoft.com/office/2006/metadata/properties"/>
-    <ds:schemaRef ds:uri="636b0322-90fb-440c-9cbc-22749e7231e9"/>
-    <ds:schemaRef ds:uri="http://schemas.microsoft.com/office/2006/documentManagement/types"/>
-    <ds:schemaRef ds:uri="http://schemas.microsoft.com/office/infopath/2007/PartnerControls"/>
-    <ds:schemaRef ds:uri="http://schemas.openxmlformats.org/package/2006/metadata/core-properties"/>
-    <ds:schemaRef ds:uri="http://purl.org/dc/elements/1.1/"/>
-    <ds:schemaRef ds:uri="http://purl.org/dc/terms/"/>
-    <ds:schemaRef ds:uri="http://schemas.microsoft.com/internal/obd"/>
+    <ds:schemaRef ds:uri="http://schemas.microsoft.com/sharepoint/v3/contenttype/forms"/>
   </ds:schemaRefs>
 </ds:datastoreItem>
 </file>
@@ -20469,9 +25081,19 @@
 </file>
 
 <file path=customXml/itemProps3.xml><?xml version="1.0" encoding="utf-8"?>
-<ds:datastoreItem xmlns:ds="http://schemas.openxmlformats.org/officeDocument/2006/customXml" ds:itemID="{B0CA13EC-1D3C-4D6F-8D1C-E8A452CFC79A}">
+<ds:datastoreItem xmlns:ds="http://schemas.openxmlformats.org/officeDocument/2006/customXml" ds:itemID="{7B70CE0C-0988-423A-BF66-B40F6A1061FF}">
   <ds:schemaRefs>
-    <ds:schemaRef ds:uri="http://schemas.microsoft.com/sharepoint/v3/contenttype/forms"/>
+    <ds:schemaRef ds:uri="http://schemas.microsoft.com/office/2006/metadata/contentType"/>
+    <ds:schemaRef ds:uri="http://schemas.microsoft.com/office/2006/metadata/properties/metaAttributes"/>
+    <ds:schemaRef ds:uri="http://www.w3.org/2001/XMLSchema"/>
+    <ds:schemaRef ds:uri="http://schemas.microsoft.com/office/2006/metadata/properties"/>
+    <ds:schemaRef ds:uri="636b0322-90fb-440c-9cbc-22749e7231e9"/>
+    <ds:schemaRef ds:uri="http://schemas.microsoft.com/office/2006/documentManagement/types"/>
+    <ds:schemaRef ds:uri="http://schemas.microsoft.com/office/infopath/2007/PartnerControls"/>
+    <ds:schemaRef ds:uri="http://schemas.openxmlformats.org/package/2006/metadata/core-properties"/>
+    <ds:schemaRef ds:uri="http://purl.org/dc/elements/1.1/"/>
+    <ds:schemaRef ds:uri="http://purl.org/dc/terms/"/>
+    <ds:schemaRef ds:uri="http://schemas.microsoft.com/internal/obd"/>
   </ds:schemaRefs>
 </ds:datastoreItem>
 </file>
--- a/Presentation/AzureDeployAndDebug/AzureDeployAndDebug.pptx
+++ b/Presentation/AzureDeployAndDebug/AzureDeployAndDebug.pptx
@@ -226,7 +226,7 @@
           <a:p>
             <a:fld id="{312E7B4A-039C-48A2-9B2C-AF16AA3873D8}" type="datetimeFigureOut">
               <a:rPr lang="en-US" smtClean="0"/>
-              <a:t>23/07/2015</a:t>
+              <a:t>1/27/2016</a:t>
             </a:fld>
             <a:endParaRPr lang="en-US"/>
           </a:p>
@@ -391,7 +391,7 @@
           <a:p>
             <a:fld id="{DA005A0C-54D9-45AA-87D4-C551D08DFCE1}" type="datetimeFigureOut">
               <a:rPr lang="en-US" smtClean="0"/>
-              <a:t>23/07/2015</a:t>
+              <a:t>1/27/2016</a:t>
             </a:fld>
             <a:endParaRPr lang="en-US"/>
           </a:p>
@@ -1332,7 +1332,7 @@
                 </a:solidFill>
               </a:rPr>
               <a:pPr/>
-              <a:t>23/07/2015</a:t>
+              <a:t>1/27/2016</a:t>
             </a:fld>
             <a:endParaRPr lang="en-US" dirty="0">
               <a:solidFill>
@@ -1558,10 +1558,34 @@
                 <a:tableStyleId>{5C22544A-7EE6-4342-B048-85BDC9FD1C3A}</a:tableStyleId>
               </a:tblPr>
               <a:tblGrid>
-                <a:gridCol w="2764105"/>
-                <a:gridCol w="2764105"/>
-                <a:gridCol w="2764105"/>
-                <a:gridCol w="2764105"/>
+                <a:gridCol w="2764105">
+                  <a:extLst>
+                    <a:ext uri="{9D8B030D-6E8A-4147-A177-3AD203B41FA5}">
+                      <a16:colId xmlns:a16="http://schemas.microsoft.com/office/drawing/2014/main" val="20000"/>
+                    </a:ext>
+                  </a:extLst>
+                </a:gridCol>
+                <a:gridCol w="2764105">
+                  <a:extLst>
+                    <a:ext uri="{9D8B030D-6E8A-4147-A177-3AD203B41FA5}">
+                      <a16:colId xmlns:a16="http://schemas.microsoft.com/office/drawing/2014/main" val="20001"/>
+                    </a:ext>
+                  </a:extLst>
+                </a:gridCol>
+                <a:gridCol w="2764105">
+                  <a:extLst>
+                    <a:ext uri="{9D8B030D-6E8A-4147-A177-3AD203B41FA5}">
+                      <a16:colId xmlns:a16="http://schemas.microsoft.com/office/drawing/2014/main" val="20002"/>
+                    </a:ext>
+                  </a:extLst>
+                </a:gridCol>
+                <a:gridCol w="2764105">
+                  <a:extLst>
+                    <a:ext uri="{9D8B030D-6E8A-4147-A177-3AD203B41FA5}">
+                      <a16:colId xmlns:a16="http://schemas.microsoft.com/office/drawing/2014/main" val="20003"/>
+                    </a:ext>
+                  </a:extLst>
+                </a:gridCol>
               </a:tblGrid>
               <a:tr h="644435">
                 <a:tc>
@@ -1736,6 +1760,11 @@
                     </a:lnBlToTr>
                   </a:tcPr>
                 </a:tc>
+                <a:extLst>
+                  <a:ext uri="{0D108BD9-81ED-4DB2-BD59-A6C34878D82A}">
+                    <a16:rowId xmlns:a16="http://schemas.microsoft.com/office/drawing/2014/main" val="10000"/>
+                  </a:ext>
+                </a:extLst>
               </a:tr>
               <a:tr h="1225319">
                 <a:tc>
@@ -1967,6 +1996,11 @@
                     </a:lnBlToTr>
                   </a:tcPr>
                 </a:tc>
+                <a:extLst>
+                  <a:ext uri="{0D108BD9-81ED-4DB2-BD59-A6C34878D82A}">
+                    <a16:rowId xmlns:a16="http://schemas.microsoft.com/office/drawing/2014/main" val="10001"/>
+                  </a:ext>
+                </a:extLst>
               </a:tr>
               <a:tr h="1225319">
                 <a:tc>
@@ -2217,6 +2251,11 @@
                     </a:lnBlToTr>
                   </a:tcPr>
                 </a:tc>
+                <a:extLst>
+                  <a:ext uri="{0D108BD9-81ED-4DB2-BD59-A6C34878D82A}">
+                    <a16:rowId xmlns:a16="http://schemas.microsoft.com/office/drawing/2014/main" val="10002"/>
+                  </a:ext>
+                </a:extLst>
               </a:tr>
               <a:tr h="1225319">
                 <a:tc>
@@ -2467,6 +2506,11 @@
                     </a:lnBlToTr>
                   </a:tcPr>
                 </a:tc>
+                <a:extLst>
+                  <a:ext uri="{0D108BD9-81ED-4DB2-BD59-A6C34878D82A}">
+                    <a16:rowId xmlns:a16="http://schemas.microsoft.com/office/drawing/2014/main" val="10003"/>
+                  </a:ext>
+                </a:extLst>
               </a:tr>
             </a:tbl>
           </a:graphicData>
@@ -4460,10 +4504,34 @@
                 <a:tableStyleId>{93296810-A885-4BE3-A3E7-6D5BEEA58F35}</a:tableStyleId>
               </a:tblPr>
               <a:tblGrid>
-                <a:gridCol w="2764105"/>
-                <a:gridCol w="2764105"/>
-                <a:gridCol w="2764105"/>
-                <a:gridCol w="2764105"/>
+                <a:gridCol w="2764105">
+                  <a:extLst>
+                    <a:ext uri="{9D8B030D-6E8A-4147-A177-3AD203B41FA5}">
+                      <a16:colId xmlns:a16="http://schemas.microsoft.com/office/drawing/2014/main" val="20000"/>
+                    </a:ext>
+                  </a:extLst>
+                </a:gridCol>
+                <a:gridCol w="2764105">
+                  <a:extLst>
+                    <a:ext uri="{9D8B030D-6E8A-4147-A177-3AD203B41FA5}">
+                      <a16:colId xmlns:a16="http://schemas.microsoft.com/office/drawing/2014/main" val="20001"/>
+                    </a:ext>
+                  </a:extLst>
+                </a:gridCol>
+                <a:gridCol w="2764105">
+                  <a:extLst>
+                    <a:ext uri="{9D8B030D-6E8A-4147-A177-3AD203B41FA5}">
+                      <a16:colId xmlns:a16="http://schemas.microsoft.com/office/drawing/2014/main" val="20002"/>
+                    </a:ext>
+                  </a:extLst>
+                </a:gridCol>
+                <a:gridCol w="2764105">
+                  <a:extLst>
+                    <a:ext uri="{9D8B030D-6E8A-4147-A177-3AD203B41FA5}">
+                      <a16:colId xmlns:a16="http://schemas.microsoft.com/office/drawing/2014/main" val="20003"/>
+                    </a:ext>
+                  </a:extLst>
+                </a:gridCol>
               </a:tblGrid>
               <a:tr h="644435">
                 <a:tc>
@@ -4622,6 +4690,11 @@
                     </a:lnBlToTr>
                   </a:tcPr>
                 </a:tc>
+                <a:extLst>
+                  <a:ext uri="{0D108BD9-81ED-4DB2-BD59-A6C34878D82A}">
+                    <a16:rowId xmlns:a16="http://schemas.microsoft.com/office/drawing/2014/main" val="10000"/>
+                  </a:ext>
+                </a:extLst>
               </a:tr>
               <a:tr h="1225319">
                 <a:tc>
@@ -4837,6 +4910,11 @@
                     </a:lnBlToTr>
                   </a:tcPr>
                 </a:tc>
+                <a:extLst>
+                  <a:ext uri="{0D108BD9-81ED-4DB2-BD59-A6C34878D82A}">
+                    <a16:rowId xmlns:a16="http://schemas.microsoft.com/office/drawing/2014/main" val="10001"/>
+                  </a:ext>
+                </a:extLst>
               </a:tr>
               <a:tr h="1225319">
                 <a:tc>
@@ -5071,6 +5149,11 @@
                     </a:lnBlToTr>
                   </a:tcPr>
                 </a:tc>
+                <a:extLst>
+                  <a:ext uri="{0D108BD9-81ED-4DB2-BD59-A6C34878D82A}">
+                    <a16:rowId xmlns:a16="http://schemas.microsoft.com/office/drawing/2014/main" val="10002"/>
+                  </a:ext>
+                </a:extLst>
               </a:tr>
               <a:tr h="1225319">
                 <a:tc>
@@ -5305,6 +5388,11 @@
                     </a:lnBlToTr>
                   </a:tcPr>
                 </a:tc>
+                <a:extLst>
+                  <a:ext uri="{0D108BD9-81ED-4DB2-BD59-A6C34878D82A}">
+                    <a16:rowId xmlns:a16="http://schemas.microsoft.com/office/drawing/2014/main" val="10003"/>
+                  </a:ext>
+                </a:extLst>
               </a:tr>
             </a:tbl>
           </a:graphicData>
@@ -6177,10 +6265,34 @@
                 <a:tableStyleId>{21E4AEA4-8DFA-4A89-87EB-49C32662AFE0}</a:tableStyleId>
               </a:tblPr>
               <a:tblGrid>
-                <a:gridCol w="2764105"/>
-                <a:gridCol w="2764105"/>
-                <a:gridCol w="2764105"/>
-                <a:gridCol w="2764105"/>
+                <a:gridCol w="2764105">
+                  <a:extLst>
+                    <a:ext uri="{9D8B030D-6E8A-4147-A177-3AD203B41FA5}">
+                      <a16:colId xmlns:a16="http://schemas.microsoft.com/office/drawing/2014/main" val="20000"/>
+                    </a:ext>
+                  </a:extLst>
+                </a:gridCol>
+                <a:gridCol w="2764105">
+                  <a:extLst>
+                    <a:ext uri="{9D8B030D-6E8A-4147-A177-3AD203B41FA5}">
+                      <a16:colId xmlns:a16="http://schemas.microsoft.com/office/drawing/2014/main" val="20001"/>
+                    </a:ext>
+                  </a:extLst>
+                </a:gridCol>
+                <a:gridCol w="2764105">
+                  <a:extLst>
+                    <a:ext uri="{9D8B030D-6E8A-4147-A177-3AD203B41FA5}">
+                      <a16:colId xmlns:a16="http://schemas.microsoft.com/office/drawing/2014/main" val="20002"/>
+                    </a:ext>
+                  </a:extLst>
+                </a:gridCol>
+                <a:gridCol w="2764105">
+                  <a:extLst>
+                    <a:ext uri="{9D8B030D-6E8A-4147-A177-3AD203B41FA5}">
+                      <a16:colId xmlns:a16="http://schemas.microsoft.com/office/drawing/2014/main" val="20003"/>
+                    </a:ext>
+                  </a:extLst>
+                </a:gridCol>
               </a:tblGrid>
               <a:tr h="644435">
                 <a:tc>
@@ -6351,6 +6463,11 @@
                     </a:solidFill>
                   </a:tcPr>
                 </a:tc>
+                <a:extLst>
+                  <a:ext uri="{0D108BD9-81ED-4DB2-BD59-A6C34878D82A}">
+                    <a16:rowId xmlns:a16="http://schemas.microsoft.com/office/drawing/2014/main" val="10000"/>
+                  </a:ext>
+                </a:extLst>
               </a:tr>
               <a:tr h="1225319">
                 <a:tc>
@@ -6578,6 +6695,11 @@
                     </a:solidFill>
                   </a:tcPr>
                 </a:tc>
+                <a:extLst>
+                  <a:ext uri="{0D108BD9-81ED-4DB2-BD59-A6C34878D82A}">
+                    <a16:rowId xmlns:a16="http://schemas.microsoft.com/office/drawing/2014/main" val="10001"/>
+                  </a:ext>
+                </a:extLst>
               </a:tr>
               <a:tr h="1225319">
                 <a:tc>
@@ -6832,6 +6954,11 @@
                     </a:solidFill>
                   </a:tcPr>
                 </a:tc>
+                <a:extLst>
+                  <a:ext uri="{0D108BD9-81ED-4DB2-BD59-A6C34878D82A}">
+                    <a16:rowId xmlns:a16="http://schemas.microsoft.com/office/drawing/2014/main" val="10002"/>
+                  </a:ext>
+                </a:extLst>
               </a:tr>
               <a:tr h="1225319">
                 <a:tc>
@@ -7078,6 +7205,11 @@
                     </a:solidFill>
                   </a:tcPr>
                 </a:tc>
+                <a:extLst>
+                  <a:ext uri="{0D108BD9-81ED-4DB2-BD59-A6C34878D82A}">
+                    <a16:rowId xmlns:a16="http://schemas.microsoft.com/office/drawing/2014/main" val="10003"/>
+                  </a:ext>
+                </a:extLst>
               </a:tr>
             </a:tbl>
           </a:graphicData>
@@ -8136,10 +8268,34 @@
                 <a:tableStyleId>{5C22544A-7EE6-4342-B048-85BDC9FD1C3A}</a:tableStyleId>
               </a:tblPr>
               <a:tblGrid>
-                <a:gridCol w="2764105"/>
-                <a:gridCol w="2764105"/>
-                <a:gridCol w="2764105"/>
-                <a:gridCol w="2764105"/>
+                <a:gridCol w="2764105">
+                  <a:extLst>
+                    <a:ext uri="{9D8B030D-6E8A-4147-A177-3AD203B41FA5}">
+                      <a16:colId xmlns:a16="http://schemas.microsoft.com/office/drawing/2014/main" val="20000"/>
+                    </a:ext>
+                  </a:extLst>
+                </a:gridCol>
+                <a:gridCol w="2764105">
+                  <a:extLst>
+                    <a:ext uri="{9D8B030D-6E8A-4147-A177-3AD203B41FA5}">
+                      <a16:colId xmlns:a16="http://schemas.microsoft.com/office/drawing/2014/main" val="20001"/>
+                    </a:ext>
+                  </a:extLst>
+                </a:gridCol>
+                <a:gridCol w="2764105">
+                  <a:extLst>
+                    <a:ext uri="{9D8B030D-6E8A-4147-A177-3AD203B41FA5}">
+                      <a16:colId xmlns:a16="http://schemas.microsoft.com/office/drawing/2014/main" val="20002"/>
+                    </a:ext>
+                  </a:extLst>
+                </a:gridCol>
+                <a:gridCol w="2764105">
+                  <a:extLst>
+                    <a:ext uri="{9D8B030D-6E8A-4147-A177-3AD203B41FA5}">
+                      <a16:colId xmlns:a16="http://schemas.microsoft.com/office/drawing/2014/main" val="20003"/>
+                    </a:ext>
+                  </a:extLst>
+                </a:gridCol>
               </a:tblGrid>
               <a:tr h="644435">
                 <a:tc>
@@ -8314,6 +8470,11 @@
                     </a:lnBlToTr>
                   </a:tcPr>
                 </a:tc>
+                <a:extLst>
+                  <a:ext uri="{0D108BD9-81ED-4DB2-BD59-A6C34878D82A}">
+                    <a16:rowId xmlns:a16="http://schemas.microsoft.com/office/drawing/2014/main" val="10000"/>
+                  </a:ext>
+                </a:extLst>
               </a:tr>
               <a:tr h="1225319">
                 <a:tc>
@@ -8545,6 +8706,11 @@
                     </a:lnBlToTr>
                   </a:tcPr>
                 </a:tc>
+                <a:extLst>
+                  <a:ext uri="{0D108BD9-81ED-4DB2-BD59-A6C34878D82A}">
+                    <a16:rowId xmlns:a16="http://schemas.microsoft.com/office/drawing/2014/main" val="10001"/>
+                  </a:ext>
+                </a:extLst>
               </a:tr>
               <a:tr h="1225319">
                 <a:tc>
@@ -8795,6 +8961,11 @@
                     </a:lnBlToTr>
                   </a:tcPr>
                 </a:tc>
+                <a:extLst>
+                  <a:ext uri="{0D108BD9-81ED-4DB2-BD59-A6C34878D82A}">
+                    <a16:rowId xmlns:a16="http://schemas.microsoft.com/office/drawing/2014/main" val="10002"/>
+                  </a:ext>
+                </a:extLst>
               </a:tr>
               <a:tr h="1225319">
                 <a:tc>
@@ -9045,6 +9216,11 @@
                     </a:lnBlToTr>
                   </a:tcPr>
                 </a:tc>
+                <a:extLst>
+                  <a:ext uri="{0D108BD9-81ED-4DB2-BD59-A6C34878D82A}">
+                    <a16:rowId xmlns:a16="http://schemas.microsoft.com/office/drawing/2014/main" val="10003"/>
+                  </a:ext>
+                </a:extLst>
               </a:tr>
             </a:tbl>
           </a:graphicData>
@@ -10026,10 +10202,34 @@
                 <a:tableStyleId>{5C22544A-7EE6-4342-B048-85BDC9FD1C3A}</a:tableStyleId>
               </a:tblPr>
               <a:tblGrid>
-                <a:gridCol w="2764105"/>
-                <a:gridCol w="2764105"/>
-                <a:gridCol w="2764105"/>
-                <a:gridCol w="2764105"/>
+                <a:gridCol w="2764105">
+                  <a:extLst>
+                    <a:ext uri="{9D8B030D-6E8A-4147-A177-3AD203B41FA5}">
+                      <a16:colId xmlns:a16="http://schemas.microsoft.com/office/drawing/2014/main" val="20000"/>
+                    </a:ext>
+                  </a:extLst>
+                </a:gridCol>
+                <a:gridCol w="2764105">
+                  <a:extLst>
+                    <a:ext uri="{9D8B030D-6E8A-4147-A177-3AD203B41FA5}">
+                      <a16:colId xmlns:a16="http://schemas.microsoft.com/office/drawing/2014/main" val="20001"/>
+                    </a:ext>
+                  </a:extLst>
+                </a:gridCol>
+                <a:gridCol w="2764105">
+                  <a:extLst>
+                    <a:ext uri="{9D8B030D-6E8A-4147-A177-3AD203B41FA5}">
+                      <a16:colId xmlns:a16="http://schemas.microsoft.com/office/drawing/2014/main" val="20002"/>
+                    </a:ext>
+                  </a:extLst>
+                </a:gridCol>
+                <a:gridCol w="2764105">
+                  <a:extLst>
+                    <a:ext uri="{9D8B030D-6E8A-4147-A177-3AD203B41FA5}">
+                      <a16:colId xmlns:a16="http://schemas.microsoft.com/office/drawing/2014/main" val="20003"/>
+                    </a:ext>
+                  </a:extLst>
+                </a:gridCol>
               </a:tblGrid>
               <a:tr h="644435">
                 <a:tc>
@@ -10204,6 +10404,11 @@
                     </a:lnBlToTr>
                   </a:tcPr>
                 </a:tc>
+                <a:extLst>
+                  <a:ext uri="{0D108BD9-81ED-4DB2-BD59-A6C34878D82A}">
+                    <a16:rowId xmlns:a16="http://schemas.microsoft.com/office/drawing/2014/main" val="10000"/>
+                  </a:ext>
+                </a:extLst>
               </a:tr>
               <a:tr h="1225319">
                 <a:tc>
@@ -10435,6 +10640,11 @@
                     </a:lnBlToTr>
                   </a:tcPr>
                 </a:tc>
+                <a:extLst>
+                  <a:ext uri="{0D108BD9-81ED-4DB2-BD59-A6C34878D82A}">
+                    <a16:rowId xmlns:a16="http://schemas.microsoft.com/office/drawing/2014/main" val="10001"/>
+                  </a:ext>
+                </a:extLst>
               </a:tr>
               <a:tr h="1225319">
                 <a:tc>
@@ -10685,6 +10895,11 @@
                     </a:lnBlToTr>
                   </a:tcPr>
                 </a:tc>
+                <a:extLst>
+                  <a:ext uri="{0D108BD9-81ED-4DB2-BD59-A6C34878D82A}">
+                    <a16:rowId xmlns:a16="http://schemas.microsoft.com/office/drawing/2014/main" val="10002"/>
+                  </a:ext>
+                </a:extLst>
               </a:tr>
               <a:tr h="1225319">
                 <a:tc>
@@ -10935,6 +11150,11 @@
                     </a:lnBlToTr>
                   </a:tcPr>
                 </a:tc>
+                <a:extLst>
+                  <a:ext uri="{0D108BD9-81ED-4DB2-BD59-A6C34878D82A}">
+                    <a16:rowId xmlns:a16="http://schemas.microsoft.com/office/drawing/2014/main" val="10003"/>
+                  </a:ext>
+                </a:extLst>
               </a:tr>
             </a:tbl>
           </a:graphicData>
@@ -17891,13 +18111,13 @@
   <p:clrMapOvr>
     <a:masterClrMapping/>
   </p:clrMapOvr>
-  <mc:AlternateContent xmlns:mc="http://schemas.openxmlformats.org/markup-compatibility/2006">
-    <mc:Choice xmlns:p14="http://schemas.microsoft.com/office/powerpoint/2010/main" Requires="p14">
+  <mc:AlternateContent xmlns:mc="http://schemas.openxmlformats.org/markup-compatibility/2006" xmlns:p14="http://schemas.microsoft.com/office/powerpoint/2010/main">
+    <mc:Choice Requires="p14">
       <p:transition spd="med" p14:dur="700">
         <p:fade/>
       </p:transition>
     </mc:Choice>
-    <mc:Fallback>
+    <mc:Fallback xmlns="">
       <p:transition spd="med">
         <p:fade/>
       </p:transition>
@@ -17952,8 +18172,8 @@
               <a:t>Deploying to Azure with </a:t>
             </a:r>
             <a:r>
-              <a:rPr lang="en-US" dirty="0" err="1"/>
-              <a:t>Github</a:t>
+              <a:rPr lang="en-US" dirty="0"/>
+              <a:t>GitHub</a:t>
             </a:r>
             <a:endParaRPr lang="en-US" dirty="0"/>
           </a:p>
@@ -17969,13 +18189,13 @@
   <p:clrMapOvr>
     <a:masterClrMapping/>
   </p:clrMapOvr>
-  <mc:AlternateContent xmlns:mc="http://schemas.openxmlformats.org/markup-compatibility/2006">
-    <mc:Choice xmlns:p14="http://schemas.microsoft.com/office/powerpoint/2010/main" Requires="p14">
+  <mc:AlternateContent xmlns:mc="http://schemas.openxmlformats.org/markup-compatibility/2006" xmlns:p14="http://schemas.microsoft.com/office/powerpoint/2010/main">
+    <mc:Choice Requires="p14">
       <p:transition spd="med" p14:dur="700">
         <p:fade/>
       </p:transition>
     </mc:Choice>
-    <mc:Fallback>
+    <mc:Fallback xmlns="">
       <p:transition spd="med">
         <p:fade/>
       </p:transition>
@@ -18358,7 +18578,7 @@
         </p:nvSpPr>
         <p:spPr>
           <a:xfrm>
-            <a:off x="5306144" y="1908367"/>
+            <a:off x="5295985" y="2000700"/>
             <a:ext cx="5621219" cy="461665"/>
           </a:xfrm>
           <a:prstGeom prst="rect">
@@ -18704,13 +18924,13 @@
   <p:clrMapOvr>
     <a:masterClrMapping/>
   </p:clrMapOvr>
-  <mc:AlternateContent xmlns:mc="http://schemas.openxmlformats.org/markup-compatibility/2006">
-    <mc:Choice xmlns:p14="http://schemas.microsoft.com/office/powerpoint/2010/main" Requires="p14">
+  <mc:AlternateContent xmlns:mc="http://schemas.openxmlformats.org/markup-compatibility/2006" xmlns:p14="http://schemas.microsoft.com/office/powerpoint/2010/main">
+    <mc:Choice Requires="p14">
       <p:transition spd="med" p14:dur="700">
         <p:fade/>
       </p:transition>
     </mc:Choice>
-    <mc:Fallback>
+    <mc:Fallback xmlns="">
       <p:transition spd="med">
         <p:fade/>
       </p:transition>
@@ -19337,13 +19557,13 @@
   <p:clrMapOvr>
     <a:masterClrMapping/>
   </p:clrMapOvr>
-  <mc:AlternateContent xmlns:mc="http://schemas.openxmlformats.org/markup-compatibility/2006">
-    <mc:Choice xmlns:p14="http://schemas.microsoft.com/office/powerpoint/2010/main" Requires="p14">
+  <mc:AlternateContent xmlns:mc="http://schemas.openxmlformats.org/markup-compatibility/2006" xmlns:p14="http://schemas.microsoft.com/office/powerpoint/2010/main">
+    <mc:Choice Requires="p14">
       <p:transition spd="med" p14:dur="700">
         <p:fade/>
       </p:transition>
     </mc:Choice>
-    <mc:Fallback>
+    <mc:Fallback xmlns="">
       <p:transition spd="med">
         <p:fade/>
       </p:transition>
@@ -19433,13 +19653,13 @@
   <p:clrMapOvr>
     <a:masterClrMapping/>
   </p:clrMapOvr>
-  <mc:AlternateContent xmlns:mc="http://schemas.openxmlformats.org/markup-compatibility/2006">
-    <mc:Choice xmlns:p14="http://schemas.microsoft.com/office/powerpoint/2010/main" Requires="p14">
+  <mc:AlternateContent xmlns:mc="http://schemas.openxmlformats.org/markup-compatibility/2006" xmlns:p14="http://schemas.microsoft.com/office/powerpoint/2010/main">
+    <mc:Choice Requires="p14">
       <p:transition spd="med" p14:dur="700">
         <p:fade/>
       </p:transition>
     </mc:Choice>
-    <mc:Fallback>
+    <mc:Fallback xmlns="">
       <p:transition spd="med">
         <p:fade/>
       </p:transition>
@@ -19492,8 +19712,8 @@
               <a:t>Deploying to Azure with </a:t>
             </a:r>
             <a:r>
-              <a:rPr lang="en-US" dirty="0" err="1"/>
-              <a:t>Github</a:t>
+              <a:rPr lang="en-US" dirty="0"/>
+              <a:t>GitHub</a:t>
             </a:r>
             <a:endParaRPr lang="en-US" dirty="0"/>
           </a:p>
@@ -19509,13 +19729,13 @@
   <p:clrMapOvr>
     <a:masterClrMapping/>
   </p:clrMapOvr>
-  <mc:AlternateContent xmlns:mc="http://schemas.openxmlformats.org/markup-compatibility/2006">
-    <mc:Choice xmlns:p14="http://schemas.microsoft.com/office/powerpoint/2010/main" Requires="p14">
+  <mc:AlternateContent xmlns:mc="http://schemas.openxmlformats.org/markup-compatibility/2006" xmlns:p14="http://schemas.microsoft.com/office/powerpoint/2010/main">
+    <mc:Choice Requires="p14">
       <p:transition spd="med" p14:dur="700">
         <p:fade/>
       </p:transition>
     </mc:Choice>
-    <mc:Fallback>
+    <mc:Fallback xmlns="">
       <p:transition spd="med">
         <p:fade/>
       </p:transition>
@@ -19597,13 +19817,13 @@
   <p:clrMapOvr>
     <a:masterClrMapping/>
   </p:clrMapOvr>
-  <mc:AlternateContent xmlns:mc="http://schemas.openxmlformats.org/markup-compatibility/2006">
-    <mc:Choice xmlns:p14="http://schemas.microsoft.com/office/powerpoint/2010/main" Requires="p14">
+  <mc:AlternateContent xmlns:mc="http://schemas.openxmlformats.org/markup-compatibility/2006" xmlns:p14="http://schemas.microsoft.com/office/powerpoint/2010/main">
+    <mc:Choice Requires="p14">
       <p:transition spd="med" p14:dur="700">
         <p:fade/>
       </p:transition>
     </mc:Choice>
-    <mc:Fallback>
+    <mc:Fallback xmlns="">
       <p:transition spd="med">
         <p:fade/>
       </p:transition>
@@ -19669,13 +19889,13 @@
   <p:clrMapOvr>
     <a:masterClrMapping/>
   </p:clrMapOvr>
-  <mc:AlternateContent xmlns:mc="http://schemas.openxmlformats.org/markup-compatibility/2006">
-    <mc:Choice xmlns:p14="http://schemas.microsoft.com/office/powerpoint/2010/main" Requires="p14">
+  <mc:AlternateContent xmlns:mc="http://schemas.openxmlformats.org/markup-compatibility/2006" xmlns:p14="http://schemas.microsoft.com/office/powerpoint/2010/main">
+    <mc:Choice Requires="p14">
       <p:transition spd="med" p14:dur="700">
         <p:fade/>
       </p:transition>
     </mc:Choice>
-    <mc:Fallback>
+    <mc:Fallback xmlns="">
       <p:transition spd="med">
         <p:fade/>
       </p:transition>
@@ -20247,7 +20467,7 @@
                 <a:buNone/>
               </a:pPr>
               <a:r>
-                <a:rPr lang="en-US" sz="4000" smtClean="0">
+                <a:rPr lang="en-US" sz="4000" dirty="0" smtClean="0">
                   <a:solidFill>
                     <a:srgbClr val="11C1FF"/>
                   </a:solidFill>
@@ -20275,13 +20495,13 @@
   <p:clrMapOvr>
     <a:masterClrMapping/>
   </p:clrMapOvr>
-  <mc:AlternateContent xmlns:mc="http://schemas.openxmlformats.org/markup-compatibility/2006">
-    <mc:Choice xmlns:p14="http://schemas.microsoft.com/office/powerpoint/2010/main" Requires="p14">
+  <mc:AlternateContent xmlns:mc="http://schemas.openxmlformats.org/markup-compatibility/2006" xmlns:p14="http://schemas.microsoft.com/office/powerpoint/2010/main">
+    <mc:Choice Requires="p14">
       <p:transition spd="med" p14:dur="700">
         <p:fade/>
       </p:transition>
     </mc:Choice>
-    <mc:Fallback>
+    <mc:Fallback xmlns="">
       <p:transition spd="med">
         <p:fade/>
       </p:transition>
@@ -20491,13 +20711,13 @@
   <p:clrMapOvr>
     <a:masterClrMapping/>
   </p:clrMapOvr>
-  <mc:AlternateContent xmlns:mc="http://schemas.openxmlformats.org/markup-compatibility/2006">
-    <mc:Choice xmlns:p14="http://schemas.microsoft.com/office/powerpoint/2010/main" Requires="p14">
+  <mc:AlternateContent xmlns:mc="http://schemas.openxmlformats.org/markup-compatibility/2006" xmlns:p14="http://schemas.microsoft.com/office/powerpoint/2010/main">
+    <mc:Choice Requires="p14">
       <p:transition spd="med" p14:dur="700">
         <p:fade/>
       </p:transition>
     </mc:Choice>
-    <mc:Fallback>
+    <mc:Fallback xmlns="">
       <p:transition spd="med">
         <p:fade/>
       </p:transition>
@@ -20586,7 +20806,11 @@
             </a:pPr>
             <a:r>
               <a:rPr lang="en-GB" dirty="0" smtClean="0"/>
-              <a:t>Introduction to the Azure Dashboard</a:t>
+              <a:t>Deploying </a:t>
+            </a:r>
+            <a:r>
+              <a:rPr lang="en-GB" dirty="0" smtClean="0"/>
+              <a:t>to Azure with Visual Studio</a:t>
             </a:r>
           </a:p>
           <a:p>
@@ -20596,7 +20820,7 @@
             </a:pPr>
             <a:r>
               <a:rPr lang="en-GB" dirty="0" smtClean="0"/>
-              <a:t>Deploying to Azure with Visual Studio</a:t>
+              <a:t>Deploying to Azure with GitHub</a:t>
             </a:r>
           </a:p>
           <a:p>
@@ -20605,19 +20829,18 @@
               <a:buAutoNum type="arabicParenR"/>
             </a:pPr>
             <a:r>
-              <a:rPr lang="en-GB" dirty="0" smtClean="0"/>
-              <a:t>Deploying to Azure with GitHub</a:t>
-            </a:r>
-          </a:p>
-          <a:p>
-            <a:pPr marL="742950" indent="-742950">
-              <a:buFont typeface="+mj-lt"/>
-              <a:buAutoNum type="arabicParenR"/>
-            </a:pPr>
-            <a:r>
-              <a:rPr lang="en-GB" dirty="0" smtClean="0"/>
-              <a:t>Debugging Remote Node Applications with Visual Studio</a:t>
-            </a:r>
+              <a:rPr lang="en-US" dirty="0"/>
+              <a:t>Remote </a:t>
+            </a:r>
+            <a:r>
+              <a:rPr lang="en-US" dirty="0" smtClean="0"/>
+              <a:t>debugging with </a:t>
+            </a:r>
+            <a:r>
+              <a:rPr lang="en-US" dirty="0"/>
+              <a:t>Visual Studio</a:t>
+            </a:r>
+            <a:endParaRPr lang="en-GB" dirty="0" smtClean="0"/>
           </a:p>
         </p:txBody>
       </p:sp>
@@ -20631,13 +20854,13 @@
   <p:clrMapOvr>
     <a:masterClrMapping/>
   </p:clrMapOvr>
-  <mc:AlternateContent xmlns:mc="http://schemas.openxmlformats.org/markup-compatibility/2006">
-    <mc:Choice xmlns:p14="http://schemas.microsoft.com/office/powerpoint/2010/main" Requires="p14">
+  <mc:AlternateContent xmlns:mc="http://schemas.openxmlformats.org/markup-compatibility/2006" xmlns:p14="http://schemas.microsoft.com/office/powerpoint/2010/main">
+    <mc:Choice Requires="p14">
       <p:transition spd="med" p14:dur="700">
         <p:fade/>
       </p:transition>
     </mc:Choice>
-    <mc:Fallback>
+    <mc:Fallback xmlns="">
       <p:transition spd="med">
         <p:fade/>
       </p:transition>
@@ -20707,13 +20930,13 @@
   <p:clrMapOvr>
     <a:masterClrMapping/>
   </p:clrMapOvr>
-  <mc:AlternateContent xmlns:mc="http://schemas.openxmlformats.org/markup-compatibility/2006">
-    <mc:Choice xmlns:p14="http://schemas.microsoft.com/office/powerpoint/2010/main" Requires="p14">
+  <mc:AlternateContent xmlns:mc="http://schemas.openxmlformats.org/markup-compatibility/2006" xmlns:p14="http://schemas.microsoft.com/office/powerpoint/2010/main">
+    <mc:Choice Requires="p14">
       <p:transition spd="med" p14:dur="700">
         <p:fade/>
       </p:transition>
     </mc:Choice>
-    <mc:Fallback>
+    <mc:Fallback xmlns="">
       <p:transition spd="med">
         <p:fade/>
       </p:transition>
@@ -20786,8 +21009,8 @@
         </p:blipFill>
         <p:spPr>
           <a:xfrm>
-            <a:off x="5276712" y="-373535"/>
-            <a:ext cx="7264070" cy="4706299"/>
+            <a:off x="5867367" y="0"/>
+            <a:ext cx="6324633" cy="4097650"/>
           </a:xfrm>
           <a:prstGeom prst="rect">
             <a:avLst/>
@@ -21584,13 +21807,13 @@
   <p:clrMapOvr>
     <a:masterClrMapping/>
   </p:clrMapOvr>
-  <mc:AlternateContent xmlns:mc="http://schemas.openxmlformats.org/markup-compatibility/2006">
-    <mc:Choice xmlns:p14="http://schemas.microsoft.com/office/powerpoint/2010/main" Requires="p14">
+  <mc:AlternateContent xmlns:mc="http://schemas.openxmlformats.org/markup-compatibility/2006" xmlns:p14="http://schemas.microsoft.com/office/powerpoint/2010/main">
+    <mc:Choice Requires="p14">
       <p:transition spd="med" p14:dur="700">
         <p:fade/>
       </p:transition>
     </mc:Choice>
-    <mc:Fallback>
+    <mc:Fallback xmlns="">
       <p:transition spd="med">
         <p:fade/>
       </p:transition>
@@ -22164,7 +22387,15 @@
           <a:p>
             <a:r>
               <a:rPr lang="en-US" dirty="0" smtClean="0"/>
-              <a:t>Easy to deploy a variety of different web sites : node, python, </a:t>
+              <a:t>Easy to deploy a variety of different web </a:t>
+            </a:r>
+            <a:r>
+              <a:rPr lang="en-US" dirty="0" smtClean="0"/>
+              <a:t>sites: </a:t>
+            </a:r>
+            <a:r>
+              <a:rPr lang="en-US" dirty="0" smtClean="0"/>
+              <a:t>node, python, </a:t>
             </a:r>
             <a:r>
               <a:rPr lang="en-US" dirty="0" err="1" smtClean="0"/>
@@ -22172,28 +22403,30 @@
             </a:r>
             <a:r>
               <a:rPr lang="en-US" dirty="0" smtClean="0"/>
-              <a:t>, asp.net, etc</a:t>
-            </a:r>
+              <a:t>, asp.net, etc.</a:t>
+            </a:r>
+          </a:p>
+          <a:p>
             <a:r>
               <a:rPr lang="en-US" dirty="0" smtClean="0"/>
-              <a:t>.</a:t>
+              <a:t>Can install some software from the gallery like WordPress or preconfigured stacks </a:t>
+            </a:r>
+            <a:r>
+              <a:rPr lang="en-US" dirty="0" smtClean="0"/>
+              <a:t>(MEAN stack)</a:t>
             </a:r>
             <a:endParaRPr lang="en-US" dirty="0" smtClean="0"/>
           </a:p>
           <a:p>
             <a:r>
               <a:rPr lang="en-US" dirty="0" smtClean="0"/>
-              <a:t>Can install some software from the gallery like WordPress or preconfigured stacks ( MEAN stack ) </a:t>
-            </a:r>
-          </a:p>
-          <a:p>
+              <a:t>Has a few limitations such as cannot configure ports, compile native modules for </a:t>
+            </a:r>
             <a:r>
               <a:rPr lang="en-US" dirty="0" smtClean="0"/>
-              <a:t>Has a few limitations such as cannot configure ports, compile native modules for Node </a:t>
-            </a:r>
-          </a:p>
-          <a:p>
-            <a:endParaRPr lang="en-US" dirty="0"/>
+              <a:t>Node</a:t>
+            </a:r>
+            <a:endParaRPr lang="en-US" dirty="0" smtClean="0"/>
           </a:p>
         </p:txBody>
       </p:sp>
@@ -22207,13 +22440,13 @@
   <p:clrMapOvr>
     <a:masterClrMapping/>
   </p:clrMapOvr>
-  <mc:AlternateContent xmlns:mc="http://schemas.openxmlformats.org/markup-compatibility/2006">
-    <mc:Choice xmlns:p14="http://schemas.microsoft.com/office/powerpoint/2010/main" Requires="p14">
+  <mc:AlternateContent xmlns:mc="http://schemas.openxmlformats.org/markup-compatibility/2006" xmlns:p14="http://schemas.microsoft.com/office/powerpoint/2010/main">
+    <mc:Choice Requires="p14">
       <p:transition spd="med" p14:dur="700">
         <p:fade/>
       </p:transition>
     </mc:Choice>
-    <mc:Fallback>
+    <mc:Fallback xmlns="">
       <p:transition spd="med">
         <p:fade/>
       </p:transition>
@@ -22304,8 +22537,13 @@
           <a:p>
             <a:r>
               <a:rPr lang="en-US" dirty="0" smtClean="0"/>
-              <a:t>Ideal for a production / staging environment </a:t>
-            </a:r>
+              <a:t>Ideal for a production / staging </a:t>
+            </a:r>
+            <a:r>
+              <a:rPr lang="en-US" dirty="0" smtClean="0"/>
+              <a:t>environment</a:t>
+            </a:r>
+            <a:endParaRPr lang="en-US" dirty="0" smtClean="0"/>
           </a:p>
           <a:p>
             <a:endParaRPr lang="en-US" dirty="0"/>
@@ -22322,13 +22560,13 @@
   <p:clrMapOvr>
     <a:masterClrMapping/>
   </p:clrMapOvr>
-  <mc:AlternateContent xmlns:mc="http://schemas.openxmlformats.org/markup-compatibility/2006">
-    <mc:Choice xmlns:p14="http://schemas.microsoft.com/office/powerpoint/2010/main" Requires="p14">
+  <mc:AlternateContent xmlns:mc="http://schemas.openxmlformats.org/markup-compatibility/2006" xmlns:p14="http://schemas.microsoft.com/office/powerpoint/2010/main">
+    <mc:Choice Requires="p14">
       <p:transition spd="med" p14:dur="700">
         <p:fade/>
       </p:transition>
     </mc:Choice>
-    <mc:Fallback>
+    <mc:Fallback xmlns="">
       <p:transition spd="med">
         <p:fade/>
       </p:transition>
@@ -22410,13 +22648,13 @@
   <p:clrMapOvr>
     <a:masterClrMapping/>
   </p:clrMapOvr>
-  <mc:AlternateContent xmlns:mc="http://schemas.openxmlformats.org/markup-compatibility/2006">
-    <mc:Choice xmlns:p14="http://schemas.microsoft.com/office/powerpoint/2010/main" Requires="p14">
+  <mc:AlternateContent xmlns:mc="http://schemas.openxmlformats.org/markup-compatibility/2006" xmlns:p14="http://schemas.microsoft.com/office/powerpoint/2010/main">
+    <mc:Choice Requires="p14">
       <p:transition spd="med" p14:dur="700">
         <p:fade/>
       </p:transition>
     </mc:Choice>
-    <mc:Fallback>
+    <mc:Fallback xmlns="">
       <p:transition spd="med">
         <p:fade/>
       </p:transition>
@@ -22786,13 +23024,13 @@
   <p:clrMapOvr>
     <a:masterClrMapping/>
   </p:clrMapOvr>
-  <mc:AlternateContent xmlns:mc="http://schemas.openxmlformats.org/markup-compatibility/2006">
-    <mc:Choice xmlns:p14="http://schemas.microsoft.com/office/powerpoint/2010/main" Requires="p14">
+  <mc:AlternateContent xmlns:mc="http://schemas.openxmlformats.org/markup-compatibility/2006" xmlns:p14="http://schemas.microsoft.com/office/powerpoint/2010/main">
+    <mc:Choice Requires="p14">
       <p:transition spd="med" p14:dur="700">
         <p:fade/>
       </p:transition>
     </mc:Choice>
-    <mc:Fallback>
+    <mc:Fallback xmlns="">
       <p:transition spd="med">
         <p:fade/>
       </p:transition>
@@ -22857,13 +23095,13 @@
   <p:clrMapOvr>
     <a:masterClrMapping/>
   </p:clrMapOvr>
-  <mc:AlternateContent xmlns:mc="http://schemas.openxmlformats.org/markup-compatibility/2006">
-    <mc:Choice xmlns:p14="http://schemas.microsoft.com/office/powerpoint/2010/main" Requires="p14">
+  <mc:AlternateContent xmlns:mc="http://schemas.openxmlformats.org/markup-compatibility/2006" xmlns:p14="http://schemas.microsoft.com/office/powerpoint/2010/main">
+    <mc:Choice Requires="p14">
       <p:transition spd="med" p14:dur="700">
         <p:fade/>
       </p:transition>
     </mc:Choice>
-    <mc:Fallback>
+    <mc:Fallback xmlns="">
       <p:transition spd="med">
         <p:fade/>
       </p:transition>
@@ -24902,21 +25140,6 @@
 </file>
 
 <file path=customXml/item1.xml><?xml version="1.0" encoding="utf-8"?>
-<?mso-contentType ?>
-<FormTemplates xmlns="http://schemas.microsoft.com/sharepoint/v3/contenttype/forms">
-  <Display>DocumentLibraryForm</Display>
-  <Edit>DocumentLibraryForm</Edit>
-  <New>DocumentLibraryForm</New>
-</FormTemplates>
-</file>
-
-<file path=customXml/item2.xml><?xml version="1.0" encoding="utf-8"?>
-<p:properties xmlns:p="http://schemas.microsoft.com/office/2006/metadata/properties" xmlns:xsi="http://www.w3.org/2001/XMLSchema-instance" xmlns:pc="http://schemas.microsoft.com/office/infopath/2007/PartnerControls">
-  <documentManagement/>
-</p:properties>
-</file>
-
-<file path=customXml/item3.xml><?xml version="1.0" encoding="utf-8"?>
 <ct:contentTypeSchema xmlns:ct="http://schemas.microsoft.com/office/2006/metadata/contentType" xmlns:ma="http://schemas.microsoft.com/office/2006/metadata/properties/metaAttributes" ct:_="" ma:_="" ma:contentTypeName="Document" ma:contentTypeID="0x010100391E57C78B9F604FB8BAD296D1460E2A" ma:contentTypeVersion="1" ma:contentTypeDescription="Create a new document." ma:contentTypeScope="" ma:versionID="fb382fe2362acd2155f454904f478e4d">
   <xsd:schema xmlns:xsd="http://www.w3.org/2001/XMLSchema" xmlns:xs="http://www.w3.org/2001/XMLSchema" xmlns:p="http://schemas.microsoft.com/office/2006/metadata/properties" xmlns:ns3="636b0322-90fb-440c-9cbc-22749e7231e9" targetNamespace="http://schemas.microsoft.com/office/2006/metadata/properties" ma:root="true" ma:fieldsID="b9887c63ce4710c1aeb75a5f03aecb69" ns3:_="">
     <xsd:import namespace="636b0322-90fb-440c-9cbc-22749e7231e9"/>
@@ -25056,10 +25279,35 @@
 </ct:contentTypeSchema>
 </file>
 
+<file path=customXml/item2.xml><?xml version="1.0" encoding="utf-8"?>
+<p:properties xmlns:p="http://schemas.microsoft.com/office/2006/metadata/properties" xmlns:xsi="http://www.w3.org/2001/XMLSchema-instance" xmlns:pc="http://schemas.microsoft.com/office/infopath/2007/PartnerControls">
+  <documentManagement/>
+</p:properties>
+</file>
+
+<file path=customXml/item3.xml><?xml version="1.0" encoding="utf-8"?>
+<?mso-contentType ?>
+<FormTemplates xmlns="http://schemas.microsoft.com/sharepoint/v3/contenttype/forms">
+  <Display>DocumentLibraryForm</Display>
+  <Edit>DocumentLibraryForm</Edit>
+  <New>DocumentLibraryForm</New>
+</FormTemplates>
+</file>
+
 <file path=customXml/itemProps1.xml><?xml version="1.0" encoding="utf-8"?>
-<ds:datastoreItem xmlns:ds="http://schemas.openxmlformats.org/officeDocument/2006/customXml" ds:itemID="{B0CA13EC-1D3C-4D6F-8D1C-E8A452CFC79A}">
+<ds:datastoreItem xmlns:ds="http://schemas.openxmlformats.org/officeDocument/2006/customXml" ds:itemID="{7B70CE0C-0988-423A-BF66-B40F6A1061FF}">
   <ds:schemaRefs>
-    <ds:schemaRef ds:uri="http://schemas.microsoft.com/sharepoint/v3/contenttype/forms"/>
+    <ds:schemaRef ds:uri="http://schemas.microsoft.com/office/2006/metadata/contentType"/>
+    <ds:schemaRef ds:uri="http://schemas.microsoft.com/office/2006/metadata/properties/metaAttributes"/>
+    <ds:schemaRef ds:uri="http://www.w3.org/2001/XMLSchema"/>
+    <ds:schemaRef ds:uri="http://schemas.microsoft.com/office/2006/metadata/properties"/>
+    <ds:schemaRef ds:uri="636b0322-90fb-440c-9cbc-22749e7231e9"/>
+    <ds:schemaRef ds:uri="http://schemas.microsoft.com/office/2006/documentManagement/types"/>
+    <ds:schemaRef ds:uri="http://schemas.microsoft.com/office/infopath/2007/PartnerControls"/>
+    <ds:schemaRef ds:uri="http://schemas.openxmlformats.org/package/2006/metadata/core-properties"/>
+    <ds:schemaRef ds:uri="http://purl.org/dc/elements/1.1/"/>
+    <ds:schemaRef ds:uri="http://purl.org/dc/terms/"/>
+    <ds:schemaRef ds:uri="http://schemas.microsoft.com/internal/obd"/>
   </ds:schemaRefs>
 </ds:datastoreItem>
 </file>
@@ -25081,19 +25329,9 @@
 </file>
 
 <file path=customXml/itemProps3.xml><?xml version="1.0" encoding="utf-8"?>
-<ds:datastoreItem xmlns:ds="http://schemas.openxmlformats.org/officeDocument/2006/customXml" ds:itemID="{7B70CE0C-0988-423A-BF66-B40F6A1061FF}">
+<ds:datastoreItem xmlns:ds="http://schemas.openxmlformats.org/officeDocument/2006/customXml" ds:itemID="{B0CA13EC-1D3C-4D6F-8D1C-E8A452CFC79A}">
   <ds:schemaRefs>
-    <ds:schemaRef ds:uri="http://schemas.microsoft.com/office/2006/metadata/contentType"/>
-    <ds:schemaRef ds:uri="http://schemas.microsoft.com/office/2006/metadata/properties/metaAttributes"/>
-    <ds:schemaRef ds:uri="http://www.w3.org/2001/XMLSchema"/>
-    <ds:schemaRef ds:uri="http://schemas.microsoft.com/office/2006/metadata/properties"/>
-    <ds:schemaRef ds:uri="636b0322-90fb-440c-9cbc-22749e7231e9"/>
-    <ds:schemaRef ds:uri="http://schemas.microsoft.com/office/2006/documentManagement/types"/>
-    <ds:schemaRef ds:uri="http://schemas.microsoft.com/office/infopath/2007/PartnerControls"/>
-    <ds:schemaRef ds:uri="http://schemas.openxmlformats.org/package/2006/metadata/core-properties"/>
-    <ds:schemaRef ds:uri="http://purl.org/dc/elements/1.1/"/>
-    <ds:schemaRef ds:uri="http://purl.org/dc/terms/"/>
-    <ds:schemaRef ds:uri="http://schemas.microsoft.com/internal/obd"/>
+    <ds:schemaRef ds:uri="http://schemas.microsoft.com/sharepoint/v3/contenttype/forms"/>
   </ds:schemaRefs>
 </ds:datastoreItem>
 </file>
--- a/Presentation/AzureDeployAndDebug/AzureDeployAndDebug.pptx
+++ b/Presentation/AzureDeployAndDebug/AzureDeployAndDebug.pptx
@@ -11,10 +11,10 @@
     <p:sldMasterId id="2147483726" r:id="rId10"/>
   </p:sldMasterIdLst>
   <p:notesMasterIdLst>
-    <p:notesMasterId r:id="rId29"/>
+    <p:notesMasterId r:id="rId34"/>
   </p:notesMasterIdLst>
   <p:handoutMasterIdLst>
-    <p:handoutMasterId r:id="rId30"/>
+    <p:handoutMasterId r:id="rId35"/>
   </p:handoutMasterIdLst>
   <p:sldIdLst>
     <p:sldId id="285" r:id="rId11"/>
@@ -24,17 +24,22 @@
     <p:sldId id="283" r:id="rId15"/>
     <p:sldId id="284" r:id="rId16"/>
     <p:sldId id="288" r:id="rId17"/>
-    <p:sldId id="298" r:id="rId18"/>
-    <p:sldId id="280" r:id="rId19"/>
-    <p:sldId id="289" r:id="rId20"/>
-    <p:sldId id="296" r:id="rId21"/>
-    <p:sldId id="295" r:id="rId22"/>
-    <p:sldId id="297" r:id="rId23"/>
-    <p:sldId id="290" r:id="rId24"/>
-    <p:sldId id="291" r:id="rId25"/>
-    <p:sldId id="292" r:id="rId26"/>
-    <p:sldId id="293" r:id="rId27"/>
-    <p:sldId id="263" r:id="rId28"/>
+    <p:sldId id="300" r:id="rId18"/>
+    <p:sldId id="301" r:id="rId19"/>
+    <p:sldId id="302" r:id="rId20"/>
+    <p:sldId id="303" r:id="rId21"/>
+    <p:sldId id="299" r:id="rId22"/>
+    <p:sldId id="298" r:id="rId23"/>
+    <p:sldId id="280" r:id="rId24"/>
+    <p:sldId id="289" r:id="rId25"/>
+    <p:sldId id="296" r:id="rId26"/>
+    <p:sldId id="295" r:id="rId27"/>
+    <p:sldId id="297" r:id="rId28"/>
+    <p:sldId id="290" r:id="rId29"/>
+    <p:sldId id="291" r:id="rId30"/>
+    <p:sldId id="292" r:id="rId31"/>
+    <p:sldId id="293" r:id="rId32"/>
+    <p:sldId id="263" r:id="rId33"/>
   </p:sldIdLst>
   <p:sldSz cx="12192000" cy="6858000"/>
   <p:notesSz cx="6858000" cy="9144000"/>
@@ -226,7 +231,7 @@
           <a:p>
             <a:fld id="{312E7B4A-039C-48A2-9B2C-AF16AA3873D8}" type="datetimeFigureOut">
               <a:rPr lang="en-US" smtClean="0"/>
-              <a:t>1/27/2016</a:t>
+              <a:t>2/4/2016</a:t>
             </a:fld>
             <a:endParaRPr lang="en-US"/>
           </a:p>
@@ -391,7 +396,7 @@
           <a:p>
             <a:fld id="{DA005A0C-54D9-45AA-87D4-C551D08DFCE1}" type="datetimeFigureOut">
               <a:rPr lang="en-US" smtClean="0"/>
-              <a:t>1/27/2016</a:t>
+              <a:t>2/4/2016</a:t>
             </a:fld>
             <a:endParaRPr lang="en-US"/>
           </a:p>
@@ -816,7 +821,7 @@
           <a:p>
             <a:fld id="{2C52CFDC-D2D5-4B9F-BA75-89F771E01AEB}" type="slidenum">
               <a:rPr lang="en-US" smtClean="0"/>
-              <a:t>11</a:t>
+              <a:t>16</a:t>
             </a:fld>
             <a:endParaRPr lang="en-US"/>
           </a:p>
@@ -1132,7 +1137,7 @@
                 </a:solidFill>
               </a:rPr>
               <a:pPr/>
-              <a:t>12</a:t>
+              <a:t>17</a:t>
             </a:fld>
             <a:endParaRPr lang="en-US">
               <a:solidFill>
@@ -1332,7 +1337,7 @@
                 </a:solidFill>
               </a:rPr>
               <a:pPr/>
-              <a:t>1/27/2016</a:t>
+              <a:t>2/4/2016</a:t>
             </a:fld>
             <a:endParaRPr lang="en-US" dirty="0">
               <a:solidFill>
@@ -1364,7 +1369,7 @@
                 </a:solidFill>
               </a:rPr>
               <a:pPr/>
-              <a:t>17</a:t>
+              <a:t>22</a:t>
             </a:fld>
             <a:endParaRPr lang="en-US" dirty="0">
               <a:solidFill>
@@ -1561,28 +1566,28 @@
                 <a:gridCol w="2764105">
                   <a:extLst>
                     <a:ext uri="{9D8B030D-6E8A-4147-A177-3AD203B41FA5}">
-                      <a16:colId xmlns:a16="http://schemas.microsoft.com/office/drawing/2014/main" val="20000"/>
+                      <a16:colId xmlns:a16="http://schemas.microsoft.com/office/drawing/2014/main" xmlns="" val="20000"/>
                     </a:ext>
                   </a:extLst>
                 </a:gridCol>
                 <a:gridCol w="2764105">
                   <a:extLst>
                     <a:ext uri="{9D8B030D-6E8A-4147-A177-3AD203B41FA5}">
-                      <a16:colId xmlns:a16="http://schemas.microsoft.com/office/drawing/2014/main" val="20001"/>
+                      <a16:colId xmlns:a16="http://schemas.microsoft.com/office/drawing/2014/main" xmlns="" val="20001"/>
                     </a:ext>
                   </a:extLst>
                 </a:gridCol>
                 <a:gridCol w="2764105">
                   <a:extLst>
                     <a:ext uri="{9D8B030D-6E8A-4147-A177-3AD203B41FA5}">
-                      <a16:colId xmlns:a16="http://schemas.microsoft.com/office/drawing/2014/main" val="20002"/>
+                      <a16:colId xmlns:a16="http://schemas.microsoft.com/office/drawing/2014/main" xmlns="" val="20002"/>
                     </a:ext>
                   </a:extLst>
                 </a:gridCol>
                 <a:gridCol w="2764105">
                   <a:extLst>
                     <a:ext uri="{9D8B030D-6E8A-4147-A177-3AD203B41FA5}">
-                      <a16:colId xmlns:a16="http://schemas.microsoft.com/office/drawing/2014/main" val="20003"/>
+                      <a16:colId xmlns:a16="http://schemas.microsoft.com/office/drawing/2014/main" xmlns="" val="20003"/>
                     </a:ext>
                   </a:extLst>
                 </a:gridCol>
@@ -1762,7 +1767,7 @@
                 </a:tc>
                 <a:extLst>
                   <a:ext uri="{0D108BD9-81ED-4DB2-BD59-A6C34878D82A}">
-                    <a16:rowId xmlns:a16="http://schemas.microsoft.com/office/drawing/2014/main" val="10000"/>
+                    <a16:rowId xmlns:a16="http://schemas.microsoft.com/office/drawing/2014/main" xmlns="" val="10000"/>
                   </a:ext>
                 </a:extLst>
               </a:tr>
@@ -1998,7 +2003,7 @@
                 </a:tc>
                 <a:extLst>
                   <a:ext uri="{0D108BD9-81ED-4DB2-BD59-A6C34878D82A}">
-                    <a16:rowId xmlns:a16="http://schemas.microsoft.com/office/drawing/2014/main" val="10001"/>
+                    <a16:rowId xmlns:a16="http://schemas.microsoft.com/office/drawing/2014/main" xmlns="" val="10001"/>
                   </a:ext>
                 </a:extLst>
               </a:tr>
@@ -2253,7 +2258,7 @@
                 </a:tc>
                 <a:extLst>
                   <a:ext uri="{0D108BD9-81ED-4DB2-BD59-A6C34878D82A}">
-                    <a16:rowId xmlns:a16="http://schemas.microsoft.com/office/drawing/2014/main" val="10002"/>
+                    <a16:rowId xmlns:a16="http://schemas.microsoft.com/office/drawing/2014/main" xmlns="" val="10002"/>
                   </a:ext>
                 </a:extLst>
               </a:tr>
@@ -2508,7 +2513,7 @@
                 </a:tc>
                 <a:extLst>
                   <a:ext uri="{0D108BD9-81ED-4DB2-BD59-A6C34878D82A}">
-                    <a16:rowId xmlns:a16="http://schemas.microsoft.com/office/drawing/2014/main" val="10003"/>
+                    <a16:rowId xmlns:a16="http://schemas.microsoft.com/office/drawing/2014/main" xmlns="" val="10003"/>
                   </a:ext>
                 </a:extLst>
               </a:tr>
@@ -4507,28 +4512,28 @@
                 <a:gridCol w="2764105">
                   <a:extLst>
                     <a:ext uri="{9D8B030D-6E8A-4147-A177-3AD203B41FA5}">
-                      <a16:colId xmlns:a16="http://schemas.microsoft.com/office/drawing/2014/main" val="20000"/>
+                      <a16:colId xmlns:a16="http://schemas.microsoft.com/office/drawing/2014/main" xmlns="" val="20000"/>
                     </a:ext>
                   </a:extLst>
                 </a:gridCol>
                 <a:gridCol w="2764105">
                   <a:extLst>
                     <a:ext uri="{9D8B030D-6E8A-4147-A177-3AD203B41FA5}">
-                      <a16:colId xmlns:a16="http://schemas.microsoft.com/office/drawing/2014/main" val="20001"/>
+                      <a16:colId xmlns:a16="http://schemas.microsoft.com/office/drawing/2014/main" xmlns="" val="20001"/>
                     </a:ext>
                   </a:extLst>
                 </a:gridCol>
                 <a:gridCol w="2764105">
                   <a:extLst>
                     <a:ext uri="{9D8B030D-6E8A-4147-A177-3AD203B41FA5}">
-                      <a16:colId xmlns:a16="http://schemas.microsoft.com/office/drawing/2014/main" val="20002"/>
+                      <a16:colId xmlns:a16="http://schemas.microsoft.com/office/drawing/2014/main" xmlns="" val="20002"/>
                     </a:ext>
                   </a:extLst>
                 </a:gridCol>
                 <a:gridCol w="2764105">
                   <a:extLst>
                     <a:ext uri="{9D8B030D-6E8A-4147-A177-3AD203B41FA5}">
-                      <a16:colId xmlns:a16="http://schemas.microsoft.com/office/drawing/2014/main" val="20003"/>
+                      <a16:colId xmlns:a16="http://schemas.microsoft.com/office/drawing/2014/main" xmlns="" val="20003"/>
                     </a:ext>
                   </a:extLst>
                 </a:gridCol>
@@ -4692,7 +4697,7 @@
                 </a:tc>
                 <a:extLst>
                   <a:ext uri="{0D108BD9-81ED-4DB2-BD59-A6C34878D82A}">
-                    <a16:rowId xmlns:a16="http://schemas.microsoft.com/office/drawing/2014/main" val="10000"/>
+                    <a16:rowId xmlns:a16="http://schemas.microsoft.com/office/drawing/2014/main" xmlns="" val="10000"/>
                   </a:ext>
                 </a:extLst>
               </a:tr>
@@ -4912,7 +4917,7 @@
                 </a:tc>
                 <a:extLst>
                   <a:ext uri="{0D108BD9-81ED-4DB2-BD59-A6C34878D82A}">
-                    <a16:rowId xmlns:a16="http://schemas.microsoft.com/office/drawing/2014/main" val="10001"/>
+                    <a16:rowId xmlns:a16="http://schemas.microsoft.com/office/drawing/2014/main" xmlns="" val="10001"/>
                   </a:ext>
                 </a:extLst>
               </a:tr>
@@ -5151,7 +5156,7 @@
                 </a:tc>
                 <a:extLst>
                   <a:ext uri="{0D108BD9-81ED-4DB2-BD59-A6C34878D82A}">
-                    <a16:rowId xmlns:a16="http://schemas.microsoft.com/office/drawing/2014/main" val="10002"/>
+                    <a16:rowId xmlns:a16="http://schemas.microsoft.com/office/drawing/2014/main" xmlns="" val="10002"/>
                   </a:ext>
                 </a:extLst>
               </a:tr>
@@ -5390,7 +5395,7 @@
                 </a:tc>
                 <a:extLst>
                   <a:ext uri="{0D108BD9-81ED-4DB2-BD59-A6C34878D82A}">
-                    <a16:rowId xmlns:a16="http://schemas.microsoft.com/office/drawing/2014/main" val="10003"/>
+                    <a16:rowId xmlns:a16="http://schemas.microsoft.com/office/drawing/2014/main" xmlns="" val="10003"/>
                   </a:ext>
                 </a:extLst>
               </a:tr>
@@ -6268,28 +6273,28 @@
                 <a:gridCol w="2764105">
                   <a:extLst>
                     <a:ext uri="{9D8B030D-6E8A-4147-A177-3AD203B41FA5}">
-                      <a16:colId xmlns:a16="http://schemas.microsoft.com/office/drawing/2014/main" val="20000"/>
+                      <a16:colId xmlns:a16="http://schemas.microsoft.com/office/drawing/2014/main" xmlns="" val="20000"/>
                     </a:ext>
                   </a:extLst>
                 </a:gridCol>
                 <a:gridCol w="2764105">
                   <a:extLst>
                     <a:ext uri="{9D8B030D-6E8A-4147-A177-3AD203B41FA5}">
-                      <a16:colId xmlns:a16="http://schemas.microsoft.com/office/drawing/2014/main" val="20001"/>
+                      <a16:colId xmlns:a16="http://schemas.microsoft.com/office/drawing/2014/main" xmlns="" val="20001"/>
                     </a:ext>
                   </a:extLst>
                 </a:gridCol>
                 <a:gridCol w="2764105">
                   <a:extLst>
                     <a:ext uri="{9D8B030D-6E8A-4147-A177-3AD203B41FA5}">
-                      <a16:colId xmlns:a16="http://schemas.microsoft.com/office/drawing/2014/main" val="20002"/>
+                      <a16:colId xmlns:a16="http://schemas.microsoft.com/office/drawing/2014/main" xmlns="" val="20002"/>
                     </a:ext>
                   </a:extLst>
                 </a:gridCol>
                 <a:gridCol w="2764105">
                   <a:extLst>
                     <a:ext uri="{9D8B030D-6E8A-4147-A177-3AD203B41FA5}">
-                      <a16:colId xmlns:a16="http://schemas.microsoft.com/office/drawing/2014/main" val="20003"/>
+                      <a16:colId xmlns:a16="http://schemas.microsoft.com/office/drawing/2014/main" xmlns="" val="20003"/>
                     </a:ext>
                   </a:extLst>
                 </a:gridCol>
@@ -6465,7 +6470,7 @@
                 </a:tc>
                 <a:extLst>
                   <a:ext uri="{0D108BD9-81ED-4DB2-BD59-A6C34878D82A}">
-                    <a16:rowId xmlns:a16="http://schemas.microsoft.com/office/drawing/2014/main" val="10000"/>
+                    <a16:rowId xmlns:a16="http://schemas.microsoft.com/office/drawing/2014/main" xmlns="" val="10000"/>
                   </a:ext>
                 </a:extLst>
               </a:tr>
@@ -6697,7 +6702,7 @@
                 </a:tc>
                 <a:extLst>
                   <a:ext uri="{0D108BD9-81ED-4DB2-BD59-A6C34878D82A}">
-                    <a16:rowId xmlns:a16="http://schemas.microsoft.com/office/drawing/2014/main" val="10001"/>
+                    <a16:rowId xmlns:a16="http://schemas.microsoft.com/office/drawing/2014/main" xmlns="" val="10001"/>
                   </a:ext>
                 </a:extLst>
               </a:tr>
@@ -6956,7 +6961,7 @@
                 </a:tc>
                 <a:extLst>
                   <a:ext uri="{0D108BD9-81ED-4DB2-BD59-A6C34878D82A}">
-                    <a16:rowId xmlns:a16="http://schemas.microsoft.com/office/drawing/2014/main" val="10002"/>
+                    <a16:rowId xmlns:a16="http://schemas.microsoft.com/office/drawing/2014/main" xmlns="" val="10002"/>
                   </a:ext>
                 </a:extLst>
               </a:tr>
@@ -7207,7 +7212,7 @@
                 </a:tc>
                 <a:extLst>
                   <a:ext uri="{0D108BD9-81ED-4DB2-BD59-A6C34878D82A}">
-                    <a16:rowId xmlns:a16="http://schemas.microsoft.com/office/drawing/2014/main" val="10003"/>
+                    <a16:rowId xmlns:a16="http://schemas.microsoft.com/office/drawing/2014/main" xmlns="" val="10003"/>
                   </a:ext>
                 </a:extLst>
               </a:tr>
@@ -8271,28 +8276,28 @@
                 <a:gridCol w="2764105">
                   <a:extLst>
                     <a:ext uri="{9D8B030D-6E8A-4147-A177-3AD203B41FA5}">
-                      <a16:colId xmlns:a16="http://schemas.microsoft.com/office/drawing/2014/main" val="20000"/>
+                      <a16:colId xmlns:a16="http://schemas.microsoft.com/office/drawing/2014/main" xmlns="" val="20000"/>
                     </a:ext>
                   </a:extLst>
                 </a:gridCol>
                 <a:gridCol w="2764105">
                   <a:extLst>
                     <a:ext uri="{9D8B030D-6E8A-4147-A177-3AD203B41FA5}">
-                      <a16:colId xmlns:a16="http://schemas.microsoft.com/office/drawing/2014/main" val="20001"/>
+                      <a16:colId xmlns:a16="http://schemas.microsoft.com/office/drawing/2014/main" xmlns="" val="20001"/>
                     </a:ext>
                   </a:extLst>
                 </a:gridCol>
                 <a:gridCol w="2764105">
                   <a:extLst>
                     <a:ext uri="{9D8B030D-6E8A-4147-A177-3AD203B41FA5}">
-                      <a16:colId xmlns:a16="http://schemas.microsoft.com/office/drawing/2014/main" val="20002"/>
+                      <a16:colId xmlns:a16="http://schemas.microsoft.com/office/drawing/2014/main" xmlns="" val="20002"/>
                     </a:ext>
                   </a:extLst>
                 </a:gridCol>
                 <a:gridCol w="2764105">
                   <a:extLst>
                     <a:ext uri="{9D8B030D-6E8A-4147-A177-3AD203B41FA5}">
-                      <a16:colId xmlns:a16="http://schemas.microsoft.com/office/drawing/2014/main" val="20003"/>
+                      <a16:colId xmlns:a16="http://schemas.microsoft.com/office/drawing/2014/main" xmlns="" val="20003"/>
                     </a:ext>
                   </a:extLst>
                 </a:gridCol>
@@ -8472,7 +8477,7 @@
                 </a:tc>
                 <a:extLst>
                   <a:ext uri="{0D108BD9-81ED-4DB2-BD59-A6C34878D82A}">
-                    <a16:rowId xmlns:a16="http://schemas.microsoft.com/office/drawing/2014/main" val="10000"/>
+                    <a16:rowId xmlns:a16="http://schemas.microsoft.com/office/drawing/2014/main" xmlns="" val="10000"/>
                   </a:ext>
                 </a:extLst>
               </a:tr>
@@ -8708,7 +8713,7 @@
                 </a:tc>
                 <a:extLst>
                   <a:ext uri="{0D108BD9-81ED-4DB2-BD59-A6C34878D82A}">
-                    <a16:rowId xmlns:a16="http://schemas.microsoft.com/office/drawing/2014/main" val="10001"/>
+                    <a16:rowId xmlns:a16="http://schemas.microsoft.com/office/drawing/2014/main" xmlns="" val="10001"/>
                   </a:ext>
                 </a:extLst>
               </a:tr>
@@ -8963,7 +8968,7 @@
                 </a:tc>
                 <a:extLst>
                   <a:ext uri="{0D108BD9-81ED-4DB2-BD59-A6C34878D82A}">
-                    <a16:rowId xmlns:a16="http://schemas.microsoft.com/office/drawing/2014/main" val="10002"/>
+                    <a16:rowId xmlns:a16="http://schemas.microsoft.com/office/drawing/2014/main" xmlns="" val="10002"/>
                   </a:ext>
                 </a:extLst>
               </a:tr>
@@ -9218,7 +9223,7 @@
                 </a:tc>
                 <a:extLst>
                   <a:ext uri="{0D108BD9-81ED-4DB2-BD59-A6C34878D82A}">
-                    <a16:rowId xmlns:a16="http://schemas.microsoft.com/office/drawing/2014/main" val="10003"/>
+                    <a16:rowId xmlns:a16="http://schemas.microsoft.com/office/drawing/2014/main" xmlns="" val="10003"/>
                   </a:ext>
                 </a:extLst>
               </a:tr>
@@ -10205,28 +10210,28 @@
                 <a:gridCol w="2764105">
                   <a:extLst>
                     <a:ext uri="{9D8B030D-6E8A-4147-A177-3AD203B41FA5}">
-                      <a16:colId xmlns:a16="http://schemas.microsoft.com/office/drawing/2014/main" val="20000"/>
+                      <a16:colId xmlns:a16="http://schemas.microsoft.com/office/drawing/2014/main" xmlns="" val="20000"/>
                     </a:ext>
                   </a:extLst>
                 </a:gridCol>
                 <a:gridCol w="2764105">
                   <a:extLst>
                     <a:ext uri="{9D8B030D-6E8A-4147-A177-3AD203B41FA5}">
-                      <a16:colId xmlns:a16="http://schemas.microsoft.com/office/drawing/2014/main" val="20001"/>
+                      <a16:colId xmlns:a16="http://schemas.microsoft.com/office/drawing/2014/main" xmlns="" val="20001"/>
                     </a:ext>
                   </a:extLst>
                 </a:gridCol>
                 <a:gridCol w="2764105">
                   <a:extLst>
                     <a:ext uri="{9D8B030D-6E8A-4147-A177-3AD203B41FA5}">
-                      <a16:colId xmlns:a16="http://schemas.microsoft.com/office/drawing/2014/main" val="20002"/>
+                      <a16:colId xmlns:a16="http://schemas.microsoft.com/office/drawing/2014/main" xmlns="" val="20002"/>
                     </a:ext>
                   </a:extLst>
                 </a:gridCol>
                 <a:gridCol w="2764105">
                   <a:extLst>
                     <a:ext uri="{9D8B030D-6E8A-4147-A177-3AD203B41FA5}">
-                      <a16:colId xmlns:a16="http://schemas.microsoft.com/office/drawing/2014/main" val="20003"/>
+                      <a16:colId xmlns:a16="http://schemas.microsoft.com/office/drawing/2014/main" xmlns="" val="20003"/>
                     </a:ext>
                   </a:extLst>
                 </a:gridCol>
@@ -10406,7 +10411,7 @@
                 </a:tc>
                 <a:extLst>
                   <a:ext uri="{0D108BD9-81ED-4DB2-BD59-A6C34878D82A}">
-                    <a16:rowId xmlns:a16="http://schemas.microsoft.com/office/drawing/2014/main" val="10000"/>
+                    <a16:rowId xmlns:a16="http://schemas.microsoft.com/office/drawing/2014/main" xmlns="" val="10000"/>
                   </a:ext>
                 </a:extLst>
               </a:tr>
@@ -10642,7 +10647,7 @@
                 </a:tc>
                 <a:extLst>
                   <a:ext uri="{0D108BD9-81ED-4DB2-BD59-A6C34878D82A}">
-                    <a16:rowId xmlns:a16="http://schemas.microsoft.com/office/drawing/2014/main" val="10001"/>
+                    <a16:rowId xmlns:a16="http://schemas.microsoft.com/office/drawing/2014/main" xmlns="" val="10001"/>
                   </a:ext>
                 </a:extLst>
               </a:tr>
@@ -10897,7 +10902,7 @@
                 </a:tc>
                 <a:extLst>
                   <a:ext uri="{0D108BD9-81ED-4DB2-BD59-A6C34878D82A}">
-                    <a16:rowId xmlns:a16="http://schemas.microsoft.com/office/drawing/2014/main" val="10002"/>
+                    <a16:rowId xmlns:a16="http://schemas.microsoft.com/office/drawing/2014/main" xmlns="" val="10002"/>
                   </a:ext>
                 </a:extLst>
               </a:tr>
@@ -11152,7 +11157,7 @@
                 </a:tc>
                 <a:extLst>
                   <a:ext uri="{0D108BD9-81ED-4DB2-BD59-A6C34878D82A}">
-                    <a16:rowId xmlns:a16="http://schemas.microsoft.com/office/drawing/2014/main" val="10003"/>
+                    <a16:rowId xmlns:a16="http://schemas.microsoft.com/office/drawing/2014/main" xmlns="" val="10003"/>
                   </a:ext>
                 </a:extLst>
               </a:tr>
@@ -17993,22 +17998,26 @@
           <a:lstStyle/>
           <a:p>
             <a:r>
+              <a:rPr lang="en-US" sz="7200" dirty="0" smtClean="0"/>
+              <a:t>Provisioning</a:t>
+            </a:r>
+            <a:r>
               <a:rPr lang="en-US" sz="7200" dirty="0"/>
-              <a:t>Debugging </a:t>
+              <a:t>, Deploying </a:t>
             </a:r>
             <a:r>
               <a:rPr lang="en-US" sz="7200" dirty="0" smtClean="0"/>
-              <a:t>and</a:t>
+              <a:t>and Debugging</a:t>
+            </a:r>
+            <a:r>
+              <a:rPr lang="en-US" sz="7200" dirty="0" smtClean="0"/>
+              <a:t/>
             </a:r>
             <a:br>
               <a:rPr lang="en-US" sz="7200" dirty="0" smtClean="0"/>
             </a:br>
             <a:r>
               <a:rPr lang="en-US" sz="7200" dirty="0" smtClean="0"/>
-              <a:t>Deploying </a:t>
-            </a:r>
-            <a:r>
-              <a:rPr lang="en-US" sz="7200" dirty="0"/>
               <a:t>on </a:t>
             </a:r>
             <a:r>
@@ -18152,6 +18161,380 @@
       </p:grpSpPr>
       <p:sp>
         <p:nvSpPr>
+          <p:cNvPr id="2" name="Title 1"/>
+          <p:cNvSpPr>
+            <a:spLocks noGrp="1"/>
+          </p:cNvSpPr>
+          <p:nvPr>
+            <p:ph type="title"/>
+          </p:nvPr>
+        </p:nvSpPr>
+        <p:spPr/>
+        <p:txBody>
+          <a:bodyPr/>
+          <a:lstStyle/>
+          <a:p>
+            <a:r>
+              <a:rPr lang="en-US" dirty="0"/>
+              <a:t>Using Azure CLI</a:t>
+            </a:r>
+            <a:endParaRPr lang="en-US" dirty="0"/>
+          </a:p>
+        </p:txBody>
+      </p:sp>
+      <p:sp>
+        <p:nvSpPr>
+          <p:cNvPr id="3" name="Content Placeholder 2"/>
+          <p:cNvSpPr>
+            <a:spLocks noGrp="1"/>
+          </p:cNvSpPr>
+          <p:nvPr>
+            <p:ph idx="1"/>
+          </p:nvPr>
+        </p:nvSpPr>
+        <p:spPr/>
+        <p:txBody>
+          <a:bodyPr>
+            <a:normAutofit fontScale="92500" lnSpcReduction="10000"/>
+          </a:bodyPr>
+          <a:lstStyle/>
+          <a:p>
+            <a:r>
+              <a:rPr lang="en-US" dirty="0"/>
+              <a:t>Get authenticated with Microsoft </a:t>
+            </a:r>
+            <a:r>
+              <a:rPr lang="en-US" dirty="0" smtClean="0"/>
+              <a:t>Azure</a:t>
+            </a:r>
+          </a:p>
+          <a:p>
+            <a:pPr marL="457200" lvl="1" indent="0">
+              <a:buNone/>
+            </a:pPr>
+            <a:r>
+              <a:rPr lang="de-DE" sz="2600" dirty="0">
+                <a:latin typeface="Courier New" panose="02070309020205020404" pitchFamily="49" charset="0"/>
+                <a:cs typeface="Courier New" panose="02070309020205020404" pitchFamily="49" charset="0"/>
+              </a:rPr>
+              <a:t>azure </a:t>
+            </a:r>
+            <a:r>
+              <a:rPr lang="de-DE" sz="2600" dirty="0" smtClean="0">
+                <a:latin typeface="Courier New" panose="02070309020205020404" pitchFamily="49" charset="0"/>
+                <a:cs typeface="Courier New" panose="02070309020205020404" pitchFamily="49" charset="0"/>
+              </a:rPr>
+              <a:t>login</a:t>
+            </a:r>
+            <a:endParaRPr lang="en-US" sz="2600" dirty="0" smtClean="0"/>
+          </a:p>
+          <a:p>
+            <a:r>
+              <a:rPr lang="en-US" dirty="0" smtClean="0"/>
+              <a:t>Switch to Azure Resource Manager</a:t>
+            </a:r>
+          </a:p>
+          <a:p>
+            <a:pPr marL="457200" lvl="1" indent="0">
+              <a:buNone/>
+            </a:pPr>
+            <a:r>
+              <a:rPr lang="de-DE" sz="2600" dirty="0">
+                <a:latin typeface="Courier New" panose="02070309020205020404" pitchFamily="49" charset="0"/>
+                <a:cs typeface="Courier New" panose="02070309020205020404" pitchFamily="49" charset="0"/>
+              </a:rPr>
+              <a:t>azure config mode arm</a:t>
+            </a:r>
+            <a:r>
+              <a:rPr lang="en-US" sz="2600" dirty="0" smtClean="0">
+                <a:latin typeface="Courier New" panose="02070309020205020404" pitchFamily="49" charset="0"/>
+                <a:cs typeface="Courier New" panose="02070309020205020404" pitchFamily="49" charset="0"/>
+              </a:rPr>
+              <a:t> </a:t>
+            </a:r>
+            <a:endParaRPr lang="en-US" sz="2600" dirty="0">
+              <a:latin typeface="Courier New" panose="02070309020205020404" pitchFamily="49" charset="0"/>
+              <a:cs typeface="Courier New" panose="02070309020205020404" pitchFamily="49" charset="0"/>
+            </a:endParaRPr>
+          </a:p>
+          <a:p>
+            <a:r>
+              <a:rPr lang="en-US" dirty="0"/>
+              <a:t>Create a Resource Group</a:t>
+            </a:r>
+            <a:r>
+              <a:rPr lang="en-US" dirty="0" smtClean="0"/>
+              <a:t> </a:t>
+            </a:r>
+          </a:p>
+          <a:p>
+            <a:pPr marL="457200" lvl="2" indent="0">
+              <a:spcBef>
+                <a:spcPts val="1000"/>
+              </a:spcBef>
+              <a:buNone/>
+            </a:pPr>
+            <a:r>
+              <a:rPr lang="en-US" sz="2600" dirty="0">
+                <a:latin typeface="Courier New" panose="02070309020205020404" pitchFamily="49" charset="0"/>
+                <a:cs typeface="Courier New" panose="02070309020205020404" pitchFamily="49" charset="0"/>
+              </a:rPr>
+              <a:t>azure group create -n "</a:t>
+            </a:r>
+            <a:r>
+              <a:rPr lang="en-US" sz="2600" dirty="0" err="1">
+                <a:latin typeface="Courier New" panose="02070309020205020404" pitchFamily="49" charset="0"/>
+                <a:cs typeface="Courier New" panose="02070309020205020404" pitchFamily="49" charset="0"/>
+              </a:rPr>
+              <a:t>chatroomRG</a:t>
+            </a:r>
+            <a:r>
+              <a:rPr lang="en-US" sz="2600" dirty="0">
+                <a:latin typeface="Courier New" panose="02070309020205020404" pitchFamily="49" charset="0"/>
+                <a:cs typeface="Courier New" panose="02070309020205020404" pitchFamily="49" charset="0"/>
+              </a:rPr>
+              <a:t>" -l "East US"</a:t>
+            </a:r>
+            <a:r>
+              <a:rPr lang="en-US" sz="3000" dirty="0" smtClean="0">
+                <a:latin typeface="Courier New" panose="02070309020205020404" pitchFamily="49" charset="0"/>
+                <a:cs typeface="Courier New" panose="02070309020205020404" pitchFamily="49" charset="0"/>
+              </a:rPr>
+              <a:t> </a:t>
+            </a:r>
+            <a:endParaRPr lang="en-US" sz="3000" dirty="0">
+              <a:latin typeface="Courier New" panose="02070309020205020404" pitchFamily="49" charset="0"/>
+              <a:cs typeface="Courier New" panose="02070309020205020404" pitchFamily="49" charset="0"/>
+            </a:endParaRPr>
+          </a:p>
+          <a:p>
+            <a:r>
+              <a:rPr lang="en-US" dirty="0" smtClean="0"/>
+              <a:t>Create </a:t>
+            </a:r>
+            <a:r>
+              <a:rPr lang="en-US" dirty="0"/>
+              <a:t>the Azure resources using a </a:t>
+            </a:r>
+            <a:r>
+              <a:rPr lang="en-US" dirty="0" err="1"/>
+              <a:t>json</a:t>
+            </a:r>
+            <a:r>
+              <a:rPr lang="en-US" dirty="0"/>
+              <a:t> template</a:t>
+            </a:r>
+            <a:endParaRPr lang="en-US" dirty="0"/>
+          </a:p>
+          <a:p>
+            <a:pPr marL="457200" lvl="3" indent="0">
+              <a:spcBef>
+                <a:spcPts val="1000"/>
+              </a:spcBef>
+              <a:buNone/>
+            </a:pPr>
+            <a:r>
+              <a:rPr lang="en-US" sz="2600" dirty="0">
+                <a:latin typeface="Courier New" panose="02070309020205020404" pitchFamily="49" charset="0"/>
+                <a:cs typeface="Courier New" panose="02070309020205020404" pitchFamily="49" charset="0"/>
+              </a:rPr>
+              <a:t>azure group deployment create -f </a:t>
+            </a:r>
+            <a:r>
+              <a:rPr lang="en-US" sz="2600" dirty="0" err="1">
+                <a:latin typeface="Courier New" panose="02070309020205020404" pitchFamily="49" charset="0"/>
+                <a:cs typeface="Courier New" panose="02070309020205020404" pitchFamily="49" charset="0"/>
+              </a:rPr>
+              <a:t>azuredeploy.json</a:t>
+            </a:r>
+            <a:r>
+              <a:rPr lang="en-US" sz="2600" dirty="0">
+                <a:latin typeface="Courier New" panose="02070309020205020404" pitchFamily="49" charset="0"/>
+                <a:cs typeface="Courier New" panose="02070309020205020404" pitchFamily="49" charset="0"/>
+              </a:rPr>
+              <a:t> </a:t>
+            </a:r>
+            <a:r>
+              <a:rPr lang="en-US" sz="2600" dirty="0" smtClean="0">
+                <a:latin typeface="Courier New" panose="02070309020205020404" pitchFamily="49" charset="0"/>
+                <a:cs typeface="Courier New" panose="02070309020205020404" pitchFamily="49" charset="0"/>
+              </a:rPr>
+              <a:t>–e </a:t>
+            </a:r>
+            <a:r>
+              <a:rPr lang="en-US" sz="2600" dirty="0" err="1" smtClean="0">
+                <a:latin typeface="Courier New" panose="02070309020205020404" pitchFamily="49" charset="0"/>
+                <a:cs typeface="Courier New" panose="02070309020205020404" pitchFamily="49" charset="0"/>
+              </a:rPr>
+              <a:t>azuredeploy.parameters.json</a:t>
+            </a:r>
+            <a:r>
+              <a:rPr lang="en-US" sz="2600" dirty="0" smtClean="0">
+                <a:latin typeface="Courier New" panose="02070309020205020404" pitchFamily="49" charset="0"/>
+                <a:cs typeface="Courier New" panose="02070309020205020404" pitchFamily="49" charset="0"/>
+              </a:rPr>
+              <a:t> </a:t>
+            </a:r>
+            <a:r>
+              <a:rPr lang="en-US" sz="2600" dirty="0" err="1">
+                <a:latin typeface="Courier New" panose="02070309020205020404" pitchFamily="49" charset="0"/>
+                <a:cs typeface="Courier New" panose="02070309020205020404" pitchFamily="49" charset="0"/>
+              </a:rPr>
+              <a:t>chatroomRG</a:t>
+            </a:r>
+            <a:r>
+              <a:rPr lang="en-US" sz="2600" dirty="0">
+                <a:latin typeface="Courier New" panose="02070309020205020404" pitchFamily="49" charset="0"/>
+                <a:cs typeface="Courier New" panose="02070309020205020404" pitchFamily="49" charset="0"/>
+              </a:rPr>
+              <a:t> </a:t>
+            </a:r>
+            <a:r>
+              <a:rPr lang="en-US" sz="2600" dirty="0" err="1">
+                <a:latin typeface="Courier New" panose="02070309020205020404" pitchFamily="49" charset="0"/>
+                <a:cs typeface="Courier New" panose="02070309020205020404" pitchFamily="49" charset="0"/>
+              </a:rPr>
+              <a:t>chatroomDeploy</a:t>
+            </a:r>
+            <a:r>
+              <a:rPr lang="en-US" dirty="0" smtClean="0">
+                <a:latin typeface="Courier New" panose="02070309020205020404" pitchFamily="49" charset="0"/>
+                <a:cs typeface="Courier New" panose="02070309020205020404" pitchFamily="49" charset="0"/>
+              </a:rPr>
+              <a:t> </a:t>
+            </a:r>
+          </a:p>
+          <a:p>
+            <a:pPr marL="0" indent="0">
+              <a:buNone/>
+            </a:pPr>
+            <a:endParaRPr lang="en-US" dirty="0"/>
+          </a:p>
+        </p:txBody>
+      </p:sp>
+    </p:spTree>
+    <p:extLst>
+      <p:ext uri="{BB962C8B-B14F-4D97-AF65-F5344CB8AC3E}">
+        <p14:creationId xmlns:p14="http://schemas.microsoft.com/office/powerpoint/2010/main" val="3890587178"/>
+      </p:ext>
+    </p:extLst>
+  </p:cSld>
+  <p:clrMapOvr>
+    <a:masterClrMapping/>
+  </p:clrMapOvr>
+  <mc:AlternateContent xmlns:mc="http://schemas.openxmlformats.org/markup-compatibility/2006" xmlns:p14="http://schemas.microsoft.com/office/powerpoint/2010/main">
+    <mc:Choice Requires="p14">
+      <p:transition spd="med" p14:dur="700">
+        <p:fade/>
+      </p:transition>
+    </mc:Choice>
+    <mc:Fallback xmlns="">
+      <p:transition spd="med">
+        <p:fade/>
+      </p:transition>
+    </mc:Fallback>
+  </mc:AlternateContent>
+  <p:timing>
+    <p:tnLst>
+      <p:par>
+        <p:cTn id="1" dur="indefinite" restart="never" nodeType="tmRoot"/>
+      </p:par>
+    </p:tnLst>
+  </p:timing>
+</p:sld>
+</file>
+
+<file path=ppt/slides/slide11.xml><?xml version="1.0" encoding="utf-8"?>
+<p:sld xmlns:a="http://schemas.openxmlformats.org/drawingml/2006/main" xmlns:r="http://schemas.openxmlformats.org/officeDocument/2006/relationships" xmlns:p="http://schemas.openxmlformats.org/presentationml/2006/main">
+  <p:cSld>
+    <p:spTree>
+      <p:nvGrpSpPr>
+        <p:cNvPr id="1" name=""/>
+        <p:cNvGrpSpPr/>
+        <p:nvPr/>
+      </p:nvGrpSpPr>
+      <p:grpSpPr>
+        <a:xfrm>
+          <a:off x="0" y="0"/>
+          <a:ext cx="0" cy="0"/>
+          <a:chOff x="0" y="0"/>
+          <a:chExt cx="0" cy="0"/>
+        </a:xfrm>
+      </p:grpSpPr>
+      <p:sp>
+        <p:nvSpPr>
+          <p:cNvPr id="3" name="Subtitle 2"/>
+          <p:cNvSpPr>
+            <a:spLocks noGrp="1"/>
+          </p:cNvSpPr>
+          <p:nvPr>
+            <p:ph type="subTitle" idx="1"/>
+          </p:nvPr>
+        </p:nvSpPr>
+        <p:spPr/>
+        <p:txBody>
+          <a:bodyPr/>
+          <a:lstStyle/>
+          <a:p>
+            <a:r>
+              <a:rPr lang="en-US" dirty="0"/>
+              <a:t>Provisioning Azure Resources using Azure CLI</a:t>
+            </a:r>
+            <a:endParaRPr lang="en-US" dirty="0"/>
+          </a:p>
+        </p:txBody>
+      </p:sp>
+    </p:spTree>
+    <p:extLst>
+      <p:ext uri="{BB962C8B-B14F-4D97-AF65-F5344CB8AC3E}">
+        <p14:creationId xmlns:p14="http://schemas.microsoft.com/office/powerpoint/2010/main" val="1834329435"/>
+      </p:ext>
+    </p:extLst>
+  </p:cSld>
+  <p:clrMapOvr>
+    <a:masterClrMapping/>
+  </p:clrMapOvr>
+  <mc:AlternateContent xmlns:mc="http://schemas.openxmlformats.org/markup-compatibility/2006" xmlns:p14="http://schemas.microsoft.com/office/powerpoint/2010/main">
+    <mc:Choice Requires="p14">
+      <p:transition spd="med" p14:dur="700">
+        <p:fade/>
+      </p:transition>
+    </mc:Choice>
+    <mc:Fallback xmlns="">
+      <p:transition spd="med">
+        <p:fade/>
+      </p:transition>
+    </mc:Fallback>
+  </mc:AlternateContent>
+  <p:timing>
+    <p:tnLst>
+      <p:par>
+        <p:cTn id="1" dur="indefinite" restart="never" nodeType="tmRoot"/>
+      </p:par>
+    </p:tnLst>
+  </p:timing>
+</p:sld>
+</file>
+
+<file path=ppt/slides/slide12.xml><?xml version="1.0" encoding="utf-8"?>
+<p:sld xmlns:a="http://schemas.openxmlformats.org/drawingml/2006/main" xmlns:r="http://schemas.openxmlformats.org/officeDocument/2006/relationships" xmlns:p="http://schemas.openxmlformats.org/presentationml/2006/main">
+  <p:cSld>
+    <p:spTree>
+      <p:nvGrpSpPr>
+        <p:cNvPr id="1" name=""/>
+        <p:cNvGrpSpPr/>
+        <p:nvPr/>
+      </p:nvGrpSpPr>
+      <p:grpSpPr>
+        <a:xfrm>
+          <a:off x="0" y="0"/>
+          <a:ext cx="0" cy="0"/>
+          <a:chOff x="0" y="0"/>
+          <a:chExt cx="0" cy="0"/>
+        </a:xfrm>
+      </p:grpSpPr>
+      <p:sp>
+        <p:nvSpPr>
           <p:cNvPr id="4" name="Title 3"/>
           <p:cNvSpPr>
             <a:spLocks noGrp="1"/>
@@ -18169,13 +18552,543 @@
           <a:p>
             <a:r>
               <a:rPr lang="en-US" dirty="0"/>
-              <a:t>Deploying to Azure with </a:t>
+              <a:t>Deploying to </a:t>
+            </a:r>
+            <a:r>
+              <a:rPr lang="en-US" dirty="0" smtClean="0"/>
+              <a:t>Azure</a:t>
+            </a:r>
+            <a:br>
+              <a:rPr lang="en-US" dirty="0" smtClean="0"/>
+            </a:br>
+            <a:r>
+              <a:rPr lang="en-US" dirty="0" smtClean="0"/>
+              <a:t>with Visual </a:t>
             </a:r>
             <a:r>
               <a:rPr lang="en-US" dirty="0"/>
-              <a:t>GitHub</a:t>
-            </a:r>
-            <a:endParaRPr lang="en-US" dirty="0"/>
+              <a:t>Studio</a:t>
+            </a:r>
+          </a:p>
+        </p:txBody>
+      </p:sp>
+    </p:spTree>
+    <p:extLst>
+      <p:ext uri="{BB962C8B-B14F-4D97-AF65-F5344CB8AC3E}">
+        <p14:creationId xmlns:p14="http://schemas.microsoft.com/office/powerpoint/2010/main" val="2325426732"/>
+      </p:ext>
+    </p:extLst>
+  </p:cSld>
+  <p:clrMapOvr>
+    <a:masterClrMapping/>
+  </p:clrMapOvr>
+  <mc:AlternateContent xmlns:mc="http://schemas.openxmlformats.org/markup-compatibility/2006" xmlns:p14="http://schemas.microsoft.com/office/powerpoint/2010/main">
+    <mc:Choice Requires="p14">
+      <p:transition spd="med" p14:dur="700">
+        <p:fade/>
+      </p:transition>
+    </mc:Choice>
+    <mc:Fallback xmlns="">
+      <p:transition spd="med">
+        <p:fade/>
+      </p:transition>
+    </mc:Fallback>
+  </mc:AlternateContent>
+  <p:timing>
+    <p:tnLst>
+      <p:par>
+        <p:cTn id="1" dur="indefinite" restart="never" nodeType="tmRoot"/>
+      </p:par>
+    </p:tnLst>
+  </p:timing>
+</p:sld>
+</file>
+
+<file path=ppt/slides/slide13.xml><?xml version="1.0" encoding="utf-8"?>
+<p:sld xmlns:a="http://schemas.openxmlformats.org/drawingml/2006/main" xmlns:r="http://schemas.openxmlformats.org/officeDocument/2006/relationships" xmlns:p="http://schemas.openxmlformats.org/presentationml/2006/main">
+  <p:cSld>
+    <p:spTree>
+      <p:nvGrpSpPr>
+        <p:cNvPr id="1" name=""/>
+        <p:cNvGrpSpPr/>
+        <p:nvPr/>
+      </p:nvGrpSpPr>
+      <p:grpSpPr>
+        <a:xfrm>
+          <a:off x="0" y="0"/>
+          <a:ext cx="0" cy="0"/>
+          <a:chOff x="0" y="0"/>
+          <a:chExt cx="0" cy="0"/>
+        </a:xfrm>
+      </p:grpSpPr>
+      <p:sp>
+        <p:nvSpPr>
+          <p:cNvPr id="3" name="Title 2"/>
+          <p:cNvSpPr>
+            <a:spLocks noGrp="1"/>
+          </p:cNvSpPr>
+          <p:nvPr>
+            <p:ph type="title"/>
+          </p:nvPr>
+        </p:nvSpPr>
+        <p:spPr/>
+        <p:txBody>
+          <a:bodyPr anchor="ctr">
+            <a:normAutofit fontScale="90000"/>
+          </a:bodyPr>
+          <a:lstStyle/>
+          <a:p>
+            <a:pPr marL="252000">
+              <a:spcBef>
+                <a:spcPts val="0"/>
+              </a:spcBef>
+            </a:pPr>
+            <a:r>
+              <a:rPr lang="en-US" dirty="0"/>
+              <a:t>Visual Studio + App Service Web Apps</a:t>
+            </a:r>
+          </a:p>
+        </p:txBody>
+      </p:sp>
+      <p:sp>
+        <p:nvSpPr>
+          <p:cNvPr id="4" name="Content Placeholder 3"/>
+          <p:cNvSpPr>
+            <a:spLocks noGrp="1"/>
+          </p:cNvSpPr>
+          <p:nvPr>
+            <p:ph idx="1"/>
+          </p:nvPr>
+        </p:nvSpPr>
+        <p:spPr/>
+        <p:txBody>
+          <a:bodyPr/>
+          <a:lstStyle/>
+          <a:p>
+            <a:pPr marL="0" indent="0">
+              <a:buNone/>
+            </a:pPr>
+            <a:r>
+              <a:rPr lang="en-US" sz="3200" dirty="0">
+                <a:solidFill>
+                  <a:schemeClr val="tx1"/>
+                </a:solidFill>
+              </a:rPr>
+              <a:t>Create Azure Resources during File / New</a:t>
+            </a:r>
+          </a:p>
+          <a:p>
+            <a:pPr marL="0" indent="0">
+              <a:buNone/>
+            </a:pPr>
+            <a:r>
+              <a:rPr lang="en-US" sz="3200" dirty="0">
+                <a:solidFill>
+                  <a:schemeClr val="tx1"/>
+                </a:solidFill>
+              </a:rPr>
+              <a:t>Create Web App during deploy</a:t>
+            </a:r>
+          </a:p>
+          <a:p>
+            <a:pPr marL="0" indent="0">
+              <a:buNone/>
+            </a:pPr>
+            <a:r>
+              <a:rPr lang="en-US" sz="3200" dirty="0">
+                <a:solidFill>
+                  <a:schemeClr val="tx1"/>
+                </a:solidFill>
+              </a:rPr>
+              <a:t>Manage with Server Explorer</a:t>
+            </a:r>
+          </a:p>
+          <a:p>
+            <a:pPr marL="0" indent="0">
+              <a:buNone/>
+            </a:pPr>
+            <a:endParaRPr lang="en-US" sz="3200" dirty="0">
+              <a:solidFill>
+                <a:schemeClr val="tx1"/>
+              </a:solidFill>
+            </a:endParaRPr>
+          </a:p>
+        </p:txBody>
+      </p:sp>
+      <p:sp>
+        <p:nvSpPr>
+          <p:cNvPr id="6" name="Content Placeholder 2"/>
+          <p:cNvSpPr txBox="1">
+            <a:spLocks/>
+          </p:cNvSpPr>
+          <p:nvPr/>
+        </p:nvSpPr>
+        <p:spPr>
+          <a:xfrm>
+            <a:off x="274712" y="441435"/>
+            <a:ext cx="12192000" cy="5266267"/>
+          </a:xfrm>
+          <a:prstGeom prst="rect">
+            <a:avLst/>
+          </a:prstGeom>
+        </p:spPr>
+        <p:txBody>
+          <a:bodyPr vert="horz" lIns="91440" tIns="45720" rIns="91440" bIns="45720" rtlCol="0" anchor="ctr">
+            <a:noAutofit/>
+          </a:bodyPr>
+          <a:lstStyle>
+            <a:lvl1pPr marL="228600" indent="-228600" algn="l" defTabSz="914400" rtl="0" eaLnBrk="1" latinLnBrk="0" hangingPunct="1">
+              <a:lnSpc>
+                <a:spcPct val="90000"/>
+              </a:lnSpc>
+              <a:spcBef>
+                <a:spcPts val="1000"/>
+              </a:spcBef>
+              <a:buFont typeface="Arial" panose="020B0604020202020204" pitchFamily="34" charset="0"/>
+              <a:buChar char="•"/>
+              <a:defRPr sz="3600" kern="1200">
+                <a:solidFill>
+                  <a:schemeClr val="bg1"/>
+                </a:solidFill>
+                <a:latin typeface="+mn-lt"/>
+                <a:ea typeface="+mn-ea"/>
+                <a:cs typeface="+mn-cs"/>
+              </a:defRPr>
+            </a:lvl1pPr>
+            <a:lvl2pPr marL="685800" indent="-228600" algn="l" defTabSz="914400" rtl="0" eaLnBrk="1" latinLnBrk="0" hangingPunct="1">
+              <a:lnSpc>
+                <a:spcPct val="90000"/>
+              </a:lnSpc>
+              <a:spcBef>
+                <a:spcPts val="500"/>
+              </a:spcBef>
+              <a:buFont typeface="Arial" panose="020B0604020202020204" pitchFamily="34" charset="0"/>
+              <a:buChar char="•"/>
+              <a:defRPr sz="3200" kern="1200">
+                <a:solidFill>
+                  <a:schemeClr val="bg1"/>
+                </a:solidFill>
+                <a:latin typeface="+mn-lt"/>
+                <a:ea typeface="+mn-ea"/>
+                <a:cs typeface="+mn-cs"/>
+              </a:defRPr>
+            </a:lvl2pPr>
+            <a:lvl3pPr marL="1143000" indent="-228600" algn="l" defTabSz="914400" rtl="0" eaLnBrk="1" latinLnBrk="0" hangingPunct="1">
+              <a:lnSpc>
+                <a:spcPct val="90000"/>
+              </a:lnSpc>
+              <a:spcBef>
+                <a:spcPts val="500"/>
+              </a:spcBef>
+              <a:buFont typeface="Arial" panose="020B0604020202020204" pitchFamily="34" charset="0"/>
+              <a:buChar char="•"/>
+              <a:defRPr sz="2800" kern="1200">
+                <a:solidFill>
+                  <a:schemeClr val="bg1"/>
+                </a:solidFill>
+                <a:latin typeface="+mn-lt"/>
+                <a:ea typeface="+mn-ea"/>
+                <a:cs typeface="+mn-cs"/>
+              </a:defRPr>
+            </a:lvl3pPr>
+            <a:lvl4pPr marL="1600200" indent="-228600" algn="l" defTabSz="914400" rtl="0" eaLnBrk="1" latinLnBrk="0" hangingPunct="1">
+              <a:lnSpc>
+                <a:spcPct val="90000"/>
+              </a:lnSpc>
+              <a:spcBef>
+                <a:spcPts val="500"/>
+              </a:spcBef>
+              <a:buFont typeface="Arial" panose="020B0604020202020204" pitchFamily="34" charset="0"/>
+              <a:buChar char="•"/>
+              <a:defRPr sz="2400" kern="1200">
+                <a:solidFill>
+                  <a:schemeClr val="bg1"/>
+                </a:solidFill>
+                <a:latin typeface="+mn-lt"/>
+                <a:ea typeface="+mn-ea"/>
+                <a:cs typeface="+mn-cs"/>
+              </a:defRPr>
+            </a:lvl4pPr>
+            <a:lvl5pPr marL="2057400" indent="-228600" algn="l" defTabSz="914400" rtl="0" eaLnBrk="1" latinLnBrk="0" hangingPunct="1">
+              <a:lnSpc>
+                <a:spcPct val="90000"/>
+              </a:lnSpc>
+              <a:spcBef>
+                <a:spcPts val="500"/>
+              </a:spcBef>
+              <a:buFont typeface="Arial" panose="020B0604020202020204" pitchFamily="34" charset="0"/>
+              <a:buChar char="•"/>
+              <a:defRPr sz="2400" kern="1200">
+                <a:solidFill>
+                  <a:schemeClr val="bg1"/>
+                </a:solidFill>
+                <a:latin typeface="+mn-lt"/>
+                <a:ea typeface="+mn-ea"/>
+                <a:cs typeface="+mn-cs"/>
+              </a:defRPr>
+            </a:lvl5pPr>
+            <a:lvl6pPr marL="2514600" indent="-228600" algn="l" defTabSz="914400" rtl="0" eaLnBrk="1" latinLnBrk="0" hangingPunct="1">
+              <a:lnSpc>
+                <a:spcPct val="90000"/>
+              </a:lnSpc>
+              <a:spcBef>
+                <a:spcPts val="500"/>
+              </a:spcBef>
+              <a:buFont typeface="Arial" panose="020B0604020202020204" pitchFamily="34" charset="0"/>
+              <a:buChar char="•"/>
+              <a:defRPr sz="1800" kern="1200">
+                <a:solidFill>
+                  <a:schemeClr val="tx1"/>
+                </a:solidFill>
+                <a:latin typeface="+mn-lt"/>
+                <a:ea typeface="+mn-ea"/>
+                <a:cs typeface="+mn-cs"/>
+              </a:defRPr>
+            </a:lvl6pPr>
+            <a:lvl7pPr marL="2971800" indent="-228600" algn="l" defTabSz="914400" rtl="0" eaLnBrk="1" latinLnBrk="0" hangingPunct="1">
+              <a:lnSpc>
+                <a:spcPct val="90000"/>
+              </a:lnSpc>
+              <a:spcBef>
+                <a:spcPts val="500"/>
+              </a:spcBef>
+              <a:buFont typeface="Arial" panose="020B0604020202020204" pitchFamily="34" charset="0"/>
+              <a:buChar char="•"/>
+              <a:defRPr sz="1800" kern="1200">
+                <a:solidFill>
+                  <a:schemeClr val="tx1"/>
+                </a:solidFill>
+                <a:latin typeface="+mn-lt"/>
+                <a:ea typeface="+mn-ea"/>
+                <a:cs typeface="+mn-cs"/>
+              </a:defRPr>
+            </a:lvl7pPr>
+            <a:lvl8pPr marL="3429000" indent="-228600" algn="l" defTabSz="914400" rtl="0" eaLnBrk="1" latinLnBrk="0" hangingPunct="1">
+              <a:lnSpc>
+                <a:spcPct val="90000"/>
+              </a:lnSpc>
+              <a:spcBef>
+                <a:spcPts val="500"/>
+              </a:spcBef>
+              <a:buFont typeface="Arial" panose="020B0604020202020204" pitchFamily="34" charset="0"/>
+              <a:buChar char="•"/>
+              <a:defRPr sz="1800" kern="1200">
+                <a:solidFill>
+                  <a:schemeClr val="tx1"/>
+                </a:solidFill>
+                <a:latin typeface="+mn-lt"/>
+                <a:ea typeface="+mn-ea"/>
+                <a:cs typeface="+mn-cs"/>
+              </a:defRPr>
+            </a:lvl8pPr>
+            <a:lvl9pPr marL="3886200" indent="-228600" algn="l" defTabSz="914400" rtl="0" eaLnBrk="1" latinLnBrk="0" hangingPunct="1">
+              <a:lnSpc>
+                <a:spcPct val="90000"/>
+              </a:lnSpc>
+              <a:spcBef>
+                <a:spcPts val="500"/>
+              </a:spcBef>
+              <a:buFont typeface="Arial" panose="020B0604020202020204" pitchFamily="34" charset="0"/>
+              <a:buChar char="•"/>
+              <a:defRPr sz="1800" kern="1200">
+                <a:solidFill>
+                  <a:schemeClr val="tx1"/>
+                </a:solidFill>
+                <a:latin typeface="+mn-lt"/>
+                <a:ea typeface="+mn-ea"/>
+                <a:cs typeface="+mn-cs"/>
+              </a:defRPr>
+            </a:lvl9pPr>
+          </a:lstStyle>
+          <a:p>
+            <a:pPr marL="252000" indent="0">
+              <a:spcBef>
+                <a:spcPts val="0"/>
+              </a:spcBef>
+              <a:spcAft>
+                <a:spcPts val="1800"/>
+              </a:spcAft>
+              <a:buNone/>
+            </a:pPr>
+            <a:endParaRPr lang="en-US" dirty="0">
+              <a:solidFill>
+                <a:schemeClr val="tx1"/>
+              </a:solidFill>
+            </a:endParaRPr>
+          </a:p>
+        </p:txBody>
+      </p:sp>
+      <p:pic>
+        <p:nvPicPr>
+          <p:cNvPr id="7" name="Content Placeholder 4"/>
+          <p:cNvPicPr>
+            <a:picLocks noChangeAspect="1"/>
+          </p:cNvPicPr>
+          <p:nvPr/>
+        </p:nvPicPr>
+        <p:blipFill>
+          <a:blip r:embed="rId2" cstate="email">
+            <a:extLst>
+              <a:ext uri="{28A0092B-C50C-407E-A947-70E740481C1C}">
+                <a14:useLocalDpi xmlns:a14="http://schemas.microsoft.com/office/drawing/2010/main" val="0"/>
+              </a:ext>
+            </a:extLst>
+          </a:blip>
+          <a:stretch>
+            <a:fillRect/>
+          </a:stretch>
+        </p:blipFill>
+        <p:spPr>
+          <a:xfrm>
+            <a:off x="7530127" y="3373187"/>
+            <a:ext cx="4110493" cy="2719388"/>
+          </a:xfrm>
+          <a:prstGeom prst="rect">
+            <a:avLst/>
+          </a:prstGeom>
+        </p:spPr>
+      </p:pic>
+    </p:spTree>
+    <p:extLst>
+      <p:ext uri="{BB962C8B-B14F-4D97-AF65-F5344CB8AC3E}">
+        <p14:creationId xmlns:p14="http://schemas.microsoft.com/office/powerpoint/2010/main" val="1239248924"/>
+      </p:ext>
+    </p:extLst>
+  </p:cSld>
+  <p:clrMapOvr>
+    <a:masterClrMapping/>
+  </p:clrMapOvr>
+  <mc:AlternateContent xmlns:mc="http://schemas.openxmlformats.org/markup-compatibility/2006" xmlns:p14="http://schemas.microsoft.com/office/powerpoint/2010/main">
+    <mc:Choice Requires="p14">
+      <p:transition spd="med" p14:dur="700">
+        <p:fade/>
+      </p:transition>
+    </mc:Choice>
+    <mc:Fallback xmlns="">
+      <p:transition spd="med">
+        <p:fade/>
+      </p:transition>
+    </mc:Fallback>
+  </mc:AlternateContent>
+  <p:timing>
+    <p:tnLst>
+      <p:par>
+        <p:cTn id="1" dur="indefinite" restart="never" nodeType="tmRoot"/>
+      </p:par>
+    </p:tnLst>
+  </p:timing>
+</p:sld>
+</file>
+
+<file path=ppt/slides/slide14.xml><?xml version="1.0" encoding="utf-8"?>
+<p:sld xmlns:a="http://schemas.openxmlformats.org/drawingml/2006/main" xmlns:r="http://schemas.openxmlformats.org/officeDocument/2006/relationships" xmlns:p="http://schemas.openxmlformats.org/presentationml/2006/main">
+  <p:cSld>
+    <p:spTree>
+      <p:nvGrpSpPr>
+        <p:cNvPr id="1" name=""/>
+        <p:cNvGrpSpPr/>
+        <p:nvPr/>
+      </p:nvGrpSpPr>
+      <p:grpSpPr>
+        <a:xfrm>
+          <a:off x="0" y="0"/>
+          <a:ext cx="0" cy="0"/>
+          <a:chOff x="0" y="0"/>
+          <a:chExt cx="0" cy="0"/>
+        </a:xfrm>
+      </p:grpSpPr>
+      <p:sp>
+        <p:nvSpPr>
+          <p:cNvPr id="3" name="Subtitle 2"/>
+          <p:cNvSpPr>
+            <a:spLocks noGrp="1"/>
+          </p:cNvSpPr>
+          <p:nvPr>
+            <p:ph type="subTitle" idx="1"/>
+          </p:nvPr>
+        </p:nvSpPr>
+        <p:spPr/>
+        <p:txBody>
+          <a:bodyPr/>
+          <a:lstStyle/>
+          <a:p>
+            <a:r>
+              <a:rPr lang="en-US" dirty="0"/>
+              <a:t>Deploying to Azure with Visual Studio</a:t>
+            </a:r>
+          </a:p>
+        </p:txBody>
+      </p:sp>
+    </p:spTree>
+    <p:extLst>
+      <p:ext uri="{BB962C8B-B14F-4D97-AF65-F5344CB8AC3E}">
+        <p14:creationId xmlns:p14="http://schemas.microsoft.com/office/powerpoint/2010/main" val="2548092044"/>
+      </p:ext>
+    </p:extLst>
+  </p:cSld>
+  <p:clrMapOvr>
+    <a:masterClrMapping/>
+  </p:clrMapOvr>
+  <mc:AlternateContent xmlns:mc="http://schemas.openxmlformats.org/markup-compatibility/2006" xmlns:p14="http://schemas.microsoft.com/office/powerpoint/2010/main">
+    <mc:Choice Requires="p14">
+      <p:transition spd="med" p14:dur="700">
+        <p:fade/>
+      </p:transition>
+    </mc:Choice>
+    <mc:Fallback xmlns="">
+      <p:transition spd="med">
+        <p:fade/>
+      </p:transition>
+    </mc:Fallback>
+  </mc:AlternateContent>
+  <p:timing>
+    <p:tnLst>
+      <p:par>
+        <p:cTn id="1" dur="indefinite" restart="never" nodeType="tmRoot"/>
+      </p:par>
+    </p:tnLst>
+  </p:timing>
+</p:sld>
+</file>
+
+<file path=ppt/slides/slide15.xml><?xml version="1.0" encoding="utf-8"?>
+<p:sld xmlns:a="http://schemas.openxmlformats.org/drawingml/2006/main" xmlns:r="http://schemas.openxmlformats.org/officeDocument/2006/relationships" xmlns:p="http://schemas.openxmlformats.org/presentationml/2006/main">
+  <p:cSld>
+    <p:spTree>
+      <p:nvGrpSpPr>
+        <p:cNvPr id="1" name=""/>
+        <p:cNvGrpSpPr/>
+        <p:nvPr/>
+      </p:nvGrpSpPr>
+      <p:grpSpPr>
+        <a:xfrm>
+          <a:off x="0" y="0"/>
+          <a:ext cx="0" cy="0"/>
+          <a:chOff x="0" y="0"/>
+          <a:chExt cx="0" cy="0"/>
+        </a:xfrm>
+      </p:grpSpPr>
+      <p:sp>
+        <p:nvSpPr>
+          <p:cNvPr id="4" name="Title 3"/>
+          <p:cNvSpPr>
+            <a:spLocks noGrp="1"/>
+          </p:cNvSpPr>
+          <p:nvPr>
+            <p:ph type="ctrTitle"/>
+          </p:nvPr>
+        </p:nvSpPr>
+        <p:spPr/>
+        <p:txBody>
+          <a:bodyPr>
+            <a:normAutofit/>
+          </a:bodyPr>
+          <a:lstStyle/>
+          <a:p>
+            <a:r>
+              <a:rPr lang="en-US" dirty="0"/>
+              <a:t>Deploying to Azure with GitHub</a:t>
+            </a:r>
           </a:p>
         </p:txBody>
       </p:sp>
@@ -18211,7 +19124,7 @@
 </p:sld>
 </file>
 
-<file path=ppt/slides/slide11.xml><?xml version="1.0" encoding="utf-8"?>
+<file path=ppt/slides/slide16.xml><?xml version="1.0" encoding="utf-8"?>
 <p:sld xmlns:a="http://schemas.openxmlformats.org/drawingml/2006/main" xmlns:r="http://schemas.openxmlformats.org/officeDocument/2006/relationships" xmlns:p="http://schemas.openxmlformats.org/presentationml/2006/main">
   <p:cSld>
     <p:spTree>
@@ -18946,7 +19859,7 @@
 </p:sld>
 </file>
 
-<file path=ppt/slides/slide12.xml><?xml version="1.0" encoding="utf-8"?>
+<file path=ppt/slides/slide17.xml><?xml version="1.0" encoding="utf-8"?>
 <p:sld xmlns:a="http://schemas.openxmlformats.org/drawingml/2006/main" xmlns:r="http://schemas.openxmlformats.org/officeDocument/2006/relationships" xmlns:p="http://schemas.openxmlformats.org/presentationml/2006/main">
   <p:cSld>
     <p:bg>
@@ -19579,7 +20492,7 @@
 </p:sld>
 </file>
 
-<file path=ppt/slides/slide13.xml><?xml version="1.0" encoding="utf-8"?>
+<file path=ppt/slides/slide18.xml><?xml version="1.0" encoding="utf-8"?>
 <p:sld xmlns:a="http://schemas.openxmlformats.org/drawingml/2006/main" xmlns:r="http://schemas.openxmlformats.org/officeDocument/2006/relationships" xmlns:p="http://schemas.openxmlformats.org/presentationml/2006/main">
   <p:cSld>
     <p:spTree>
@@ -19675,7 +20588,7 @@
 </p:sld>
 </file>
 
-<file path=ppt/slides/slide14.xml><?xml version="1.0" encoding="utf-8"?>
+<file path=ppt/slides/slide19.xml><?xml version="1.0" encoding="utf-8"?>
 <p:sld xmlns:a="http://schemas.openxmlformats.org/drawingml/2006/main" xmlns:r="http://schemas.openxmlformats.org/officeDocument/2006/relationships" xmlns:p="http://schemas.openxmlformats.org/presentationml/2006/main">
   <p:cSld>
     <p:spTree>
@@ -19709,13 +20622,8 @@
           <a:p>
             <a:r>
               <a:rPr lang="en-US" dirty="0"/>
-              <a:t>Deploying to Azure with </a:t>
-            </a:r>
-            <a:r>
-              <a:rPr lang="en-US" dirty="0"/>
-              <a:t>GitHub</a:t>
-            </a:r>
-            <a:endParaRPr lang="en-US" dirty="0"/>
+              <a:t>Deploying to Azure with GitHub</a:t>
+            </a:r>
           </a:p>
         </p:txBody>
       </p:sp>
@@ -19751,7 +20659,161 @@
 </p:sld>
 </file>
 
-<file path=ppt/slides/slide15.xml><?xml version="1.0" encoding="utf-8"?>
+<file path=ppt/slides/slide2.xml><?xml version="1.0" encoding="utf-8"?>
+<p:sld xmlns:a="http://schemas.openxmlformats.org/drawingml/2006/main" xmlns:r="http://schemas.openxmlformats.org/officeDocument/2006/relationships" xmlns:p="http://schemas.openxmlformats.org/presentationml/2006/main">
+  <p:cSld>
+    <p:spTree>
+      <p:nvGrpSpPr>
+        <p:cNvPr id="1" name=""/>
+        <p:cNvGrpSpPr/>
+        <p:nvPr/>
+      </p:nvGrpSpPr>
+      <p:grpSpPr>
+        <a:xfrm>
+          <a:off x="0" y="0"/>
+          <a:ext cx="0" cy="0"/>
+          <a:chOff x="0" y="0"/>
+          <a:chExt cx="0" cy="0"/>
+        </a:xfrm>
+      </p:grpSpPr>
+      <p:sp>
+        <p:nvSpPr>
+          <p:cNvPr id="2" name="Title 1"/>
+          <p:cNvSpPr>
+            <a:spLocks noGrp="1"/>
+          </p:cNvSpPr>
+          <p:nvPr>
+            <p:ph type="title"/>
+          </p:nvPr>
+        </p:nvSpPr>
+        <p:spPr/>
+        <p:txBody>
+          <a:bodyPr/>
+          <a:lstStyle/>
+          <a:p>
+            <a:r>
+              <a:rPr lang="en-US" smtClean="0"/>
+              <a:t>Agenda</a:t>
+            </a:r>
+            <a:endParaRPr lang="en-US" dirty="0"/>
+          </a:p>
+        </p:txBody>
+      </p:sp>
+      <p:sp>
+        <p:nvSpPr>
+          <p:cNvPr id="7" name="Content Placeholder 6"/>
+          <p:cNvSpPr>
+            <a:spLocks noGrp="1"/>
+          </p:cNvSpPr>
+          <p:nvPr>
+            <p:ph idx="1"/>
+          </p:nvPr>
+        </p:nvSpPr>
+        <p:spPr/>
+        <p:txBody>
+          <a:bodyPr>
+            <a:normAutofit/>
+          </a:bodyPr>
+          <a:lstStyle/>
+          <a:p>
+            <a:pPr marL="742950" indent="-742950">
+              <a:buFont typeface="+mj-lt"/>
+              <a:buAutoNum type="arabicParenR"/>
+            </a:pPr>
+            <a:r>
+              <a:rPr lang="en-GB" dirty="0" smtClean="0"/>
+              <a:t>Azure Web Apps </a:t>
+            </a:r>
+            <a:r>
+              <a:rPr lang="en-GB" dirty="0" smtClean="0"/>
+              <a:t>Overview</a:t>
+            </a:r>
+          </a:p>
+          <a:p>
+            <a:pPr marL="742950" indent="-742950">
+              <a:buFont typeface="+mj-lt"/>
+              <a:buAutoNum type="arabicParenR"/>
+            </a:pPr>
+            <a:r>
+              <a:rPr lang="en-GB" dirty="0" smtClean="0"/>
+              <a:t>Provisioning Azure Resources using Azure CLI</a:t>
+            </a:r>
+            <a:endParaRPr lang="en-GB" dirty="0" smtClean="0"/>
+          </a:p>
+          <a:p>
+            <a:pPr marL="742950" indent="-742950">
+              <a:buFont typeface="+mj-lt"/>
+              <a:buAutoNum type="arabicParenR"/>
+            </a:pPr>
+            <a:r>
+              <a:rPr lang="en-GB" dirty="0" smtClean="0"/>
+              <a:t>Deploying to Azure with Visual Studio</a:t>
+            </a:r>
+          </a:p>
+          <a:p>
+            <a:pPr marL="742950" indent="-742950">
+              <a:buFont typeface="+mj-lt"/>
+              <a:buAutoNum type="arabicParenR"/>
+            </a:pPr>
+            <a:r>
+              <a:rPr lang="en-GB" dirty="0" smtClean="0"/>
+              <a:t>Deploying to Azure with GitHub</a:t>
+            </a:r>
+          </a:p>
+          <a:p>
+            <a:pPr marL="742950" indent="-742950">
+              <a:buFont typeface="+mj-lt"/>
+              <a:buAutoNum type="arabicParenR"/>
+            </a:pPr>
+            <a:r>
+              <a:rPr lang="en-US" dirty="0"/>
+              <a:t>Remote </a:t>
+            </a:r>
+            <a:r>
+              <a:rPr lang="en-US" dirty="0" smtClean="0"/>
+              <a:t>debugging with </a:t>
+            </a:r>
+            <a:r>
+              <a:rPr lang="en-US" dirty="0"/>
+              <a:t>Visual Studio</a:t>
+            </a:r>
+            <a:endParaRPr lang="en-GB" dirty="0" smtClean="0"/>
+          </a:p>
+        </p:txBody>
+      </p:sp>
+    </p:spTree>
+    <p:extLst>
+      <p:ext uri="{BB962C8B-B14F-4D97-AF65-F5344CB8AC3E}">
+        <p14:creationId xmlns:p14="http://schemas.microsoft.com/office/powerpoint/2010/main" val="3139541906"/>
+      </p:ext>
+    </p:extLst>
+  </p:cSld>
+  <p:clrMapOvr>
+    <a:masterClrMapping/>
+  </p:clrMapOvr>
+  <mc:AlternateContent xmlns:mc="http://schemas.openxmlformats.org/markup-compatibility/2006" xmlns:p14="http://schemas.microsoft.com/office/powerpoint/2010/main">
+    <mc:Choice Requires="p14">
+      <p:transition spd="med" p14:dur="700">
+        <p:fade/>
+      </p:transition>
+    </mc:Choice>
+    <mc:Fallback xmlns="">
+      <p:transition spd="med">
+        <p:fade/>
+      </p:transition>
+    </mc:Fallback>
+  </mc:AlternateContent>
+  <p:timing>
+    <p:tnLst>
+      <p:par>
+        <p:cTn id="1" dur="indefinite" restart="never" nodeType="tmRoot"/>
+      </p:par>
+    </p:tnLst>
+  </p:timing>
+</p:sld>
+</file>
+
+<file path=ppt/slides/slide20.xml><?xml version="1.0" encoding="utf-8"?>
 <p:sld xmlns:a="http://schemas.openxmlformats.org/drawingml/2006/main" xmlns:r="http://schemas.openxmlformats.org/officeDocument/2006/relationships" xmlns:p="http://schemas.openxmlformats.org/presentationml/2006/main">
   <p:cSld>
     <p:spTree>
@@ -19839,7 +20901,7 @@
 </p:sld>
 </file>
 
-<file path=ppt/slides/slide16.xml><?xml version="1.0" encoding="utf-8"?>
+<file path=ppt/slides/slide21.xml><?xml version="1.0" encoding="utf-8"?>
 <p:sld xmlns:a="http://schemas.openxmlformats.org/drawingml/2006/main" xmlns:r="http://schemas.openxmlformats.org/officeDocument/2006/relationships" xmlns:p="http://schemas.openxmlformats.org/presentationml/2006/main">
   <p:cSld>
     <p:spTree>
@@ -19911,7 +20973,7 @@
 </p:sld>
 </file>
 
-<file path=ppt/slides/slide17.xml><?xml version="1.0" encoding="utf-8"?>
+<file path=ppt/slides/slide22.xml><?xml version="1.0" encoding="utf-8"?>
 <p:sld xmlns:a="http://schemas.openxmlformats.org/drawingml/2006/main" xmlns:r="http://schemas.openxmlformats.org/officeDocument/2006/relationships" xmlns:p="http://schemas.openxmlformats.org/presentationml/2006/main">
   <p:cSld>
     <p:spTree>
@@ -20684,7 +21746,7 @@
 </p:sld>
 </file>
 
-<file path=ppt/slides/slide18.xml><?xml version="1.0" encoding="utf-8"?>
+<file path=ppt/slides/slide23.xml><?xml version="1.0" encoding="utf-8"?>
 <p:sld xmlns:a="http://schemas.openxmlformats.org/drawingml/2006/main" xmlns:r="http://schemas.openxmlformats.org/officeDocument/2006/relationships" xmlns:p="http://schemas.openxmlformats.org/presentationml/2006/main">
   <p:cSld>
     <p:spTree>
@@ -20705,149 +21767,6 @@
     <p:extLst>
       <p:ext uri="{BB962C8B-B14F-4D97-AF65-F5344CB8AC3E}">
         <p14:creationId xmlns:p14="http://schemas.microsoft.com/office/powerpoint/2010/main" val="3149604782"/>
-      </p:ext>
-    </p:extLst>
-  </p:cSld>
-  <p:clrMapOvr>
-    <a:masterClrMapping/>
-  </p:clrMapOvr>
-  <mc:AlternateContent xmlns:mc="http://schemas.openxmlformats.org/markup-compatibility/2006" xmlns:p14="http://schemas.microsoft.com/office/powerpoint/2010/main">
-    <mc:Choice Requires="p14">
-      <p:transition spd="med" p14:dur="700">
-        <p:fade/>
-      </p:transition>
-    </mc:Choice>
-    <mc:Fallback xmlns="">
-      <p:transition spd="med">
-        <p:fade/>
-      </p:transition>
-    </mc:Fallback>
-  </mc:AlternateContent>
-  <p:timing>
-    <p:tnLst>
-      <p:par>
-        <p:cTn id="1" dur="indefinite" restart="never" nodeType="tmRoot"/>
-      </p:par>
-    </p:tnLst>
-  </p:timing>
-</p:sld>
-</file>
-
-<file path=ppt/slides/slide2.xml><?xml version="1.0" encoding="utf-8"?>
-<p:sld xmlns:a="http://schemas.openxmlformats.org/drawingml/2006/main" xmlns:r="http://schemas.openxmlformats.org/officeDocument/2006/relationships" xmlns:p="http://schemas.openxmlformats.org/presentationml/2006/main">
-  <p:cSld>
-    <p:spTree>
-      <p:nvGrpSpPr>
-        <p:cNvPr id="1" name=""/>
-        <p:cNvGrpSpPr/>
-        <p:nvPr/>
-      </p:nvGrpSpPr>
-      <p:grpSpPr>
-        <a:xfrm>
-          <a:off x="0" y="0"/>
-          <a:ext cx="0" cy="0"/>
-          <a:chOff x="0" y="0"/>
-          <a:chExt cx="0" cy="0"/>
-        </a:xfrm>
-      </p:grpSpPr>
-      <p:sp>
-        <p:nvSpPr>
-          <p:cNvPr id="2" name="Title 1"/>
-          <p:cNvSpPr>
-            <a:spLocks noGrp="1"/>
-          </p:cNvSpPr>
-          <p:nvPr>
-            <p:ph type="title"/>
-          </p:nvPr>
-        </p:nvSpPr>
-        <p:spPr/>
-        <p:txBody>
-          <a:bodyPr/>
-          <a:lstStyle/>
-          <a:p>
-            <a:r>
-              <a:rPr lang="en-US" smtClean="0"/>
-              <a:t>Agenda</a:t>
-            </a:r>
-            <a:endParaRPr lang="en-US" dirty="0"/>
-          </a:p>
-        </p:txBody>
-      </p:sp>
-      <p:sp>
-        <p:nvSpPr>
-          <p:cNvPr id="7" name="Content Placeholder 6"/>
-          <p:cNvSpPr>
-            <a:spLocks noGrp="1"/>
-          </p:cNvSpPr>
-          <p:nvPr>
-            <p:ph idx="1"/>
-          </p:nvPr>
-        </p:nvSpPr>
-        <p:spPr/>
-        <p:txBody>
-          <a:bodyPr>
-            <a:normAutofit/>
-          </a:bodyPr>
-          <a:lstStyle/>
-          <a:p>
-            <a:pPr marL="742950" indent="-742950">
-              <a:buFont typeface="+mj-lt"/>
-              <a:buAutoNum type="arabicParenR"/>
-            </a:pPr>
-            <a:r>
-              <a:rPr lang="en-GB" dirty="0" smtClean="0"/>
-              <a:t>Azure Web Apps Overview</a:t>
-            </a:r>
-          </a:p>
-          <a:p>
-            <a:pPr marL="742950" indent="-742950">
-              <a:buFont typeface="+mj-lt"/>
-              <a:buAutoNum type="arabicParenR"/>
-            </a:pPr>
-            <a:r>
-              <a:rPr lang="en-GB" dirty="0" smtClean="0"/>
-              <a:t>Deploying </a:t>
-            </a:r>
-            <a:r>
-              <a:rPr lang="en-GB" dirty="0" smtClean="0"/>
-              <a:t>to Azure with Visual Studio</a:t>
-            </a:r>
-          </a:p>
-          <a:p>
-            <a:pPr marL="742950" indent="-742950">
-              <a:buFont typeface="+mj-lt"/>
-              <a:buAutoNum type="arabicParenR"/>
-            </a:pPr>
-            <a:r>
-              <a:rPr lang="en-GB" dirty="0" smtClean="0"/>
-              <a:t>Deploying to Azure with GitHub</a:t>
-            </a:r>
-          </a:p>
-          <a:p>
-            <a:pPr marL="742950" indent="-742950">
-              <a:buFont typeface="+mj-lt"/>
-              <a:buAutoNum type="arabicParenR"/>
-            </a:pPr>
-            <a:r>
-              <a:rPr lang="en-US" dirty="0"/>
-              <a:t>Remote </a:t>
-            </a:r>
-            <a:r>
-              <a:rPr lang="en-US" dirty="0" smtClean="0"/>
-              <a:t>debugging with </a:t>
-            </a:r>
-            <a:r>
-              <a:rPr lang="en-US" dirty="0"/>
-              <a:t>Visual Studio</a:t>
-            </a:r>
-            <a:endParaRPr lang="en-GB" dirty="0" smtClean="0"/>
-          </a:p>
-        </p:txBody>
-      </p:sp>
-    </p:spTree>
-    <p:extLst>
-      <p:ext uri="{BB962C8B-B14F-4D97-AF65-F5344CB8AC3E}">
-        <p14:creationId xmlns:p14="http://schemas.microsoft.com/office/powerpoint/2010/main" val="3139541906"/>
       </p:ext>
     </p:extLst>
   </p:cSld>
@@ -22387,15 +23306,7 @@
           <a:p>
             <a:r>
               <a:rPr lang="en-US" dirty="0" smtClean="0"/>
-              <a:t>Easy to deploy a variety of different web </a:t>
-            </a:r>
-            <a:r>
-              <a:rPr lang="en-US" dirty="0" smtClean="0"/>
-              <a:t>sites: </a:t>
-            </a:r>
-            <a:r>
-              <a:rPr lang="en-US" dirty="0" smtClean="0"/>
-              <a:t>node, python, </a:t>
+              <a:t>Easy to deploy a variety of different web sites: node, python, </a:t>
             </a:r>
             <a:r>
               <a:rPr lang="en-US" dirty="0" err="1" smtClean="0"/>
@@ -22409,24 +23320,14 @@
           <a:p>
             <a:r>
               <a:rPr lang="en-US" dirty="0" smtClean="0"/>
-              <a:t>Can install some software from the gallery like WordPress or preconfigured stacks </a:t>
-            </a:r>
+              <a:t>Can install some software from the gallery like WordPress or preconfigured stacks (MEAN stack)</a:t>
+            </a:r>
+          </a:p>
+          <a:p>
             <a:r>
               <a:rPr lang="en-US" dirty="0" smtClean="0"/>
-              <a:t>(MEAN stack)</a:t>
-            </a:r>
-            <a:endParaRPr lang="en-US" dirty="0" smtClean="0"/>
-          </a:p>
-          <a:p>
-            <a:r>
-              <a:rPr lang="en-US" dirty="0" smtClean="0"/>
-              <a:t>Has a few limitations such as cannot configure ports, compile native modules for </a:t>
-            </a:r>
-            <a:r>
-              <a:rPr lang="en-US" dirty="0" smtClean="0"/>
-              <a:t>Node</a:t>
-            </a:r>
-            <a:endParaRPr lang="en-US" dirty="0" smtClean="0"/>
+              <a:t>Has a few limitations such as cannot configure ports, compile native modules for Node</a:t>
+            </a:r>
           </a:p>
         </p:txBody>
       </p:sp>
@@ -22537,13 +23438,8 @@
           <a:p>
             <a:r>
               <a:rPr lang="en-US" dirty="0" smtClean="0"/>
-              <a:t>Ideal for a production / staging </a:t>
-            </a:r>
-            <a:r>
-              <a:rPr lang="en-US" dirty="0" smtClean="0"/>
-              <a:t>environment</a:t>
-            </a:r>
-            <a:endParaRPr lang="en-US" dirty="0" smtClean="0"/>
+              <a:t>Ideal for a production / staging environment</a:t>
+            </a:r>
           </a:p>
           <a:p>
             <a:endParaRPr lang="en-US" dirty="0"/>
@@ -22617,24 +23513,10 @@
           <a:lstStyle/>
           <a:p>
             <a:r>
-              <a:rPr lang="en-US" dirty="0"/>
-              <a:t>Deploying to </a:t>
-            </a:r>
-            <a:r>
               <a:rPr lang="en-US" dirty="0" smtClean="0"/>
-              <a:t>Azure</a:t>
-            </a:r>
-            <a:br>
-              <a:rPr lang="en-US" dirty="0" smtClean="0"/>
-            </a:br>
-            <a:r>
-              <a:rPr lang="en-US" dirty="0" smtClean="0"/>
-              <a:t>with Visual </a:t>
-            </a:r>
-            <a:r>
-              <a:rPr lang="en-US" dirty="0"/>
-              <a:t>Studio</a:t>
-            </a:r>
+              <a:t>Provisioning Azure Resources using Azure CLI</a:t>
+            </a:r>
+            <a:endParaRPr lang="en-US" dirty="0"/>
           </a:p>
         </p:txBody>
       </p:sp>
@@ -22689,7 +23571,7 @@
       </p:grpSpPr>
       <p:sp>
         <p:nvSpPr>
-          <p:cNvPr id="3" name="Title 2"/>
+          <p:cNvPr id="2" name="Title 1"/>
           <p:cNvSpPr>
             <a:spLocks noGrp="1"/>
           </p:cNvSpPr>
@@ -22699,26 +23581,24 @@
         </p:nvSpPr>
         <p:spPr/>
         <p:txBody>
-          <a:bodyPr anchor="ctr">
-            <a:normAutofit fontScale="90000"/>
-          </a:bodyPr>
+          <a:bodyPr/>
           <a:lstStyle/>
           <a:p>
-            <a:pPr marL="252000">
-              <a:spcBef>
-                <a:spcPts val="0"/>
-              </a:spcBef>
-            </a:pPr>
-            <a:r>
-              <a:rPr lang="en-US" dirty="0"/>
-              <a:t>Visual Studio + App Service Web Apps</a:t>
-            </a:r>
+            <a:r>
+              <a:rPr lang="en-US" dirty="0" smtClean="0"/>
+              <a:t>Azure </a:t>
+            </a:r>
+            <a:r>
+              <a:rPr lang="en-US" dirty="0" smtClean="0"/>
+              <a:t>CLI</a:t>
+            </a:r>
+            <a:endParaRPr lang="en-US" dirty="0"/>
           </a:p>
         </p:txBody>
       </p:sp>
       <p:sp>
         <p:nvSpPr>
-          <p:cNvPr id="4" name="Content Placeholder 3"/>
+          <p:cNvPr id="3" name="Content Placeholder 2"/>
           <p:cNvSpPr>
             <a:spLocks noGrp="1"/>
           </p:cNvSpPr>
@@ -22728,296 +23608,111 @@
         </p:nvSpPr>
         <p:spPr/>
         <p:txBody>
-          <a:bodyPr/>
+          <a:bodyPr>
+            <a:normAutofit/>
+          </a:bodyPr>
           <a:lstStyle/>
           <a:p>
-            <a:pPr marL="0" indent="0">
+            <a:r>
+              <a:rPr lang="en-US" dirty="0" smtClean="0"/>
+              <a:t>Cross-platform </a:t>
+            </a:r>
+            <a:r>
+              <a:rPr lang="en-US" dirty="0"/>
+              <a:t>command line interface to develop, deploy and manage Microsoft Azure applications</a:t>
+            </a:r>
+          </a:p>
+          <a:p>
+            <a:r>
+              <a:rPr lang="en-US" dirty="0" smtClean="0"/>
+              <a:t>Runs </a:t>
+            </a:r>
+            <a:r>
+              <a:rPr lang="en-US" dirty="0"/>
+              <a:t>on Node.js. It's installed using </a:t>
+            </a:r>
+            <a:r>
+              <a:rPr lang="en-US" dirty="0" err="1"/>
+              <a:t>npm</a:t>
+            </a:r>
+            <a:r>
+              <a:rPr lang="en-US" dirty="0"/>
+              <a:t> package </a:t>
+            </a:r>
+            <a:endParaRPr lang="en-US" dirty="0" smtClean="0"/>
+          </a:p>
+          <a:p>
+            <a:pPr marL="457200" lvl="1" indent="0">
               <a:buNone/>
             </a:pPr>
             <a:r>
-              <a:rPr lang="en-US" sz="3200" dirty="0">
-                <a:solidFill>
-                  <a:schemeClr val="tx1"/>
-                </a:solidFill>
+              <a:rPr lang="de-DE" dirty="0" smtClean="0">
+                <a:latin typeface="Courier New" panose="02070309020205020404" pitchFamily="49" charset="0"/>
+                <a:cs typeface="Courier New" panose="02070309020205020404" pitchFamily="49" charset="0"/>
               </a:rPr>
-              <a:t>Create Azure Resources during File / New</a:t>
-            </a:r>
-          </a:p>
-          <a:p>
-            <a:pPr marL="0" indent="0">
-              <a:buNone/>
-            </a:pPr>
-            <a:r>
-              <a:rPr lang="en-US" sz="3200" dirty="0">
-                <a:solidFill>
-                  <a:schemeClr val="tx1"/>
-                </a:solidFill>
+              <a:t>manager </a:t>
+            </a:r>
+            <a:r>
+              <a:rPr lang="de-DE" dirty="0">
+                <a:latin typeface="Courier New" panose="02070309020205020404" pitchFamily="49" charset="0"/>
+                <a:cs typeface="Courier New" panose="02070309020205020404" pitchFamily="49" charset="0"/>
               </a:rPr>
-              <a:t>Create Web App during deploy</a:t>
-            </a:r>
-          </a:p>
-          <a:p>
-            <a:pPr marL="0" indent="0">
-              <a:buNone/>
-            </a:pPr>
-            <a:r>
-              <a:rPr lang="en-US" sz="3200" dirty="0">
-                <a:solidFill>
-                  <a:schemeClr val="tx1"/>
-                </a:solidFill>
+              <a:t>npm install -g azure-cli</a:t>
+            </a:r>
+            <a:r>
+              <a:rPr lang="en-US" dirty="0" smtClean="0">
+                <a:latin typeface="Courier New" panose="02070309020205020404" pitchFamily="49" charset="0"/>
+                <a:cs typeface="Courier New" panose="02070309020205020404" pitchFamily="49" charset="0"/>
               </a:rPr>
-              <a:t>Manage with Server Explorer</a:t>
-            </a:r>
-          </a:p>
-          <a:p>
-            <a:pPr marL="0" indent="0">
-              <a:buNone/>
-            </a:pPr>
-            <a:endParaRPr lang="en-US" sz="3200" dirty="0">
-              <a:solidFill>
-                <a:schemeClr val="tx1"/>
-              </a:solidFill>
+              <a:t> </a:t>
+            </a:r>
+            <a:endParaRPr lang="en-US" dirty="0">
+              <a:latin typeface="Courier New" panose="02070309020205020404" pitchFamily="49" charset="0"/>
+              <a:cs typeface="Courier New" panose="02070309020205020404" pitchFamily="49" charset="0"/>
             </a:endParaRPr>
+          </a:p>
+          <a:p>
+            <a:r>
+              <a:rPr lang="en-US" dirty="0" smtClean="0"/>
+              <a:t>Works </a:t>
+            </a:r>
+            <a:r>
+              <a:rPr lang="en-US" dirty="0"/>
+              <a:t>in one of two modes </a:t>
+            </a:r>
+            <a:endParaRPr lang="en-US" dirty="0" smtClean="0"/>
+          </a:p>
+          <a:p>
+            <a:pPr lvl="1"/>
+            <a:r>
+              <a:rPr lang="en-US" dirty="0" smtClean="0"/>
+              <a:t>Service </a:t>
+            </a:r>
+            <a:r>
+              <a:rPr lang="en-US" dirty="0"/>
+              <a:t>management: Azure service management API</a:t>
+            </a:r>
+          </a:p>
+          <a:p>
+            <a:pPr lvl="1"/>
+            <a:r>
+              <a:rPr lang="en-US" dirty="0" smtClean="0"/>
+              <a:t>Resource </a:t>
+            </a:r>
+            <a:r>
+              <a:rPr lang="en-US" dirty="0"/>
+              <a:t>manager: Azure Resource Manager API</a:t>
+            </a:r>
+          </a:p>
+          <a:p>
+            <a:endParaRPr lang="en-US" dirty="0"/>
           </a:p>
         </p:txBody>
       </p:sp>
-      <p:sp>
-        <p:nvSpPr>
-          <p:cNvPr id="6" name="Content Placeholder 2"/>
-          <p:cNvSpPr txBox="1">
-            <a:spLocks/>
-          </p:cNvSpPr>
-          <p:nvPr/>
-        </p:nvSpPr>
-        <p:spPr>
-          <a:xfrm>
-            <a:off x="274712" y="441435"/>
-            <a:ext cx="12192000" cy="5266267"/>
-          </a:xfrm>
-          <a:prstGeom prst="rect">
-            <a:avLst/>
-          </a:prstGeom>
-        </p:spPr>
-        <p:txBody>
-          <a:bodyPr vert="horz" lIns="91440" tIns="45720" rIns="91440" bIns="45720" rtlCol="0" anchor="ctr">
-            <a:noAutofit/>
-          </a:bodyPr>
-          <a:lstStyle>
-            <a:lvl1pPr marL="228600" indent="-228600" algn="l" defTabSz="914400" rtl="0" eaLnBrk="1" latinLnBrk="0" hangingPunct="1">
-              <a:lnSpc>
-                <a:spcPct val="90000"/>
-              </a:lnSpc>
-              <a:spcBef>
-                <a:spcPts val="1000"/>
-              </a:spcBef>
-              <a:buFont typeface="Arial" panose="020B0604020202020204" pitchFamily="34" charset="0"/>
-              <a:buChar char="•"/>
-              <a:defRPr sz="3600" kern="1200">
-                <a:solidFill>
-                  <a:schemeClr val="bg1"/>
-                </a:solidFill>
-                <a:latin typeface="+mn-lt"/>
-                <a:ea typeface="+mn-ea"/>
-                <a:cs typeface="+mn-cs"/>
-              </a:defRPr>
-            </a:lvl1pPr>
-            <a:lvl2pPr marL="685800" indent="-228600" algn="l" defTabSz="914400" rtl="0" eaLnBrk="1" latinLnBrk="0" hangingPunct="1">
-              <a:lnSpc>
-                <a:spcPct val="90000"/>
-              </a:lnSpc>
-              <a:spcBef>
-                <a:spcPts val="500"/>
-              </a:spcBef>
-              <a:buFont typeface="Arial" panose="020B0604020202020204" pitchFamily="34" charset="0"/>
-              <a:buChar char="•"/>
-              <a:defRPr sz="3200" kern="1200">
-                <a:solidFill>
-                  <a:schemeClr val="bg1"/>
-                </a:solidFill>
-                <a:latin typeface="+mn-lt"/>
-                <a:ea typeface="+mn-ea"/>
-                <a:cs typeface="+mn-cs"/>
-              </a:defRPr>
-            </a:lvl2pPr>
-            <a:lvl3pPr marL="1143000" indent="-228600" algn="l" defTabSz="914400" rtl="0" eaLnBrk="1" latinLnBrk="0" hangingPunct="1">
-              <a:lnSpc>
-                <a:spcPct val="90000"/>
-              </a:lnSpc>
-              <a:spcBef>
-                <a:spcPts val="500"/>
-              </a:spcBef>
-              <a:buFont typeface="Arial" panose="020B0604020202020204" pitchFamily="34" charset="0"/>
-              <a:buChar char="•"/>
-              <a:defRPr sz="2800" kern="1200">
-                <a:solidFill>
-                  <a:schemeClr val="bg1"/>
-                </a:solidFill>
-                <a:latin typeface="+mn-lt"/>
-                <a:ea typeface="+mn-ea"/>
-                <a:cs typeface="+mn-cs"/>
-              </a:defRPr>
-            </a:lvl3pPr>
-            <a:lvl4pPr marL="1600200" indent="-228600" algn="l" defTabSz="914400" rtl="0" eaLnBrk="1" latinLnBrk="0" hangingPunct="1">
-              <a:lnSpc>
-                <a:spcPct val="90000"/>
-              </a:lnSpc>
-              <a:spcBef>
-                <a:spcPts val="500"/>
-              </a:spcBef>
-              <a:buFont typeface="Arial" panose="020B0604020202020204" pitchFamily="34" charset="0"/>
-              <a:buChar char="•"/>
-              <a:defRPr sz="2400" kern="1200">
-                <a:solidFill>
-                  <a:schemeClr val="bg1"/>
-                </a:solidFill>
-                <a:latin typeface="+mn-lt"/>
-                <a:ea typeface="+mn-ea"/>
-                <a:cs typeface="+mn-cs"/>
-              </a:defRPr>
-            </a:lvl4pPr>
-            <a:lvl5pPr marL="2057400" indent="-228600" algn="l" defTabSz="914400" rtl="0" eaLnBrk="1" latinLnBrk="0" hangingPunct="1">
-              <a:lnSpc>
-                <a:spcPct val="90000"/>
-              </a:lnSpc>
-              <a:spcBef>
-                <a:spcPts val="500"/>
-              </a:spcBef>
-              <a:buFont typeface="Arial" panose="020B0604020202020204" pitchFamily="34" charset="0"/>
-              <a:buChar char="•"/>
-              <a:defRPr sz="2400" kern="1200">
-                <a:solidFill>
-                  <a:schemeClr val="bg1"/>
-                </a:solidFill>
-                <a:latin typeface="+mn-lt"/>
-                <a:ea typeface="+mn-ea"/>
-                <a:cs typeface="+mn-cs"/>
-              </a:defRPr>
-            </a:lvl5pPr>
-            <a:lvl6pPr marL="2514600" indent="-228600" algn="l" defTabSz="914400" rtl="0" eaLnBrk="1" latinLnBrk="0" hangingPunct="1">
-              <a:lnSpc>
-                <a:spcPct val="90000"/>
-              </a:lnSpc>
-              <a:spcBef>
-                <a:spcPts val="500"/>
-              </a:spcBef>
-              <a:buFont typeface="Arial" panose="020B0604020202020204" pitchFamily="34" charset="0"/>
-              <a:buChar char="•"/>
-              <a:defRPr sz="1800" kern="1200">
-                <a:solidFill>
-                  <a:schemeClr val="tx1"/>
-                </a:solidFill>
-                <a:latin typeface="+mn-lt"/>
-                <a:ea typeface="+mn-ea"/>
-                <a:cs typeface="+mn-cs"/>
-              </a:defRPr>
-            </a:lvl6pPr>
-            <a:lvl7pPr marL="2971800" indent="-228600" algn="l" defTabSz="914400" rtl="0" eaLnBrk="1" latinLnBrk="0" hangingPunct="1">
-              <a:lnSpc>
-                <a:spcPct val="90000"/>
-              </a:lnSpc>
-              <a:spcBef>
-                <a:spcPts val="500"/>
-              </a:spcBef>
-              <a:buFont typeface="Arial" panose="020B0604020202020204" pitchFamily="34" charset="0"/>
-              <a:buChar char="•"/>
-              <a:defRPr sz="1800" kern="1200">
-                <a:solidFill>
-                  <a:schemeClr val="tx1"/>
-                </a:solidFill>
-                <a:latin typeface="+mn-lt"/>
-                <a:ea typeface="+mn-ea"/>
-                <a:cs typeface="+mn-cs"/>
-              </a:defRPr>
-            </a:lvl7pPr>
-            <a:lvl8pPr marL="3429000" indent="-228600" algn="l" defTabSz="914400" rtl="0" eaLnBrk="1" latinLnBrk="0" hangingPunct="1">
-              <a:lnSpc>
-                <a:spcPct val="90000"/>
-              </a:lnSpc>
-              <a:spcBef>
-                <a:spcPts val="500"/>
-              </a:spcBef>
-              <a:buFont typeface="Arial" panose="020B0604020202020204" pitchFamily="34" charset="0"/>
-              <a:buChar char="•"/>
-              <a:defRPr sz="1800" kern="1200">
-                <a:solidFill>
-                  <a:schemeClr val="tx1"/>
-                </a:solidFill>
-                <a:latin typeface="+mn-lt"/>
-                <a:ea typeface="+mn-ea"/>
-                <a:cs typeface="+mn-cs"/>
-              </a:defRPr>
-            </a:lvl8pPr>
-            <a:lvl9pPr marL="3886200" indent="-228600" algn="l" defTabSz="914400" rtl="0" eaLnBrk="1" latinLnBrk="0" hangingPunct="1">
-              <a:lnSpc>
-                <a:spcPct val="90000"/>
-              </a:lnSpc>
-              <a:spcBef>
-                <a:spcPts val="500"/>
-              </a:spcBef>
-              <a:buFont typeface="Arial" panose="020B0604020202020204" pitchFamily="34" charset="0"/>
-              <a:buChar char="•"/>
-              <a:defRPr sz="1800" kern="1200">
-                <a:solidFill>
-                  <a:schemeClr val="tx1"/>
-                </a:solidFill>
-                <a:latin typeface="+mn-lt"/>
-                <a:ea typeface="+mn-ea"/>
-                <a:cs typeface="+mn-cs"/>
-              </a:defRPr>
-            </a:lvl9pPr>
-          </a:lstStyle>
-          <a:p>
-            <a:pPr marL="252000" indent="0">
-              <a:spcBef>
-                <a:spcPts val="0"/>
-              </a:spcBef>
-              <a:spcAft>
-                <a:spcPts val="1800"/>
-              </a:spcAft>
-              <a:buNone/>
-            </a:pPr>
-            <a:endParaRPr lang="en-US" dirty="0">
-              <a:solidFill>
-                <a:schemeClr val="tx1"/>
-              </a:solidFill>
-            </a:endParaRPr>
-          </a:p>
-        </p:txBody>
-      </p:sp>
-      <p:pic>
-        <p:nvPicPr>
-          <p:cNvPr id="7" name="Content Placeholder 4"/>
-          <p:cNvPicPr>
-            <a:picLocks noChangeAspect="1"/>
-          </p:cNvPicPr>
-          <p:nvPr/>
-        </p:nvPicPr>
-        <p:blipFill>
-          <a:blip r:embed="rId2" cstate="email">
-            <a:extLst>
-              <a:ext uri="{28A0092B-C50C-407E-A947-70E740481C1C}">
-                <a14:useLocalDpi xmlns:a14="http://schemas.microsoft.com/office/drawing/2010/main" val="0"/>
-              </a:ext>
-            </a:extLst>
-          </a:blip>
-          <a:stretch>
-            <a:fillRect/>
-          </a:stretch>
-        </p:blipFill>
-        <p:spPr>
-          <a:xfrm>
-            <a:off x="7530127" y="3373187"/>
-            <a:ext cx="4110493" cy="2719388"/>
-          </a:xfrm>
-          <a:prstGeom prst="rect">
-            <a:avLst/>
-          </a:prstGeom>
-        </p:spPr>
-      </p:pic>
     </p:spTree>
     <p:extLst>
       <p:ext uri="{BB962C8B-B14F-4D97-AF65-F5344CB8AC3E}">
-        <p14:creationId xmlns:p14="http://schemas.microsoft.com/office/powerpoint/2010/main" val="1239248924"/>
+        <p14:creationId xmlns:p14="http://schemas.microsoft.com/office/powerpoint/2010/main" val="2972335047"/>
       </p:ext>
     </p:extLst>
   </p:cSld>
@@ -23065,30 +23760,75 @@
       </p:grpSpPr>
       <p:sp>
         <p:nvSpPr>
-          <p:cNvPr id="3" name="Subtitle 2"/>
+          <p:cNvPr id="2" name="Title 1"/>
           <p:cNvSpPr>
             <a:spLocks noGrp="1"/>
           </p:cNvSpPr>
           <p:nvPr>
-            <p:ph type="subTitle" idx="1"/>
+            <p:ph type="title"/>
           </p:nvPr>
         </p:nvSpPr>
         <p:spPr/>
         <p:txBody>
-          <a:bodyPr/>
+          <a:bodyPr>
+            <a:normAutofit fontScale="90000"/>
+          </a:bodyPr>
           <a:lstStyle/>
           <a:p>
             <a:r>
               <a:rPr lang="en-US" dirty="0"/>
-              <a:t>Deploying to Azure with Visual Studio</a:t>
-            </a:r>
+              <a:t>Azure CLI with Azure Resource Manager</a:t>
+            </a:r>
+            <a:endParaRPr lang="en-US" dirty="0"/>
+          </a:p>
+        </p:txBody>
+      </p:sp>
+      <p:sp>
+        <p:nvSpPr>
+          <p:cNvPr id="3" name="Content Placeholder 2"/>
+          <p:cNvSpPr>
+            <a:spLocks noGrp="1"/>
+          </p:cNvSpPr>
+          <p:nvPr>
+            <p:ph idx="1"/>
+          </p:nvPr>
+        </p:nvSpPr>
+        <p:spPr/>
+        <p:txBody>
+          <a:bodyPr>
+            <a:normAutofit/>
+          </a:bodyPr>
+          <a:lstStyle/>
+          <a:p>
+            <a:r>
+              <a:rPr lang="en-US" dirty="0"/>
+              <a:t>Deploy, manage, and monitor the solution resources as a group, rather than handling them individually</a:t>
+            </a:r>
+            <a:endParaRPr lang="en-US" dirty="0"/>
+          </a:p>
+          <a:p>
+            <a:r>
+              <a:rPr lang="en-US" dirty="0"/>
+              <a:t>Use declarative templates to define the solution </a:t>
+            </a:r>
+            <a:r>
+              <a:rPr lang="en-US" dirty="0" smtClean="0"/>
+              <a:t>deployment</a:t>
+            </a:r>
+          </a:p>
+          <a:p>
+            <a:r>
+              <a:rPr lang="en-US" dirty="0"/>
+              <a:t>Define the dependencies between resources so they are deployed in the correct order</a:t>
+            </a:r>
+            <a:endParaRPr lang="en-US" dirty="0"/>
           </a:p>
         </p:txBody>
       </p:sp>
     </p:spTree>
     <p:extLst>
       <p:ext uri="{BB962C8B-B14F-4D97-AF65-F5344CB8AC3E}">
-        <p14:creationId xmlns:p14="http://schemas.microsoft.com/office/powerpoint/2010/main" val="2548092044"/>
+        <p14:creationId xmlns:p14="http://schemas.microsoft.com/office/powerpoint/2010/main" val="1081355085"/>
       </p:ext>
     </p:extLst>
   </p:cSld>
@@ -25140,6 +25880,21 @@
 </file>
 
 <file path=customXml/item1.xml><?xml version="1.0" encoding="utf-8"?>
+<?mso-contentType ?>
+<FormTemplates xmlns="http://schemas.microsoft.com/sharepoint/v3/contenttype/forms">
+  <Display>DocumentLibraryForm</Display>
+  <Edit>DocumentLibraryForm</Edit>
+  <New>DocumentLibraryForm</New>
+</FormTemplates>
+</file>
+
+<file path=customXml/item2.xml><?xml version="1.0" encoding="utf-8"?>
+<p:properties xmlns:p="http://schemas.microsoft.com/office/2006/metadata/properties" xmlns:xsi="http://www.w3.org/2001/XMLSchema-instance" xmlns:pc="http://schemas.microsoft.com/office/infopath/2007/PartnerControls">
+  <documentManagement/>
+</p:properties>
+</file>
+
+<file path=customXml/item3.xml><?xml version="1.0" encoding="utf-8"?>
 <ct:contentTypeSchema xmlns:ct="http://schemas.microsoft.com/office/2006/metadata/contentType" xmlns:ma="http://schemas.microsoft.com/office/2006/metadata/properties/metaAttributes" ct:_="" ma:_="" ma:contentTypeName="Document" ma:contentTypeID="0x010100391E57C78B9F604FB8BAD296D1460E2A" ma:contentTypeVersion="1" ma:contentTypeDescription="Create a new document." ma:contentTypeScope="" ma:versionID="fb382fe2362acd2155f454904f478e4d">
   <xsd:schema xmlns:xsd="http://www.w3.org/2001/XMLSchema" xmlns:xs="http://www.w3.org/2001/XMLSchema" xmlns:p="http://schemas.microsoft.com/office/2006/metadata/properties" xmlns:ns3="636b0322-90fb-440c-9cbc-22749e7231e9" targetNamespace="http://schemas.microsoft.com/office/2006/metadata/properties" ma:root="true" ma:fieldsID="b9887c63ce4710c1aeb75a5f03aecb69" ns3:_="">
     <xsd:import namespace="636b0322-90fb-440c-9cbc-22749e7231e9"/>
@@ -25279,35 +26034,10 @@
 </ct:contentTypeSchema>
 </file>
 
-<file path=customXml/item2.xml><?xml version="1.0" encoding="utf-8"?>
-<p:properties xmlns:p="http://schemas.microsoft.com/office/2006/metadata/properties" xmlns:xsi="http://www.w3.org/2001/XMLSchema-instance" xmlns:pc="http://schemas.microsoft.com/office/infopath/2007/PartnerControls">
-  <documentManagement/>
-</p:properties>
-</file>
-
-<file path=customXml/item3.xml><?xml version="1.0" encoding="utf-8"?>
-<?mso-contentType ?>
-<FormTemplates xmlns="http://schemas.microsoft.com/sharepoint/v3/contenttype/forms">
-  <Display>DocumentLibraryForm</Display>
-  <Edit>DocumentLibraryForm</Edit>
-  <New>DocumentLibraryForm</New>
-</FormTemplates>
-</file>
-
 <file path=customXml/itemProps1.xml><?xml version="1.0" encoding="utf-8"?>
-<ds:datastoreItem xmlns:ds="http://schemas.openxmlformats.org/officeDocument/2006/customXml" ds:itemID="{7B70CE0C-0988-423A-BF66-B40F6A1061FF}">
+<ds:datastoreItem xmlns:ds="http://schemas.openxmlformats.org/officeDocument/2006/customXml" ds:itemID="{B0CA13EC-1D3C-4D6F-8D1C-E8A452CFC79A}">
   <ds:schemaRefs>
-    <ds:schemaRef ds:uri="http://schemas.microsoft.com/office/2006/metadata/contentType"/>
-    <ds:schemaRef ds:uri="http://schemas.microsoft.com/office/2006/metadata/properties/metaAttributes"/>
-    <ds:schemaRef ds:uri="http://www.w3.org/2001/XMLSchema"/>
-    <ds:schemaRef ds:uri="http://schemas.microsoft.com/office/2006/metadata/properties"/>
-    <ds:schemaRef ds:uri="636b0322-90fb-440c-9cbc-22749e7231e9"/>
-    <ds:schemaRef ds:uri="http://schemas.microsoft.com/office/2006/documentManagement/types"/>
-    <ds:schemaRef ds:uri="http://schemas.microsoft.com/office/infopath/2007/PartnerControls"/>
-    <ds:schemaRef ds:uri="http://schemas.openxmlformats.org/package/2006/metadata/core-properties"/>
-    <ds:schemaRef ds:uri="http://purl.org/dc/elements/1.1/"/>
-    <ds:schemaRef ds:uri="http://purl.org/dc/terms/"/>
-    <ds:schemaRef ds:uri="http://schemas.microsoft.com/internal/obd"/>
+    <ds:schemaRef ds:uri="http://schemas.microsoft.com/sharepoint/v3/contenttype/forms"/>
   </ds:schemaRefs>
 </ds:datastoreItem>
 </file>
@@ -25329,9 +26059,19 @@
 </file>
 
 <file path=customXml/itemProps3.xml><?xml version="1.0" encoding="utf-8"?>
-<ds:datastoreItem xmlns:ds="http://schemas.openxmlformats.org/officeDocument/2006/customXml" ds:itemID="{B0CA13EC-1D3C-4D6F-8D1C-E8A452CFC79A}">
+<ds:datastoreItem xmlns:ds="http://schemas.openxmlformats.org/officeDocument/2006/customXml" ds:itemID="{7B70CE0C-0988-423A-BF66-B40F6A1061FF}">
   <ds:schemaRefs>
-    <ds:schemaRef ds:uri="http://schemas.microsoft.com/sharepoint/v3/contenttype/forms"/>
+    <ds:schemaRef ds:uri="http://schemas.microsoft.com/office/2006/metadata/contentType"/>
+    <ds:schemaRef ds:uri="http://schemas.microsoft.com/office/2006/metadata/properties/metaAttributes"/>
+    <ds:schemaRef ds:uri="http://www.w3.org/2001/XMLSchema"/>
+    <ds:schemaRef ds:uri="http://schemas.microsoft.com/office/2006/metadata/properties"/>
+    <ds:schemaRef ds:uri="636b0322-90fb-440c-9cbc-22749e7231e9"/>
+    <ds:schemaRef ds:uri="http://schemas.microsoft.com/office/2006/documentManagement/types"/>
+    <ds:schemaRef ds:uri="http://schemas.microsoft.com/office/infopath/2007/PartnerControls"/>
+    <ds:schemaRef ds:uri="http://schemas.openxmlformats.org/package/2006/metadata/core-properties"/>
+    <ds:schemaRef ds:uri="http://purl.org/dc/elements/1.1/"/>
+    <ds:schemaRef ds:uri="http://purl.org/dc/terms/"/>
+    <ds:schemaRef ds:uri="http://schemas.microsoft.com/internal/obd"/>
   </ds:schemaRefs>
 </ds:datastoreItem>
 </file>